--- a/diagrams/calciumgan-pipeline.pptx
+++ b/diagrams/calciumgan-pipeline.pptx
@@ -243,7 +243,7 @@
           <a:p>
             <a:fld id="{77FD92D2-A554-7447-906B-95AD3CE4CD8B}" type="datetimeFigureOut">
               <a:rPr lang="en-US" smtClean="0"/>
-              <a:t>5/18/20</a:t>
+              <a:t>6/4/20</a:t>
             </a:fld>
             <a:endParaRPr lang="en-US"/>
           </a:p>
@@ -413,7 +413,7 @@
           <a:p>
             <a:fld id="{77FD92D2-A554-7447-906B-95AD3CE4CD8B}" type="datetimeFigureOut">
               <a:rPr lang="en-US" smtClean="0"/>
-              <a:t>5/18/20</a:t>
+              <a:t>6/4/20</a:t>
             </a:fld>
             <a:endParaRPr lang="en-US"/>
           </a:p>
@@ -593,7 +593,7 @@
           <a:p>
             <a:fld id="{77FD92D2-A554-7447-906B-95AD3CE4CD8B}" type="datetimeFigureOut">
               <a:rPr lang="en-US" smtClean="0"/>
-              <a:t>5/18/20</a:t>
+              <a:t>6/4/20</a:t>
             </a:fld>
             <a:endParaRPr lang="en-US"/>
           </a:p>
@@ -763,7 +763,7 @@
           <a:p>
             <a:fld id="{77FD92D2-A554-7447-906B-95AD3CE4CD8B}" type="datetimeFigureOut">
               <a:rPr lang="en-US" smtClean="0"/>
-              <a:t>5/18/20</a:t>
+              <a:t>6/4/20</a:t>
             </a:fld>
             <a:endParaRPr lang="en-US"/>
           </a:p>
@@ -1009,7 +1009,7 @@
           <a:p>
             <a:fld id="{77FD92D2-A554-7447-906B-95AD3CE4CD8B}" type="datetimeFigureOut">
               <a:rPr lang="en-US" smtClean="0"/>
-              <a:t>5/18/20</a:t>
+              <a:t>6/4/20</a:t>
             </a:fld>
             <a:endParaRPr lang="en-US"/>
           </a:p>
@@ -1241,7 +1241,7 @@
           <a:p>
             <a:fld id="{77FD92D2-A554-7447-906B-95AD3CE4CD8B}" type="datetimeFigureOut">
               <a:rPr lang="en-US" smtClean="0"/>
-              <a:t>5/18/20</a:t>
+              <a:t>6/4/20</a:t>
             </a:fld>
             <a:endParaRPr lang="en-US"/>
           </a:p>
@@ -1608,7 +1608,7 @@
           <a:p>
             <a:fld id="{77FD92D2-A554-7447-906B-95AD3CE4CD8B}" type="datetimeFigureOut">
               <a:rPr lang="en-US" smtClean="0"/>
-              <a:t>5/18/20</a:t>
+              <a:t>6/4/20</a:t>
             </a:fld>
             <a:endParaRPr lang="en-US"/>
           </a:p>
@@ -1726,7 +1726,7 @@
           <a:p>
             <a:fld id="{77FD92D2-A554-7447-906B-95AD3CE4CD8B}" type="datetimeFigureOut">
               <a:rPr lang="en-US" smtClean="0"/>
-              <a:t>5/18/20</a:t>
+              <a:t>6/4/20</a:t>
             </a:fld>
             <a:endParaRPr lang="en-US"/>
           </a:p>
@@ -1821,7 +1821,7 @@
           <a:p>
             <a:fld id="{77FD92D2-A554-7447-906B-95AD3CE4CD8B}" type="datetimeFigureOut">
               <a:rPr lang="en-US" smtClean="0"/>
-              <a:t>5/18/20</a:t>
+              <a:t>6/4/20</a:t>
             </a:fld>
             <a:endParaRPr lang="en-US"/>
           </a:p>
@@ -2098,7 +2098,7 @@
           <a:p>
             <a:fld id="{77FD92D2-A554-7447-906B-95AD3CE4CD8B}" type="datetimeFigureOut">
               <a:rPr lang="en-US" smtClean="0"/>
-              <a:t>5/18/20</a:t>
+              <a:t>6/4/20</a:t>
             </a:fld>
             <a:endParaRPr lang="en-US"/>
           </a:p>
@@ -2355,7 +2355,7 @@
           <a:p>
             <a:fld id="{77FD92D2-A554-7447-906B-95AD3CE4CD8B}" type="datetimeFigureOut">
               <a:rPr lang="en-US" smtClean="0"/>
-              <a:t>5/18/20</a:t>
+              <a:t>6/4/20</a:t>
             </a:fld>
             <a:endParaRPr lang="en-US"/>
           </a:p>
@@ -2568,7 +2568,7 @@
           <a:p>
             <a:fld id="{77FD92D2-A554-7447-906B-95AD3CE4CD8B}" type="datetimeFigureOut">
               <a:rPr lang="en-US" smtClean="0"/>
-              <a:t>5/18/20</a:t>
+              <a:t>6/4/20</a:t>
             </a:fld>
             <a:endParaRPr lang="en-US"/>
           </a:p>
@@ -2973,12 +2973,720 @@
           <a:chExt cx="0" cy="0"/>
         </a:xfrm>
       </p:grpSpPr>
+      <p:sp>
+        <p:nvSpPr>
+          <p:cNvPr id="10" name="Rectangle 9">
+            <a:extLst>
+              <a:ext uri="{FF2B5EF4-FFF2-40B4-BE49-F238E27FC236}">
+                <a16:creationId xmlns:a16="http://schemas.microsoft.com/office/drawing/2014/main" id="{9571A846-6369-5044-ADDB-D8C182548115}"/>
+              </a:ext>
+            </a:extLst>
+          </p:cNvPr>
+          <p:cNvSpPr/>
+          <p:nvPr/>
+        </p:nvSpPr>
+        <p:spPr>
+          <a:xfrm>
+            <a:off x="12610207" y="767004"/>
+            <a:ext cx="1688115" cy="730276"/>
+          </a:xfrm>
+          <a:prstGeom prst="rect">
+            <a:avLst/>
+          </a:prstGeom>
+        </p:spPr>
+        <p:style>
+          <a:lnRef idx="2">
+            <a:schemeClr val="accent1">
+              <a:shade val="50000"/>
+            </a:schemeClr>
+          </a:lnRef>
+          <a:fillRef idx="1">
+            <a:schemeClr val="accent1"/>
+          </a:fillRef>
+          <a:effectRef idx="0">
+            <a:schemeClr val="accent1"/>
+          </a:effectRef>
+          <a:fontRef idx="minor">
+            <a:schemeClr val="lt1"/>
+          </a:fontRef>
+        </p:style>
+        <p:txBody>
+          <a:bodyPr rot="0" spcFirstLastPara="0" vertOverflow="overflow" horzOverflow="overflow" vert="horz" wrap="square" lIns="95991" tIns="47995" rIns="95991" bIns="47995" numCol="1" spcCol="0" rtlCol="0" fromWordArt="0" anchor="ctr" anchorCtr="0" forceAA="0" compatLnSpc="1">
+            <a:prstTxWarp prst="textNoShape">
+              <a:avLst/>
+            </a:prstTxWarp>
+            <a:noAutofit/>
+          </a:bodyPr>
+          <a:lstStyle/>
+          <a:p>
+            <a:pPr algn="ctr"/>
+            <a:r>
+              <a:rPr lang="en-US" sz="1600" dirty="0"/>
+              <a:t>Spike analysis with Elephant</a:t>
+            </a:r>
+          </a:p>
+        </p:txBody>
+      </p:sp>
+      <p:cxnSp>
+        <p:nvCxnSpPr>
+          <p:cNvPr id="41" name="Straight Arrow Connector 40">
+            <a:extLst>
+              <a:ext uri="{FF2B5EF4-FFF2-40B4-BE49-F238E27FC236}">
+                <a16:creationId xmlns:a16="http://schemas.microsoft.com/office/drawing/2014/main" id="{8E8E599D-9A7C-574A-B2F4-63146A1D93AC}"/>
+              </a:ext>
+            </a:extLst>
+          </p:cNvPr>
+          <p:cNvCxnSpPr>
+            <a:cxnSpLocks/>
+            <a:stCxn id="67" idx="3"/>
+            <a:endCxn id="10" idx="1"/>
+          </p:cNvCxnSpPr>
+          <p:nvPr/>
+        </p:nvCxnSpPr>
+        <p:spPr>
+          <a:xfrm>
+            <a:off x="12178085" y="593156"/>
+            <a:ext cx="432122" cy="538986"/>
+          </a:xfrm>
+          <a:prstGeom prst="straightConnector1">
+            <a:avLst/>
+          </a:prstGeom>
+          <a:ln>
+            <a:tailEnd type="triangle"/>
+          </a:ln>
+        </p:spPr>
+        <p:style>
+          <a:lnRef idx="1">
+            <a:schemeClr val="accent1"/>
+          </a:lnRef>
+          <a:fillRef idx="0">
+            <a:schemeClr val="accent1"/>
+          </a:fillRef>
+          <a:effectRef idx="0">
+            <a:schemeClr val="accent1"/>
+          </a:effectRef>
+          <a:fontRef idx="minor">
+            <a:schemeClr val="tx1"/>
+          </a:fontRef>
+        </p:style>
+      </p:cxnSp>
+      <p:cxnSp>
+        <p:nvCxnSpPr>
+          <p:cNvPr id="43" name="Straight Arrow Connector 42">
+            <a:extLst>
+              <a:ext uri="{FF2B5EF4-FFF2-40B4-BE49-F238E27FC236}">
+                <a16:creationId xmlns:a16="http://schemas.microsoft.com/office/drawing/2014/main" id="{3CD87BA8-91C1-8848-998A-7CB46D365A12}"/>
+              </a:ext>
+            </a:extLst>
+          </p:cNvPr>
+          <p:cNvCxnSpPr>
+            <a:cxnSpLocks/>
+            <a:stCxn id="61" idx="3"/>
+            <a:endCxn id="10" idx="1"/>
+          </p:cNvCxnSpPr>
+          <p:nvPr/>
+        </p:nvCxnSpPr>
+        <p:spPr>
+          <a:xfrm flipV="1">
+            <a:off x="12172950" y="1132142"/>
+            <a:ext cx="437257" cy="513428"/>
+          </a:xfrm>
+          <a:prstGeom prst="straightConnector1">
+            <a:avLst/>
+          </a:prstGeom>
+          <a:ln>
+            <a:tailEnd type="triangle"/>
+          </a:ln>
+        </p:spPr>
+        <p:style>
+          <a:lnRef idx="1">
+            <a:schemeClr val="accent1"/>
+          </a:lnRef>
+          <a:fillRef idx="0">
+            <a:schemeClr val="accent1"/>
+          </a:fillRef>
+          <a:effectRef idx="0">
+            <a:schemeClr val="accent1"/>
+          </a:effectRef>
+          <a:fontRef idx="minor">
+            <a:schemeClr val="tx1"/>
+          </a:fontRef>
+        </p:style>
+      </p:cxnSp>
+      <p:sp>
+        <p:nvSpPr>
+          <p:cNvPr id="5" name="Rectangle 4">
+            <a:extLst>
+              <a:ext uri="{FF2B5EF4-FFF2-40B4-BE49-F238E27FC236}">
+                <a16:creationId xmlns:a16="http://schemas.microsoft.com/office/drawing/2014/main" id="{E862E188-9025-1041-AD5C-4982D42AEC66}"/>
+              </a:ext>
+            </a:extLst>
+          </p:cNvPr>
+          <p:cNvSpPr/>
+          <p:nvPr/>
+        </p:nvSpPr>
+        <p:spPr>
+          <a:xfrm>
+            <a:off x="1790006" y="232983"/>
+            <a:ext cx="1472962" cy="730276"/>
+          </a:xfrm>
+          <a:prstGeom prst="rect">
+            <a:avLst/>
+          </a:prstGeom>
+        </p:spPr>
+        <p:style>
+          <a:lnRef idx="2">
+            <a:schemeClr val="accent1">
+              <a:shade val="50000"/>
+            </a:schemeClr>
+          </a:lnRef>
+          <a:fillRef idx="1">
+            <a:schemeClr val="accent1"/>
+          </a:fillRef>
+          <a:effectRef idx="0">
+            <a:schemeClr val="accent1"/>
+          </a:effectRef>
+          <a:fontRef idx="minor">
+            <a:schemeClr val="lt1"/>
+          </a:fontRef>
+        </p:style>
+        <p:txBody>
+          <a:bodyPr rot="0" spcFirstLastPara="0" vertOverflow="overflow" horzOverflow="overflow" vert="horz" wrap="square" lIns="95991" tIns="47995" rIns="95991" bIns="47995" numCol="1" spcCol="0" rtlCol="0" fromWordArt="0" anchor="ctr" anchorCtr="0" forceAA="0" compatLnSpc="1">
+            <a:prstTxWarp prst="textNoShape">
+              <a:avLst/>
+            </a:prstTxWarp>
+            <a:noAutofit/>
+          </a:bodyPr>
+          <a:lstStyle/>
+          <a:p>
+            <a:pPr algn="ctr"/>
+            <a:r>
+              <a:rPr lang="en-US" sz="1600" dirty="0"/>
+              <a:t>normalization</a:t>
+            </a:r>
+          </a:p>
+          <a:p>
+            <a:pPr algn="ctr"/>
+            <a:r>
+              <a:rPr lang="en-US" sz="1600" dirty="0"/>
+              <a:t>segmentation</a:t>
+            </a:r>
+          </a:p>
+        </p:txBody>
+      </p:sp>
+      <p:sp>
+        <p:nvSpPr>
+          <p:cNvPr id="15" name="Rectangle 14">
+            <a:extLst>
+              <a:ext uri="{FF2B5EF4-FFF2-40B4-BE49-F238E27FC236}">
+                <a16:creationId xmlns:a16="http://schemas.microsoft.com/office/drawing/2014/main" id="{ACD77658-05A8-6044-B048-3FD6F84ED5E4}"/>
+              </a:ext>
+            </a:extLst>
+          </p:cNvPr>
+          <p:cNvSpPr/>
+          <p:nvPr/>
+        </p:nvSpPr>
+        <p:spPr>
+          <a:xfrm>
+            <a:off x="1790006" y="1265351"/>
+            <a:ext cx="1472962" cy="730276"/>
+          </a:xfrm>
+          <a:prstGeom prst="rect">
+            <a:avLst/>
+          </a:prstGeom>
+        </p:spPr>
+        <p:style>
+          <a:lnRef idx="2">
+            <a:schemeClr val="accent1">
+              <a:shade val="50000"/>
+            </a:schemeClr>
+          </a:lnRef>
+          <a:fillRef idx="1">
+            <a:schemeClr val="accent1"/>
+          </a:fillRef>
+          <a:effectRef idx="0">
+            <a:schemeClr val="accent1"/>
+          </a:effectRef>
+          <a:fontRef idx="minor">
+            <a:schemeClr val="lt1"/>
+          </a:fontRef>
+        </p:style>
+        <p:txBody>
+          <a:bodyPr rot="0" spcFirstLastPara="0" vertOverflow="overflow" horzOverflow="overflow" vert="horz" wrap="square" lIns="95991" tIns="47995" rIns="95991" bIns="47995" numCol="1" spcCol="0" rtlCol="0" fromWordArt="0" anchor="ctr" anchorCtr="0" forceAA="0" compatLnSpc="1">
+            <a:prstTxWarp prst="textNoShape">
+              <a:avLst/>
+            </a:prstTxWarp>
+            <a:noAutofit/>
+          </a:bodyPr>
+          <a:lstStyle/>
+          <a:p>
+            <a:pPr algn="ctr"/>
+            <a:r>
+              <a:rPr lang="en-US" sz="1600" dirty="0"/>
+              <a:t>OASIS</a:t>
+            </a:r>
+          </a:p>
+        </p:txBody>
+      </p:sp>
+      <p:cxnSp>
+        <p:nvCxnSpPr>
+          <p:cNvPr id="20" name="Straight Arrow Connector 19">
+            <a:extLst>
+              <a:ext uri="{FF2B5EF4-FFF2-40B4-BE49-F238E27FC236}">
+                <a16:creationId xmlns:a16="http://schemas.microsoft.com/office/drawing/2014/main" id="{846996C5-2D7D-7149-BA5E-FA0D856E871C}"/>
+              </a:ext>
+            </a:extLst>
+          </p:cNvPr>
+          <p:cNvCxnSpPr>
+            <a:cxnSpLocks/>
+            <a:stCxn id="17" idx="3"/>
+            <a:endCxn id="5" idx="1"/>
+          </p:cNvCxnSpPr>
+          <p:nvPr/>
+        </p:nvCxnSpPr>
+        <p:spPr>
+          <a:xfrm flipV="1">
+            <a:off x="1496886" y="598121"/>
+            <a:ext cx="293120" cy="431916"/>
+          </a:xfrm>
+          <a:prstGeom prst="straightConnector1">
+            <a:avLst/>
+          </a:prstGeom>
+          <a:ln>
+            <a:tailEnd type="triangle"/>
+          </a:ln>
+        </p:spPr>
+        <p:style>
+          <a:lnRef idx="1">
+            <a:schemeClr val="accent1"/>
+          </a:lnRef>
+          <a:fillRef idx="0">
+            <a:schemeClr val="accent1"/>
+          </a:fillRef>
+          <a:effectRef idx="0">
+            <a:schemeClr val="accent1"/>
+          </a:effectRef>
+          <a:fontRef idx="minor">
+            <a:schemeClr val="tx1"/>
+          </a:fontRef>
+        </p:style>
+      </p:cxnSp>
+      <p:cxnSp>
+        <p:nvCxnSpPr>
+          <p:cNvPr id="22" name="Straight Arrow Connector 21">
+            <a:extLst>
+              <a:ext uri="{FF2B5EF4-FFF2-40B4-BE49-F238E27FC236}">
+                <a16:creationId xmlns:a16="http://schemas.microsoft.com/office/drawing/2014/main" id="{9560844A-40F8-134B-A72B-F302B388A99B}"/>
+              </a:ext>
+            </a:extLst>
+          </p:cNvPr>
+          <p:cNvCxnSpPr>
+            <a:cxnSpLocks/>
+            <a:stCxn id="17" idx="3"/>
+            <a:endCxn id="15" idx="1"/>
+          </p:cNvCxnSpPr>
+          <p:nvPr/>
+        </p:nvCxnSpPr>
+        <p:spPr>
+          <a:xfrm>
+            <a:off x="1496886" y="1030037"/>
+            <a:ext cx="293120" cy="600452"/>
+          </a:xfrm>
+          <a:prstGeom prst="straightConnector1">
+            <a:avLst/>
+          </a:prstGeom>
+          <a:ln>
+            <a:tailEnd type="triangle"/>
+          </a:ln>
+        </p:spPr>
+        <p:style>
+          <a:lnRef idx="1">
+            <a:schemeClr val="accent1"/>
+          </a:lnRef>
+          <a:fillRef idx="0">
+            <a:schemeClr val="accent1"/>
+          </a:fillRef>
+          <a:effectRef idx="0">
+            <a:schemeClr val="accent1"/>
+          </a:effectRef>
+          <a:fontRef idx="minor">
+            <a:schemeClr val="tx1"/>
+          </a:fontRef>
+        </p:style>
+      </p:cxnSp>
+      <p:cxnSp>
+        <p:nvCxnSpPr>
+          <p:cNvPr id="31" name="Straight Arrow Connector 30">
+            <a:extLst>
+              <a:ext uri="{FF2B5EF4-FFF2-40B4-BE49-F238E27FC236}">
+                <a16:creationId xmlns:a16="http://schemas.microsoft.com/office/drawing/2014/main" id="{8111A0A9-0C7B-A145-872D-8D9D1974E26C}"/>
+              </a:ext>
+            </a:extLst>
+          </p:cNvPr>
+          <p:cNvCxnSpPr>
+            <a:cxnSpLocks/>
+            <a:stCxn id="5" idx="3"/>
+            <a:endCxn id="51" idx="1"/>
+          </p:cNvCxnSpPr>
+          <p:nvPr/>
+        </p:nvCxnSpPr>
+        <p:spPr>
+          <a:xfrm>
+            <a:off x="3262968" y="598121"/>
+            <a:ext cx="312079" cy="302145"/>
+          </a:xfrm>
+          <a:prstGeom prst="straightConnector1">
+            <a:avLst/>
+          </a:prstGeom>
+          <a:ln>
+            <a:tailEnd type="triangle"/>
+          </a:ln>
+        </p:spPr>
+        <p:style>
+          <a:lnRef idx="1">
+            <a:schemeClr val="accent1"/>
+          </a:lnRef>
+          <a:fillRef idx="0">
+            <a:schemeClr val="accent1"/>
+          </a:fillRef>
+          <a:effectRef idx="0">
+            <a:schemeClr val="accent1"/>
+          </a:effectRef>
+          <a:fontRef idx="minor">
+            <a:schemeClr val="tx1"/>
+          </a:fontRef>
+        </p:style>
+      </p:cxnSp>
+      <p:cxnSp>
+        <p:nvCxnSpPr>
+          <p:cNvPr id="39" name="Straight Arrow Connector 38">
+            <a:extLst>
+              <a:ext uri="{FF2B5EF4-FFF2-40B4-BE49-F238E27FC236}">
+                <a16:creationId xmlns:a16="http://schemas.microsoft.com/office/drawing/2014/main" id="{14A03A3C-62D7-2349-8CBC-A79F525A960E}"/>
+              </a:ext>
+            </a:extLst>
+          </p:cNvPr>
+          <p:cNvCxnSpPr>
+            <a:cxnSpLocks/>
+            <a:stCxn id="15" idx="3"/>
+            <a:endCxn id="61" idx="1"/>
+          </p:cNvCxnSpPr>
+          <p:nvPr/>
+        </p:nvCxnSpPr>
+        <p:spPr>
+          <a:xfrm>
+            <a:off x="3262968" y="1630489"/>
+            <a:ext cx="7381886" cy="15081"/>
+          </a:xfrm>
+          <a:prstGeom prst="straightConnector1">
+            <a:avLst/>
+          </a:prstGeom>
+          <a:ln>
+            <a:tailEnd type="triangle"/>
+          </a:ln>
+        </p:spPr>
+        <p:style>
+          <a:lnRef idx="1">
+            <a:schemeClr val="accent1"/>
+          </a:lnRef>
+          <a:fillRef idx="0">
+            <a:schemeClr val="accent1"/>
+          </a:fillRef>
+          <a:effectRef idx="0">
+            <a:schemeClr val="accent1"/>
+          </a:effectRef>
+          <a:fontRef idx="minor">
+            <a:schemeClr val="tx1"/>
+          </a:fontRef>
+        </p:style>
+      </p:cxnSp>
+      <p:sp>
+        <p:nvSpPr>
+          <p:cNvPr id="13" name="Rectangle 12">
+            <a:extLst>
+              <a:ext uri="{FF2B5EF4-FFF2-40B4-BE49-F238E27FC236}">
+                <a16:creationId xmlns:a16="http://schemas.microsoft.com/office/drawing/2014/main" id="{069ADA21-72B3-F04D-970F-FFF8E855F168}"/>
+              </a:ext>
+            </a:extLst>
+          </p:cNvPr>
+          <p:cNvSpPr/>
+          <p:nvPr/>
+        </p:nvSpPr>
+        <p:spPr>
+          <a:xfrm>
+            <a:off x="5384000" y="229016"/>
+            <a:ext cx="1472962" cy="730276"/>
+          </a:xfrm>
+          <a:prstGeom prst="rect">
+            <a:avLst/>
+          </a:prstGeom>
+        </p:spPr>
+        <p:style>
+          <a:lnRef idx="2">
+            <a:schemeClr val="accent1">
+              <a:shade val="50000"/>
+            </a:schemeClr>
+          </a:lnRef>
+          <a:fillRef idx="1">
+            <a:schemeClr val="accent1"/>
+          </a:fillRef>
+          <a:effectRef idx="0">
+            <a:schemeClr val="accent1"/>
+          </a:effectRef>
+          <a:fontRef idx="minor">
+            <a:schemeClr val="lt1"/>
+          </a:fontRef>
+        </p:style>
+        <p:txBody>
+          <a:bodyPr rot="0" spcFirstLastPara="0" vertOverflow="overflow" horzOverflow="overflow" vert="horz" wrap="square" lIns="95991" tIns="47995" rIns="95991" bIns="47995" numCol="1" spcCol="0" rtlCol="0" fromWordArt="0" anchor="ctr" anchorCtr="0" forceAA="0" compatLnSpc="1">
+            <a:prstTxWarp prst="textNoShape">
+              <a:avLst/>
+            </a:prstTxWarp>
+            <a:noAutofit/>
+          </a:bodyPr>
+          <a:lstStyle/>
+          <a:p>
+            <a:pPr algn="ctr"/>
+            <a:r>
+              <a:rPr lang="en-US" sz="1600" dirty="0" err="1"/>
+              <a:t>CalciumGAN</a:t>
+            </a:r>
+            <a:endParaRPr lang="en-US" sz="1600" dirty="0"/>
+          </a:p>
+        </p:txBody>
+      </p:sp>
+      <p:sp>
+        <p:nvSpPr>
+          <p:cNvPr id="14" name="Rectangle 13">
+            <a:extLst>
+              <a:ext uri="{FF2B5EF4-FFF2-40B4-BE49-F238E27FC236}">
+                <a16:creationId xmlns:a16="http://schemas.microsoft.com/office/drawing/2014/main" id="{E91125E9-6846-D34B-8437-81CF995EBC51}"/>
+              </a:ext>
+            </a:extLst>
+          </p:cNvPr>
+          <p:cNvSpPr/>
+          <p:nvPr/>
+        </p:nvSpPr>
+        <p:spPr>
+          <a:xfrm>
+            <a:off x="8873672" y="229016"/>
+            <a:ext cx="1472962" cy="730276"/>
+          </a:xfrm>
+          <a:prstGeom prst="rect">
+            <a:avLst/>
+          </a:prstGeom>
+        </p:spPr>
+        <p:style>
+          <a:lnRef idx="2">
+            <a:schemeClr val="accent1">
+              <a:shade val="50000"/>
+            </a:schemeClr>
+          </a:lnRef>
+          <a:fillRef idx="1">
+            <a:schemeClr val="accent1"/>
+          </a:fillRef>
+          <a:effectRef idx="0">
+            <a:schemeClr val="accent1"/>
+          </a:effectRef>
+          <a:fontRef idx="minor">
+            <a:schemeClr val="lt1"/>
+          </a:fontRef>
+        </p:style>
+        <p:txBody>
+          <a:bodyPr rot="0" spcFirstLastPara="0" vertOverflow="overflow" horzOverflow="overflow" vert="horz" wrap="square" lIns="95991" tIns="47995" rIns="95991" bIns="47995" numCol="1" spcCol="0" rtlCol="0" fromWordArt="0" anchor="ctr" anchorCtr="0" forceAA="0" compatLnSpc="1">
+            <a:prstTxWarp prst="textNoShape">
+              <a:avLst/>
+            </a:prstTxWarp>
+            <a:noAutofit/>
+          </a:bodyPr>
+          <a:lstStyle/>
+          <a:p>
+            <a:pPr algn="ctr"/>
+            <a:r>
+              <a:rPr lang="en-US" sz="1600" dirty="0"/>
+              <a:t>OASIS</a:t>
+            </a:r>
+          </a:p>
+        </p:txBody>
+      </p:sp>
+      <p:cxnSp>
+        <p:nvCxnSpPr>
+          <p:cNvPr id="33" name="Straight Arrow Connector 32">
+            <a:extLst>
+              <a:ext uri="{FF2B5EF4-FFF2-40B4-BE49-F238E27FC236}">
+                <a16:creationId xmlns:a16="http://schemas.microsoft.com/office/drawing/2014/main" id="{7A657BE2-17C3-0C43-AF6D-7F38E9E820A0}"/>
+              </a:ext>
+            </a:extLst>
+          </p:cNvPr>
+          <p:cNvCxnSpPr>
+            <a:cxnSpLocks/>
+            <a:stCxn id="13" idx="3"/>
+            <a:endCxn id="72" idx="1"/>
+          </p:cNvCxnSpPr>
+          <p:nvPr/>
+        </p:nvCxnSpPr>
+        <p:spPr>
+          <a:xfrm>
+            <a:off x="6856962" y="594154"/>
+            <a:ext cx="219292" cy="441"/>
+          </a:xfrm>
+          <a:prstGeom prst="straightConnector1">
+            <a:avLst/>
+          </a:prstGeom>
+          <a:ln>
+            <a:tailEnd type="triangle"/>
+          </a:ln>
+        </p:spPr>
+        <p:style>
+          <a:lnRef idx="1">
+            <a:schemeClr val="accent1"/>
+          </a:lnRef>
+          <a:fillRef idx="0">
+            <a:schemeClr val="accent1"/>
+          </a:fillRef>
+          <a:effectRef idx="0">
+            <a:schemeClr val="accent1"/>
+          </a:effectRef>
+          <a:fontRef idx="minor">
+            <a:schemeClr val="tx1"/>
+          </a:fontRef>
+        </p:style>
+      </p:cxnSp>
+      <p:cxnSp>
+        <p:nvCxnSpPr>
+          <p:cNvPr id="35" name="Straight Arrow Connector 34">
+            <a:extLst>
+              <a:ext uri="{FF2B5EF4-FFF2-40B4-BE49-F238E27FC236}">
+                <a16:creationId xmlns:a16="http://schemas.microsoft.com/office/drawing/2014/main" id="{A233741B-8EF6-F846-B3B4-914981208072}"/>
+              </a:ext>
+            </a:extLst>
+          </p:cNvPr>
+          <p:cNvCxnSpPr>
+            <a:cxnSpLocks/>
+            <a:stCxn id="72" idx="3"/>
+            <a:endCxn id="14" idx="1"/>
+          </p:cNvCxnSpPr>
+          <p:nvPr/>
+        </p:nvCxnSpPr>
+        <p:spPr>
+          <a:xfrm flipV="1">
+            <a:off x="8655043" y="594154"/>
+            <a:ext cx="218629" cy="441"/>
+          </a:xfrm>
+          <a:prstGeom prst="straightConnector1">
+            <a:avLst/>
+          </a:prstGeom>
+          <a:ln>
+            <a:tailEnd type="triangle"/>
+          </a:ln>
+        </p:spPr>
+        <p:style>
+          <a:lnRef idx="1">
+            <a:schemeClr val="accent1"/>
+          </a:lnRef>
+          <a:fillRef idx="0">
+            <a:schemeClr val="accent1"/>
+          </a:fillRef>
+          <a:effectRef idx="0">
+            <a:schemeClr val="accent1"/>
+          </a:effectRef>
+          <a:fontRef idx="minor">
+            <a:schemeClr val="tx1"/>
+          </a:fontRef>
+        </p:style>
+      </p:cxnSp>
+      <p:cxnSp>
+        <p:nvCxnSpPr>
+          <p:cNvPr id="37" name="Straight Arrow Connector 36">
+            <a:extLst>
+              <a:ext uri="{FF2B5EF4-FFF2-40B4-BE49-F238E27FC236}">
+                <a16:creationId xmlns:a16="http://schemas.microsoft.com/office/drawing/2014/main" id="{B50BE28C-3C28-D045-9403-432D1664E8D0}"/>
+              </a:ext>
+            </a:extLst>
+          </p:cNvPr>
+          <p:cNvCxnSpPr>
+            <a:cxnSpLocks/>
+            <a:stCxn id="14" idx="3"/>
+            <a:endCxn id="67" idx="1"/>
+          </p:cNvCxnSpPr>
+          <p:nvPr/>
+        </p:nvCxnSpPr>
+        <p:spPr>
+          <a:xfrm flipV="1">
+            <a:off x="10346634" y="593156"/>
+            <a:ext cx="293084" cy="998"/>
+          </a:xfrm>
+          <a:prstGeom prst="straightConnector1">
+            <a:avLst/>
+          </a:prstGeom>
+          <a:ln>
+            <a:tailEnd type="triangle"/>
+          </a:ln>
+        </p:spPr>
+        <p:style>
+          <a:lnRef idx="1">
+            <a:schemeClr val="accent1"/>
+          </a:lnRef>
+          <a:fillRef idx="0">
+            <a:schemeClr val="accent1"/>
+          </a:fillRef>
+          <a:effectRef idx="0">
+            <a:schemeClr val="accent1"/>
+          </a:effectRef>
+          <a:fontRef idx="minor">
+            <a:schemeClr val="tx1"/>
+          </a:fontRef>
+        </p:style>
+      </p:cxnSp>
+      <p:cxnSp>
+        <p:nvCxnSpPr>
+          <p:cNvPr id="54" name="Straight Arrow Connector 53">
+            <a:extLst>
+              <a:ext uri="{FF2B5EF4-FFF2-40B4-BE49-F238E27FC236}">
+                <a16:creationId xmlns:a16="http://schemas.microsoft.com/office/drawing/2014/main" id="{83B2C754-AE9B-A04F-85D6-94132A988206}"/>
+              </a:ext>
+            </a:extLst>
+          </p:cNvPr>
+          <p:cNvCxnSpPr>
+            <a:cxnSpLocks/>
+            <a:stCxn id="51" idx="3"/>
+            <a:endCxn id="13" idx="1"/>
+          </p:cNvCxnSpPr>
+          <p:nvPr/>
+        </p:nvCxnSpPr>
+        <p:spPr>
+          <a:xfrm flipV="1">
+            <a:off x="5071921" y="594154"/>
+            <a:ext cx="312079" cy="306112"/>
+          </a:xfrm>
+          <a:prstGeom prst="straightConnector1">
+            <a:avLst/>
+          </a:prstGeom>
+          <a:ln>
+            <a:tailEnd type="triangle"/>
+          </a:ln>
+        </p:spPr>
+        <p:style>
+          <a:lnRef idx="1">
+            <a:schemeClr val="accent1"/>
+          </a:lnRef>
+          <a:fillRef idx="0">
+            <a:schemeClr val="accent1"/>
+          </a:fillRef>
+          <a:effectRef idx="0">
+            <a:schemeClr val="accent1"/>
+          </a:effectRef>
+          <a:fontRef idx="minor">
+            <a:schemeClr val="tx1"/>
+          </a:fontRef>
+        </p:style>
+      </p:cxnSp>
       <p:grpSp>
         <p:nvGrpSpPr>
-          <p:cNvPr id="101" name="Group 100">
+          <p:cNvPr id="28" name="Group 27">
             <a:extLst>
               <a:ext uri="{FF2B5EF4-FFF2-40B4-BE49-F238E27FC236}">
-                <a16:creationId xmlns:a16="http://schemas.microsoft.com/office/drawing/2014/main" id="{1AC08F9D-6119-0C43-9923-479A887D317F}"/>
+                <a16:creationId xmlns:a16="http://schemas.microsoft.com/office/drawing/2014/main" id="{92073B21-BE7B-D34F-A449-FEA50DE46770}"/>
               </a:ext>
             </a:extLst>
           </p:cNvPr>
@@ -2987,18 +3695,21 @@
         </p:nvGrpSpPr>
         <p:grpSpPr>
           <a:xfrm>
-            <a:off x="254098" y="27893"/>
-            <a:ext cx="13892015" cy="2104802"/>
-            <a:chOff x="183650" y="335614"/>
-            <a:chExt cx="13892015" cy="2104802"/>
-          </a:xfrm>
+            <a:off x="23924" y="359294"/>
+            <a:ext cx="1472962" cy="1341485"/>
+            <a:chOff x="324547" y="1614038"/>
+            <a:chExt cx="1472962" cy="923705"/>
+          </a:xfrm>
+          <a:solidFill>
+            <a:schemeClr val="bg1"/>
+          </a:solidFill>
         </p:grpSpPr>
         <p:sp>
           <p:nvSpPr>
-            <p:cNvPr id="10" name="Rectangle 9">
+            <p:cNvPr id="17" name="Rectangle 16">
               <a:extLst>
                 <a:ext uri="{FF2B5EF4-FFF2-40B4-BE49-F238E27FC236}">
-                  <a16:creationId xmlns:a16="http://schemas.microsoft.com/office/drawing/2014/main" id="{9571A846-6369-5044-ADDB-D8C182548115}"/>
+                  <a16:creationId xmlns:a16="http://schemas.microsoft.com/office/drawing/2014/main" id="{C5EE6630-DAFF-0246-AC2D-1C83B3B8DEE6}"/>
                 </a:ext>
               </a:extLst>
             </p:cNvPr>
@@ -3007,850 +3718,18 @@
           </p:nvSpPr>
           <p:spPr>
             <a:xfrm>
-              <a:off x="12387550" y="1074725"/>
-              <a:ext cx="1688115" cy="730276"/>
+              <a:off x="324547" y="1614038"/>
+              <a:ext cx="1472962" cy="923705"/>
             </a:xfrm>
             <a:prstGeom prst="rect">
               <a:avLst/>
             </a:prstGeom>
-          </p:spPr>
-          <p:style>
-            <a:lnRef idx="2">
-              <a:schemeClr val="accent1">
-                <a:shade val="50000"/>
-              </a:schemeClr>
-            </a:lnRef>
-            <a:fillRef idx="1">
-              <a:schemeClr val="accent1"/>
-            </a:fillRef>
-            <a:effectRef idx="0">
-              <a:schemeClr val="accent1"/>
-            </a:effectRef>
-            <a:fontRef idx="minor">
-              <a:schemeClr val="lt1"/>
-            </a:fontRef>
-          </p:style>
-          <p:txBody>
-            <a:bodyPr rot="0" spcFirstLastPara="0" vertOverflow="overflow" horzOverflow="overflow" vert="horz" wrap="square" lIns="95991" tIns="47995" rIns="95991" bIns="47995" numCol="1" spcCol="0" rtlCol="0" fromWordArt="0" anchor="ctr" anchorCtr="0" forceAA="0" compatLnSpc="1">
-              <a:prstTxWarp prst="textNoShape">
-                <a:avLst/>
-              </a:prstTxWarp>
-              <a:noAutofit/>
-            </a:bodyPr>
-            <a:lstStyle/>
-            <a:p>
-              <a:pPr algn="ctr"/>
-              <a:r>
-                <a:rPr lang="en-US" sz="1680" dirty="0"/>
-                <a:t>Spike analysis with Elephant</a:t>
-              </a:r>
-            </a:p>
-          </p:txBody>
-        </p:sp>
-        <p:cxnSp>
-          <p:nvCxnSpPr>
-            <p:cNvPr id="41" name="Straight Arrow Connector 40">
-              <a:extLst>
-                <a:ext uri="{FF2B5EF4-FFF2-40B4-BE49-F238E27FC236}">
-                  <a16:creationId xmlns:a16="http://schemas.microsoft.com/office/drawing/2014/main" id="{8E8E599D-9A7C-574A-B2F4-63146A1D93AC}"/>
-                </a:ext>
-              </a:extLst>
-            </p:cNvPr>
-            <p:cNvCxnSpPr>
-              <a:cxnSpLocks/>
-              <a:stCxn id="67" idx="3"/>
-              <a:endCxn id="10" idx="1"/>
-            </p:cNvCxnSpPr>
-            <p:nvPr/>
-          </p:nvCxnSpPr>
-          <p:spPr>
-            <a:xfrm>
-              <a:off x="11882615" y="888533"/>
-              <a:ext cx="504935" cy="551330"/>
-            </a:xfrm>
-            <a:prstGeom prst="straightConnector1">
-              <a:avLst/>
-            </a:prstGeom>
-            <a:ln>
-              <a:tailEnd type="triangle"/>
-            </a:ln>
-          </p:spPr>
-          <p:style>
-            <a:lnRef idx="1">
-              <a:schemeClr val="accent1"/>
-            </a:lnRef>
-            <a:fillRef idx="0">
-              <a:schemeClr val="accent1"/>
-            </a:fillRef>
-            <a:effectRef idx="0">
-              <a:schemeClr val="accent1"/>
-            </a:effectRef>
-            <a:fontRef idx="minor">
-              <a:schemeClr val="tx1"/>
-            </a:fontRef>
-          </p:style>
-        </p:cxnSp>
-        <p:cxnSp>
-          <p:nvCxnSpPr>
-            <p:cNvPr id="43" name="Straight Arrow Connector 42">
-              <a:extLst>
-                <a:ext uri="{FF2B5EF4-FFF2-40B4-BE49-F238E27FC236}">
-                  <a16:creationId xmlns:a16="http://schemas.microsoft.com/office/drawing/2014/main" id="{3CD87BA8-91C1-8848-998A-7CB46D365A12}"/>
-                </a:ext>
-              </a:extLst>
-            </p:cNvPr>
-            <p:cNvCxnSpPr>
-              <a:cxnSpLocks/>
-              <a:stCxn id="61" idx="3"/>
-              <a:endCxn id="10" idx="1"/>
-            </p:cNvCxnSpPr>
-            <p:nvPr/>
-          </p:nvCxnSpPr>
-          <p:spPr>
-            <a:xfrm flipV="1">
-              <a:off x="11882615" y="1439863"/>
-              <a:ext cx="504935" cy="551328"/>
-            </a:xfrm>
-            <a:prstGeom prst="straightConnector1">
-              <a:avLst/>
-            </a:prstGeom>
-            <a:ln>
-              <a:tailEnd type="triangle"/>
-            </a:ln>
-          </p:spPr>
-          <p:style>
-            <a:lnRef idx="1">
-              <a:schemeClr val="accent1"/>
-            </a:lnRef>
-            <a:fillRef idx="0">
-              <a:schemeClr val="accent1"/>
-            </a:fillRef>
-            <a:effectRef idx="0">
-              <a:schemeClr val="accent1"/>
-            </a:effectRef>
-            <a:fontRef idx="minor">
-              <a:schemeClr val="tx1"/>
-            </a:fontRef>
-          </p:style>
-        </p:cxnSp>
-        <p:sp>
-          <p:nvSpPr>
-            <p:cNvPr id="5" name="Rectangle 4">
-              <a:extLst>
-                <a:ext uri="{FF2B5EF4-FFF2-40B4-BE49-F238E27FC236}">
-                  <a16:creationId xmlns:a16="http://schemas.microsoft.com/office/drawing/2014/main" id="{E862E188-9025-1041-AD5C-4982D42AEC66}"/>
-                </a:ext>
-              </a:extLst>
-            </p:cNvPr>
-            <p:cNvSpPr/>
-            <p:nvPr/>
-          </p:nvSpPr>
-          <p:spPr>
-            <a:xfrm>
-              <a:off x="2161367" y="523398"/>
-              <a:ext cx="1472962" cy="730276"/>
-            </a:xfrm>
-            <a:prstGeom prst="rect">
-              <a:avLst/>
-            </a:prstGeom>
-          </p:spPr>
-          <p:style>
-            <a:lnRef idx="2">
-              <a:schemeClr val="accent1">
-                <a:shade val="50000"/>
-              </a:schemeClr>
-            </a:lnRef>
-            <a:fillRef idx="1">
-              <a:schemeClr val="accent1"/>
-            </a:fillRef>
-            <a:effectRef idx="0">
-              <a:schemeClr val="accent1"/>
-            </a:effectRef>
-            <a:fontRef idx="minor">
-              <a:schemeClr val="lt1"/>
-            </a:fontRef>
-          </p:style>
-          <p:txBody>
-            <a:bodyPr rot="0" spcFirstLastPara="0" vertOverflow="overflow" horzOverflow="overflow" vert="horz" wrap="square" lIns="95991" tIns="47995" rIns="95991" bIns="47995" numCol="1" spcCol="0" rtlCol="0" fromWordArt="0" anchor="ctr" anchorCtr="0" forceAA="0" compatLnSpc="1">
-              <a:prstTxWarp prst="textNoShape">
-                <a:avLst/>
-              </a:prstTxWarp>
-              <a:noAutofit/>
-            </a:bodyPr>
-            <a:lstStyle/>
-            <a:p>
-              <a:pPr algn="ctr"/>
-              <a:r>
-                <a:rPr lang="en-US" sz="1680" dirty="0"/>
-                <a:t>Normalization</a:t>
-              </a:r>
-            </a:p>
-            <a:p>
-              <a:pPr algn="ctr"/>
-              <a:r>
-                <a:rPr lang="en-US" sz="1680" dirty="0"/>
-                <a:t>Segmentation</a:t>
-              </a:r>
-            </a:p>
-          </p:txBody>
-        </p:sp>
-        <p:sp>
-          <p:nvSpPr>
-            <p:cNvPr id="15" name="Rectangle 14">
-              <a:extLst>
-                <a:ext uri="{FF2B5EF4-FFF2-40B4-BE49-F238E27FC236}">
-                  <a16:creationId xmlns:a16="http://schemas.microsoft.com/office/drawing/2014/main" id="{ACD77658-05A8-6044-B048-3FD6F84ED5E4}"/>
-                </a:ext>
-              </a:extLst>
-            </p:cNvPr>
-            <p:cNvSpPr/>
-            <p:nvPr/>
-          </p:nvSpPr>
-          <p:spPr>
-            <a:xfrm>
-              <a:off x="2161367" y="1626053"/>
-              <a:ext cx="1472962" cy="730276"/>
-            </a:xfrm>
-            <a:prstGeom prst="rect">
-              <a:avLst/>
-            </a:prstGeom>
-          </p:spPr>
-          <p:style>
-            <a:lnRef idx="2">
-              <a:schemeClr val="accent1">
-                <a:shade val="50000"/>
-              </a:schemeClr>
-            </a:lnRef>
-            <a:fillRef idx="1">
-              <a:schemeClr val="accent1"/>
-            </a:fillRef>
-            <a:effectRef idx="0">
-              <a:schemeClr val="accent1"/>
-            </a:effectRef>
-            <a:fontRef idx="minor">
-              <a:schemeClr val="lt1"/>
-            </a:fontRef>
-          </p:style>
-          <p:txBody>
-            <a:bodyPr rot="0" spcFirstLastPara="0" vertOverflow="overflow" horzOverflow="overflow" vert="horz" wrap="square" lIns="95991" tIns="47995" rIns="95991" bIns="47995" numCol="1" spcCol="0" rtlCol="0" fromWordArt="0" anchor="ctr" anchorCtr="0" forceAA="0" compatLnSpc="1">
-              <a:prstTxWarp prst="textNoShape">
-                <a:avLst/>
-              </a:prstTxWarp>
-              <a:noAutofit/>
-            </a:bodyPr>
-            <a:lstStyle/>
-            <a:p>
-              <a:pPr algn="ctr"/>
-              <a:r>
-                <a:rPr lang="en-US" sz="1680" dirty="0"/>
-                <a:t>OASIS</a:t>
-              </a:r>
-            </a:p>
-          </p:txBody>
-        </p:sp>
-        <p:cxnSp>
-          <p:nvCxnSpPr>
-            <p:cNvPr id="20" name="Straight Arrow Connector 19">
-              <a:extLst>
-                <a:ext uri="{FF2B5EF4-FFF2-40B4-BE49-F238E27FC236}">
-                  <a16:creationId xmlns:a16="http://schemas.microsoft.com/office/drawing/2014/main" id="{846996C5-2D7D-7149-BA5E-FA0D856E871C}"/>
-                </a:ext>
-              </a:extLst>
-            </p:cNvPr>
-            <p:cNvCxnSpPr>
-              <a:cxnSpLocks/>
-              <a:stCxn id="17" idx="3"/>
-              <a:endCxn id="5" idx="1"/>
-            </p:cNvCxnSpPr>
-            <p:nvPr/>
-          </p:nvCxnSpPr>
-          <p:spPr>
-            <a:xfrm flipV="1">
-              <a:off x="1502129" y="888537"/>
-              <a:ext cx="659239" cy="506589"/>
-            </a:xfrm>
-            <a:prstGeom prst="straightConnector1">
-              <a:avLst/>
-            </a:prstGeom>
-            <a:ln>
-              <a:tailEnd type="triangle"/>
-            </a:ln>
-          </p:spPr>
-          <p:style>
-            <a:lnRef idx="1">
-              <a:schemeClr val="accent1"/>
-            </a:lnRef>
-            <a:fillRef idx="0">
-              <a:schemeClr val="accent1"/>
-            </a:fillRef>
-            <a:effectRef idx="0">
-              <a:schemeClr val="accent1"/>
-            </a:effectRef>
-            <a:fontRef idx="minor">
-              <a:schemeClr val="tx1"/>
-            </a:fontRef>
-          </p:style>
-        </p:cxnSp>
-        <p:cxnSp>
-          <p:nvCxnSpPr>
-            <p:cNvPr id="22" name="Straight Arrow Connector 21">
-              <a:extLst>
-                <a:ext uri="{FF2B5EF4-FFF2-40B4-BE49-F238E27FC236}">
-                  <a16:creationId xmlns:a16="http://schemas.microsoft.com/office/drawing/2014/main" id="{9560844A-40F8-134B-A72B-F302B388A99B}"/>
-                </a:ext>
-              </a:extLst>
-            </p:cNvPr>
-            <p:cNvCxnSpPr>
-              <a:cxnSpLocks/>
-              <a:stCxn id="17" idx="3"/>
-              <a:endCxn id="15" idx="1"/>
-            </p:cNvCxnSpPr>
-            <p:nvPr/>
-          </p:nvCxnSpPr>
-          <p:spPr>
-            <a:xfrm>
-              <a:off x="1502129" y="1395125"/>
-              <a:ext cx="659239" cy="596066"/>
-            </a:xfrm>
-            <a:prstGeom prst="straightConnector1">
-              <a:avLst/>
-            </a:prstGeom>
-            <a:ln>
-              <a:tailEnd type="triangle"/>
-            </a:ln>
-          </p:spPr>
-          <p:style>
-            <a:lnRef idx="1">
-              <a:schemeClr val="accent1"/>
-            </a:lnRef>
-            <a:fillRef idx="0">
-              <a:schemeClr val="accent1"/>
-            </a:fillRef>
-            <a:effectRef idx="0">
-              <a:schemeClr val="accent1"/>
-            </a:effectRef>
-            <a:fontRef idx="minor">
-              <a:schemeClr val="tx1"/>
-            </a:fontRef>
-          </p:style>
-        </p:cxnSp>
-        <p:cxnSp>
-          <p:nvCxnSpPr>
-            <p:cNvPr id="31" name="Straight Arrow Connector 30">
-              <a:extLst>
-                <a:ext uri="{FF2B5EF4-FFF2-40B4-BE49-F238E27FC236}">
-                  <a16:creationId xmlns:a16="http://schemas.microsoft.com/office/drawing/2014/main" id="{8111A0A9-0C7B-A145-872D-8D9D1974E26C}"/>
-                </a:ext>
-              </a:extLst>
-            </p:cNvPr>
-            <p:cNvCxnSpPr>
-              <a:cxnSpLocks/>
-              <a:stCxn id="5" idx="3"/>
-              <a:endCxn id="51" idx="1"/>
-            </p:cNvCxnSpPr>
-            <p:nvPr/>
-          </p:nvCxnSpPr>
-          <p:spPr>
-            <a:xfrm>
-              <a:off x="3634329" y="888536"/>
-              <a:ext cx="230172" cy="325122"/>
-            </a:xfrm>
-            <a:prstGeom prst="straightConnector1">
-              <a:avLst/>
-            </a:prstGeom>
-            <a:ln>
-              <a:tailEnd type="triangle"/>
-            </a:ln>
-          </p:spPr>
-          <p:style>
-            <a:lnRef idx="1">
-              <a:schemeClr val="accent1"/>
-            </a:lnRef>
-            <a:fillRef idx="0">
-              <a:schemeClr val="accent1"/>
-            </a:fillRef>
-            <a:effectRef idx="0">
-              <a:schemeClr val="accent1"/>
-            </a:effectRef>
-            <a:fontRef idx="minor">
-              <a:schemeClr val="tx1"/>
-            </a:fontRef>
-          </p:style>
-        </p:cxnSp>
-        <p:cxnSp>
-          <p:nvCxnSpPr>
-            <p:cNvPr id="39" name="Straight Arrow Connector 38">
-              <a:extLst>
-                <a:ext uri="{FF2B5EF4-FFF2-40B4-BE49-F238E27FC236}">
-                  <a16:creationId xmlns:a16="http://schemas.microsoft.com/office/drawing/2014/main" id="{14A03A3C-62D7-2349-8CBC-A79F525A960E}"/>
-                </a:ext>
-              </a:extLst>
-            </p:cNvPr>
-            <p:cNvCxnSpPr>
-              <a:cxnSpLocks/>
-              <a:stCxn id="15" idx="3"/>
-              <a:endCxn id="61" idx="1"/>
-            </p:cNvCxnSpPr>
-            <p:nvPr/>
-          </p:nvCxnSpPr>
-          <p:spPr>
-            <a:xfrm>
-              <a:off x="3634330" y="1991191"/>
-              <a:ext cx="6929807" cy="0"/>
-            </a:xfrm>
-            <a:prstGeom prst="straightConnector1">
-              <a:avLst/>
-            </a:prstGeom>
-            <a:ln>
-              <a:tailEnd type="triangle"/>
-            </a:ln>
-          </p:spPr>
-          <p:style>
-            <a:lnRef idx="1">
-              <a:schemeClr val="accent1"/>
-            </a:lnRef>
-            <a:fillRef idx="0">
-              <a:schemeClr val="accent1"/>
-            </a:fillRef>
-            <a:effectRef idx="0">
-              <a:schemeClr val="accent1"/>
-            </a:effectRef>
-            <a:fontRef idx="minor">
-              <a:schemeClr val="tx1"/>
-            </a:fontRef>
-          </p:style>
-        </p:cxnSp>
-        <p:sp>
-          <p:nvSpPr>
-            <p:cNvPr id="13" name="Rectangle 12">
-              <a:extLst>
-                <a:ext uri="{FF2B5EF4-FFF2-40B4-BE49-F238E27FC236}">
-                  <a16:creationId xmlns:a16="http://schemas.microsoft.com/office/drawing/2014/main" id="{069ADA21-72B3-F04D-970F-FFF8E855F168}"/>
-                </a:ext>
-              </a:extLst>
-            </p:cNvPr>
-            <p:cNvSpPr/>
-            <p:nvPr/>
-          </p:nvSpPr>
-          <p:spPr>
-            <a:xfrm>
-              <a:off x="5471148" y="523400"/>
-              <a:ext cx="1472962" cy="730276"/>
-            </a:xfrm>
-            <a:prstGeom prst="rect">
-              <a:avLst/>
-            </a:prstGeom>
-          </p:spPr>
-          <p:style>
-            <a:lnRef idx="2">
-              <a:schemeClr val="accent1">
-                <a:shade val="50000"/>
-              </a:schemeClr>
-            </a:lnRef>
-            <a:fillRef idx="1">
-              <a:schemeClr val="accent1"/>
-            </a:fillRef>
-            <a:effectRef idx="0">
-              <a:schemeClr val="accent1"/>
-            </a:effectRef>
-            <a:fontRef idx="minor">
-              <a:schemeClr val="lt1"/>
-            </a:fontRef>
-          </p:style>
-          <p:txBody>
-            <a:bodyPr rot="0" spcFirstLastPara="0" vertOverflow="overflow" horzOverflow="overflow" vert="horz" wrap="square" lIns="95991" tIns="47995" rIns="95991" bIns="47995" numCol="1" spcCol="0" rtlCol="0" fromWordArt="0" anchor="ctr" anchorCtr="0" forceAA="0" compatLnSpc="1">
-              <a:prstTxWarp prst="textNoShape">
-                <a:avLst/>
-              </a:prstTxWarp>
-              <a:noAutofit/>
-            </a:bodyPr>
-            <a:lstStyle/>
-            <a:p>
-              <a:pPr algn="ctr"/>
-              <a:r>
-                <a:rPr lang="en-US" sz="1680" dirty="0" err="1"/>
-                <a:t>CalciumGAN</a:t>
-              </a:r>
-              <a:endParaRPr lang="en-US" sz="1680" dirty="0"/>
-            </a:p>
-          </p:txBody>
-        </p:sp>
-        <p:sp>
-          <p:nvSpPr>
-            <p:cNvPr id="14" name="Rectangle 13">
-              <a:extLst>
-                <a:ext uri="{FF2B5EF4-FFF2-40B4-BE49-F238E27FC236}">
-                  <a16:creationId xmlns:a16="http://schemas.microsoft.com/office/drawing/2014/main" id="{E91125E9-6846-D34B-8437-81CF995EBC51}"/>
-                </a:ext>
-              </a:extLst>
-            </p:cNvPr>
-            <p:cNvSpPr/>
-            <p:nvPr/>
-          </p:nvSpPr>
-          <p:spPr>
-            <a:xfrm>
-              <a:off x="8803224" y="523400"/>
-              <a:ext cx="1472962" cy="730276"/>
-            </a:xfrm>
-            <a:prstGeom prst="rect">
-              <a:avLst/>
-            </a:prstGeom>
-          </p:spPr>
-          <p:style>
-            <a:lnRef idx="2">
-              <a:schemeClr val="accent1">
-                <a:shade val="50000"/>
-              </a:schemeClr>
-            </a:lnRef>
-            <a:fillRef idx="1">
-              <a:schemeClr val="accent1"/>
-            </a:fillRef>
-            <a:effectRef idx="0">
-              <a:schemeClr val="accent1"/>
-            </a:effectRef>
-            <a:fontRef idx="minor">
-              <a:schemeClr val="lt1"/>
-            </a:fontRef>
-          </p:style>
-          <p:txBody>
-            <a:bodyPr rot="0" spcFirstLastPara="0" vertOverflow="overflow" horzOverflow="overflow" vert="horz" wrap="square" lIns="95991" tIns="47995" rIns="95991" bIns="47995" numCol="1" spcCol="0" rtlCol="0" fromWordArt="0" anchor="ctr" anchorCtr="0" forceAA="0" compatLnSpc="1">
-              <a:prstTxWarp prst="textNoShape">
-                <a:avLst/>
-              </a:prstTxWarp>
-              <a:noAutofit/>
-            </a:bodyPr>
-            <a:lstStyle/>
-            <a:p>
-              <a:pPr algn="ctr"/>
-              <a:r>
-                <a:rPr lang="en-US" sz="1680" dirty="0"/>
-                <a:t>OASIS</a:t>
-              </a:r>
-            </a:p>
-          </p:txBody>
-        </p:sp>
-        <p:cxnSp>
-          <p:nvCxnSpPr>
-            <p:cNvPr id="33" name="Straight Arrow Connector 32">
-              <a:extLst>
-                <a:ext uri="{FF2B5EF4-FFF2-40B4-BE49-F238E27FC236}">
-                  <a16:creationId xmlns:a16="http://schemas.microsoft.com/office/drawing/2014/main" id="{7A657BE2-17C3-0C43-AF6D-7F38E9E820A0}"/>
-                </a:ext>
-              </a:extLst>
-            </p:cNvPr>
-            <p:cNvCxnSpPr>
-              <a:cxnSpLocks/>
-              <a:stCxn id="13" idx="3"/>
-              <a:endCxn id="72" idx="1"/>
-            </p:cNvCxnSpPr>
-            <p:nvPr/>
-          </p:nvCxnSpPr>
-          <p:spPr>
-            <a:xfrm flipV="1">
-              <a:off x="6944111" y="888534"/>
-              <a:ext cx="288169" cy="5"/>
-            </a:xfrm>
-            <a:prstGeom prst="straightConnector1">
-              <a:avLst/>
-            </a:prstGeom>
-            <a:ln>
-              <a:tailEnd type="triangle"/>
-            </a:ln>
-          </p:spPr>
-          <p:style>
-            <a:lnRef idx="1">
-              <a:schemeClr val="accent1"/>
-            </a:lnRef>
-            <a:fillRef idx="0">
-              <a:schemeClr val="accent1"/>
-            </a:fillRef>
-            <a:effectRef idx="0">
-              <a:schemeClr val="accent1"/>
-            </a:effectRef>
-            <a:fontRef idx="minor">
-              <a:schemeClr val="tx1"/>
-            </a:fontRef>
-          </p:style>
-        </p:cxnSp>
-        <p:cxnSp>
-          <p:nvCxnSpPr>
-            <p:cNvPr id="35" name="Straight Arrow Connector 34">
-              <a:extLst>
-                <a:ext uri="{FF2B5EF4-FFF2-40B4-BE49-F238E27FC236}">
-                  <a16:creationId xmlns:a16="http://schemas.microsoft.com/office/drawing/2014/main" id="{A233741B-8EF6-F846-B3B4-914981208072}"/>
-                </a:ext>
-              </a:extLst>
-            </p:cNvPr>
-            <p:cNvCxnSpPr>
-              <a:cxnSpLocks/>
-              <a:stCxn id="72" idx="3"/>
-              <a:endCxn id="14" idx="1"/>
-            </p:cNvCxnSpPr>
-            <p:nvPr/>
-          </p:nvCxnSpPr>
-          <p:spPr>
-            <a:xfrm>
-              <a:off x="8550758" y="888534"/>
-              <a:ext cx="252467" cy="5"/>
-            </a:xfrm>
-            <a:prstGeom prst="straightConnector1">
-              <a:avLst/>
-            </a:prstGeom>
-            <a:ln>
-              <a:tailEnd type="triangle"/>
-            </a:ln>
-          </p:spPr>
-          <p:style>
-            <a:lnRef idx="1">
-              <a:schemeClr val="accent1"/>
-            </a:lnRef>
-            <a:fillRef idx="0">
-              <a:schemeClr val="accent1"/>
-            </a:fillRef>
-            <a:effectRef idx="0">
-              <a:schemeClr val="accent1"/>
-            </a:effectRef>
-            <a:fontRef idx="minor">
-              <a:schemeClr val="tx1"/>
-            </a:fontRef>
-          </p:style>
-        </p:cxnSp>
-        <p:cxnSp>
-          <p:nvCxnSpPr>
-            <p:cNvPr id="37" name="Straight Arrow Connector 36">
-              <a:extLst>
-                <a:ext uri="{FF2B5EF4-FFF2-40B4-BE49-F238E27FC236}">
-                  <a16:creationId xmlns:a16="http://schemas.microsoft.com/office/drawing/2014/main" id="{B50BE28C-3C28-D045-9403-432D1664E8D0}"/>
-                </a:ext>
-              </a:extLst>
-            </p:cNvPr>
-            <p:cNvCxnSpPr>
-              <a:cxnSpLocks/>
-              <a:stCxn id="14" idx="3"/>
-              <a:endCxn id="67" idx="1"/>
-            </p:cNvCxnSpPr>
-            <p:nvPr/>
-          </p:nvCxnSpPr>
-          <p:spPr>
-            <a:xfrm flipV="1">
-              <a:off x="10276186" y="888534"/>
-              <a:ext cx="287950" cy="5"/>
-            </a:xfrm>
-            <a:prstGeom prst="straightConnector1">
-              <a:avLst/>
-            </a:prstGeom>
-            <a:ln>
-              <a:tailEnd type="triangle"/>
-            </a:ln>
-          </p:spPr>
-          <p:style>
-            <a:lnRef idx="1">
-              <a:schemeClr val="accent1"/>
-            </a:lnRef>
-            <a:fillRef idx="0">
-              <a:schemeClr val="accent1"/>
-            </a:fillRef>
-            <a:effectRef idx="0">
-              <a:schemeClr val="accent1"/>
-            </a:effectRef>
-            <a:fontRef idx="minor">
-              <a:schemeClr val="tx1"/>
-            </a:fontRef>
-          </p:style>
-        </p:cxnSp>
-        <p:cxnSp>
-          <p:nvCxnSpPr>
-            <p:cNvPr id="54" name="Straight Arrow Connector 53">
-              <a:extLst>
-                <a:ext uri="{FF2B5EF4-FFF2-40B4-BE49-F238E27FC236}">
-                  <a16:creationId xmlns:a16="http://schemas.microsoft.com/office/drawing/2014/main" id="{83B2C754-AE9B-A04F-85D6-94132A988206}"/>
-                </a:ext>
-              </a:extLst>
-            </p:cNvPr>
-            <p:cNvCxnSpPr>
-              <a:cxnSpLocks/>
-              <a:stCxn id="51" idx="3"/>
-              <a:endCxn id="13" idx="1"/>
-            </p:cNvCxnSpPr>
-            <p:nvPr/>
-          </p:nvCxnSpPr>
-          <p:spPr>
-            <a:xfrm flipV="1">
-              <a:off x="5182980" y="888538"/>
-              <a:ext cx="288169" cy="325120"/>
-            </a:xfrm>
-            <a:prstGeom prst="straightConnector1">
-              <a:avLst/>
-            </a:prstGeom>
-            <a:ln>
-              <a:tailEnd type="triangle"/>
-            </a:ln>
-          </p:spPr>
-          <p:style>
-            <a:lnRef idx="1">
-              <a:schemeClr val="accent1"/>
-            </a:lnRef>
-            <a:fillRef idx="0">
-              <a:schemeClr val="accent1"/>
-            </a:fillRef>
-            <a:effectRef idx="0">
-              <a:schemeClr val="accent1"/>
-            </a:effectRef>
-            <a:fontRef idx="minor">
-              <a:schemeClr val="tx1"/>
-            </a:fontRef>
-          </p:style>
-        </p:cxnSp>
-        <p:grpSp>
-          <p:nvGrpSpPr>
-            <p:cNvPr id="28" name="Group 27">
-              <a:extLst>
-                <a:ext uri="{FF2B5EF4-FFF2-40B4-BE49-F238E27FC236}">
-                  <a16:creationId xmlns:a16="http://schemas.microsoft.com/office/drawing/2014/main" id="{92073B21-BE7B-D34F-A449-FEA50DE46770}"/>
-                </a:ext>
-              </a:extLst>
-            </p:cNvPr>
-            <p:cNvGrpSpPr/>
-            <p:nvPr/>
-          </p:nvGrpSpPr>
-          <p:grpSpPr>
-            <a:xfrm>
-              <a:off x="183650" y="888536"/>
-              <a:ext cx="1318478" cy="1013178"/>
-              <a:chOff x="324548" y="1614038"/>
-              <a:chExt cx="1318478" cy="923705"/>
-            </a:xfrm>
-            <a:solidFill>
-              <a:schemeClr val="bg1"/>
-            </a:solidFill>
-          </p:grpSpPr>
-          <p:sp>
-            <p:nvSpPr>
-              <p:cNvPr id="17" name="Rectangle 16">
-                <a:extLst>
-                  <a:ext uri="{FF2B5EF4-FFF2-40B4-BE49-F238E27FC236}">
-                    <a16:creationId xmlns:a16="http://schemas.microsoft.com/office/drawing/2014/main" id="{C5EE6630-DAFF-0246-AC2D-1C83B3B8DEE6}"/>
-                  </a:ext>
-                </a:extLst>
-              </p:cNvPr>
-              <p:cNvSpPr/>
-              <p:nvPr/>
-            </p:nvSpPr>
-            <p:spPr>
-              <a:xfrm>
-                <a:off x="324548" y="1614038"/>
-                <a:ext cx="1318478" cy="923705"/>
-              </a:xfrm>
-              <a:prstGeom prst="rect">
-                <a:avLst/>
-              </a:prstGeom>
-              <a:grpFill/>
-              <a:ln>
-                <a:solidFill>
-                  <a:schemeClr val="accent1">
-                    <a:lumMod val="60000"/>
-                    <a:lumOff val="40000"/>
-                  </a:schemeClr>
-                </a:solidFill>
-              </a:ln>
-            </p:spPr>
-            <p:style>
-              <a:lnRef idx="2">
-                <a:schemeClr val="accent1">
-                  <a:shade val="50000"/>
-                </a:schemeClr>
-              </a:lnRef>
-              <a:fillRef idx="1">
-                <a:schemeClr val="accent1"/>
-              </a:fillRef>
-              <a:effectRef idx="0">
-                <a:schemeClr val="accent1"/>
-              </a:effectRef>
-              <a:fontRef idx="minor">
-                <a:schemeClr val="lt1"/>
-              </a:fontRef>
-            </p:style>
-            <p:txBody>
-              <a:bodyPr rot="0" spcFirstLastPara="0" vertOverflow="overflow" horzOverflow="overflow" vert="horz" wrap="square" lIns="95991" tIns="82800" rIns="95991" bIns="46800" numCol="1" spcCol="0" rtlCol="0" fromWordArt="0" anchor="t" anchorCtr="0" forceAA="0" compatLnSpc="1">
-                <a:prstTxWarp prst="textNoShape">
-                  <a:avLst/>
-                </a:prstTxWarp>
-                <a:noAutofit/>
-              </a:bodyPr>
-              <a:lstStyle/>
-              <a:p>
-                <a:pPr algn="ctr"/>
-                <a:r>
-                  <a:rPr lang="en-US" sz="1470" dirty="0">
-                    <a:solidFill>
-                      <a:schemeClr val="tx1"/>
-                    </a:solidFill>
-                  </a:rPr>
-                  <a:t>raw signals</a:t>
-                </a:r>
-              </a:p>
-            </p:txBody>
-          </p:sp>
-          <p:pic>
-            <p:nvPicPr>
-              <p:cNvPr id="24" name="Picture 23" descr="A picture containing animal&#10;&#10;Description automatically generated">
-                <a:extLst>
-                  <a:ext uri="{FF2B5EF4-FFF2-40B4-BE49-F238E27FC236}">
-                    <a16:creationId xmlns:a16="http://schemas.microsoft.com/office/drawing/2014/main" id="{F72B281B-535E-FE40-850C-3C109DD7E840}"/>
-                  </a:ext>
-                </a:extLst>
-              </p:cNvPr>
-              <p:cNvPicPr>
-                <a:picLocks noChangeAspect="1"/>
-              </p:cNvPicPr>
-              <p:nvPr/>
-            </p:nvPicPr>
-            <p:blipFill>
-              <a:blip r:embed="rId2"/>
-              <a:stretch>
-                <a:fillRect/>
-              </a:stretch>
-            </p:blipFill>
-            <p:spPr>
-              <a:xfrm>
-                <a:off x="358582" y="1946931"/>
-                <a:ext cx="1250409" cy="500163"/>
-              </a:xfrm>
-              <a:prstGeom prst="rect">
-                <a:avLst/>
-              </a:prstGeom>
-              <a:grpFill/>
-            </p:spPr>
-          </p:pic>
-        </p:grpSp>
-        <p:sp>
-          <p:nvSpPr>
-            <p:cNvPr id="51" name="Rectangle 50">
-              <a:extLst>
-                <a:ext uri="{FF2B5EF4-FFF2-40B4-BE49-F238E27FC236}">
-                  <a16:creationId xmlns:a16="http://schemas.microsoft.com/office/drawing/2014/main" id="{72A42833-BE34-8F40-9301-AFCBF5F2BEA0}"/>
-                </a:ext>
-              </a:extLst>
-            </p:cNvPr>
-            <p:cNvSpPr/>
-            <p:nvPr/>
-          </p:nvSpPr>
-          <p:spPr>
-            <a:xfrm>
-              <a:off x="3864501" y="989047"/>
-              <a:ext cx="1318478" cy="449222"/>
-            </a:xfrm>
-            <a:prstGeom prst="rect">
-              <a:avLst/>
-            </a:prstGeom>
-            <a:solidFill>
-              <a:schemeClr val="bg1"/>
-            </a:solidFill>
+            <a:grpFill/>
             <a:ln>
               <a:solidFill>
                 <a:schemeClr val="accent1">
-                  <a:lumMod val="40000"/>
-                  <a:lumOff val="60000"/>
+                  <a:lumMod val="60000"/>
+                  <a:lumOff val="40000"/>
                 </a:schemeClr>
               </a:solidFill>
             </a:ln>
@@ -3872,7 +3751,7 @@
             </a:fontRef>
           </p:style>
           <p:txBody>
-            <a:bodyPr rot="0" spcFirstLastPara="0" vertOverflow="overflow" horzOverflow="overflow" vert="horz" wrap="square" lIns="95991" tIns="46800" rIns="95991" bIns="46800" numCol="1" spcCol="0" rtlCol="0" fromWordArt="0" anchor="ctr" anchorCtr="0" forceAA="0" compatLnSpc="1">
+            <a:bodyPr rot="0" spcFirstLastPara="0" vertOverflow="overflow" horzOverflow="overflow" vert="horz" wrap="square" lIns="95991" tIns="162000" rIns="95991" bIns="46800" numCol="1" spcCol="0" rtlCol="0" fromWordArt="0" anchor="t" anchorCtr="0" forceAA="0" compatLnSpc="1">
               <a:prstTxWarp prst="textNoShape">
                 <a:avLst/>
               </a:prstTxWarp>
@@ -3882,490 +3761,532 @@
             <a:p>
               <a:pPr algn="ctr"/>
               <a:r>
-                <a:rPr lang="en-US" sz="1470" dirty="0">
+                <a:rPr lang="en-US" sz="1600" dirty="0">
                   <a:solidFill>
                     <a:schemeClr val="tx1"/>
                   </a:solidFill>
                 </a:rPr>
-                <a:t>real signals</a:t>
+                <a:t>recorded signal</a:t>
               </a:r>
             </a:p>
           </p:txBody>
         </p:sp>
-        <p:grpSp>
-          <p:nvGrpSpPr>
-            <p:cNvPr id="60" name="Group 59">
+        <p:pic>
+          <p:nvPicPr>
+            <p:cNvPr id="24" name="Picture 23" descr="A picture containing animal&#10;&#10;Description automatically generated">
               <a:extLst>
                 <a:ext uri="{FF2B5EF4-FFF2-40B4-BE49-F238E27FC236}">
-                  <a16:creationId xmlns:a16="http://schemas.microsoft.com/office/drawing/2014/main" id="{92315700-3603-044C-838A-969B1CC1FF37}"/>
+                  <a16:creationId xmlns:a16="http://schemas.microsoft.com/office/drawing/2014/main" id="{F72B281B-535E-FE40-850C-3C109DD7E840}"/>
                 </a:ext>
               </a:extLst>
             </p:cNvPr>
-            <p:cNvGrpSpPr/>
+            <p:cNvPicPr>
+              <a:picLocks noChangeAspect="1"/>
+            </p:cNvPicPr>
             <p:nvPr/>
-          </p:nvGrpSpPr>
-          <p:grpSpPr>
-            <a:xfrm>
-              <a:off x="10564136" y="1541966"/>
-              <a:ext cx="1318478" cy="898450"/>
-              <a:chOff x="3882351" y="818708"/>
-              <a:chExt cx="1318478" cy="898450"/>
-            </a:xfrm>
-          </p:grpSpPr>
-          <p:sp>
-            <p:nvSpPr>
-              <p:cNvPr id="61" name="Rectangle 60">
-                <a:extLst>
-                  <a:ext uri="{FF2B5EF4-FFF2-40B4-BE49-F238E27FC236}">
-                    <a16:creationId xmlns:a16="http://schemas.microsoft.com/office/drawing/2014/main" id="{E54BE12F-3448-264E-8A59-B87133FE5C73}"/>
-                  </a:ext>
-                </a:extLst>
-              </p:cNvPr>
-              <p:cNvSpPr/>
-              <p:nvPr/>
-            </p:nvSpPr>
-            <p:spPr>
-              <a:xfrm>
-                <a:off x="3882351" y="818708"/>
-                <a:ext cx="1318478" cy="898450"/>
-              </a:xfrm>
-              <a:prstGeom prst="rect">
-                <a:avLst/>
-              </a:prstGeom>
-              <a:solidFill>
-                <a:schemeClr val="bg1"/>
-              </a:solidFill>
-              <a:ln>
-                <a:solidFill>
-                  <a:schemeClr val="accent1">
-                    <a:lumMod val="40000"/>
-                    <a:lumOff val="60000"/>
-                  </a:schemeClr>
-                </a:solidFill>
-              </a:ln>
-            </p:spPr>
-            <p:style>
-              <a:lnRef idx="2">
-                <a:schemeClr val="accent1">
-                  <a:shade val="50000"/>
-                </a:schemeClr>
-              </a:lnRef>
-              <a:fillRef idx="1">
-                <a:schemeClr val="accent1"/>
-              </a:fillRef>
-              <a:effectRef idx="0">
-                <a:schemeClr val="accent1"/>
-              </a:effectRef>
-              <a:fontRef idx="minor">
-                <a:schemeClr val="lt1"/>
-              </a:fontRef>
-            </p:style>
-            <p:txBody>
-              <a:bodyPr rot="0" spcFirstLastPara="0" vertOverflow="overflow" horzOverflow="overflow" vert="horz" wrap="square" lIns="95991" tIns="82800" rIns="95991" bIns="46800" numCol="1" spcCol="0" rtlCol="0" fromWordArt="0" anchor="t" anchorCtr="0" forceAA="0" compatLnSpc="1">
-                <a:prstTxWarp prst="textNoShape">
-                  <a:avLst/>
-                </a:prstTxWarp>
-                <a:noAutofit/>
-              </a:bodyPr>
-              <a:lstStyle/>
-              <a:p>
-                <a:pPr algn="ctr"/>
-                <a:r>
-                  <a:rPr lang="en-US" sz="1470" dirty="0">
-                    <a:solidFill>
-                      <a:schemeClr val="tx1"/>
-                    </a:solidFill>
-                  </a:rPr>
-                  <a:t>real spikes</a:t>
-                </a:r>
-              </a:p>
-            </p:txBody>
-          </p:sp>
-          <p:pic>
-            <p:nvPicPr>
-              <p:cNvPr id="62" name="Picture 61" descr="A picture containing sunset, clock, light, dark&#10;&#10;Description automatically generated">
-                <a:extLst>
-                  <a:ext uri="{FF2B5EF4-FFF2-40B4-BE49-F238E27FC236}">
-                    <a16:creationId xmlns:a16="http://schemas.microsoft.com/office/drawing/2014/main" id="{66C07241-6A0D-4749-A7B1-27C5A2241678}"/>
-                  </a:ext>
-                </a:extLst>
-              </p:cNvPr>
-              <p:cNvPicPr>
-                <a:picLocks noChangeAspect="1"/>
-              </p:cNvPicPr>
-              <p:nvPr/>
-            </p:nvPicPr>
-            <p:blipFill>
-              <a:blip r:embed="rId3"/>
-              <a:stretch>
-                <a:fillRect/>
-              </a:stretch>
-            </p:blipFill>
-            <p:spPr>
-              <a:xfrm>
-                <a:off x="3927617" y="1122859"/>
-                <a:ext cx="1227946" cy="491178"/>
-              </a:xfrm>
-              <a:prstGeom prst="rect">
-                <a:avLst/>
-              </a:prstGeom>
-            </p:spPr>
-          </p:pic>
-        </p:grpSp>
-        <p:grpSp>
-          <p:nvGrpSpPr>
-            <p:cNvPr id="65" name="Group 64">
-              <a:extLst>
-                <a:ext uri="{FF2B5EF4-FFF2-40B4-BE49-F238E27FC236}">
-                  <a16:creationId xmlns:a16="http://schemas.microsoft.com/office/drawing/2014/main" id="{61D9B824-69A7-6E44-ABB6-EC025EE69D6A}"/>
-                </a:ext>
-              </a:extLst>
-            </p:cNvPr>
-            <p:cNvGrpSpPr/>
-            <p:nvPr/>
-          </p:nvGrpSpPr>
-          <p:grpSpPr>
-            <a:xfrm>
-              <a:off x="10564136" y="439308"/>
-              <a:ext cx="1318478" cy="898450"/>
-              <a:chOff x="3882351" y="818708"/>
-              <a:chExt cx="1318478" cy="898450"/>
-            </a:xfrm>
-          </p:grpSpPr>
-          <p:sp>
-            <p:nvSpPr>
-              <p:cNvPr id="67" name="Rectangle 66">
-                <a:extLst>
-                  <a:ext uri="{FF2B5EF4-FFF2-40B4-BE49-F238E27FC236}">
-                    <a16:creationId xmlns:a16="http://schemas.microsoft.com/office/drawing/2014/main" id="{9BDC0196-48D4-F344-A3ED-10A9C3140DC5}"/>
-                  </a:ext>
-                </a:extLst>
-              </p:cNvPr>
-              <p:cNvSpPr/>
-              <p:nvPr/>
-            </p:nvSpPr>
-            <p:spPr>
-              <a:xfrm>
-                <a:off x="3882351" y="818708"/>
-                <a:ext cx="1318478" cy="898450"/>
-              </a:xfrm>
-              <a:prstGeom prst="rect">
-                <a:avLst/>
-              </a:prstGeom>
-              <a:solidFill>
-                <a:schemeClr val="bg1"/>
-              </a:solidFill>
-              <a:ln>
-                <a:solidFill>
-                  <a:schemeClr val="accent1">
-                    <a:lumMod val="40000"/>
-                    <a:lumOff val="60000"/>
-                  </a:schemeClr>
-                </a:solidFill>
-              </a:ln>
-            </p:spPr>
-            <p:style>
-              <a:lnRef idx="2">
-                <a:schemeClr val="accent1">
-                  <a:shade val="50000"/>
-                </a:schemeClr>
-              </a:lnRef>
-              <a:fillRef idx="1">
-                <a:schemeClr val="accent1"/>
-              </a:fillRef>
-              <a:effectRef idx="0">
-                <a:schemeClr val="accent1"/>
-              </a:effectRef>
-              <a:fontRef idx="minor">
-                <a:schemeClr val="lt1"/>
-              </a:fontRef>
-            </p:style>
-            <p:txBody>
-              <a:bodyPr rot="0" spcFirstLastPara="0" vertOverflow="overflow" horzOverflow="overflow" vert="horz" wrap="square" lIns="95991" tIns="82800" rIns="95991" bIns="46800" numCol="1" spcCol="0" rtlCol="0" fromWordArt="0" anchor="t" anchorCtr="0" forceAA="0" compatLnSpc="1">
-                <a:prstTxWarp prst="textNoShape">
-                  <a:avLst/>
-                </a:prstTxWarp>
-                <a:noAutofit/>
-              </a:bodyPr>
-              <a:lstStyle/>
-              <a:p>
-                <a:pPr algn="ctr"/>
-                <a:r>
-                  <a:rPr lang="en-US" sz="1470" dirty="0">
-                    <a:solidFill>
-                      <a:schemeClr val="tx1"/>
-                    </a:solidFill>
-                  </a:rPr>
-                  <a:t>fake spikes</a:t>
-                </a:r>
-              </a:p>
-            </p:txBody>
-          </p:sp>
-          <p:pic>
-            <p:nvPicPr>
-              <p:cNvPr id="68" name="Picture 67">
-                <a:extLst>
-                  <a:ext uri="{FF2B5EF4-FFF2-40B4-BE49-F238E27FC236}">
-                    <a16:creationId xmlns:a16="http://schemas.microsoft.com/office/drawing/2014/main" id="{B3EA9F3A-2D69-1048-B54B-AA794EFBB261}"/>
-                  </a:ext>
-                </a:extLst>
-              </p:cNvPr>
-              <p:cNvPicPr>
-                <a:picLocks noChangeAspect="1"/>
-              </p:cNvPicPr>
-              <p:nvPr/>
-            </p:nvPicPr>
-            <p:blipFill>
-              <a:blip r:embed="rId4"/>
-              <a:srcRect/>
-              <a:stretch/>
-            </p:blipFill>
-            <p:spPr>
-              <a:xfrm>
-                <a:off x="3927617" y="1163790"/>
-                <a:ext cx="1227946" cy="409315"/>
-              </a:xfrm>
-              <a:prstGeom prst="rect">
-                <a:avLst/>
-              </a:prstGeom>
-            </p:spPr>
-          </p:pic>
-        </p:grpSp>
-        <p:grpSp>
-          <p:nvGrpSpPr>
-            <p:cNvPr id="71" name="Group 70">
-              <a:extLst>
-                <a:ext uri="{FF2B5EF4-FFF2-40B4-BE49-F238E27FC236}">
-                  <a16:creationId xmlns:a16="http://schemas.microsoft.com/office/drawing/2014/main" id="{202E2435-545F-5341-96D6-5DFB28D4F00C}"/>
-                </a:ext>
-              </a:extLst>
-            </p:cNvPr>
-            <p:cNvGrpSpPr/>
-            <p:nvPr/>
-          </p:nvGrpSpPr>
-          <p:grpSpPr>
-            <a:xfrm>
-              <a:off x="7232279" y="410624"/>
-              <a:ext cx="1318478" cy="955818"/>
-              <a:chOff x="342399" y="1666333"/>
-              <a:chExt cx="1318478" cy="871410"/>
-            </a:xfrm>
-            <a:solidFill>
-              <a:schemeClr val="bg1"/>
-            </a:solidFill>
-          </p:grpSpPr>
-          <p:sp>
-            <p:nvSpPr>
-              <p:cNvPr id="72" name="Rectangle 71">
-                <a:extLst>
-                  <a:ext uri="{FF2B5EF4-FFF2-40B4-BE49-F238E27FC236}">
-                    <a16:creationId xmlns:a16="http://schemas.microsoft.com/office/drawing/2014/main" id="{9F48D6EB-8C9A-D542-83CC-B3002C354E51}"/>
-                  </a:ext>
-                </a:extLst>
-              </p:cNvPr>
-              <p:cNvSpPr/>
-              <p:nvPr/>
-            </p:nvSpPr>
-            <p:spPr>
-              <a:xfrm>
-                <a:off x="342399" y="1666333"/>
-                <a:ext cx="1318478" cy="871410"/>
-              </a:xfrm>
-              <a:prstGeom prst="rect">
-                <a:avLst/>
-              </a:prstGeom>
-              <a:grpFill/>
-              <a:ln>
-                <a:solidFill>
-                  <a:schemeClr val="accent1">
-                    <a:lumMod val="60000"/>
-                    <a:lumOff val="40000"/>
-                  </a:schemeClr>
-                </a:solidFill>
-              </a:ln>
-            </p:spPr>
-            <p:style>
-              <a:lnRef idx="2">
-                <a:schemeClr val="accent1">
-                  <a:shade val="50000"/>
-                </a:schemeClr>
-              </a:lnRef>
-              <a:fillRef idx="1">
-                <a:schemeClr val="accent1"/>
-              </a:fillRef>
-              <a:effectRef idx="0">
-                <a:schemeClr val="accent1"/>
-              </a:effectRef>
-              <a:fontRef idx="minor">
-                <a:schemeClr val="lt1"/>
-              </a:fontRef>
-            </p:style>
-            <p:txBody>
-              <a:bodyPr rot="0" spcFirstLastPara="0" vertOverflow="overflow" horzOverflow="overflow" vert="horz" wrap="square" lIns="95991" tIns="82800" rIns="95991" bIns="46800" numCol="1" spcCol="0" rtlCol="0" fromWordArt="0" anchor="t" anchorCtr="0" forceAA="0" compatLnSpc="1">
-                <a:prstTxWarp prst="textNoShape">
-                  <a:avLst/>
-                </a:prstTxWarp>
-                <a:noAutofit/>
-              </a:bodyPr>
-              <a:lstStyle/>
-              <a:p>
-                <a:pPr algn="ctr"/>
-                <a:r>
-                  <a:rPr lang="en-US" sz="1470" dirty="0">
-                    <a:solidFill>
-                      <a:schemeClr val="tx1"/>
-                    </a:solidFill>
-                  </a:rPr>
-                  <a:t>fake signals</a:t>
-                </a:r>
-              </a:p>
-            </p:txBody>
-          </p:sp>
-          <p:pic>
-            <p:nvPicPr>
-              <p:cNvPr id="73" name="Picture 72" descr="A picture containing animal&#10;&#10;Description automatically generated">
-                <a:extLst>
-                  <a:ext uri="{FF2B5EF4-FFF2-40B4-BE49-F238E27FC236}">
-                    <a16:creationId xmlns:a16="http://schemas.microsoft.com/office/drawing/2014/main" id="{12BF341C-1D7B-A842-BEF6-E73B7E37580A}"/>
-                  </a:ext>
-                </a:extLst>
-              </p:cNvPr>
-              <p:cNvPicPr>
-                <a:picLocks noChangeAspect="1"/>
-              </p:cNvPicPr>
-              <p:nvPr/>
-            </p:nvPicPr>
-            <p:blipFill>
-              <a:blip r:embed="rId2"/>
-              <a:stretch>
-                <a:fillRect/>
-              </a:stretch>
-            </p:blipFill>
-            <p:spPr>
-              <a:xfrm>
-                <a:off x="358582" y="1946931"/>
-                <a:ext cx="1250409" cy="500163"/>
-              </a:xfrm>
-              <a:prstGeom prst="rect">
-                <a:avLst/>
-              </a:prstGeom>
-              <a:grpFill/>
-            </p:spPr>
-          </p:pic>
-        </p:grpSp>
-        <p:sp>
-          <p:nvSpPr>
-            <p:cNvPr id="86" name="Rectangle 85">
-              <a:extLst>
-                <a:ext uri="{FF2B5EF4-FFF2-40B4-BE49-F238E27FC236}">
-                  <a16:creationId xmlns:a16="http://schemas.microsoft.com/office/drawing/2014/main" id="{2D9A4528-D527-7940-84BE-D4843B959BD9}"/>
-                </a:ext>
-              </a:extLst>
-            </p:cNvPr>
-            <p:cNvSpPr/>
-            <p:nvPr/>
-          </p:nvSpPr>
+          </p:nvPicPr>
+          <p:blipFill>
+            <a:blip r:embed="rId2"/>
+            <a:stretch>
+              <a:fillRect/>
+            </a:stretch>
+          </p:blipFill>
           <p:spPr>
             <a:xfrm>
-              <a:off x="3864501" y="335614"/>
-              <a:ext cx="1318478" cy="449222"/>
+              <a:off x="367508" y="1894775"/>
+              <a:ext cx="1387041" cy="616424"/>
             </a:xfrm>
             <a:prstGeom prst="rect">
               <a:avLst/>
             </a:prstGeom>
+            <a:grpFill/>
+          </p:spPr>
+        </p:pic>
+      </p:grpSp>
+      <p:sp>
+        <p:nvSpPr>
+          <p:cNvPr id="51" name="Rectangle 50">
+            <a:extLst>
+              <a:ext uri="{FF2B5EF4-FFF2-40B4-BE49-F238E27FC236}">
+                <a16:creationId xmlns:a16="http://schemas.microsoft.com/office/drawing/2014/main" id="{72A42833-BE34-8F40-9301-AFCBF5F2BEA0}"/>
+              </a:ext>
+            </a:extLst>
+          </p:cNvPr>
+          <p:cNvSpPr/>
+          <p:nvPr/>
+        </p:nvSpPr>
+        <p:spPr>
+          <a:xfrm>
+            <a:off x="3575047" y="619268"/>
+            <a:ext cx="1496874" cy="561996"/>
+          </a:xfrm>
+          <a:prstGeom prst="rect">
+            <a:avLst/>
+          </a:prstGeom>
+          <a:solidFill>
+            <a:schemeClr val="bg1"/>
+          </a:solidFill>
+          <a:ln>
             <a:solidFill>
-              <a:schemeClr val="bg1"/>
+              <a:schemeClr val="accent1">
+                <a:lumMod val="40000"/>
+                <a:lumOff val="60000"/>
+              </a:schemeClr>
             </a:solidFill>
-            <a:ln>
-              <a:solidFill>
-                <a:schemeClr val="accent1">
-                  <a:lumMod val="40000"/>
-                  <a:lumOff val="60000"/>
-                </a:schemeClr>
-              </a:solidFill>
-            </a:ln>
-          </p:spPr>
-          <p:style>
-            <a:lnRef idx="2">
+          </a:ln>
+        </p:spPr>
+        <p:style>
+          <a:lnRef idx="2">
+            <a:schemeClr val="accent1">
+              <a:shade val="50000"/>
+            </a:schemeClr>
+          </a:lnRef>
+          <a:fillRef idx="1">
+            <a:schemeClr val="accent1"/>
+          </a:fillRef>
+          <a:effectRef idx="0">
+            <a:schemeClr val="accent1"/>
+          </a:effectRef>
+          <a:fontRef idx="minor">
+            <a:schemeClr val="lt1"/>
+          </a:fontRef>
+        </p:style>
+        <p:txBody>
+          <a:bodyPr rot="0" spcFirstLastPara="0" vertOverflow="overflow" horzOverflow="overflow" vert="horz" wrap="square" lIns="95991" tIns="46800" rIns="95991" bIns="46800" numCol="1" spcCol="0" rtlCol="0" fromWordArt="0" anchor="ctr" anchorCtr="0" forceAA="0" compatLnSpc="1">
+            <a:prstTxWarp prst="textNoShape">
+              <a:avLst/>
+            </a:prstTxWarp>
+            <a:noAutofit/>
+          </a:bodyPr>
+          <a:lstStyle/>
+          <a:p>
+            <a:pPr algn="ctr">
+              <a:lnSpc>
+                <a:spcPts val="1500"/>
+              </a:lnSpc>
+            </a:pPr>
+            <a:r>
+              <a:rPr lang="en-US" sz="1600" dirty="0">
+                <a:solidFill>
+                  <a:schemeClr val="tx1"/>
+                </a:solidFill>
+              </a:rPr>
+              <a:t>segmented signals</a:t>
+            </a:r>
+          </a:p>
+        </p:txBody>
+      </p:sp>
+      <p:sp>
+        <p:nvSpPr>
+          <p:cNvPr id="61" name="Rectangle 60">
+            <a:extLst>
+              <a:ext uri="{FF2B5EF4-FFF2-40B4-BE49-F238E27FC236}">
+                <a16:creationId xmlns:a16="http://schemas.microsoft.com/office/drawing/2014/main" id="{E54BE12F-3448-264E-8A59-B87133FE5C73}"/>
+              </a:ext>
+            </a:extLst>
+          </p:cNvPr>
+          <p:cNvSpPr/>
+          <p:nvPr/>
+        </p:nvSpPr>
+        <p:spPr>
+          <a:xfrm>
+            <a:off x="10644854" y="1130552"/>
+            <a:ext cx="1528096" cy="1030036"/>
+          </a:xfrm>
+          <a:prstGeom prst="rect">
+            <a:avLst/>
+          </a:prstGeom>
+          <a:solidFill>
+            <a:schemeClr val="bg1"/>
+          </a:solidFill>
+          <a:ln>
+            <a:solidFill>
               <a:schemeClr val="accent1">
-                <a:shade val="50000"/>
+                <a:lumMod val="40000"/>
+                <a:lumOff val="60000"/>
               </a:schemeClr>
-            </a:lnRef>
-            <a:fillRef idx="1">
-              <a:schemeClr val="accent1"/>
-            </a:fillRef>
-            <a:effectRef idx="0">
-              <a:schemeClr val="accent1"/>
-            </a:effectRef>
-            <a:fontRef idx="minor">
-              <a:schemeClr val="lt1"/>
-            </a:fontRef>
-          </p:style>
-          <p:txBody>
-            <a:bodyPr rot="0" spcFirstLastPara="0" vertOverflow="overflow" horzOverflow="overflow" vert="horz" wrap="square" lIns="95991" tIns="46800" rIns="95991" bIns="46800" numCol="1" spcCol="0" rtlCol="0" fromWordArt="0" anchor="ctr" anchorCtr="0" forceAA="0" compatLnSpc="1">
-              <a:prstTxWarp prst="textNoShape">
-                <a:avLst/>
-              </a:prstTxWarp>
-              <a:noAutofit/>
-            </a:bodyPr>
-            <a:lstStyle/>
-            <a:p>
-              <a:pPr algn="ctr"/>
-              <a:r>
-                <a:rPr lang="en-US" sz="1470" dirty="0">
-                  <a:solidFill>
-                    <a:schemeClr val="tx1"/>
-                  </a:solidFill>
-                </a:rPr>
-                <a:t>random noise</a:t>
-              </a:r>
-            </a:p>
-          </p:txBody>
-        </p:sp>
-        <p:cxnSp>
-          <p:nvCxnSpPr>
-            <p:cNvPr id="90" name="Straight Arrow Connector 89">
-              <a:extLst>
-                <a:ext uri="{FF2B5EF4-FFF2-40B4-BE49-F238E27FC236}">
-                  <a16:creationId xmlns:a16="http://schemas.microsoft.com/office/drawing/2014/main" id="{CFC418EC-89C0-AB47-9540-D290AC636650}"/>
-                </a:ext>
-              </a:extLst>
-            </p:cNvPr>
-            <p:cNvCxnSpPr>
-              <a:cxnSpLocks/>
-              <a:stCxn id="86" idx="3"/>
-              <a:endCxn id="13" idx="1"/>
-            </p:cNvCxnSpPr>
-            <p:nvPr/>
-          </p:nvCxnSpPr>
-          <p:spPr>
-            <a:xfrm>
-              <a:off x="5182980" y="560226"/>
-              <a:ext cx="288169" cy="328313"/>
-            </a:xfrm>
-            <a:prstGeom prst="straightConnector1">
+            </a:solidFill>
+          </a:ln>
+        </p:spPr>
+        <p:style>
+          <a:lnRef idx="2">
+            <a:schemeClr val="accent1">
+              <a:shade val="50000"/>
+            </a:schemeClr>
+          </a:lnRef>
+          <a:fillRef idx="1">
+            <a:schemeClr val="accent1"/>
+          </a:fillRef>
+          <a:effectRef idx="0">
+            <a:schemeClr val="accent1"/>
+          </a:effectRef>
+          <a:fontRef idx="minor">
+            <a:schemeClr val="lt1"/>
+          </a:fontRef>
+        </p:style>
+        <p:txBody>
+          <a:bodyPr rot="0" spcFirstLastPara="0" vertOverflow="overflow" horzOverflow="overflow" vert="horz" wrap="square" lIns="95991" tIns="82800" rIns="95991" bIns="46800" numCol="1" spcCol="0" rtlCol="0" fromWordArt="0" anchor="t" anchorCtr="0" forceAA="0" compatLnSpc="1">
+            <a:prstTxWarp prst="textNoShape">
               <a:avLst/>
-            </a:prstGeom>
-            <a:ln>
-              <a:tailEnd type="triangle"/>
-            </a:ln>
-          </p:spPr>
-          <p:style>
-            <a:lnRef idx="1">
-              <a:schemeClr val="accent1"/>
-            </a:lnRef>
-            <a:fillRef idx="0">
-              <a:schemeClr val="accent1"/>
-            </a:fillRef>
-            <a:effectRef idx="0">
-              <a:schemeClr val="accent1"/>
-            </a:effectRef>
-            <a:fontRef idx="minor">
-              <a:schemeClr val="tx1"/>
-            </a:fontRef>
-          </p:style>
-        </p:cxnSp>
-      </p:grpSp>
+            </a:prstTxWarp>
+            <a:noAutofit/>
+          </a:bodyPr>
+          <a:lstStyle/>
+          <a:p>
+            <a:pPr algn="ctr"/>
+            <a:r>
+              <a:rPr lang="en-US" sz="1600" dirty="0">
+                <a:solidFill>
+                  <a:schemeClr val="tx1"/>
+                </a:solidFill>
+              </a:rPr>
+              <a:t>inferred spikes</a:t>
+            </a:r>
+          </a:p>
+        </p:txBody>
+      </p:sp>
+      <p:pic>
+        <p:nvPicPr>
+          <p:cNvPr id="62" name="Picture 61" descr="A picture containing sunset, clock, light, dark&#10;&#10;Description automatically generated">
+            <a:extLst>
+              <a:ext uri="{FF2B5EF4-FFF2-40B4-BE49-F238E27FC236}">
+                <a16:creationId xmlns:a16="http://schemas.microsoft.com/office/drawing/2014/main" id="{66C07241-6A0D-4749-A7B1-27C5A2241678}"/>
+              </a:ext>
+            </a:extLst>
+          </p:cNvPr>
+          <p:cNvPicPr>
+            <a:picLocks noChangeAspect="1"/>
+          </p:cNvPicPr>
+          <p:nvPr/>
+        </p:nvPicPr>
+        <p:blipFill>
+          <a:blip r:embed="rId3"/>
+          <a:stretch>
+            <a:fillRect/>
+          </a:stretch>
+        </p:blipFill>
+        <p:spPr>
+          <a:xfrm>
+            <a:off x="10695054" y="1411923"/>
+            <a:ext cx="1427696" cy="721677"/>
+          </a:xfrm>
+          <a:prstGeom prst="rect">
+            <a:avLst/>
+          </a:prstGeom>
+        </p:spPr>
+      </p:pic>
+      <p:sp>
+        <p:nvSpPr>
+          <p:cNvPr id="67" name="Rectangle 66">
+            <a:extLst>
+              <a:ext uri="{FF2B5EF4-FFF2-40B4-BE49-F238E27FC236}">
+                <a16:creationId xmlns:a16="http://schemas.microsoft.com/office/drawing/2014/main" id="{9BDC0196-48D4-F344-A3ED-10A9C3140DC5}"/>
+              </a:ext>
+            </a:extLst>
+          </p:cNvPr>
+          <p:cNvSpPr/>
+          <p:nvPr/>
+        </p:nvSpPr>
+        <p:spPr>
+          <a:xfrm>
+            <a:off x="10639718" y="109987"/>
+            <a:ext cx="1538367" cy="966337"/>
+          </a:xfrm>
+          <a:prstGeom prst="rect">
+            <a:avLst/>
+          </a:prstGeom>
+          <a:solidFill>
+            <a:schemeClr val="bg1"/>
+          </a:solidFill>
+          <a:ln>
+            <a:solidFill>
+              <a:schemeClr val="accent1">
+                <a:lumMod val="40000"/>
+                <a:lumOff val="60000"/>
+              </a:schemeClr>
+            </a:solidFill>
+          </a:ln>
+        </p:spPr>
+        <p:style>
+          <a:lnRef idx="2">
+            <a:schemeClr val="accent1">
+              <a:shade val="50000"/>
+            </a:schemeClr>
+          </a:lnRef>
+          <a:fillRef idx="1">
+            <a:schemeClr val="accent1"/>
+          </a:fillRef>
+          <a:effectRef idx="0">
+            <a:schemeClr val="accent1"/>
+          </a:effectRef>
+          <a:fontRef idx="minor">
+            <a:schemeClr val="lt1"/>
+          </a:fontRef>
+        </p:style>
+        <p:txBody>
+          <a:bodyPr rot="0" spcFirstLastPara="0" vertOverflow="overflow" horzOverflow="overflow" vert="horz" wrap="square" lIns="95991" tIns="82800" rIns="95991" bIns="46800" numCol="1" spcCol="0" rtlCol="0" fromWordArt="0" anchor="t" anchorCtr="0" forceAA="0" compatLnSpc="1">
+            <a:prstTxWarp prst="textNoShape">
+              <a:avLst/>
+            </a:prstTxWarp>
+            <a:noAutofit/>
+          </a:bodyPr>
+          <a:lstStyle/>
+          <a:p>
+            <a:pPr algn="ctr"/>
+            <a:r>
+              <a:rPr lang="en-US" sz="1600" dirty="0">
+                <a:solidFill>
+                  <a:schemeClr val="tx1"/>
+                </a:solidFill>
+              </a:rPr>
+              <a:t>synthetic spikes</a:t>
+            </a:r>
+          </a:p>
+        </p:txBody>
+      </p:sp>
+      <p:pic>
+        <p:nvPicPr>
+          <p:cNvPr id="68" name="Picture 67">
+            <a:extLst>
+              <a:ext uri="{FF2B5EF4-FFF2-40B4-BE49-F238E27FC236}">
+                <a16:creationId xmlns:a16="http://schemas.microsoft.com/office/drawing/2014/main" id="{B3EA9F3A-2D69-1048-B54B-AA794EFBB261}"/>
+              </a:ext>
+            </a:extLst>
+          </p:cNvPr>
+          <p:cNvPicPr>
+            <a:picLocks noChangeAspect="1"/>
+          </p:cNvPicPr>
+          <p:nvPr/>
+        </p:nvPicPr>
+        <p:blipFill>
+          <a:blip r:embed="rId4"/>
+          <a:srcRect/>
+          <a:stretch/>
+        </p:blipFill>
+        <p:spPr>
+          <a:xfrm>
+            <a:off x="10695054" y="359294"/>
+            <a:ext cx="1427696" cy="634481"/>
+          </a:xfrm>
+          <a:prstGeom prst="rect">
+            <a:avLst/>
+          </a:prstGeom>
+        </p:spPr>
+      </p:pic>
+      <p:sp>
+        <p:nvSpPr>
+          <p:cNvPr id="72" name="Rectangle 71">
+            <a:extLst>
+              <a:ext uri="{FF2B5EF4-FFF2-40B4-BE49-F238E27FC236}">
+                <a16:creationId xmlns:a16="http://schemas.microsoft.com/office/drawing/2014/main" id="{9F48D6EB-8C9A-D542-83CC-B3002C354E51}"/>
+              </a:ext>
+            </a:extLst>
+          </p:cNvPr>
+          <p:cNvSpPr/>
+          <p:nvPr/>
+        </p:nvSpPr>
+        <p:spPr>
+          <a:xfrm>
+            <a:off x="7076254" y="68782"/>
+            <a:ext cx="1578789" cy="1051626"/>
+          </a:xfrm>
+          <a:prstGeom prst="rect">
+            <a:avLst/>
+          </a:prstGeom>
+          <a:solidFill>
+            <a:schemeClr val="bg1"/>
+          </a:solidFill>
+          <a:ln>
+            <a:solidFill>
+              <a:schemeClr val="accent1">
+                <a:lumMod val="60000"/>
+                <a:lumOff val="40000"/>
+              </a:schemeClr>
+            </a:solidFill>
+          </a:ln>
+        </p:spPr>
+        <p:style>
+          <a:lnRef idx="2">
+            <a:schemeClr val="accent1">
+              <a:shade val="50000"/>
+            </a:schemeClr>
+          </a:lnRef>
+          <a:fillRef idx="1">
+            <a:schemeClr val="accent1"/>
+          </a:fillRef>
+          <a:effectRef idx="0">
+            <a:schemeClr val="accent1"/>
+          </a:effectRef>
+          <a:fontRef idx="minor">
+            <a:schemeClr val="lt1"/>
+          </a:fontRef>
+        </p:style>
+        <p:txBody>
+          <a:bodyPr rot="0" spcFirstLastPara="0" vertOverflow="overflow" horzOverflow="overflow" vert="horz" wrap="square" lIns="95991" tIns="46800" rIns="95991" bIns="46800" numCol="1" spcCol="0" rtlCol="0" fromWordArt="0" anchor="t" anchorCtr="0" forceAA="0" compatLnSpc="1">
+            <a:prstTxWarp prst="textNoShape">
+              <a:avLst/>
+            </a:prstTxWarp>
+            <a:noAutofit/>
+          </a:bodyPr>
+          <a:lstStyle/>
+          <a:p>
+            <a:pPr algn="ctr"/>
+            <a:r>
+              <a:rPr lang="en-US" sz="1600" dirty="0">
+                <a:solidFill>
+                  <a:schemeClr val="tx1"/>
+                </a:solidFill>
+              </a:rPr>
+              <a:t>synthetic signals</a:t>
+            </a:r>
+          </a:p>
+        </p:txBody>
+      </p:sp>
+      <p:pic>
+        <p:nvPicPr>
+          <p:cNvPr id="73" name="Picture 72" descr="A picture containing animal&#10;&#10;Description automatically generated">
+            <a:extLst>
+              <a:ext uri="{FF2B5EF4-FFF2-40B4-BE49-F238E27FC236}">
+                <a16:creationId xmlns:a16="http://schemas.microsoft.com/office/drawing/2014/main" id="{12BF341C-1D7B-A842-BEF6-E73B7E37580A}"/>
+              </a:ext>
+            </a:extLst>
+          </p:cNvPr>
+          <p:cNvPicPr>
+            <a:picLocks noChangeAspect="1"/>
+          </p:cNvPicPr>
+          <p:nvPr/>
+        </p:nvPicPr>
+        <p:blipFill>
+          <a:blip r:embed="rId2"/>
+          <a:stretch>
+            <a:fillRect/>
+          </a:stretch>
+        </p:blipFill>
+        <p:spPr>
+          <a:xfrm>
+            <a:off x="7148102" y="359295"/>
+            <a:ext cx="1442042" cy="715270"/>
+          </a:xfrm>
+          <a:prstGeom prst="rect">
+            <a:avLst/>
+          </a:prstGeom>
+          <a:solidFill>
+            <a:schemeClr val="bg1"/>
+          </a:solidFill>
+        </p:spPr>
+      </p:pic>
+      <p:sp>
+        <p:nvSpPr>
+          <p:cNvPr id="86" name="Rectangle 85">
+            <a:extLst>
+              <a:ext uri="{FF2B5EF4-FFF2-40B4-BE49-F238E27FC236}">
+                <a16:creationId xmlns:a16="http://schemas.microsoft.com/office/drawing/2014/main" id="{2D9A4528-D527-7940-84BE-D4843B959BD9}"/>
+              </a:ext>
+            </a:extLst>
+          </p:cNvPr>
+          <p:cNvSpPr/>
+          <p:nvPr/>
+        </p:nvSpPr>
+        <p:spPr>
+          <a:xfrm>
+            <a:off x="3575047" y="63700"/>
+            <a:ext cx="1496874" cy="449222"/>
+          </a:xfrm>
+          <a:prstGeom prst="rect">
+            <a:avLst/>
+          </a:prstGeom>
+          <a:solidFill>
+            <a:schemeClr val="bg1"/>
+          </a:solidFill>
+          <a:ln>
+            <a:solidFill>
+              <a:schemeClr val="accent1">
+                <a:lumMod val="40000"/>
+                <a:lumOff val="60000"/>
+              </a:schemeClr>
+            </a:solidFill>
+          </a:ln>
+        </p:spPr>
+        <p:style>
+          <a:lnRef idx="2">
+            <a:schemeClr val="accent1">
+              <a:shade val="50000"/>
+            </a:schemeClr>
+          </a:lnRef>
+          <a:fillRef idx="1">
+            <a:schemeClr val="accent1"/>
+          </a:fillRef>
+          <a:effectRef idx="0">
+            <a:schemeClr val="accent1"/>
+          </a:effectRef>
+          <a:fontRef idx="minor">
+            <a:schemeClr val="lt1"/>
+          </a:fontRef>
+        </p:style>
+        <p:txBody>
+          <a:bodyPr rot="0" spcFirstLastPara="0" vertOverflow="overflow" horzOverflow="overflow" vert="horz" wrap="square" lIns="95991" tIns="46800" rIns="95991" bIns="46800" numCol="1" spcCol="0" rtlCol="0" fromWordArt="0" anchor="ctr" anchorCtr="0" forceAA="0" compatLnSpc="1">
+            <a:prstTxWarp prst="textNoShape">
+              <a:avLst/>
+            </a:prstTxWarp>
+            <a:noAutofit/>
+          </a:bodyPr>
+          <a:lstStyle/>
+          <a:p>
+            <a:pPr algn="ctr"/>
+            <a:r>
+              <a:rPr lang="en-US" sz="1600" dirty="0">
+                <a:solidFill>
+                  <a:schemeClr val="tx1"/>
+                </a:solidFill>
+              </a:rPr>
+              <a:t>random noise</a:t>
+            </a:r>
+          </a:p>
+        </p:txBody>
+      </p:sp>
+      <p:cxnSp>
+        <p:nvCxnSpPr>
+          <p:cNvPr id="90" name="Straight Arrow Connector 89">
+            <a:extLst>
+              <a:ext uri="{FF2B5EF4-FFF2-40B4-BE49-F238E27FC236}">
+                <a16:creationId xmlns:a16="http://schemas.microsoft.com/office/drawing/2014/main" id="{CFC418EC-89C0-AB47-9540-D290AC636650}"/>
+              </a:ext>
+            </a:extLst>
+          </p:cNvPr>
+          <p:cNvCxnSpPr>
+            <a:cxnSpLocks/>
+            <a:stCxn id="86" idx="3"/>
+            <a:endCxn id="13" idx="1"/>
+          </p:cNvCxnSpPr>
+          <p:nvPr/>
+        </p:nvCxnSpPr>
+        <p:spPr>
+          <a:xfrm>
+            <a:off x="5071921" y="288311"/>
+            <a:ext cx="312079" cy="305843"/>
+          </a:xfrm>
+          <a:prstGeom prst="straightConnector1">
+            <a:avLst/>
+          </a:prstGeom>
+          <a:ln>
+            <a:tailEnd type="triangle"/>
+          </a:ln>
+        </p:spPr>
+        <p:style>
+          <a:lnRef idx="1">
+            <a:schemeClr val="accent1"/>
+          </a:lnRef>
+          <a:fillRef idx="0">
+            <a:schemeClr val="accent1"/>
+          </a:fillRef>
+          <a:effectRef idx="0">
+            <a:schemeClr val="accent1"/>
+          </a:effectRef>
+          <a:fontRef idx="minor">
+            <a:schemeClr val="tx1"/>
+          </a:fontRef>
+        </p:style>
+      </p:cxnSp>
     </p:spTree>
     <p:extLst>
       <p:ext uri="{BB962C8B-B14F-4D97-AF65-F5344CB8AC3E}">

--- a/diagrams/calciumgan-pipeline.pptx
+++ b/diagrams/calciumgan-pipeline.pptx
@@ -2,12 +2,12 @@
 <file path=ppt/presentation.xml><?xml version="1.0" encoding="utf-8"?>
 <p:presentation xmlns:a="http://schemas.openxmlformats.org/drawingml/2006/main" xmlns:r="http://schemas.openxmlformats.org/officeDocument/2006/relationships" xmlns:p="http://schemas.openxmlformats.org/presentationml/2006/main" saveSubsetFonts="1" autoCompressPictures="0">
   <p:sldMasterIdLst>
-    <p:sldMasterId id="2147483744" r:id="rId1"/>
+    <p:sldMasterId id="2147483780" r:id="rId1"/>
   </p:sldMasterIdLst>
   <p:sldIdLst>
     <p:sldId id="256" r:id="rId2"/>
   </p:sldIdLst>
-  <p:sldSz cx="14400213" cy="2160588"/>
+  <p:sldSz cx="14400213" cy="5400675"/>
   <p:notesSz cx="6858000" cy="9144000"/>
   <p:defaultTextStyle>
     <a:defPPr>
@@ -141,80 +141,80 @@
         </p:nvSpPr>
         <p:spPr>
           <a:xfrm>
-            <a:off x="1800027" y="353596"/>
-            <a:ext cx="10800160" cy="752205"/>
+            <a:off x="1800027" y="883861"/>
+            <a:ext cx="10800160" cy="1880235"/>
           </a:xfrm>
         </p:spPr>
         <p:txBody>
           <a:bodyPr anchor="b"/>
           <a:lstStyle>
             <a:lvl1pPr algn="ctr">
+              <a:defRPr sz="4725"/>
+            </a:lvl1pPr>
+          </a:lstStyle>
+          <a:p>
+            <a:r>
+              <a:rPr lang="en-GB"/>
+              <a:t>Click to edit Master title style</a:t>
+            </a:r>
+            <a:endParaRPr lang="en-US" dirty="0"/>
+          </a:p>
+        </p:txBody>
+      </p:sp>
+      <p:sp>
+        <p:nvSpPr>
+          <p:cNvPr id="3" name="Subtitle 2"/>
+          <p:cNvSpPr>
+            <a:spLocks noGrp="1"/>
+          </p:cNvSpPr>
+          <p:nvPr>
+            <p:ph type="subTitle" idx="1"/>
+          </p:nvPr>
+        </p:nvSpPr>
+        <p:spPr>
+          <a:xfrm>
+            <a:off x="1800027" y="2836605"/>
+            <a:ext cx="10800160" cy="1303913"/>
+          </a:xfrm>
+        </p:spPr>
+        <p:txBody>
+          <a:bodyPr/>
+          <a:lstStyle>
+            <a:lvl1pPr marL="0" indent="0" algn="ctr">
+              <a:buNone/>
               <a:defRPr sz="1890"/>
             </a:lvl1pPr>
-          </a:lstStyle>
-          <a:p>
-            <a:r>
-              <a:rPr lang="en-GB"/>
-              <a:t>Click to edit Master title style</a:t>
-            </a:r>
-            <a:endParaRPr lang="en-US" dirty="0"/>
-          </a:p>
-        </p:txBody>
-      </p:sp>
-      <p:sp>
-        <p:nvSpPr>
-          <p:cNvPr id="3" name="Subtitle 2"/>
-          <p:cNvSpPr>
-            <a:spLocks noGrp="1"/>
-          </p:cNvSpPr>
-          <p:nvPr>
-            <p:ph type="subTitle" idx="1"/>
-          </p:nvPr>
-        </p:nvSpPr>
-        <p:spPr>
-          <a:xfrm>
-            <a:off x="1800027" y="1134809"/>
-            <a:ext cx="10800160" cy="521642"/>
-          </a:xfrm>
-        </p:spPr>
-        <p:txBody>
-          <a:bodyPr/>
-          <a:lstStyle>
-            <a:lvl1pPr marL="0" indent="0" algn="ctr">
-              <a:buNone/>
-              <a:defRPr sz="756"/>
-            </a:lvl1pPr>
-            <a:lvl2pPr marL="144018" indent="0" algn="ctr">
-              <a:buNone/>
-              <a:defRPr sz="630"/>
+            <a:lvl2pPr marL="360045" indent="0" algn="ctr">
+              <a:buNone/>
+              <a:defRPr sz="1575"/>
             </a:lvl2pPr>
-            <a:lvl3pPr marL="288036" indent="0" algn="ctr">
-              <a:buNone/>
-              <a:defRPr sz="567"/>
+            <a:lvl3pPr marL="720090" indent="0" algn="ctr">
+              <a:buNone/>
+              <a:defRPr sz="1418"/>
             </a:lvl3pPr>
-            <a:lvl4pPr marL="432054" indent="0" algn="ctr">
-              <a:buNone/>
-              <a:defRPr sz="504"/>
+            <a:lvl4pPr marL="1080135" indent="0" algn="ctr">
+              <a:buNone/>
+              <a:defRPr sz="1260"/>
             </a:lvl4pPr>
-            <a:lvl5pPr marL="576072" indent="0" algn="ctr">
-              <a:buNone/>
-              <a:defRPr sz="504"/>
+            <a:lvl5pPr marL="1440180" indent="0" algn="ctr">
+              <a:buNone/>
+              <a:defRPr sz="1260"/>
             </a:lvl5pPr>
-            <a:lvl6pPr marL="720090" indent="0" algn="ctr">
-              <a:buNone/>
-              <a:defRPr sz="504"/>
+            <a:lvl6pPr marL="1800225" indent="0" algn="ctr">
+              <a:buNone/>
+              <a:defRPr sz="1260"/>
             </a:lvl6pPr>
-            <a:lvl7pPr marL="864108" indent="0" algn="ctr">
-              <a:buNone/>
-              <a:defRPr sz="504"/>
+            <a:lvl7pPr marL="2160270" indent="0" algn="ctr">
+              <a:buNone/>
+              <a:defRPr sz="1260"/>
             </a:lvl7pPr>
-            <a:lvl8pPr marL="1008126" indent="0" algn="ctr">
-              <a:buNone/>
-              <a:defRPr sz="504"/>
+            <a:lvl8pPr marL="2520315" indent="0" algn="ctr">
+              <a:buNone/>
+              <a:defRPr sz="1260"/>
             </a:lvl8pPr>
-            <a:lvl9pPr marL="1152144" indent="0" algn="ctr">
-              <a:buNone/>
-              <a:defRPr sz="504"/>
+            <a:lvl9pPr marL="2880360" indent="0" algn="ctr">
+              <a:buNone/>
+              <a:defRPr sz="1260"/>
             </a:lvl9pPr>
           </a:lstStyle>
           <a:p>
@@ -243,7 +243,7 @@
           <a:p>
             <a:fld id="{77FD92D2-A554-7447-906B-95AD3CE4CD8B}" type="datetimeFigureOut">
               <a:rPr lang="en-US" smtClean="0"/>
-              <a:t>6/4/20</a:t>
+              <a:t>8/18/20</a:t>
             </a:fld>
             <a:endParaRPr lang="en-US"/>
           </a:p>
@@ -294,7 +294,7 @@
     </p:spTree>
     <p:extLst>
       <p:ext uri="{BB962C8B-B14F-4D97-AF65-F5344CB8AC3E}">
-        <p14:creationId xmlns:p14="http://schemas.microsoft.com/office/powerpoint/2010/main" val="3181170834"/>
+        <p14:creationId xmlns:p14="http://schemas.microsoft.com/office/powerpoint/2010/main" val="1698950047"/>
       </p:ext>
     </p:extLst>
   </p:cSld>
@@ -413,7 +413,7 @@
           <a:p>
             <a:fld id="{77FD92D2-A554-7447-906B-95AD3CE4CD8B}" type="datetimeFigureOut">
               <a:rPr lang="en-US" smtClean="0"/>
-              <a:t>6/4/20</a:t>
+              <a:t>8/18/20</a:t>
             </a:fld>
             <a:endParaRPr lang="en-US"/>
           </a:p>
@@ -464,7 +464,7 @@
     </p:spTree>
     <p:extLst>
       <p:ext uri="{BB962C8B-B14F-4D97-AF65-F5344CB8AC3E}">
-        <p14:creationId xmlns:p14="http://schemas.microsoft.com/office/powerpoint/2010/main" val="3890559388"/>
+        <p14:creationId xmlns:p14="http://schemas.microsoft.com/office/powerpoint/2010/main" val="2536882630"/>
       </p:ext>
     </p:extLst>
   </p:cSld>
@@ -503,8 +503,8 @@
         </p:nvSpPr>
         <p:spPr>
           <a:xfrm>
-            <a:off x="10305152" y="115032"/>
-            <a:ext cx="3105046" cy="1830998"/>
+            <a:off x="10305152" y="287536"/>
+            <a:ext cx="3105046" cy="4576822"/>
           </a:xfrm>
         </p:spPr>
         <p:txBody>
@@ -531,8 +531,8 @@
         </p:nvSpPr>
         <p:spPr>
           <a:xfrm>
-            <a:off x="990015" y="115032"/>
-            <a:ext cx="9135135" cy="1830998"/>
+            <a:off x="990015" y="287536"/>
+            <a:ext cx="9135135" cy="4576822"/>
           </a:xfrm>
         </p:spPr>
         <p:txBody>
@@ -593,7 +593,7 @@
           <a:p>
             <a:fld id="{77FD92D2-A554-7447-906B-95AD3CE4CD8B}" type="datetimeFigureOut">
               <a:rPr lang="en-US" smtClean="0"/>
-              <a:t>6/4/20</a:t>
+              <a:t>8/18/20</a:t>
             </a:fld>
             <a:endParaRPr lang="en-US"/>
           </a:p>
@@ -644,7 +644,7 @@
     </p:spTree>
     <p:extLst>
       <p:ext uri="{BB962C8B-B14F-4D97-AF65-F5344CB8AC3E}">
-        <p14:creationId xmlns:p14="http://schemas.microsoft.com/office/powerpoint/2010/main" val="1188635754"/>
+        <p14:creationId xmlns:p14="http://schemas.microsoft.com/office/powerpoint/2010/main" val="3132725233"/>
       </p:ext>
     </p:extLst>
   </p:cSld>
@@ -763,7 +763,7 @@
           <a:p>
             <a:fld id="{77FD92D2-A554-7447-906B-95AD3CE4CD8B}" type="datetimeFigureOut">
               <a:rPr lang="en-US" smtClean="0"/>
-              <a:t>6/4/20</a:t>
+              <a:t>8/18/20</a:t>
             </a:fld>
             <a:endParaRPr lang="en-US"/>
           </a:p>
@@ -814,7 +814,7 @@
     </p:spTree>
     <p:extLst>
       <p:ext uri="{BB962C8B-B14F-4D97-AF65-F5344CB8AC3E}">
-        <p14:creationId xmlns:p14="http://schemas.microsoft.com/office/powerpoint/2010/main" val="4149929503"/>
+        <p14:creationId xmlns:p14="http://schemas.microsoft.com/office/powerpoint/2010/main" val="865371163"/>
       </p:ext>
     </p:extLst>
   </p:cSld>
@@ -853,15 +853,15 @@
         </p:nvSpPr>
         <p:spPr>
           <a:xfrm>
-            <a:off x="982514" y="538647"/>
-            <a:ext cx="12420184" cy="898744"/>
+            <a:off x="982514" y="1346419"/>
+            <a:ext cx="12420184" cy="2246530"/>
           </a:xfrm>
         </p:spPr>
         <p:txBody>
           <a:bodyPr anchor="b"/>
           <a:lstStyle>
             <a:lvl1pPr>
-              <a:defRPr sz="1890"/>
+              <a:defRPr sz="4725"/>
             </a:lvl1pPr>
           </a:lstStyle>
           <a:p>
@@ -885,8 +885,8 @@
         </p:nvSpPr>
         <p:spPr>
           <a:xfrm>
-            <a:off x="982514" y="1445894"/>
-            <a:ext cx="12420184" cy="472628"/>
+            <a:off x="982514" y="3614203"/>
+            <a:ext cx="12420184" cy="1181397"/>
           </a:xfrm>
         </p:spPr>
         <p:txBody>
@@ -894,7 +894,7 @@
           <a:lstStyle>
             <a:lvl1pPr marL="0" indent="0">
               <a:buNone/>
-              <a:defRPr sz="756">
+              <a:defRPr sz="1890">
                 <a:solidFill>
                   <a:schemeClr val="tx1">
                     <a:tint val="75000"/>
@@ -902,9 +902,9 @@
                 </a:solidFill>
               </a:defRPr>
             </a:lvl1pPr>
-            <a:lvl2pPr marL="144018" indent="0">
-              <a:buNone/>
-              <a:defRPr sz="630">
+            <a:lvl2pPr marL="360045" indent="0">
+              <a:buNone/>
+              <a:defRPr sz="1575">
                 <a:solidFill>
                   <a:schemeClr val="tx1">
                     <a:tint val="75000"/>
@@ -912,9 +912,9 @@
                 </a:solidFill>
               </a:defRPr>
             </a:lvl2pPr>
-            <a:lvl3pPr marL="288036" indent="0">
-              <a:buNone/>
-              <a:defRPr sz="567">
+            <a:lvl3pPr marL="720090" indent="0">
+              <a:buNone/>
+              <a:defRPr sz="1418">
                 <a:solidFill>
                   <a:schemeClr val="tx1">
                     <a:tint val="75000"/>
@@ -922,9 +922,9 @@
                 </a:solidFill>
               </a:defRPr>
             </a:lvl3pPr>
-            <a:lvl4pPr marL="432054" indent="0">
-              <a:buNone/>
-              <a:defRPr sz="504">
+            <a:lvl4pPr marL="1080135" indent="0">
+              <a:buNone/>
+              <a:defRPr sz="1260">
                 <a:solidFill>
                   <a:schemeClr val="tx1">
                     <a:tint val="75000"/>
@@ -932,9 +932,9 @@
                 </a:solidFill>
               </a:defRPr>
             </a:lvl4pPr>
-            <a:lvl5pPr marL="576072" indent="0">
-              <a:buNone/>
-              <a:defRPr sz="504">
+            <a:lvl5pPr marL="1440180" indent="0">
+              <a:buNone/>
+              <a:defRPr sz="1260">
                 <a:solidFill>
                   <a:schemeClr val="tx1">
                     <a:tint val="75000"/>
@@ -942,9 +942,9 @@
                 </a:solidFill>
               </a:defRPr>
             </a:lvl5pPr>
-            <a:lvl6pPr marL="720090" indent="0">
-              <a:buNone/>
-              <a:defRPr sz="504">
+            <a:lvl6pPr marL="1800225" indent="0">
+              <a:buNone/>
+              <a:defRPr sz="1260">
                 <a:solidFill>
                   <a:schemeClr val="tx1">
                     <a:tint val="75000"/>
@@ -952,9 +952,9 @@
                 </a:solidFill>
               </a:defRPr>
             </a:lvl6pPr>
-            <a:lvl7pPr marL="864108" indent="0">
-              <a:buNone/>
-              <a:defRPr sz="504">
+            <a:lvl7pPr marL="2160270" indent="0">
+              <a:buNone/>
+              <a:defRPr sz="1260">
                 <a:solidFill>
                   <a:schemeClr val="tx1">
                     <a:tint val="75000"/>
@@ -962,9 +962,9 @@
                 </a:solidFill>
               </a:defRPr>
             </a:lvl7pPr>
-            <a:lvl8pPr marL="1008126" indent="0">
-              <a:buNone/>
-              <a:defRPr sz="504">
+            <a:lvl8pPr marL="2520315" indent="0">
+              <a:buNone/>
+              <a:defRPr sz="1260">
                 <a:solidFill>
                   <a:schemeClr val="tx1">
                     <a:tint val="75000"/>
@@ -972,9 +972,9 @@
                 </a:solidFill>
               </a:defRPr>
             </a:lvl8pPr>
-            <a:lvl9pPr marL="1152144" indent="0">
-              <a:buNone/>
-              <a:defRPr sz="504">
+            <a:lvl9pPr marL="2880360" indent="0">
+              <a:buNone/>
+              <a:defRPr sz="1260">
                 <a:solidFill>
                   <a:schemeClr val="tx1">
                     <a:tint val="75000"/>
@@ -1009,7 +1009,7 @@
           <a:p>
             <a:fld id="{77FD92D2-A554-7447-906B-95AD3CE4CD8B}" type="datetimeFigureOut">
               <a:rPr lang="en-US" smtClean="0"/>
-              <a:t>6/4/20</a:t>
+              <a:t>8/18/20</a:t>
             </a:fld>
             <a:endParaRPr lang="en-US"/>
           </a:p>
@@ -1060,7 +1060,7 @@
     </p:spTree>
     <p:extLst>
       <p:ext uri="{BB962C8B-B14F-4D97-AF65-F5344CB8AC3E}">
-        <p14:creationId xmlns:p14="http://schemas.microsoft.com/office/powerpoint/2010/main" val="223879269"/>
+        <p14:creationId xmlns:p14="http://schemas.microsoft.com/office/powerpoint/2010/main" val="3191310660"/>
       </p:ext>
     </p:extLst>
   </p:cSld>
@@ -1122,8 +1122,8 @@
         </p:nvSpPr>
         <p:spPr>
           <a:xfrm>
-            <a:off x="990014" y="575157"/>
-            <a:ext cx="6120091" cy="1370873"/>
+            <a:off x="990014" y="1437680"/>
+            <a:ext cx="6120091" cy="3426679"/>
           </a:xfrm>
         </p:spPr>
         <p:txBody>
@@ -1179,8 +1179,8 @@
         </p:nvSpPr>
         <p:spPr>
           <a:xfrm>
-            <a:off x="7290108" y="575157"/>
-            <a:ext cx="6120091" cy="1370873"/>
+            <a:off x="7290108" y="1437680"/>
+            <a:ext cx="6120091" cy="3426679"/>
           </a:xfrm>
         </p:spPr>
         <p:txBody>
@@ -1241,7 +1241,7 @@
           <a:p>
             <a:fld id="{77FD92D2-A554-7447-906B-95AD3CE4CD8B}" type="datetimeFigureOut">
               <a:rPr lang="en-US" smtClean="0"/>
-              <a:t>6/4/20</a:t>
+              <a:t>8/18/20</a:t>
             </a:fld>
             <a:endParaRPr lang="en-US"/>
           </a:p>
@@ -1292,7 +1292,7 @@
     </p:spTree>
     <p:extLst>
       <p:ext uri="{BB962C8B-B14F-4D97-AF65-F5344CB8AC3E}">
-        <p14:creationId xmlns:p14="http://schemas.microsoft.com/office/powerpoint/2010/main" val="1086076620"/>
+        <p14:creationId xmlns:p14="http://schemas.microsoft.com/office/powerpoint/2010/main" val="4060872079"/>
       </p:ext>
     </p:extLst>
   </p:cSld>
@@ -1331,8 +1331,8 @@
         </p:nvSpPr>
         <p:spPr>
           <a:xfrm>
-            <a:off x="991890" y="115031"/>
-            <a:ext cx="12420184" cy="417614"/>
+            <a:off x="991890" y="287536"/>
+            <a:ext cx="12420184" cy="1043881"/>
           </a:xfrm>
         </p:spPr>
         <p:txBody>
@@ -1359,8 +1359,8 @@
         </p:nvSpPr>
         <p:spPr>
           <a:xfrm>
-            <a:off x="991891" y="529645"/>
-            <a:ext cx="6091965" cy="259570"/>
+            <a:off x="991891" y="1323916"/>
+            <a:ext cx="6091965" cy="648831"/>
           </a:xfrm>
         </p:spPr>
         <p:txBody>
@@ -1368,39 +1368,39 @@
           <a:lstStyle>
             <a:lvl1pPr marL="0" indent="0">
               <a:buNone/>
-              <a:defRPr sz="756" b="1"/>
+              <a:defRPr sz="1890" b="1"/>
             </a:lvl1pPr>
-            <a:lvl2pPr marL="144018" indent="0">
-              <a:buNone/>
-              <a:defRPr sz="630" b="1"/>
+            <a:lvl2pPr marL="360045" indent="0">
+              <a:buNone/>
+              <a:defRPr sz="1575" b="1"/>
             </a:lvl2pPr>
-            <a:lvl3pPr marL="288036" indent="0">
-              <a:buNone/>
-              <a:defRPr sz="567" b="1"/>
+            <a:lvl3pPr marL="720090" indent="0">
+              <a:buNone/>
+              <a:defRPr sz="1418" b="1"/>
             </a:lvl3pPr>
-            <a:lvl4pPr marL="432054" indent="0">
-              <a:buNone/>
-              <a:defRPr sz="504" b="1"/>
+            <a:lvl4pPr marL="1080135" indent="0">
+              <a:buNone/>
+              <a:defRPr sz="1260" b="1"/>
             </a:lvl4pPr>
-            <a:lvl5pPr marL="576072" indent="0">
-              <a:buNone/>
-              <a:defRPr sz="504" b="1"/>
+            <a:lvl5pPr marL="1440180" indent="0">
+              <a:buNone/>
+              <a:defRPr sz="1260" b="1"/>
             </a:lvl5pPr>
-            <a:lvl6pPr marL="720090" indent="0">
-              <a:buNone/>
-              <a:defRPr sz="504" b="1"/>
+            <a:lvl6pPr marL="1800225" indent="0">
+              <a:buNone/>
+              <a:defRPr sz="1260" b="1"/>
             </a:lvl6pPr>
-            <a:lvl7pPr marL="864108" indent="0">
-              <a:buNone/>
-              <a:defRPr sz="504" b="1"/>
+            <a:lvl7pPr marL="2160270" indent="0">
+              <a:buNone/>
+              <a:defRPr sz="1260" b="1"/>
             </a:lvl7pPr>
-            <a:lvl8pPr marL="1008126" indent="0">
-              <a:buNone/>
-              <a:defRPr sz="504" b="1"/>
+            <a:lvl8pPr marL="2520315" indent="0">
+              <a:buNone/>
+              <a:defRPr sz="1260" b="1"/>
             </a:lvl8pPr>
-            <a:lvl9pPr marL="1152144" indent="0">
-              <a:buNone/>
-              <a:defRPr sz="504" b="1"/>
+            <a:lvl9pPr marL="2880360" indent="0">
+              <a:buNone/>
+              <a:defRPr sz="1260" b="1"/>
             </a:lvl9pPr>
           </a:lstStyle>
           <a:p>
@@ -1424,8 +1424,8 @@
         </p:nvSpPr>
         <p:spPr>
           <a:xfrm>
-            <a:off x="991891" y="789215"/>
-            <a:ext cx="6091965" cy="1160816"/>
+            <a:off x="991891" y="1972747"/>
+            <a:ext cx="6091965" cy="2901613"/>
           </a:xfrm>
         </p:spPr>
         <p:txBody>
@@ -1481,8 +1481,8 @@
         </p:nvSpPr>
         <p:spPr>
           <a:xfrm>
-            <a:off x="7290108" y="529645"/>
-            <a:ext cx="6121966" cy="259570"/>
+            <a:off x="7290108" y="1323916"/>
+            <a:ext cx="6121966" cy="648831"/>
           </a:xfrm>
         </p:spPr>
         <p:txBody>
@@ -1490,39 +1490,39 @@
           <a:lstStyle>
             <a:lvl1pPr marL="0" indent="0">
               <a:buNone/>
-              <a:defRPr sz="756" b="1"/>
+              <a:defRPr sz="1890" b="1"/>
             </a:lvl1pPr>
-            <a:lvl2pPr marL="144018" indent="0">
-              <a:buNone/>
-              <a:defRPr sz="630" b="1"/>
+            <a:lvl2pPr marL="360045" indent="0">
+              <a:buNone/>
+              <a:defRPr sz="1575" b="1"/>
             </a:lvl2pPr>
-            <a:lvl3pPr marL="288036" indent="0">
-              <a:buNone/>
-              <a:defRPr sz="567" b="1"/>
+            <a:lvl3pPr marL="720090" indent="0">
+              <a:buNone/>
+              <a:defRPr sz="1418" b="1"/>
             </a:lvl3pPr>
-            <a:lvl4pPr marL="432054" indent="0">
-              <a:buNone/>
-              <a:defRPr sz="504" b="1"/>
+            <a:lvl4pPr marL="1080135" indent="0">
+              <a:buNone/>
+              <a:defRPr sz="1260" b="1"/>
             </a:lvl4pPr>
-            <a:lvl5pPr marL="576072" indent="0">
-              <a:buNone/>
-              <a:defRPr sz="504" b="1"/>
+            <a:lvl5pPr marL="1440180" indent="0">
+              <a:buNone/>
+              <a:defRPr sz="1260" b="1"/>
             </a:lvl5pPr>
-            <a:lvl6pPr marL="720090" indent="0">
-              <a:buNone/>
-              <a:defRPr sz="504" b="1"/>
+            <a:lvl6pPr marL="1800225" indent="0">
+              <a:buNone/>
+              <a:defRPr sz="1260" b="1"/>
             </a:lvl6pPr>
-            <a:lvl7pPr marL="864108" indent="0">
-              <a:buNone/>
-              <a:defRPr sz="504" b="1"/>
+            <a:lvl7pPr marL="2160270" indent="0">
+              <a:buNone/>
+              <a:defRPr sz="1260" b="1"/>
             </a:lvl7pPr>
-            <a:lvl8pPr marL="1008126" indent="0">
-              <a:buNone/>
-              <a:defRPr sz="504" b="1"/>
+            <a:lvl8pPr marL="2520315" indent="0">
+              <a:buNone/>
+              <a:defRPr sz="1260" b="1"/>
             </a:lvl8pPr>
-            <a:lvl9pPr marL="1152144" indent="0">
-              <a:buNone/>
-              <a:defRPr sz="504" b="1"/>
+            <a:lvl9pPr marL="2880360" indent="0">
+              <a:buNone/>
+              <a:defRPr sz="1260" b="1"/>
             </a:lvl9pPr>
           </a:lstStyle>
           <a:p>
@@ -1546,8 +1546,8 @@
         </p:nvSpPr>
         <p:spPr>
           <a:xfrm>
-            <a:off x="7290108" y="789215"/>
-            <a:ext cx="6121966" cy="1160816"/>
+            <a:off x="7290108" y="1972747"/>
+            <a:ext cx="6121966" cy="2901613"/>
           </a:xfrm>
         </p:spPr>
         <p:txBody>
@@ -1608,7 +1608,7 @@
           <a:p>
             <a:fld id="{77FD92D2-A554-7447-906B-95AD3CE4CD8B}" type="datetimeFigureOut">
               <a:rPr lang="en-US" smtClean="0"/>
-              <a:t>6/4/20</a:t>
+              <a:t>8/18/20</a:t>
             </a:fld>
             <a:endParaRPr lang="en-US"/>
           </a:p>
@@ -1659,7 +1659,7 @@
     </p:spTree>
     <p:extLst>
       <p:ext uri="{BB962C8B-B14F-4D97-AF65-F5344CB8AC3E}">
-        <p14:creationId xmlns:p14="http://schemas.microsoft.com/office/powerpoint/2010/main" val="4161640827"/>
+        <p14:creationId xmlns:p14="http://schemas.microsoft.com/office/powerpoint/2010/main" val="2315042700"/>
       </p:ext>
     </p:extLst>
   </p:cSld>
@@ -1726,7 +1726,7 @@
           <a:p>
             <a:fld id="{77FD92D2-A554-7447-906B-95AD3CE4CD8B}" type="datetimeFigureOut">
               <a:rPr lang="en-US" smtClean="0"/>
-              <a:t>6/4/20</a:t>
+              <a:t>8/18/20</a:t>
             </a:fld>
             <a:endParaRPr lang="en-US"/>
           </a:p>
@@ -1777,7 +1777,7 @@
     </p:spTree>
     <p:extLst>
       <p:ext uri="{BB962C8B-B14F-4D97-AF65-F5344CB8AC3E}">
-        <p14:creationId xmlns:p14="http://schemas.microsoft.com/office/powerpoint/2010/main" val="848550289"/>
+        <p14:creationId xmlns:p14="http://schemas.microsoft.com/office/powerpoint/2010/main" val="1545484937"/>
       </p:ext>
     </p:extLst>
   </p:cSld>
@@ -1821,7 +1821,7 @@
           <a:p>
             <a:fld id="{77FD92D2-A554-7447-906B-95AD3CE4CD8B}" type="datetimeFigureOut">
               <a:rPr lang="en-US" smtClean="0"/>
-              <a:t>6/4/20</a:t>
+              <a:t>8/18/20</a:t>
             </a:fld>
             <a:endParaRPr lang="en-US"/>
           </a:p>
@@ -1872,7 +1872,7 @@
     </p:spTree>
     <p:extLst>
       <p:ext uri="{BB962C8B-B14F-4D97-AF65-F5344CB8AC3E}">
-        <p14:creationId xmlns:p14="http://schemas.microsoft.com/office/powerpoint/2010/main" val="4044206437"/>
+        <p14:creationId xmlns:p14="http://schemas.microsoft.com/office/powerpoint/2010/main" val="3746665714"/>
       </p:ext>
     </p:extLst>
   </p:cSld>
@@ -1911,15 +1911,15 @@
         </p:nvSpPr>
         <p:spPr>
           <a:xfrm>
-            <a:off x="991891" y="144039"/>
-            <a:ext cx="4644443" cy="504137"/>
+            <a:off x="991891" y="360045"/>
+            <a:ext cx="4644443" cy="1260158"/>
           </a:xfrm>
         </p:spPr>
         <p:txBody>
           <a:bodyPr anchor="b"/>
           <a:lstStyle>
             <a:lvl1pPr>
-              <a:defRPr sz="1008"/>
+              <a:defRPr sz="2520"/>
             </a:lvl1pPr>
           </a:lstStyle>
           <a:p>
@@ -1943,39 +1943,39 @@
         </p:nvSpPr>
         <p:spPr>
           <a:xfrm>
-            <a:off x="6121966" y="311085"/>
-            <a:ext cx="7290108" cy="1535418"/>
+            <a:off x="6121966" y="777597"/>
+            <a:ext cx="7290108" cy="3837980"/>
           </a:xfrm>
         </p:spPr>
         <p:txBody>
           <a:bodyPr/>
           <a:lstStyle>
             <a:lvl1pPr>
-              <a:defRPr sz="1008"/>
+              <a:defRPr sz="2520"/>
             </a:lvl1pPr>
             <a:lvl2pPr>
-              <a:defRPr sz="882"/>
+              <a:defRPr sz="2205"/>
             </a:lvl2pPr>
             <a:lvl3pPr>
-              <a:defRPr sz="756"/>
+              <a:defRPr sz="1890"/>
             </a:lvl3pPr>
             <a:lvl4pPr>
-              <a:defRPr sz="630"/>
+              <a:defRPr sz="1575"/>
             </a:lvl4pPr>
             <a:lvl5pPr>
-              <a:defRPr sz="630"/>
+              <a:defRPr sz="1575"/>
             </a:lvl5pPr>
             <a:lvl6pPr>
-              <a:defRPr sz="630"/>
+              <a:defRPr sz="1575"/>
             </a:lvl6pPr>
             <a:lvl7pPr>
-              <a:defRPr sz="630"/>
+              <a:defRPr sz="1575"/>
             </a:lvl7pPr>
             <a:lvl8pPr>
-              <a:defRPr sz="630"/>
+              <a:defRPr sz="1575"/>
             </a:lvl8pPr>
             <a:lvl9pPr>
-              <a:defRPr sz="630"/>
+              <a:defRPr sz="1575"/>
             </a:lvl9pPr>
           </a:lstStyle>
           <a:p>
@@ -2028,8 +2028,8 @@
         </p:nvSpPr>
         <p:spPr>
           <a:xfrm>
-            <a:off x="991891" y="648176"/>
-            <a:ext cx="4644443" cy="1200827"/>
+            <a:off x="991891" y="1620202"/>
+            <a:ext cx="4644443" cy="3001626"/>
           </a:xfrm>
         </p:spPr>
         <p:txBody>
@@ -2037,39 +2037,39 @@
           <a:lstStyle>
             <a:lvl1pPr marL="0" indent="0">
               <a:buNone/>
-              <a:defRPr sz="504"/>
+              <a:defRPr sz="1260"/>
             </a:lvl1pPr>
-            <a:lvl2pPr marL="144018" indent="0">
-              <a:buNone/>
-              <a:defRPr sz="441"/>
+            <a:lvl2pPr marL="360045" indent="0">
+              <a:buNone/>
+              <a:defRPr sz="1103"/>
             </a:lvl2pPr>
-            <a:lvl3pPr marL="288036" indent="0">
-              <a:buNone/>
-              <a:defRPr sz="378"/>
+            <a:lvl3pPr marL="720090" indent="0">
+              <a:buNone/>
+              <a:defRPr sz="945"/>
             </a:lvl3pPr>
-            <a:lvl4pPr marL="432054" indent="0">
-              <a:buNone/>
-              <a:defRPr sz="315"/>
+            <a:lvl4pPr marL="1080135" indent="0">
+              <a:buNone/>
+              <a:defRPr sz="788"/>
             </a:lvl4pPr>
-            <a:lvl5pPr marL="576072" indent="0">
-              <a:buNone/>
-              <a:defRPr sz="315"/>
+            <a:lvl5pPr marL="1440180" indent="0">
+              <a:buNone/>
+              <a:defRPr sz="788"/>
             </a:lvl5pPr>
-            <a:lvl6pPr marL="720090" indent="0">
-              <a:buNone/>
-              <a:defRPr sz="315"/>
+            <a:lvl6pPr marL="1800225" indent="0">
+              <a:buNone/>
+              <a:defRPr sz="788"/>
             </a:lvl6pPr>
-            <a:lvl7pPr marL="864108" indent="0">
-              <a:buNone/>
-              <a:defRPr sz="315"/>
+            <a:lvl7pPr marL="2160270" indent="0">
+              <a:buNone/>
+              <a:defRPr sz="788"/>
             </a:lvl7pPr>
-            <a:lvl8pPr marL="1008126" indent="0">
-              <a:buNone/>
-              <a:defRPr sz="315"/>
+            <a:lvl8pPr marL="2520315" indent="0">
+              <a:buNone/>
+              <a:defRPr sz="788"/>
             </a:lvl8pPr>
-            <a:lvl9pPr marL="1152144" indent="0">
-              <a:buNone/>
-              <a:defRPr sz="315"/>
+            <a:lvl9pPr marL="2880360" indent="0">
+              <a:buNone/>
+              <a:defRPr sz="788"/>
             </a:lvl9pPr>
           </a:lstStyle>
           <a:p>
@@ -2098,7 +2098,7 @@
           <a:p>
             <a:fld id="{77FD92D2-A554-7447-906B-95AD3CE4CD8B}" type="datetimeFigureOut">
               <a:rPr lang="en-US" smtClean="0"/>
-              <a:t>6/4/20</a:t>
+              <a:t>8/18/20</a:t>
             </a:fld>
             <a:endParaRPr lang="en-US"/>
           </a:p>
@@ -2149,7 +2149,7 @@
     </p:spTree>
     <p:extLst>
       <p:ext uri="{BB962C8B-B14F-4D97-AF65-F5344CB8AC3E}">
-        <p14:creationId xmlns:p14="http://schemas.microsoft.com/office/powerpoint/2010/main" val="3929344142"/>
+        <p14:creationId xmlns:p14="http://schemas.microsoft.com/office/powerpoint/2010/main" val="3910833459"/>
       </p:ext>
     </p:extLst>
   </p:cSld>
@@ -2188,15 +2188,15 @@
         </p:nvSpPr>
         <p:spPr>
           <a:xfrm>
-            <a:off x="991891" y="144039"/>
-            <a:ext cx="4644443" cy="504137"/>
+            <a:off x="991891" y="360045"/>
+            <a:ext cx="4644443" cy="1260158"/>
           </a:xfrm>
         </p:spPr>
         <p:txBody>
           <a:bodyPr anchor="b"/>
           <a:lstStyle>
             <a:lvl1pPr>
-              <a:defRPr sz="1008"/>
+              <a:defRPr sz="2520"/>
             </a:lvl1pPr>
           </a:lstStyle>
           <a:p>
@@ -2220,8 +2220,8 @@
         </p:nvSpPr>
         <p:spPr>
           <a:xfrm>
-            <a:off x="6121966" y="311085"/>
-            <a:ext cx="7290108" cy="1535418"/>
+            <a:off x="6121966" y="777597"/>
+            <a:ext cx="7290108" cy="3837980"/>
           </a:xfrm>
         </p:spPr>
         <p:txBody>
@@ -2229,39 +2229,39 @@
           <a:lstStyle>
             <a:lvl1pPr marL="0" indent="0">
               <a:buNone/>
-              <a:defRPr sz="1008"/>
+              <a:defRPr sz="2520"/>
             </a:lvl1pPr>
-            <a:lvl2pPr marL="144018" indent="0">
-              <a:buNone/>
-              <a:defRPr sz="882"/>
+            <a:lvl2pPr marL="360045" indent="0">
+              <a:buNone/>
+              <a:defRPr sz="2205"/>
             </a:lvl2pPr>
-            <a:lvl3pPr marL="288036" indent="0">
-              <a:buNone/>
-              <a:defRPr sz="756"/>
+            <a:lvl3pPr marL="720090" indent="0">
+              <a:buNone/>
+              <a:defRPr sz="1890"/>
             </a:lvl3pPr>
-            <a:lvl4pPr marL="432054" indent="0">
-              <a:buNone/>
-              <a:defRPr sz="630"/>
+            <a:lvl4pPr marL="1080135" indent="0">
+              <a:buNone/>
+              <a:defRPr sz="1575"/>
             </a:lvl4pPr>
-            <a:lvl5pPr marL="576072" indent="0">
-              <a:buNone/>
-              <a:defRPr sz="630"/>
+            <a:lvl5pPr marL="1440180" indent="0">
+              <a:buNone/>
+              <a:defRPr sz="1575"/>
             </a:lvl5pPr>
-            <a:lvl6pPr marL="720090" indent="0">
-              <a:buNone/>
-              <a:defRPr sz="630"/>
+            <a:lvl6pPr marL="1800225" indent="0">
+              <a:buNone/>
+              <a:defRPr sz="1575"/>
             </a:lvl6pPr>
-            <a:lvl7pPr marL="864108" indent="0">
-              <a:buNone/>
-              <a:defRPr sz="630"/>
+            <a:lvl7pPr marL="2160270" indent="0">
+              <a:buNone/>
+              <a:defRPr sz="1575"/>
             </a:lvl7pPr>
-            <a:lvl8pPr marL="1008126" indent="0">
-              <a:buNone/>
-              <a:defRPr sz="630"/>
+            <a:lvl8pPr marL="2520315" indent="0">
+              <a:buNone/>
+              <a:defRPr sz="1575"/>
             </a:lvl8pPr>
-            <a:lvl9pPr marL="1152144" indent="0">
-              <a:buNone/>
-              <a:defRPr sz="630"/>
+            <a:lvl9pPr marL="2880360" indent="0">
+              <a:buNone/>
+              <a:defRPr sz="1575"/>
             </a:lvl9pPr>
           </a:lstStyle>
           <a:p>
@@ -2285,8 +2285,8 @@
         </p:nvSpPr>
         <p:spPr>
           <a:xfrm>
-            <a:off x="991891" y="648176"/>
-            <a:ext cx="4644443" cy="1200827"/>
+            <a:off x="991891" y="1620202"/>
+            <a:ext cx="4644443" cy="3001626"/>
           </a:xfrm>
         </p:spPr>
         <p:txBody>
@@ -2294,39 +2294,39 @@
           <a:lstStyle>
             <a:lvl1pPr marL="0" indent="0">
               <a:buNone/>
-              <a:defRPr sz="504"/>
+              <a:defRPr sz="1260"/>
             </a:lvl1pPr>
-            <a:lvl2pPr marL="144018" indent="0">
-              <a:buNone/>
-              <a:defRPr sz="441"/>
+            <a:lvl2pPr marL="360045" indent="0">
+              <a:buNone/>
+              <a:defRPr sz="1103"/>
             </a:lvl2pPr>
-            <a:lvl3pPr marL="288036" indent="0">
-              <a:buNone/>
-              <a:defRPr sz="378"/>
+            <a:lvl3pPr marL="720090" indent="0">
+              <a:buNone/>
+              <a:defRPr sz="945"/>
             </a:lvl3pPr>
-            <a:lvl4pPr marL="432054" indent="0">
-              <a:buNone/>
-              <a:defRPr sz="315"/>
+            <a:lvl4pPr marL="1080135" indent="0">
+              <a:buNone/>
+              <a:defRPr sz="788"/>
             </a:lvl4pPr>
-            <a:lvl5pPr marL="576072" indent="0">
-              <a:buNone/>
-              <a:defRPr sz="315"/>
+            <a:lvl5pPr marL="1440180" indent="0">
+              <a:buNone/>
+              <a:defRPr sz="788"/>
             </a:lvl5pPr>
-            <a:lvl6pPr marL="720090" indent="0">
-              <a:buNone/>
-              <a:defRPr sz="315"/>
+            <a:lvl6pPr marL="1800225" indent="0">
+              <a:buNone/>
+              <a:defRPr sz="788"/>
             </a:lvl6pPr>
-            <a:lvl7pPr marL="864108" indent="0">
-              <a:buNone/>
-              <a:defRPr sz="315"/>
+            <a:lvl7pPr marL="2160270" indent="0">
+              <a:buNone/>
+              <a:defRPr sz="788"/>
             </a:lvl7pPr>
-            <a:lvl8pPr marL="1008126" indent="0">
-              <a:buNone/>
-              <a:defRPr sz="315"/>
+            <a:lvl8pPr marL="2520315" indent="0">
+              <a:buNone/>
+              <a:defRPr sz="788"/>
             </a:lvl8pPr>
-            <a:lvl9pPr marL="1152144" indent="0">
-              <a:buNone/>
-              <a:defRPr sz="315"/>
+            <a:lvl9pPr marL="2880360" indent="0">
+              <a:buNone/>
+              <a:defRPr sz="788"/>
             </a:lvl9pPr>
           </a:lstStyle>
           <a:p>
@@ -2355,7 +2355,7 @@
           <a:p>
             <a:fld id="{77FD92D2-A554-7447-906B-95AD3CE4CD8B}" type="datetimeFigureOut">
               <a:rPr lang="en-US" smtClean="0"/>
-              <a:t>6/4/20</a:t>
+              <a:t>8/18/20</a:t>
             </a:fld>
             <a:endParaRPr lang="en-US"/>
           </a:p>
@@ -2406,7 +2406,7 @@
     </p:spTree>
     <p:extLst>
       <p:ext uri="{BB962C8B-B14F-4D97-AF65-F5344CB8AC3E}">
-        <p14:creationId xmlns:p14="http://schemas.microsoft.com/office/powerpoint/2010/main" val="2495477770"/>
+        <p14:creationId xmlns:p14="http://schemas.microsoft.com/office/powerpoint/2010/main" val="1461823716"/>
       </p:ext>
     </p:extLst>
   </p:cSld>
@@ -2450,8 +2450,8 @@
         </p:nvSpPr>
         <p:spPr>
           <a:xfrm>
-            <a:off x="990015" y="115031"/>
-            <a:ext cx="12420184" cy="417614"/>
+            <a:off x="990015" y="287536"/>
+            <a:ext cx="12420184" cy="1043881"/>
           </a:xfrm>
           <a:prstGeom prst="rect">
             <a:avLst/>
@@ -2483,8 +2483,8 @@
         </p:nvSpPr>
         <p:spPr>
           <a:xfrm>
-            <a:off x="990015" y="575157"/>
-            <a:ext cx="12420184" cy="1370873"/>
+            <a:off x="990015" y="1437680"/>
+            <a:ext cx="12420184" cy="3426679"/>
           </a:xfrm>
           <a:prstGeom prst="rect">
             <a:avLst/>
@@ -2545,8 +2545,8 @@
         </p:nvSpPr>
         <p:spPr>
           <a:xfrm>
-            <a:off x="990015" y="2002545"/>
-            <a:ext cx="3240048" cy="115031"/>
+            <a:off x="990015" y="5005626"/>
+            <a:ext cx="3240048" cy="287536"/>
           </a:xfrm>
           <a:prstGeom prst="rect">
             <a:avLst/>
@@ -2556,7 +2556,7 @@
           <a:bodyPr vert="horz" lIns="91440" tIns="45720" rIns="91440" bIns="45720" rtlCol="0" anchor="ctr"/>
           <a:lstStyle>
             <a:lvl1pPr algn="l">
-              <a:defRPr sz="378">
+              <a:defRPr sz="945">
                 <a:solidFill>
                   <a:schemeClr val="tx1">
                     <a:tint val="75000"/>
@@ -2568,7 +2568,7 @@
           <a:p>
             <a:fld id="{77FD92D2-A554-7447-906B-95AD3CE4CD8B}" type="datetimeFigureOut">
               <a:rPr lang="en-US" smtClean="0"/>
-              <a:t>6/4/20</a:t>
+              <a:t>8/18/20</a:t>
             </a:fld>
             <a:endParaRPr lang="en-US"/>
           </a:p>
@@ -2586,8 +2586,8 @@
         </p:nvSpPr>
         <p:spPr>
           <a:xfrm>
-            <a:off x="4770071" y="2002545"/>
-            <a:ext cx="4860072" cy="115031"/>
+            <a:off x="4770071" y="5005626"/>
+            <a:ext cx="4860072" cy="287536"/>
           </a:xfrm>
           <a:prstGeom prst="rect">
             <a:avLst/>
@@ -2597,7 +2597,7 @@
           <a:bodyPr vert="horz" lIns="91440" tIns="45720" rIns="91440" bIns="45720" rtlCol="0" anchor="ctr"/>
           <a:lstStyle>
             <a:lvl1pPr algn="ctr">
-              <a:defRPr sz="378">
+              <a:defRPr sz="945">
                 <a:solidFill>
                   <a:schemeClr val="tx1">
                     <a:tint val="75000"/>
@@ -2623,8 +2623,8 @@
         </p:nvSpPr>
         <p:spPr>
           <a:xfrm>
-            <a:off x="10170150" y="2002545"/>
-            <a:ext cx="3240048" cy="115031"/>
+            <a:off x="10170150" y="5005626"/>
+            <a:ext cx="3240048" cy="287536"/>
           </a:xfrm>
           <a:prstGeom prst="rect">
             <a:avLst/>
@@ -2634,7 +2634,7 @@
           <a:bodyPr vert="horz" lIns="91440" tIns="45720" rIns="91440" bIns="45720" rtlCol="0" anchor="ctr"/>
           <a:lstStyle>
             <a:lvl1pPr algn="r">
-              <a:defRPr sz="378">
+              <a:defRPr sz="945">
                 <a:solidFill>
                   <a:schemeClr val="tx1">
                     <a:tint val="75000"/>
@@ -2655,27 +2655,27 @@
     </p:spTree>
     <p:extLst>
       <p:ext uri="{BB962C8B-B14F-4D97-AF65-F5344CB8AC3E}">
-        <p14:creationId xmlns:p14="http://schemas.microsoft.com/office/powerpoint/2010/main" val="2221693545"/>
+        <p14:creationId xmlns:p14="http://schemas.microsoft.com/office/powerpoint/2010/main" val="3623078642"/>
       </p:ext>
     </p:extLst>
   </p:cSld>
   <p:clrMap bg1="lt1" tx1="dk1" bg2="lt2" tx2="dk2" accent1="accent1" accent2="accent2" accent3="accent3" accent4="accent4" accent5="accent5" accent6="accent6" hlink="hlink" folHlink="folHlink"/>
   <p:sldLayoutIdLst>
-    <p:sldLayoutId id="2147483745" r:id="rId1"/>
-    <p:sldLayoutId id="2147483746" r:id="rId2"/>
-    <p:sldLayoutId id="2147483747" r:id="rId3"/>
-    <p:sldLayoutId id="2147483748" r:id="rId4"/>
-    <p:sldLayoutId id="2147483749" r:id="rId5"/>
-    <p:sldLayoutId id="2147483750" r:id="rId6"/>
-    <p:sldLayoutId id="2147483751" r:id="rId7"/>
-    <p:sldLayoutId id="2147483752" r:id="rId8"/>
-    <p:sldLayoutId id="2147483753" r:id="rId9"/>
-    <p:sldLayoutId id="2147483754" r:id="rId10"/>
-    <p:sldLayoutId id="2147483755" r:id="rId11"/>
+    <p:sldLayoutId id="2147483781" r:id="rId1"/>
+    <p:sldLayoutId id="2147483782" r:id="rId2"/>
+    <p:sldLayoutId id="2147483783" r:id="rId3"/>
+    <p:sldLayoutId id="2147483784" r:id="rId4"/>
+    <p:sldLayoutId id="2147483785" r:id="rId5"/>
+    <p:sldLayoutId id="2147483786" r:id="rId6"/>
+    <p:sldLayoutId id="2147483787" r:id="rId7"/>
+    <p:sldLayoutId id="2147483788" r:id="rId8"/>
+    <p:sldLayoutId id="2147483789" r:id="rId9"/>
+    <p:sldLayoutId id="2147483790" r:id="rId10"/>
+    <p:sldLayoutId id="2147483791" r:id="rId11"/>
   </p:sldLayoutIdLst>
   <p:txStyles>
     <p:titleStyle>
-      <a:lvl1pPr algn="l" defTabSz="288036" rtl="0" eaLnBrk="1" latinLnBrk="0" hangingPunct="1">
+      <a:lvl1pPr algn="l" defTabSz="720090" rtl="0" eaLnBrk="1" latinLnBrk="0" hangingPunct="1">
         <a:lnSpc>
           <a:spcPct val="90000"/>
         </a:lnSpc>
@@ -2683,7 +2683,7 @@
           <a:spcPct val="0"/>
         </a:spcBef>
         <a:buNone/>
-        <a:defRPr sz="1386" kern="1200">
+        <a:defRPr sz="3465" kern="1200">
           <a:solidFill>
             <a:schemeClr val="tx1"/>
           </a:solidFill>
@@ -2694,16 +2694,16 @@
       </a:lvl1pPr>
     </p:titleStyle>
     <p:bodyStyle>
-      <a:lvl1pPr marL="72009" indent="-72009" algn="l" defTabSz="288036" rtl="0" eaLnBrk="1" latinLnBrk="0" hangingPunct="1">
+      <a:lvl1pPr marL="180023" indent="-180023" algn="l" defTabSz="720090" rtl="0" eaLnBrk="1" latinLnBrk="0" hangingPunct="1">
         <a:lnSpc>
           <a:spcPct val="90000"/>
         </a:lnSpc>
         <a:spcBef>
-          <a:spcPts val="315"/>
+          <a:spcPts val="788"/>
         </a:spcBef>
         <a:buFont typeface="Arial" panose="020B0604020202020204" pitchFamily="34" charset="0"/>
         <a:buChar char="•"/>
-        <a:defRPr sz="882" kern="1200">
+        <a:defRPr sz="2205" kern="1200">
           <a:solidFill>
             <a:schemeClr val="tx1"/>
           </a:solidFill>
@@ -2712,16 +2712,16 @@
           <a:cs typeface="+mn-cs"/>
         </a:defRPr>
       </a:lvl1pPr>
-      <a:lvl2pPr marL="216027" indent="-72009" algn="l" defTabSz="288036" rtl="0" eaLnBrk="1" latinLnBrk="0" hangingPunct="1">
+      <a:lvl2pPr marL="540068" indent="-180023" algn="l" defTabSz="720090" rtl="0" eaLnBrk="1" latinLnBrk="0" hangingPunct="1">
         <a:lnSpc>
           <a:spcPct val="90000"/>
         </a:lnSpc>
         <a:spcBef>
-          <a:spcPts val="158"/>
+          <a:spcPts val="394"/>
         </a:spcBef>
         <a:buFont typeface="Arial" panose="020B0604020202020204" pitchFamily="34" charset="0"/>
         <a:buChar char="•"/>
-        <a:defRPr sz="756" kern="1200">
+        <a:defRPr sz="1890" kern="1200">
           <a:solidFill>
             <a:schemeClr val="tx1"/>
           </a:solidFill>
@@ -2730,16 +2730,16 @@
           <a:cs typeface="+mn-cs"/>
         </a:defRPr>
       </a:lvl2pPr>
-      <a:lvl3pPr marL="360045" indent="-72009" algn="l" defTabSz="288036" rtl="0" eaLnBrk="1" latinLnBrk="0" hangingPunct="1">
+      <a:lvl3pPr marL="900113" indent="-180023" algn="l" defTabSz="720090" rtl="0" eaLnBrk="1" latinLnBrk="0" hangingPunct="1">
         <a:lnSpc>
           <a:spcPct val="90000"/>
         </a:lnSpc>
         <a:spcBef>
-          <a:spcPts val="158"/>
+          <a:spcPts val="394"/>
         </a:spcBef>
         <a:buFont typeface="Arial" panose="020B0604020202020204" pitchFamily="34" charset="0"/>
         <a:buChar char="•"/>
-        <a:defRPr sz="630" kern="1200">
+        <a:defRPr sz="1575" kern="1200">
           <a:solidFill>
             <a:schemeClr val="tx1"/>
           </a:solidFill>
@@ -2748,16 +2748,16 @@
           <a:cs typeface="+mn-cs"/>
         </a:defRPr>
       </a:lvl3pPr>
-      <a:lvl4pPr marL="504063" indent="-72009" algn="l" defTabSz="288036" rtl="0" eaLnBrk="1" latinLnBrk="0" hangingPunct="1">
+      <a:lvl4pPr marL="1260158" indent="-180023" algn="l" defTabSz="720090" rtl="0" eaLnBrk="1" latinLnBrk="0" hangingPunct="1">
         <a:lnSpc>
           <a:spcPct val="90000"/>
         </a:lnSpc>
         <a:spcBef>
-          <a:spcPts val="158"/>
+          <a:spcPts val="394"/>
         </a:spcBef>
         <a:buFont typeface="Arial" panose="020B0604020202020204" pitchFamily="34" charset="0"/>
         <a:buChar char="•"/>
-        <a:defRPr sz="567" kern="1200">
+        <a:defRPr sz="1418" kern="1200">
           <a:solidFill>
             <a:schemeClr val="tx1"/>
           </a:solidFill>
@@ -2766,16 +2766,16 @@
           <a:cs typeface="+mn-cs"/>
         </a:defRPr>
       </a:lvl4pPr>
-      <a:lvl5pPr marL="648081" indent="-72009" algn="l" defTabSz="288036" rtl="0" eaLnBrk="1" latinLnBrk="0" hangingPunct="1">
+      <a:lvl5pPr marL="1620203" indent="-180023" algn="l" defTabSz="720090" rtl="0" eaLnBrk="1" latinLnBrk="0" hangingPunct="1">
         <a:lnSpc>
           <a:spcPct val="90000"/>
         </a:lnSpc>
         <a:spcBef>
-          <a:spcPts val="158"/>
+          <a:spcPts val="394"/>
         </a:spcBef>
         <a:buFont typeface="Arial" panose="020B0604020202020204" pitchFamily="34" charset="0"/>
         <a:buChar char="•"/>
-        <a:defRPr sz="567" kern="1200">
+        <a:defRPr sz="1418" kern="1200">
           <a:solidFill>
             <a:schemeClr val="tx1"/>
           </a:solidFill>
@@ -2784,16 +2784,16 @@
           <a:cs typeface="+mn-cs"/>
         </a:defRPr>
       </a:lvl5pPr>
-      <a:lvl6pPr marL="792099" indent="-72009" algn="l" defTabSz="288036" rtl="0" eaLnBrk="1" latinLnBrk="0" hangingPunct="1">
+      <a:lvl6pPr marL="1980248" indent="-180023" algn="l" defTabSz="720090" rtl="0" eaLnBrk="1" latinLnBrk="0" hangingPunct="1">
         <a:lnSpc>
           <a:spcPct val="90000"/>
         </a:lnSpc>
         <a:spcBef>
-          <a:spcPts val="158"/>
+          <a:spcPts val="394"/>
         </a:spcBef>
         <a:buFont typeface="Arial" panose="020B0604020202020204" pitchFamily="34" charset="0"/>
         <a:buChar char="•"/>
-        <a:defRPr sz="567" kern="1200">
+        <a:defRPr sz="1418" kern="1200">
           <a:solidFill>
             <a:schemeClr val="tx1"/>
           </a:solidFill>
@@ -2802,16 +2802,16 @@
           <a:cs typeface="+mn-cs"/>
         </a:defRPr>
       </a:lvl6pPr>
-      <a:lvl7pPr marL="936117" indent="-72009" algn="l" defTabSz="288036" rtl="0" eaLnBrk="1" latinLnBrk="0" hangingPunct="1">
+      <a:lvl7pPr marL="2340293" indent="-180023" algn="l" defTabSz="720090" rtl="0" eaLnBrk="1" latinLnBrk="0" hangingPunct="1">
         <a:lnSpc>
           <a:spcPct val="90000"/>
         </a:lnSpc>
         <a:spcBef>
-          <a:spcPts val="158"/>
+          <a:spcPts val="394"/>
         </a:spcBef>
         <a:buFont typeface="Arial" panose="020B0604020202020204" pitchFamily="34" charset="0"/>
         <a:buChar char="•"/>
-        <a:defRPr sz="567" kern="1200">
+        <a:defRPr sz="1418" kern="1200">
           <a:solidFill>
             <a:schemeClr val="tx1"/>
           </a:solidFill>
@@ -2820,16 +2820,16 @@
           <a:cs typeface="+mn-cs"/>
         </a:defRPr>
       </a:lvl7pPr>
-      <a:lvl8pPr marL="1080135" indent="-72009" algn="l" defTabSz="288036" rtl="0" eaLnBrk="1" latinLnBrk="0" hangingPunct="1">
+      <a:lvl8pPr marL="2700338" indent="-180023" algn="l" defTabSz="720090" rtl="0" eaLnBrk="1" latinLnBrk="0" hangingPunct="1">
         <a:lnSpc>
           <a:spcPct val="90000"/>
         </a:lnSpc>
         <a:spcBef>
-          <a:spcPts val="158"/>
+          <a:spcPts val="394"/>
         </a:spcBef>
         <a:buFont typeface="Arial" panose="020B0604020202020204" pitchFamily="34" charset="0"/>
         <a:buChar char="•"/>
-        <a:defRPr sz="567" kern="1200">
+        <a:defRPr sz="1418" kern="1200">
           <a:solidFill>
             <a:schemeClr val="tx1"/>
           </a:solidFill>
@@ -2838,16 +2838,16 @@
           <a:cs typeface="+mn-cs"/>
         </a:defRPr>
       </a:lvl8pPr>
-      <a:lvl9pPr marL="1224153" indent="-72009" algn="l" defTabSz="288036" rtl="0" eaLnBrk="1" latinLnBrk="0" hangingPunct="1">
+      <a:lvl9pPr marL="3060383" indent="-180023" algn="l" defTabSz="720090" rtl="0" eaLnBrk="1" latinLnBrk="0" hangingPunct="1">
         <a:lnSpc>
           <a:spcPct val="90000"/>
         </a:lnSpc>
         <a:spcBef>
-          <a:spcPts val="158"/>
+          <a:spcPts val="394"/>
         </a:spcBef>
         <a:buFont typeface="Arial" panose="020B0604020202020204" pitchFamily="34" charset="0"/>
         <a:buChar char="•"/>
-        <a:defRPr sz="567" kern="1200">
+        <a:defRPr sz="1418" kern="1200">
           <a:solidFill>
             <a:schemeClr val="tx1"/>
           </a:solidFill>
@@ -2861,8 +2861,8 @@
       <a:defPPr>
         <a:defRPr lang="en-US"/>
       </a:defPPr>
-      <a:lvl1pPr marL="0" algn="l" defTabSz="288036" rtl="0" eaLnBrk="1" latinLnBrk="0" hangingPunct="1">
-        <a:defRPr sz="567" kern="1200">
+      <a:lvl1pPr marL="0" algn="l" defTabSz="720090" rtl="0" eaLnBrk="1" latinLnBrk="0" hangingPunct="1">
+        <a:defRPr sz="1418" kern="1200">
           <a:solidFill>
             <a:schemeClr val="tx1"/>
           </a:solidFill>
@@ -2871,8 +2871,8 @@
           <a:cs typeface="+mn-cs"/>
         </a:defRPr>
       </a:lvl1pPr>
-      <a:lvl2pPr marL="144018" algn="l" defTabSz="288036" rtl="0" eaLnBrk="1" latinLnBrk="0" hangingPunct="1">
-        <a:defRPr sz="567" kern="1200">
+      <a:lvl2pPr marL="360045" algn="l" defTabSz="720090" rtl="0" eaLnBrk="1" latinLnBrk="0" hangingPunct="1">
+        <a:defRPr sz="1418" kern="1200">
           <a:solidFill>
             <a:schemeClr val="tx1"/>
           </a:solidFill>
@@ -2881,8 +2881,8 @@
           <a:cs typeface="+mn-cs"/>
         </a:defRPr>
       </a:lvl2pPr>
-      <a:lvl3pPr marL="288036" algn="l" defTabSz="288036" rtl="0" eaLnBrk="1" latinLnBrk="0" hangingPunct="1">
-        <a:defRPr sz="567" kern="1200">
+      <a:lvl3pPr marL="720090" algn="l" defTabSz="720090" rtl="0" eaLnBrk="1" latinLnBrk="0" hangingPunct="1">
+        <a:defRPr sz="1418" kern="1200">
           <a:solidFill>
             <a:schemeClr val="tx1"/>
           </a:solidFill>
@@ -2891,8 +2891,8 @@
           <a:cs typeface="+mn-cs"/>
         </a:defRPr>
       </a:lvl3pPr>
-      <a:lvl4pPr marL="432054" algn="l" defTabSz="288036" rtl="0" eaLnBrk="1" latinLnBrk="0" hangingPunct="1">
-        <a:defRPr sz="567" kern="1200">
+      <a:lvl4pPr marL="1080135" algn="l" defTabSz="720090" rtl="0" eaLnBrk="1" latinLnBrk="0" hangingPunct="1">
+        <a:defRPr sz="1418" kern="1200">
           <a:solidFill>
             <a:schemeClr val="tx1"/>
           </a:solidFill>
@@ -2901,8 +2901,8 @@
           <a:cs typeface="+mn-cs"/>
         </a:defRPr>
       </a:lvl4pPr>
-      <a:lvl5pPr marL="576072" algn="l" defTabSz="288036" rtl="0" eaLnBrk="1" latinLnBrk="0" hangingPunct="1">
-        <a:defRPr sz="567" kern="1200">
+      <a:lvl5pPr marL="1440180" algn="l" defTabSz="720090" rtl="0" eaLnBrk="1" latinLnBrk="0" hangingPunct="1">
+        <a:defRPr sz="1418" kern="1200">
           <a:solidFill>
             <a:schemeClr val="tx1"/>
           </a:solidFill>
@@ -2911,8 +2911,8 @@
           <a:cs typeface="+mn-cs"/>
         </a:defRPr>
       </a:lvl5pPr>
-      <a:lvl6pPr marL="720090" algn="l" defTabSz="288036" rtl="0" eaLnBrk="1" latinLnBrk="0" hangingPunct="1">
-        <a:defRPr sz="567" kern="1200">
+      <a:lvl6pPr marL="1800225" algn="l" defTabSz="720090" rtl="0" eaLnBrk="1" latinLnBrk="0" hangingPunct="1">
+        <a:defRPr sz="1418" kern="1200">
           <a:solidFill>
             <a:schemeClr val="tx1"/>
           </a:solidFill>
@@ -2921,8 +2921,8 @@
           <a:cs typeface="+mn-cs"/>
         </a:defRPr>
       </a:lvl6pPr>
-      <a:lvl7pPr marL="864108" algn="l" defTabSz="288036" rtl="0" eaLnBrk="1" latinLnBrk="0" hangingPunct="1">
-        <a:defRPr sz="567" kern="1200">
+      <a:lvl7pPr marL="2160270" algn="l" defTabSz="720090" rtl="0" eaLnBrk="1" latinLnBrk="0" hangingPunct="1">
+        <a:defRPr sz="1418" kern="1200">
           <a:solidFill>
             <a:schemeClr val="tx1"/>
           </a:solidFill>
@@ -2931,8 +2931,8 @@
           <a:cs typeface="+mn-cs"/>
         </a:defRPr>
       </a:lvl7pPr>
-      <a:lvl8pPr marL="1008126" algn="l" defTabSz="288036" rtl="0" eaLnBrk="1" latinLnBrk="0" hangingPunct="1">
-        <a:defRPr sz="567" kern="1200">
+      <a:lvl8pPr marL="2520315" algn="l" defTabSz="720090" rtl="0" eaLnBrk="1" latinLnBrk="0" hangingPunct="1">
+        <a:defRPr sz="1418" kern="1200">
           <a:solidFill>
             <a:schemeClr val="tx1"/>
           </a:solidFill>
@@ -2941,8 +2941,8 @@
           <a:cs typeface="+mn-cs"/>
         </a:defRPr>
       </a:lvl8pPr>
-      <a:lvl9pPr marL="1152144" algn="l" defTabSz="288036" rtl="0" eaLnBrk="1" latinLnBrk="0" hangingPunct="1">
-        <a:defRPr sz="567" kern="1200">
+      <a:lvl9pPr marL="2880360" algn="l" defTabSz="720090" rtl="0" eaLnBrk="1" latinLnBrk="0" hangingPunct="1">
+        <a:defRPr sz="1418" kern="1200">
           <a:solidFill>
             <a:schemeClr val="tx1"/>
           </a:solidFill>
@@ -2987,7 +2987,7 @@
         </p:nvSpPr>
         <p:spPr>
           <a:xfrm>
-            <a:off x="12610207" y="767004"/>
+            <a:off x="12706197" y="2444256"/>
             <a:ext cx="1688115" cy="730276"/>
           </a:xfrm>
           <a:prstGeom prst="rect">
@@ -3021,8 +3021,8 @@
           <a:p>
             <a:pPr algn="ctr"/>
             <a:r>
-              <a:rPr lang="en-US" sz="1600" dirty="0"/>
-              <a:t>Spike analysis with Elephant</a:t>
+              <a:rPr lang="en-US" dirty="0"/>
+              <a:t>Spike analysis</a:t>
             </a:r>
           </a:p>
         </p:txBody>
@@ -3045,8 +3045,8 @@
         </p:nvCxnSpPr>
         <p:spPr>
           <a:xfrm>
-            <a:off x="12178085" y="593156"/>
-            <a:ext cx="432122" cy="538986"/>
+            <a:off x="12340262" y="1726826"/>
+            <a:ext cx="365935" cy="1082568"/>
           </a:xfrm>
           <a:prstGeom prst="straightConnector1">
             <a:avLst/>
@@ -3088,8 +3088,8 @@
         </p:nvCxnSpPr>
         <p:spPr>
           <a:xfrm flipV="1">
-            <a:off x="12172950" y="1132142"/>
-            <a:ext cx="437257" cy="513428"/>
+            <a:off x="12340262" y="2809394"/>
+            <a:ext cx="365935" cy="1047951"/>
           </a:xfrm>
           <a:prstGeom prst="straightConnector1">
             <a:avLst/>
@@ -3127,8 +3127,8 @@
         </p:nvSpPr>
         <p:spPr>
           <a:xfrm>
-            <a:off x="1790006" y="232983"/>
-            <a:ext cx="1472962" cy="730276"/>
+            <a:off x="1909918" y="1358119"/>
+            <a:ext cx="1549915" cy="730276"/>
           </a:xfrm>
           <a:prstGeom prst="rect">
             <a:avLst/>
@@ -3161,14 +3161,14 @@
           <a:p>
             <a:pPr algn="ctr"/>
             <a:r>
-              <a:rPr lang="en-US" sz="1600" dirty="0"/>
+              <a:rPr lang="en-US" dirty="0"/>
               <a:t>normalization</a:t>
             </a:r>
           </a:p>
           <a:p>
             <a:pPr algn="ctr"/>
             <a:r>
-              <a:rPr lang="en-US" sz="1600" dirty="0"/>
+              <a:rPr lang="en-US" dirty="0"/>
               <a:t>segmentation</a:t>
             </a:r>
           </a:p>
@@ -3188,8 +3188,8 @@
         </p:nvSpPr>
         <p:spPr>
           <a:xfrm>
-            <a:off x="1790006" y="1265351"/>
-            <a:ext cx="1472962" cy="730276"/>
+            <a:off x="1909919" y="3554534"/>
+            <a:ext cx="1091139" cy="605622"/>
           </a:xfrm>
           <a:prstGeom prst="rect">
             <a:avLst/>
@@ -3222,7 +3222,7 @@
           <a:p>
             <a:pPr algn="ctr"/>
             <a:r>
-              <a:rPr lang="en-US" sz="1600" dirty="0"/>
+              <a:rPr lang="en-US" dirty="0"/>
               <a:t>OASIS</a:t>
             </a:r>
           </a:p>
@@ -3246,8 +3246,8 @@
         </p:nvCxnSpPr>
         <p:spPr>
           <a:xfrm flipV="1">
-            <a:off x="1496886" y="598121"/>
-            <a:ext cx="293120" cy="431916"/>
+            <a:off x="1472962" y="1723257"/>
+            <a:ext cx="436956" cy="1215481"/>
           </a:xfrm>
           <a:prstGeom prst="straightConnector1">
             <a:avLst/>
@@ -3289,8 +3289,8 @@
         </p:nvCxnSpPr>
         <p:spPr>
           <a:xfrm>
-            <a:off x="1496886" y="1030037"/>
-            <a:ext cx="293120" cy="600452"/>
+            <a:off x="1472962" y="2938738"/>
+            <a:ext cx="436957" cy="918607"/>
           </a:xfrm>
           <a:prstGeom prst="straightConnector1">
             <a:avLst/>
@@ -3331,9 +3331,9 @@
           <p:nvPr/>
         </p:nvCxnSpPr>
         <p:spPr>
-          <a:xfrm>
-            <a:off x="3262968" y="598121"/>
-            <a:ext cx="312079" cy="302145"/>
+          <a:xfrm flipV="1">
+            <a:off x="3459833" y="1718034"/>
+            <a:ext cx="338278" cy="5223"/>
           </a:xfrm>
           <a:prstGeom prst="straightConnector1">
             <a:avLst/>
@@ -3375,8 +3375,8 @@
         </p:nvCxnSpPr>
         <p:spPr>
           <a:xfrm>
-            <a:off x="3262968" y="1630489"/>
-            <a:ext cx="7381886" cy="15081"/>
+            <a:off x="3001058" y="3857345"/>
+            <a:ext cx="7811108" cy="0"/>
           </a:xfrm>
           <a:prstGeom prst="straightConnector1">
             <a:avLst/>
@@ -3414,7 +3414,7 @@
         </p:nvSpPr>
         <p:spPr>
           <a:xfrm>
-            <a:off x="5384000" y="229016"/>
+            <a:off x="5681641" y="1358093"/>
             <a:ext cx="1472962" cy="730276"/>
           </a:xfrm>
           <a:prstGeom prst="rect">
@@ -3448,10 +3448,10 @@
           <a:p>
             <a:pPr algn="ctr"/>
             <a:r>
-              <a:rPr lang="en-US" sz="1600" dirty="0" err="1"/>
+              <a:rPr lang="en-US" dirty="0" err="1"/>
               <a:t>CalciumGAN</a:t>
             </a:r>
-            <a:endParaRPr lang="en-US" sz="1600" dirty="0"/>
+            <a:endParaRPr lang="en-US" dirty="0"/>
           </a:p>
         </p:txBody>
       </p:sp>
@@ -3469,8 +3469,8 @@
         </p:nvSpPr>
         <p:spPr>
           <a:xfrm>
-            <a:off x="8873672" y="229016"/>
-            <a:ext cx="1472962" cy="730276"/>
+            <a:off x="9402457" y="1447018"/>
+            <a:ext cx="1075450" cy="552424"/>
           </a:xfrm>
           <a:prstGeom prst="rect">
             <a:avLst/>
@@ -3503,7 +3503,7 @@
           <a:p>
             <a:pPr algn="ctr"/>
             <a:r>
-              <a:rPr lang="en-US" sz="1600" dirty="0"/>
+              <a:rPr lang="en-US" dirty="0"/>
               <a:t>OASIS</a:t>
             </a:r>
           </a:p>
@@ -3526,9 +3526,9 @@
           <p:nvPr/>
         </p:nvCxnSpPr>
         <p:spPr>
-          <a:xfrm>
-            <a:off x="6856962" y="594154"/>
-            <a:ext cx="219292" cy="441"/>
+          <a:xfrm flipV="1">
+            <a:off x="7154603" y="1718033"/>
+            <a:ext cx="328640" cy="5198"/>
           </a:xfrm>
           <a:prstGeom prst="straightConnector1">
             <a:avLst/>
@@ -3569,9 +3569,9 @@
           <p:nvPr/>
         </p:nvCxnSpPr>
         <p:spPr>
-          <a:xfrm flipV="1">
-            <a:off x="8655043" y="594154"/>
-            <a:ext cx="218629" cy="441"/>
+          <a:xfrm>
+            <a:off x="9062032" y="1718033"/>
+            <a:ext cx="340425" cy="5197"/>
           </a:xfrm>
           <a:prstGeom prst="straightConnector1">
             <a:avLst/>
@@ -3612,9 +3612,9 @@
           <p:nvPr/>
         </p:nvCxnSpPr>
         <p:spPr>
-          <a:xfrm flipV="1">
-            <a:off x="10346634" y="593156"/>
-            <a:ext cx="293084" cy="998"/>
+          <a:xfrm>
+            <a:off x="10477907" y="1723230"/>
+            <a:ext cx="323988" cy="3596"/>
           </a:xfrm>
           <a:prstGeom prst="straightConnector1">
             <a:avLst/>
@@ -3655,9 +3655,9 @@
           <p:nvPr/>
         </p:nvCxnSpPr>
         <p:spPr>
-          <a:xfrm flipV="1">
-            <a:off x="5071921" y="594154"/>
-            <a:ext cx="312079" cy="306112"/>
+          <a:xfrm>
+            <a:off x="5294985" y="1718034"/>
+            <a:ext cx="386656" cy="5197"/>
           </a:xfrm>
           <a:prstGeom prst="straightConnector1">
             <a:avLst/>
@@ -3695,10 +3695,10 @@
         </p:nvGrpSpPr>
         <p:grpSpPr>
           <a:xfrm>
-            <a:off x="23924" y="359294"/>
-            <a:ext cx="1472962" cy="1341485"/>
+            <a:off x="0" y="2088397"/>
+            <a:ext cx="1472962" cy="1700681"/>
             <a:chOff x="324547" y="1614038"/>
-            <a:chExt cx="1472962" cy="923705"/>
+            <a:chExt cx="1472962" cy="1171036"/>
           </a:xfrm>
           <a:solidFill>
             <a:schemeClr val="bg1"/>
@@ -3719,7 +3719,7 @@
           <p:spPr>
             <a:xfrm>
               <a:off x="324547" y="1614038"/>
-              <a:ext cx="1472962" cy="923705"/>
+              <a:ext cx="1472962" cy="1171036"/>
             </a:xfrm>
             <a:prstGeom prst="rect">
               <a:avLst/>
@@ -3761,7 +3761,7 @@
             <a:p>
               <a:pPr algn="ctr"/>
               <a:r>
-                <a:rPr lang="en-US" sz="1600" dirty="0">
+                <a:rPr lang="en-US" dirty="0">
                   <a:solidFill>
                     <a:schemeClr val="tx1"/>
                   </a:solidFill>
@@ -3793,8 +3793,8 @@
           </p:blipFill>
           <p:spPr>
             <a:xfrm>
-              <a:off x="367508" y="1894775"/>
-              <a:ext cx="1387041" cy="616424"/>
+              <a:off x="367508" y="2110494"/>
+              <a:ext cx="1387041" cy="670588"/>
             </a:xfrm>
             <a:prstGeom prst="rect">
               <a:avLst/>
@@ -3817,8 +3817,8 @@
         </p:nvSpPr>
         <p:spPr>
           <a:xfrm>
-            <a:off x="3575047" y="619268"/>
-            <a:ext cx="1496874" cy="561996"/>
+            <a:off x="3798111" y="1397935"/>
+            <a:ext cx="1496874" cy="640197"/>
           </a:xfrm>
           <a:prstGeom prst="rect">
             <a:avLst/>
@@ -3852,7 +3852,7 @@
           </a:fontRef>
         </p:style>
         <p:txBody>
-          <a:bodyPr rot="0" spcFirstLastPara="0" vertOverflow="overflow" horzOverflow="overflow" vert="horz" wrap="square" lIns="95991" tIns="46800" rIns="95991" bIns="46800" numCol="1" spcCol="0" rtlCol="0" fromWordArt="0" anchor="ctr" anchorCtr="0" forceAA="0" compatLnSpc="1">
+          <a:bodyPr rot="0" spcFirstLastPara="0" vertOverflow="overflow" horzOverflow="overflow" vert="horz" wrap="square" lIns="97200" tIns="46800" rIns="95991" bIns="46800" numCol="1" spcCol="0" rtlCol="0" fromWordArt="0" anchor="ctr" anchorCtr="0" forceAA="0" compatLnSpc="1">
             <a:prstTxWarp prst="textNoShape">
               <a:avLst/>
             </a:prstTxWarp>
@@ -3866,7 +3866,7 @@
               </a:lnSpc>
             </a:pPr>
             <a:r>
-              <a:rPr lang="en-US" sz="1600" dirty="0">
+              <a:rPr lang="en-US" dirty="0">
                 <a:solidFill>
                   <a:schemeClr val="tx1"/>
                 </a:solidFill>
@@ -3876,305 +3876,368 @@
           </a:p>
         </p:txBody>
       </p:sp>
-      <p:sp>
-        <p:nvSpPr>
-          <p:cNvPr id="61" name="Rectangle 60">
+      <p:grpSp>
+        <p:nvGrpSpPr>
+          <p:cNvPr id="53" name="Group 52">
             <a:extLst>
               <a:ext uri="{FF2B5EF4-FFF2-40B4-BE49-F238E27FC236}">
-                <a16:creationId xmlns:a16="http://schemas.microsoft.com/office/drawing/2014/main" id="{E54BE12F-3448-264E-8A59-B87133FE5C73}"/>
+                <a16:creationId xmlns:a16="http://schemas.microsoft.com/office/drawing/2014/main" id="{CF6B348F-2474-AA4B-A2FC-D946CDFB3BC5}"/>
               </a:ext>
             </a:extLst>
           </p:cNvPr>
-          <p:cNvSpPr/>
+          <p:cNvGrpSpPr/>
           <p:nvPr/>
-        </p:nvSpPr>
-        <p:spPr>
+        </p:nvGrpSpPr>
+        <p:grpSpPr>
           <a:xfrm>
-            <a:off x="10644854" y="1130552"/>
-            <a:ext cx="1528096" cy="1030036"/>
+            <a:off x="10812166" y="2997014"/>
+            <a:ext cx="1528096" cy="1720661"/>
+            <a:chOff x="10322480" y="2706276"/>
+            <a:chExt cx="1528096" cy="1720661"/>
           </a:xfrm>
-          <a:prstGeom prst="rect">
-            <a:avLst/>
-          </a:prstGeom>
-          <a:solidFill>
-            <a:schemeClr val="bg1"/>
-          </a:solidFill>
-          <a:ln>
+        </p:grpSpPr>
+        <p:sp>
+          <p:nvSpPr>
+            <p:cNvPr id="61" name="Rectangle 60">
+              <a:extLst>
+                <a:ext uri="{FF2B5EF4-FFF2-40B4-BE49-F238E27FC236}">
+                  <a16:creationId xmlns:a16="http://schemas.microsoft.com/office/drawing/2014/main" id="{E54BE12F-3448-264E-8A59-B87133FE5C73}"/>
+                </a:ext>
+              </a:extLst>
+            </p:cNvPr>
+            <p:cNvSpPr/>
+            <p:nvPr/>
+          </p:nvSpPr>
+          <p:spPr>
+            <a:xfrm>
+              <a:off x="10322480" y="2706276"/>
+              <a:ext cx="1528096" cy="1720661"/>
+            </a:xfrm>
+            <a:prstGeom prst="rect">
+              <a:avLst/>
+            </a:prstGeom>
             <a:solidFill>
+              <a:schemeClr val="bg1"/>
+            </a:solidFill>
+            <a:ln>
+              <a:solidFill>
+                <a:schemeClr val="accent1">
+                  <a:lumMod val="40000"/>
+                  <a:lumOff val="60000"/>
+                </a:schemeClr>
+              </a:solidFill>
+            </a:ln>
+          </p:spPr>
+          <p:style>
+            <a:lnRef idx="2">
               <a:schemeClr val="accent1">
-                <a:lumMod val="40000"/>
-                <a:lumOff val="60000"/>
+                <a:shade val="50000"/>
               </a:schemeClr>
-            </a:solidFill>
-          </a:ln>
-        </p:spPr>
-        <p:style>
-          <a:lnRef idx="2">
-            <a:schemeClr val="accent1">
-              <a:shade val="50000"/>
-            </a:schemeClr>
-          </a:lnRef>
-          <a:fillRef idx="1">
-            <a:schemeClr val="accent1"/>
-          </a:fillRef>
-          <a:effectRef idx="0">
-            <a:schemeClr val="accent1"/>
-          </a:effectRef>
-          <a:fontRef idx="minor">
-            <a:schemeClr val="lt1"/>
-          </a:fontRef>
-        </p:style>
-        <p:txBody>
-          <a:bodyPr rot="0" spcFirstLastPara="0" vertOverflow="overflow" horzOverflow="overflow" vert="horz" wrap="square" lIns="95991" tIns="82800" rIns="95991" bIns="46800" numCol="1" spcCol="0" rtlCol="0" fromWordArt="0" anchor="t" anchorCtr="0" forceAA="0" compatLnSpc="1">
-            <a:prstTxWarp prst="textNoShape">
+            </a:lnRef>
+            <a:fillRef idx="1">
+              <a:schemeClr val="accent1"/>
+            </a:fillRef>
+            <a:effectRef idx="0">
+              <a:schemeClr val="accent1"/>
+            </a:effectRef>
+            <a:fontRef idx="minor">
+              <a:schemeClr val="lt1"/>
+            </a:fontRef>
+          </p:style>
+          <p:txBody>
+            <a:bodyPr rot="0" spcFirstLastPara="0" vertOverflow="overflow" horzOverflow="overflow" vert="horz" wrap="square" lIns="95991" tIns="82800" rIns="95991" bIns="46800" numCol="1" spcCol="0" rtlCol="0" fromWordArt="0" anchor="t" anchorCtr="0" forceAA="0" compatLnSpc="1">
+              <a:prstTxWarp prst="textNoShape">
+                <a:avLst/>
+              </a:prstTxWarp>
+              <a:noAutofit/>
+            </a:bodyPr>
+            <a:lstStyle/>
+            <a:p>
+              <a:pPr algn="ctr"/>
+              <a:r>
+                <a:rPr lang="en-US" dirty="0">
+                  <a:solidFill>
+                    <a:schemeClr val="tx1"/>
+                  </a:solidFill>
+                </a:rPr>
+                <a:t>inferred spikes</a:t>
+              </a:r>
+            </a:p>
+          </p:txBody>
+        </p:sp>
+        <p:pic>
+          <p:nvPicPr>
+            <p:cNvPr id="62" name="Picture 61" descr="A picture containing sunset, clock, light, dark&#10;&#10;Description automatically generated">
+              <a:extLst>
+                <a:ext uri="{FF2B5EF4-FFF2-40B4-BE49-F238E27FC236}">
+                  <a16:creationId xmlns:a16="http://schemas.microsoft.com/office/drawing/2014/main" id="{66C07241-6A0D-4749-A7B1-27C5A2241678}"/>
+                </a:ext>
+              </a:extLst>
+            </p:cNvPr>
+            <p:cNvPicPr>
+              <a:picLocks noChangeAspect="1"/>
+            </p:cNvPicPr>
+            <p:nvPr/>
+          </p:nvPicPr>
+          <p:blipFill>
+            <a:blip r:embed="rId3"/>
+            <a:stretch>
+              <a:fillRect/>
+            </a:stretch>
+          </p:blipFill>
+          <p:spPr>
+            <a:xfrm>
+              <a:off x="10372680" y="3371603"/>
+              <a:ext cx="1427696" cy="990681"/>
+            </a:xfrm>
+            <a:prstGeom prst="rect">
               <a:avLst/>
-            </a:prstTxWarp>
-            <a:noAutofit/>
-          </a:bodyPr>
-          <a:lstStyle/>
-          <a:p>
-            <a:pPr algn="ctr"/>
-            <a:r>
-              <a:rPr lang="en-US" sz="1600" dirty="0">
-                <a:solidFill>
-                  <a:schemeClr val="tx1"/>
-                </a:solidFill>
-              </a:rPr>
-              <a:t>inferred spikes</a:t>
-            </a:r>
-          </a:p>
-        </p:txBody>
-      </p:sp>
-      <p:pic>
-        <p:nvPicPr>
-          <p:cNvPr id="62" name="Picture 61" descr="A picture containing sunset, clock, light, dark&#10;&#10;Description automatically generated">
+            </a:prstGeom>
+          </p:spPr>
+        </p:pic>
+      </p:grpSp>
+      <p:grpSp>
+        <p:nvGrpSpPr>
+          <p:cNvPr id="47" name="Group 46">
             <a:extLst>
               <a:ext uri="{FF2B5EF4-FFF2-40B4-BE49-F238E27FC236}">
-                <a16:creationId xmlns:a16="http://schemas.microsoft.com/office/drawing/2014/main" id="{66C07241-6A0D-4749-A7B1-27C5A2241678}"/>
+                <a16:creationId xmlns:a16="http://schemas.microsoft.com/office/drawing/2014/main" id="{487F6D30-9BFF-0C4C-9357-CF9CCF366920}"/>
               </a:ext>
             </a:extLst>
           </p:cNvPr>
-          <p:cNvPicPr>
-            <a:picLocks noChangeAspect="1"/>
-          </p:cNvPicPr>
+          <p:cNvGrpSpPr/>
           <p:nvPr/>
-        </p:nvPicPr>
-        <p:blipFill>
-          <a:blip r:embed="rId3"/>
-          <a:stretch>
-            <a:fillRect/>
-          </a:stretch>
-        </p:blipFill>
-        <p:spPr>
+        </p:nvGrpSpPr>
+        <p:grpSpPr>
           <a:xfrm>
-            <a:off x="10695054" y="1411923"/>
-            <a:ext cx="1427696" cy="721677"/>
+            <a:off x="10801895" y="935274"/>
+            <a:ext cx="1538367" cy="1583104"/>
+            <a:chOff x="10639719" y="1329306"/>
+            <a:chExt cx="1538367" cy="1583104"/>
           </a:xfrm>
-          <a:prstGeom prst="rect">
-            <a:avLst/>
-          </a:prstGeom>
-        </p:spPr>
-      </p:pic>
-      <p:sp>
-        <p:nvSpPr>
-          <p:cNvPr id="67" name="Rectangle 66">
+        </p:grpSpPr>
+        <p:sp>
+          <p:nvSpPr>
+            <p:cNvPr id="67" name="Rectangle 66">
+              <a:extLst>
+                <a:ext uri="{FF2B5EF4-FFF2-40B4-BE49-F238E27FC236}">
+                  <a16:creationId xmlns:a16="http://schemas.microsoft.com/office/drawing/2014/main" id="{9BDC0196-48D4-F344-A3ED-10A9C3140DC5}"/>
+                </a:ext>
+              </a:extLst>
+            </p:cNvPr>
+            <p:cNvSpPr/>
+            <p:nvPr/>
+          </p:nvSpPr>
+          <p:spPr>
+            <a:xfrm>
+              <a:off x="10639719" y="1329306"/>
+              <a:ext cx="1538367" cy="1583104"/>
+            </a:xfrm>
+            <a:prstGeom prst="rect">
+              <a:avLst/>
+            </a:prstGeom>
+            <a:solidFill>
+              <a:schemeClr val="bg1"/>
+            </a:solidFill>
+            <a:ln>
+              <a:solidFill>
+                <a:schemeClr val="accent1">
+                  <a:lumMod val="40000"/>
+                  <a:lumOff val="60000"/>
+                </a:schemeClr>
+              </a:solidFill>
+            </a:ln>
+          </p:spPr>
+          <p:style>
+            <a:lnRef idx="2">
+              <a:schemeClr val="accent1">
+                <a:shade val="50000"/>
+              </a:schemeClr>
+            </a:lnRef>
+            <a:fillRef idx="1">
+              <a:schemeClr val="accent1"/>
+            </a:fillRef>
+            <a:effectRef idx="0">
+              <a:schemeClr val="accent1"/>
+            </a:effectRef>
+            <a:fontRef idx="minor">
+              <a:schemeClr val="lt1"/>
+            </a:fontRef>
+          </p:style>
+          <p:txBody>
+            <a:bodyPr rot="0" spcFirstLastPara="0" vertOverflow="overflow" horzOverflow="overflow" vert="horz" wrap="square" lIns="95991" tIns="82800" rIns="95991" bIns="46800" numCol="1" spcCol="0" rtlCol="0" fromWordArt="0" anchor="t" anchorCtr="0" forceAA="0" compatLnSpc="1">
+              <a:prstTxWarp prst="textNoShape">
+                <a:avLst/>
+              </a:prstTxWarp>
+              <a:noAutofit/>
+            </a:bodyPr>
+            <a:lstStyle/>
+            <a:p>
+              <a:pPr algn="ctr"/>
+              <a:r>
+                <a:rPr lang="en-US" dirty="0">
+                  <a:solidFill>
+                    <a:schemeClr val="tx1"/>
+                  </a:solidFill>
+                </a:rPr>
+                <a:t>synthetic spikes</a:t>
+              </a:r>
+            </a:p>
+          </p:txBody>
+        </p:sp>
+        <p:pic>
+          <p:nvPicPr>
+            <p:cNvPr id="68" name="Picture 67">
+              <a:extLst>
+                <a:ext uri="{FF2B5EF4-FFF2-40B4-BE49-F238E27FC236}">
+                  <a16:creationId xmlns:a16="http://schemas.microsoft.com/office/drawing/2014/main" id="{B3EA9F3A-2D69-1048-B54B-AA794EFBB261}"/>
+                </a:ext>
+              </a:extLst>
+            </p:cNvPr>
+            <p:cNvPicPr>
+              <a:picLocks noChangeAspect="1"/>
+            </p:cNvPicPr>
+            <p:nvPr/>
+          </p:nvPicPr>
+          <p:blipFill>
+            <a:blip r:embed="rId4"/>
+            <a:srcRect/>
+            <a:stretch/>
+          </p:blipFill>
+          <p:spPr>
+            <a:xfrm>
+              <a:off x="10703444" y="1959094"/>
+              <a:ext cx="1417613" cy="906295"/>
+            </a:xfrm>
+            <a:prstGeom prst="rect">
+              <a:avLst/>
+            </a:prstGeom>
+          </p:spPr>
+        </p:pic>
+      </p:grpSp>
+      <p:grpSp>
+        <p:nvGrpSpPr>
+          <p:cNvPr id="34" name="Group 33">
             <a:extLst>
               <a:ext uri="{FF2B5EF4-FFF2-40B4-BE49-F238E27FC236}">
-                <a16:creationId xmlns:a16="http://schemas.microsoft.com/office/drawing/2014/main" id="{9BDC0196-48D4-F344-A3ED-10A9C3140DC5}"/>
+                <a16:creationId xmlns:a16="http://schemas.microsoft.com/office/drawing/2014/main" id="{D7541CB8-91A9-534D-901E-99B15DF0252F}"/>
               </a:ext>
             </a:extLst>
           </p:cNvPr>
-          <p:cNvSpPr/>
+          <p:cNvGrpSpPr/>
           <p:nvPr/>
-        </p:nvSpPr>
-        <p:spPr>
+        </p:nvGrpSpPr>
+        <p:grpSpPr>
           <a:xfrm>
-            <a:off x="10639718" y="109987"/>
-            <a:ext cx="1538367" cy="966337"/>
+            <a:off x="7483243" y="923479"/>
+            <a:ext cx="1578789" cy="1589108"/>
+            <a:chOff x="7051593" y="1414885"/>
+            <a:chExt cx="1578789" cy="1589108"/>
           </a:xfrm>
-          <a:prstGeom prst="rect">
-            <a:avLst/>
-          </a:prstGeom>
-          <a:solidFill>
-            <a:schemeClr val="bg1"/>
-          </a:solidFill>
-          <a:ln>
+        </p:grpSpPr>
+        <p:sp>
+          <p:nvSpPr>
+            <p:cNvPr id="72" name="Rectangle 71">
+              <a:extLst>
+                <a:ext uri="{FF2B5EF4-FFF2-40B4-BE49-F238E27FC236}">
+                  <a16:creationId xmlns:a16="http://schemas.microsoft.com/office/drawing/2014/main" id="{9F48D6EB-8C9A-D542-83CC-B3002C354E51}"/>
+                </a:ext>
+              </a:extLst>
+            </p:cNvPr>
+            <p:cNvSpPr/>
+            <p:nvPr/>
+          </p:nvSpPr>
+          <p:spPr>
+            <a:xfrm>
+              <a:off x="7051593" y="1414885"/>
+              <a:ext cx="1578789" cy="1589108"/>
+            </a:xfrm>
+            <a:prstGeom prst="rect">
+              <a:avLst/>
+            </a:prstGeom>
             <a:solidFill>
+              <a:schemeClr val="bg1"/>
+            </a:solidFill>
+            <a:ln>
+              <a:solidFill>
+                <a:schemeClr val="accent1">
+                  <a:lumMod val="60000"/>
+                  <a:lumOff val="40000"/>
+                </a:schemeClr>
+              </a:solidFill>
+            </a:ln>
+          </p:spPr>
+          <p:style>
+            <a:lnRef idx="2">
               <a:schemeClr val="accent1">
-                <a:lumMod val="40000"/>
-                <a:lumOff val="60000"/>
+                <a:shade val="50000"/>
               </a:schemeClr>
+            </a:lnRef>
+            <a:fillRef idx="1">
+              <a:schemeClr val="accent1"/>
+            </a:fillRef>
+            <a:effectRef idx="0">
+              <a:schemeClr val="accent1"/>
+            </a:effectRef>
+            <a:fontRef idx="minor">
+              <a:schemeClr val="lt1"/>
+            </a:fontRef>
+          </p:style>
+          <p:txBody>
+            <a:bodyPr rot="0" spcFirstLastPara="0" vertOverflow="overflow" horzOverflow="overflow" vert="horz" wrap="square" lIns="95991" tIns="46800" rIns="95991" bIns="46800" numCol="1" spcCol="0" rtlCol="0" fromWordArt="0" anchor="t" anchorCtr="0" forceAA="0" compatLnSpc="1">
+              <a:prstTxWarp prst="textNoShape">
+                <a:avLst/>
+              </a:prstTxWarp>
+              <a:noAutofit/>
+            </a:bodyPr>
+            <a:lstStyle/>
+            <a:p>
+              <a:pPr algn="ctr"/>
+              <a:r>
+                <a:rPr lang="en-US" dirty="0">
+                  <a:solidFill>
+                    <a:schemeClr val="tx1"/>
+                  </a:solidFill>
+                </a:rPr>
+                <a:t>synthetic signals</a:t>
+              </a:r>
+            </a:p>
+          </p:txBody>
+        </p:sp>
+        <p:pic>
+          <p:nvPicPr>
+            <p:cNvPr id="73" name="Picture 72" descr="A picture containing animal&#10;&#10;Description automatically generated">
+              <a:extLst>
+                <a:ext uri="{FF2B5EF4-FFF2-40B4-BE49-F238E27FC236}">
+                  <a16:creationId xmlns:a16="http://schemas.microsoft.com/office/drawing/2014/main" id="{12BF341C-1D7B-A842-BEF6-E73B7E37580A}"/>
+                </a:ext>
+              </a:extLst>
+            </p:cNvPr>
+            <p:cNvPicPr>
+              <a:picLocks noChangeAspect="1"/>
+            </p:cNvPicPr>
+            <p:nvPr/>
+          </p:nvPicPr>
+          <p:blipFill>
+            <a:blip r:embed="rId2"/>
+            <a:stretch>
+              <a:fillRect/>
+            </a:stretch>
+          </p:blipFill>
+          <p:spPr>
+            <a:xfrm>
+              <a:off x="7132560" y="2044673"/>
+              <a:ext cx="1442042" cy="888214"/>
+            </a:xfrm>
+            <a:prstGeom prst="rect">
+              <a:avLst/>
+            </a:prstGeom>
+            <a:solidFill>
+              <a:schemeClr val="bg1"/>
             </a:solidFill>
-          </a:ln>
-        </p:spPr>
-        <p:style>
-          <a:lnRef idx="2">
-            <a:schemeClr val="accent1">
-              <a:shade val="50000"/>
-            </a:schemeClr>
-          </a:lnRef>
-          <a:fillRef idx="1">
-            <a:schemeClr val="accent1"/>
-          </a:fillRef>
-          <a:effectRef idx="0">
-            <a:schemeClr val="accent1"/>
-          </a:effectRef>
-          <a:fontRef idx="minor">
-            <a:schemeClr val="lt1"/>
-          </a:fontRef>
-        </p:style>
-        <p:txBody>
-          <a:bodyPr rot="0" spcFirstLastPara="0" vertOverflow="overflow" horzOverflow="overflow" vert="horz" wrap="square" lIns="95991" tIns="82800" rIns="95991" bIns="46800" numCol="1" spcCol="0" rtlCol="0" fromWordArt="0" anchor="t" anchorCtr="0" forceAA="0" compatLnSpc="1">
-            <a:prstTxWarp prst="textNoShape">
-              <a:avLst/>
-            </a:prstTxWarp>
-            <a:noAutofit/>
-          </a:bodyPr>
-          <a:lstStyle/>
-          <a:p>
-            <a:pPr algn="ctr"/>
-            <a:r>
-              <a:rPr lang="en-US" sz="1600" dirty="0">
-                <a:solidFill>
-                  <a:schemeClr val="tx1"/>
-                </a:solidFill>
-              </a:rPr>
-              <a:t>synthetic spikes</a:t>
-            </a:r>
-          </a:p>
-        </p:txBody>
-      </p:sp>
-      <p:pic>
-        <p:nvPicPr>
-          <p:cNvPr id="68" name="Picture 67">
-            <a:extLst>
-              <a:ext uri="{FF2B5EF4-FFF2-40B4-BE49-F238E27FC236}">
-                <a16:creationId xmlns:a16="http://schemas.microsoft.com/office/drawing/2014/main" id="{B3EA9F3A-2D69-1048-B54B-AA794EFBB261}"/>
-              </a:ext>
-            </a:extLst>
-          </p:cNvPr>
-          <p:cNvPicPr>
-            <a:picLocks noChangeAspect="1"/>
-          </p:cNvPicPr>
-          <p:nvPr/>
-        </p:nvPicPr>
-        <p:blipFill>
-          <a:blip r:embed="rId4"/>
-          <a:srcRect/>
-          <a:stretch/>
-        </p:blipFill>
-        <p:spPr>
-          <a:xfrm>
-            <a:off x="10695054" y="359294"/>
-            <a:ext cx="1427696" cy="634481"/>
-          </a:xfrm>
-          <a:prstGeom prst="rect">
-            <a:avLst/>
-          </a:prstGeom>
-        </p:spPr>
-      </p:pic>
-      <p:sp>
-        <p:nvSpPr>
-          <p:cNvPr id="72" name="Rectangle 71">
-            <a:extLst>
-              <a:ext uri="{FF2B5EF4-FFF2-40B4-BE49-F238E27FC236}">
-                <a16:creationId xmlns:a16="http://schemas.microsoft.com/office/drawing/2014/main" id="{9F48D6EB-8C9A-D542-83CC-B3002C354E51}"/>
-              </a:ext>
-            </a:extLst>
-          </p:cNvPr>
-          <p:cNvSpPr/>
-          <p:nvPr/>
-        </p:nvSpPr>
-        <p:spPr>
-          <a:xfrm>
-            <a:off x="7076254" y="68782"/>
-            <a:ext cx="1578789" cy="1051626"/>
-          </a:xfrm>
-          <a:prstGeom prst="rect">
-            <a:avLst/>
-          </a:prstGeom>
-          <a:solidFill>
-            <a:schemeClr val="bg1"/>
-          </a:solidFill>
-          <a:ln>
-            <a:solidFill>
-              <a:schemeClr val="accent1">
-                <a:lumMod val="60000"/>
-                <a:lumOff val="40000"/>
-              </a:schemeClr>
-            </a:solidFill>
-          </a:ln>
-        </p:spPr>
-        <p:style>
-          <a:lnRef idx="2">
-            <a:schemeClr val="accent1">
-              <a:shade val="50000"/>
-            </a:schemeClr>
-          </a:lnRef>
-          <a:fillRef idx="1">
-            <a:schemeClr val="accent1"/>
-          </a:fillRef>
-          <a:effectRef idx="0">
-            <a:schemeClr val="accent1"/>
-          </a:effectRef>
-          <a:fontRef idx="minor">
-            <a:schemeClr val="lt1"/>
-          </a:fontRef>
-        </p:style>
-        <p:txBody>
-          <a:bodyPr rot="0" spcFirstLastPara="0" vertOverflow="overflow" horzOverflow="overflow" vert="horz" wrap="square" lIns="95991" tIns="46800" rIns="95991" bIns="46800" numCol="1" spcCol="0" rtlCol="0" fromWordArt="0" anchor="t" anchorCtr="0" forceAA="0" compatLnSpc="1">
-            <a:prstTxWarp prst="textNoShape">
-              <a:avLst/>
-            </a:prstTxWarp>
-            <a:noAutofit/>
-          </a:bodyPr>
-          <a:lstStyle/>
-          <a:p>
-            <a:pPr algn="ctr"/>
-            <a:r>
-              <a:rPr lang="en-US" sz="1600" dirty="0">
-                <a:solidFill>
-                  <a:schemeClr val="tx1"/>
-                </a:solidFill>
-              </a:rPr>
-              <a:t>synthetic signals</a:t>
-            </a:r>
-          </a:p>
-        </p:txBody>
-      </p:sp>
-      <p:pic>
-        <p:nvPicPr>
-          <p:cNvPr id="73" name="Picture 72" descr="A picture containing animal&#10;&#10;Description automatically generated">
-            <a:extLst>
-              <a:ext uri="{FF2B5EF4-FFF2-40B4-BE49-F238E27FC236}">
-                <a16:creationId xmlns:a16="http://schemas.microsoft.com/office/drawing/2014/main" id="{12BF341C-1D7B-A842-BEF6-E73B7E37580A}"/>
-              </a:ext>
-            </a:extLst>
-          </p:cNvPr>
-          <p:cNvPicPr>
-            <a:picLocks noChangeAspect="1"/>
-          </p:cNvPicPr>
-          <p:nvPr/>
-        </p:nvPicPr>
-        <p:blipFill>
-          <a:blip r:embed="rId2"/>
-          <a:stretch>
-            <a:fillRect/>
-          </a:stretch>
-        </p:blipFill>
-        <p:spPr>
-          <a:xfrm>
-            <a:off x="7148102" y="359295"/>
-            <a:ext cx="1442042" cy="715270"/>
-          </a:xfrm>
-          <a:prstGeom prst="rect">
-            <a:avLst/>
-          </a:prstGeom>
-          <a:solidFill>
-            <a:schemeClr val="bg1"/>
-          </a:solidFill>
-        </p:spPr>
-      </p:pic>
+          </p:spPr>
+        </p:pic>
+      </p:grpSp>
       <p:sp>
         <p:nvSpPr>
           <p:cNvPr id="86" name="Rectangle 85">
@@ -4189,7 +4252,7 @@
         </p:nvSpPr>
         <p:spPr>
           <a:xfrm>
-            <a:off x="3575047" y="63700"/>
+            <a:off x="3798111" y="822061"/>
             <a:ext cx="1496874" cy="449222"/>
           </a:xfrm>
           <a:prstGeom prst="rect">
@@ -4234,12 +4297,12 @@
           <a:p>
             <a:pPr algn="ctr"/>
             <a:r>
-              <a:rPr lang="en-US" sz="1600" dirty="0">
+              <a:rPr lang="en-US" dirty="0">
                 <a:solidFill>
                   <a:schemeClr val="tx1"/>
                 </a:solidFill>
               </a:rPr>
-              <a:t>random noise</a:t>
+              <a:t>input noise z</a:t>
             </a:r>
           </a:p>
         </p:txBody>
@@ -4262,8 +4325,8 @@
         </p:nvCxnSpPr>
         <p:spPr>
           <a:xfrm>
-            <a:off x="5071921" y="288311"/>
-            <a:ext cx="312079" cy="305843"/>
+            <a:off x="5294985" y="1046672"/>
+            <a:ext cx="386656" cy="676559"/>
           </a:xfrm>
           <a:prstGeom prst="straightConnector1">
             <a:avLst/>

--- a/diagrams/calciumgan-pipeline.pptx
+++ b/diagrams/calciumgan-pipeline.pptx
@@ -2,12 +2,12 @@
 <file path=ppt/presentation.xml><?xml version="1.0" encoding="utf-8"?>
 <p:presentation xmlns:a="http://schemas.openxmlformats.org/drawingml/2006/main" xmlns:r="http://schemas.openxmlformats.org/officeDocument/2006/relationships" xmlns:p="http://schemas.openxmlformats.org/presentationml/2006/main" saveSubsetFonts="1" autoCompressPictures="0">
   <p:sldMasterIdLst>
-    <p:sldMasterId id="2147483780" r:id="rId1"/>
+    <p:sldMasterId id="2147483864" r:id="rId1"/>
   </p:sldMasterIdLst>
   <p:sldIdLst>
     <p:sldId id="256" r:id="rId2"/>
   </p:sldIdLst>
-  <p:sldSz cx="14400213" cy="5400675"/>
+  <p:sldSz cx="9359900" cy="12960350"/>
   <p:notesSz cx="6858000" cy="9144000"/>
   <p:defaultTextStyle>
     <a:defPPr>
@@ -141,15 +141,15 @@
         </p:nvSpPr>
         <p:spPr>
           <a:xfrm>
-            <a:off x="1800027" y="883861"/>
-            <a:ext cx="10800160" cy="1880235"/>
+            <a:off x="701993" y="2121058"/>
+            <a:ext cx="7955915" cy="4512122"/>
           </a:xfrm>
         </p:spPr>
         <p:txBody>
           <a:bodyPr anchor="b"/>
           <a:lstStyle>
             <a:lvl1pPr algn="ctr">
-              <a:defRPr sz="4725"/>
+              <a:defRPr sz="6142"/>
             </a:lvl1pPr>
           </a:lstStyle>
           <a:p>
@@ -173,8 +173,8 @@
         </p:nvSpPr>
         <p:spPr>
           <a:xfrm>
-            <a:off x="1800027" y="2836605"/>
-            <a:ext cx="10800160" cy="1303913"/>
+            <a:off x="1169988" y="6807185"/>
+            <a:ext cx="7019925" cy="3129084"/>
           </a:xfrm>
         </p:spPr>
         <p:txBody>
@@ -182,39 +182,39 @@
           <a:lstStyle>
             <a:lvl1pPr marL="0" indent="0" algn="ctr">
               <a:buNone/>
-              <a:defRPr sz="1890"/>
+              <a:defRPr sz="2457"/>
             </a:lvl1pPr>
-            <a:lvl2pPr marL="360045" indent="0" algn="ctr">
-              <a:buNone/>
-              <a:defRPr sz="1575"/>
+            <a:lvl2pPr marL="467990" indent="0" algn="ctr">
+              <a:buNone/>
+              <a:defRPr sz="2047"/>
             </a:lvl2pPr>
-            <a:lvl3pPr marL="720090" indent="0" algn="ctr">
-              <a:buNone/>
-              <a:defRPr sz="1418"/>
+            <a:lvl3pPr marL="935980" indent="0" algn="ctr">
+              <a:buNone/>
+              <a:defRPr sz="1842"/>
             </a:lvl3pPr>
-            <a:lvl4pPr marL="1080135" indent="0" algn="ctr">
-              <a:buNone/>
-              <a:defRPr sz="1260"/>
+            <a:lvl4pPr marL="1403970" indent="0" algn="ctr">
+              <a:buNone/>
+              <a:defRPr sz="1638"/>
             </a:lvl4pPr>
-            <a:lvl5pPr marL="1440180" indent="0" algn="ctr">
-              <a:buNone/>
-              <a:defRPr sz="1260"/>
+            <a:lvl5pPr marL="1871960" indent="0" algn="ctr">
+              <a:buNone/>
+              <a:defRPr sz="1638"/>
             </a:lvl5pPr>
-            <a:lvl6pPr marL="1800225" indent="0" algn="ctr">
-              <a:buNone/>
-              <a:defRPr sz="1260"/>
+            <a:lvl6pPr marL="2339950" indent="0" algn="ctr">
+              <a:buNone/>
+              <a:defRPr sz="1638"/>
             </a:lvl6pPr>
-            <a:lvl7pPr marL="2160270" indent="0" algn="ctr">
-              <a:buNone/>
-              <a:defRPr sz="1260"/>
+            <a:lvl7pPr marL="2807940" indent="0" algn="ctr">
+              <a:buNone/>
+              <a:defRPr sz="1638"/>
             </a:lvl7pPr>
-            <a:lvl8pPr marL="2520315" indent="0" algn="ctr">
-              <a:buNone/>
-              <a:defRPr sz="1260"/>
+            <a:lvl8pPr marL="3275929" indent="0" algn="ctr">
+              <a:buNone/>
+              <a:defRPr sz="1638"/>
             </a:lvl8pPr>
-            <a:lvl9pPr marL="2880360" indent="0" algn="ctr">
-              <a:buNone/>
-              <a:defRPr sz="1260"/>
+            <a:lvl9pPr marL="3743919" indent="0" algn="ctr">
+              <a:buNone/>
+              <a:defRPr sz="1638"/>
             </a:lvl9pPr>
           </a:lstStyle>
           <a:p>
@@ -243,7 +243,7 @@
           <a:p>
             <a:fld id="{77FD92D2-A554-7447-906B-95AD3CE4CD8B}" type="datetimeFigureOut">
               <a:rPr lang="en-US" smtClean="0"/>
-              <a:t>8/18/20</a:t>
+              <a:t>8/21/20</a:t>
             </a:fld>
             <a:endParaRPr lang="en-US"/>
           </a:p>
@@ -294,7 +294,7 @@
     </p:spTree>
     <p:extLst>
       <p:ext uri="{BB962C8B-B14F-4D97-AF65-F5344CB8AC3E}">
-        <p14:creationId xmlns:p14="http://schemas.microsoft.com/office/powerpoint/2010/main" val="1698950047"/>
+        <p14:creationId xmlns:p14="http://schemas.microsoft.com/office/powerpoint/2010/main" val="1978858539"/>
       </p:ext>
     </p:extLst>
   </p:cSld>
@@ -413,7 +413,7 @@
           <a:p>
             <a:fld id="{77FD92D2-A554-7447-906B-95AD3CE4CD8B}" type="datetimeFigureOut">
               <a:rPr lang="en-US" smtClean="0"/>
-              <a:t>8/18/20</a:t>
+              <a:t>8/21/20</a:t>
             </a:fld>
             <a:endParaRPr lang="en-US"/>
           </a:p>
@@ -464,7 +464,7 @@
     </p:spTree>
     <p:extLst>
       <p:ext uri="{BB962C8B-B14F-4D97-AF65-F5344CB8AC3E}">
-        <p14:creationId xmlns:p14="http://schemas.microsoft.com/office/powerpoint/2010/main" val="2536882630"/>
+        <p14:creationId xmlns:p14="http://schemas.microsoft.com/office/powerpoint/2010/main" val="1170948729"/>
       </p:ext>
     </p:extLst>
   </p:cSld>
@@ -503,8 +503,8 @@
         </p:nvSpPr>
         <p:spPr>
           <a:xfrm>
-            <a:off x="10305152" y="287536"/>
-            <a:ext cx="3105046" cy="4576822"/>
+            <a:off x="6698179" y="690018"/>
+            <a:ext cx="2018228" cy="10983298"/>
           </a:xfrm>
         </p:spPr>
         <p:txBody>
@@ -531,8 +531,8 @@
         </p:nvSpPr>
         <p:spPr>
           <a:xfrm>
-            <a:off x="990015" y="287536"/>
-            <a:ext cx="9135135" cy="4576822"/>
+            <a:off x="643493" y="690018"/>
+            <a:ext cx="5937687" cy="10983298"/>
           </a:xfrm>
         </p:spPr>
         <p:txBody>
@@ -593,7 +593,7 @@
           <a:p>
             <a:fld id="{77FD92D2-A554-7447-906B-95AD3CE4CD8B}" type="datetimeFigureOut">
               <a:rPr lang="en-US" smtClean="0"/>
-              <a:t>8/18/20</a:t>
+              <a:t>8/21/20</a:t>
             </a:fld>
             <a:endParaRPr lang="en-US"/>
           </a:p>
@@ -644,7 +644,7 @@
     </p:spTree>
     <p:extLst>
       <p:ext uri="{BB962C8B-B14F-4D97-AF65-F5344CB8AC3E}">
-        <p14:creationId xmlns:p14="http://schemas.microsoft.com/office/powerpoint/2010/main" val="3132725233"/>
+        <p14:creationId xmlns:p14="http://schemas.microsoft.com/office/powerpoint/2010/main" val="2652099918"/>
       </p:ext>
     </p:extLst>
   </p:cSld>
@@ -763,7 +763,7 @@
           <a:p>
             <a:fld id="{77FD92D2-A554-7447-906B-95AD3CE4CD8B}" type="datetimeFigureOut">
               <a:rPr lang="en-US" smtClean="0"/>
-              <a:t>8/18/20</a:t>
+              <a:t>8/21/20</a:t>
             </a:fld>
             <a:endParaRPr lang="en-US"/>
           </a:p>
@@ -814,7 +814,7 @@
     </p:spTree>
     <p:extLst>
       <p:ext uri="{BB962C8B-B14F-4D97-AF65-F5344CB8AC3E}">
-        <p14:creationId xmlns:p14="http://schemas.microsoft.com/office/powerpoint/2010/main" val="865371163"/>
+        <p14:creationId xmlns:p14="http://schemas.microsoft.com/office/powerpoint/2010/main" val="1369546403"/>
       </p:ext>
     </p:extLst>
   </p:cSld>
@@ -853,15 +853,15 @@
         </p:nvSpPr>
         <p:spPr>
           <a:xfrm>
-            <a:off x="982514" y="1346419"/>
-            <a:ext cx="12420184" cy="2246530"/>
+            <a:off x="638619" y="3231091"/>
+            <a:ext cx="8072914" cy="5391145"/>
           </a:xfrm>
         </p:spPr>
         <p:txBody>
           <a:bodyPr anchor="b"/>
           <a:lstStyle>
             <a:lvl1pPr>
-              <a:defRPr sz="4725"/>
+              <a:defRPr sz="6142"/>
             </a:lvl1pPr>
           </a:lstStyle>
           <a:p>
@@ -885,8 +885,8 @@
         </p:nvSpPr>
         <p:spPr>
           <a:xfrm>
-            <a:off x="982514" y="3614203"/>
-            <a:ext cx="12420184" cy="1181397"/>
+            <a:off x="638619" y="8673238"/>
+            <a:ext cx="8072914" cy="2835076"/>
           </a:xfrm>
         </p:spPr>
         <p:txBody>
@@ -894,17 +894,15 @@
           <a:lstStyle>
             <a:lvl1pPr marL="0" indent="0">
               <a:buNone/>
-              <a:defRPr sz="1890">
+              <a:defRPr sz="2457">
                 <a:solidFill>
-                  <a:schemeClr val="tx1">
-                    <a:tint val="75000"/>
-                  </a:schemeClr>
+                  <a:schemeClr val="tx1"/>
                 </a:solidFill>
               </a:defRPr>
             </a:lvl1pPr>
-            <a:lvl2pPr marL="360045" indent="0">
-              <a:buNone/>
-              <a:defRPr sz="1575">
+            <a:lvl2pPr marL="467990" indent="0">
+              <a:buNone/>
+              <a:defRPr sz="2047">
                 <a:solidFill>
                   <a:schemeClr val="tx1">
                     <a:tint val="75000"/>
@@ -912,9 +910,9 @@
                 </a:solidFill>
               </a:defRPr>
             </a:lvl2pPr>
-            <a:lvl3pPr marL="720090" indent="0">
-              <a:buNone/>
-              <a:defRPr sz="1418">
+            <a:lvl3pPr marL="935980" indent="0">
+              <a:buNone/>
+              <a:defRPr sz="1842">
                 <a:solidFill>
                   <a:schemeClr val="tx1">
                     <a:tint val="75000"/>
@@ -922,9 +920,9 @@
                 </a:solidFill>
               </a:defRPr>
             </a:lvl3pPr>
-            <a:lvl4pPr marL="1080135" indent="0">
-              <a:buNone/>
-              <a:defRPr sz="1260">
+            <a:lvl4pPr marL="1403970" indent="0">
+              <a:buNone/>
+              <a:defRPr sz="1638">
                 <a:solidFill>
                   <a:schemeClr val="tx1">
                     <a:tint val="75000"/>
@@ -932,9 +930,9 @@
                 </a:solidFill>
               </a:defRPr>
             </a:lvl4pPr>
-            <a:lvl5pPr marL="1440180" indent="0">
-              <a:buNone/>
-              <a:defRPr sz="1260">
+            <a:lvl5pPr marL="1871960" indent="0">
+              <a:buNone/>
+              <a:defRPr sz="1638">
                 <a:solidFill>
                   <a:schemeClr val="tx1">
                     <a:tint val="75000"/>
@@ -942,9 +940,9 @@
                 </a:solidFill>
               </a:defRPr>
             </a:lvl5pPr>
-            <a:lvl6pPr marL="1800225" indent="0">
-              <a:buNone/>
-              <a:defRPr sz="1260">
+            <a:lvl6pPr marL="2339950" indent="0">
+              <a:buNone/>
+              <a:defRPr sz="1638">
                 <a:solidFill>
                   <a:schemeClr val="tx1">
                     <a:tint val="75000"/>
@@ -952,9 +950,9 @@
                 </a:solidFill>
               </a:defRPr>
             </a:lvl6pPr>
-            <a:lvl7pPr marL="2160270" indent="0">
-              <a:buNone/>
-              <a:defRPr sz="1260">
+            <a:lvl7pPr marL="2807940" indent="0">
+              <a:buNone/>
+              <a:defRPr sz="1638">
                 <a:solidFill>
                   <a:schemeClr val="tx1">
                     <a:tint val="75000"/>
@@ -962,9 +960,9 @@
                 </a:solidFill>
               </a:defRPr>
             </a:lvl7pPr>
-            <a:lvl8pPr marL="2520315" indent="0">
-              <a:buNone/>
-              <a:defRPr sz="1260">
+            <a:lvl8pPr marL="3275929" indent="0">
+              <a:buNone/>
+              <a:defRPr sz="1638">
                 <a:solidFill>
                   <a:schemeClr val="tx1">
                     <a:tint val="75000"/>
@@ -972,9 +970,9 @@
                 </a:solidFill>
               </a:defRPr>
             </a:lvl8pPr>
-            <a:lvl9pPr marL="2880360" indent="0">
-              <a:buNone/>
-              <a:defRPr sz="1260">
+            <a:lvl9pPr marL="3743919" indent="0">
+              <a:buNone/>
+              <a:defRPr sz="1638">
                 <a:solidFill>
                   <a:schemeClr val="tx1">
                     <a:tint val="75000"/>
@@ -1009,7 +1007,7 @@
           <a:p>
             <a:fld id="{77FD92D2-A554-7447-906B-95AD3CE4CD8B}" type="datetimeFigureOut">
               <a:rPr lang="en-US" smtClean="0"/>
-              <a:t>8/18/20</a:t>
+              <a:t>8/21/20</a:t>
             </a:fld>
             <a:endParaRPr lang="en-US"/>
           </a:p>
@@ -1060,7 +1058,7 @@
     </p:spTree>
     <p:extLst>
       <p:ext uri="{BB962C8B-B14F-4D97-AF65-F5344CB8AC3E}">
-        <p14:creationId xmlns:p14="http://schemas.microsoft.com/office/powerpoint/2010/main" val="3191310660"/>
+        <p14:creationId xmlns:p14="http://schemas.microsoft.com/office/powerpoint/2010/main" val="1553413763"/>
       </p:ext>
     </p:extLst>
   </p:cSld>
@@ -1122,8 +1120,8 @@
         </p:nvSpPr>
         <p:spPr>
           <a:xfrm>
-            <a:off x="990014" y="1437680"/>
-            <a:ext cx="6120091" cy="3426679"/>
+            <a:off x="643493" y="3450093"/>
+            <a:ext cx="3977958" cy="8223223"/>
           </a:xfrm>
         </p:spPr>
         <p:txBody>
@@ -1179,8 +1177,8 @@
         </p:nvSpPr>
         <p:spPr>
           <a:xfrm>
-            <a:off x="7290108" y="1437680"/>
-            <a:ext cx="6120091" cy="3426679"/>
+            <a:off x="4738449" y="3450093"/>
+            <a:ext cx="3977958" cy="8223223"/>
           </a:xfrm>
         </p:spPr>
         <p:txBody>
@@ -1241,7 +1239,7 @@
           <a:p>
             <a:fld id="{77FD92D2-A554-7447-906B-95AD3CE4CD8B}" type="datetimeFigureOut">
               <a:rPr lang="en-US" smtClean="0"/>
-              <a:t>8/18/20</a:t>
+              <a:t>8/21/20</a:t>
             </a:fld>
             <a:endParaRPr lang="en-US"/>
           </a:p>
@@ -1292,7 +1290,7 @@
     </p:spTree>
     <p:extLst>
       <p:ext uri="{BB962C8B-B14F-4D97-AF65-F5344CB8AC3E}">
-        <p14:creationId xmlns:p14="http://schemas.microsoft.com/office/powerpoint/2010/main" val="4060872079"/>
+        <p14:creationId xmlns:p14="http://schemas.microsoft.com/office/powerpoint/2010/main" val="2244305938"/>
       </p:ext>
     </p:extLst>
   </p:cSld>
@@ -1331,8 +1329,8 @@
         </p:nvSpPr>
         <p:spPr>
           <a:xfrm>
-            <a:off x="991890" y="287536"/>
-            <a:ext cx="12420184" cy="1043881"/>
+            <a:off x="644712" y="690021"/>
+            <a:ext cx="8072914" cy="2505069"/>
           </a:xfrm>
         </p:spPr>
         <p:txBody>
@@ -1359,8 +1357,8 @@
         </p:nvSpPr>
         <p:spPr>
           <a:xfrm>
-            <a:off x="991891" y="1323916"/>
-            <a:ext cx="6091965" cy="648831"/>
+            <a:off x="644713" y="3177087"/>
+            <a:ext cx="3959676" cy="1557041"/>
           </a:xfrm>
         </p:spPr>
         <p:txBody>
@@ -1368,39 +1366,39 @@
           <a:lstStyle>
             <a:lvl1pPr marL="0" indent="0">
               <a:buNone/>
-              <a:defRPr sz="1890" b="1"/>
+              <a:defRPr sz="2457" b="1"/>
             </a:lvl1pPr>
-            <a:lvl2pPr marL="360045" indent="0">
-              <a:buNone/>
-              <a:defRPr sz="1575" b="1"/>
+            <a:lvl2pPr marL="467990" indent="0">
+              <a:buNone/>
+              <a:defRPr sz="2047" b="1"/>
             </a:lvl2pPr>
-            <a:lvl3pPr marL="720090" indent="0">
-              <a:buNone/>
-              <a:defRPr sz="1418" b="1"/>
+            <a:lvl3pPr marL="935980" indent="0">
+              <a:buNone/>
+              <a:defRPr sz="1842" b="1"/>
             </a:lvl3pPr>
-            <a:lvl4pPr marL="1080135" indent="0">
-              <a:buNone/>
-              <a:defRPr sz="1260" b="1"/>
+            <a:lvl4pPr marL="1403970" indent="0">
+              <a:buNone/>
+              <a:defRPr sz="1638" b="1"/>
             </a:lvl4pPr>
-            <a:lvl5pPr marL="1440180" indent="0">
-              <a:buNone/>
-              <a:defRPr sz="1260" b="1"/>
+            <a:lvl5pPr marL="1871960" indent="0">
+              <a:buNone/>
+              <a:defRPr sz="1638" b="1"/>
             </a:lvl5pPr>
-            <a:lvl6pPr marL="1800225" indent="0">
-              <a:buNone/>
-              <a:defRPr sz="1260" b="1"/>
+            <a:lvl6pPr marL="2339950" indent="0">
+              <a:buNone/>
+              <a:defRPr sz="1638" b="1"/>
             </a:lvl6pPr>
-            <a:lvl7pPr marL="2160270" indent="0">
-              <a:buNone/>
-              <a:defRPr sz="1260" b="1"/>
+            <a:lvl7pPr marL="2807940" indent="0">
+              <a:buNone/>
+              <a:defRPr sz="1638" b="1"/>
             </a:lvl7pPr>
-            <a:lvl8pPr marL="2520315" indent="0">
-              <a:buNone/>
-              <a:defRPr sz="1260" b="1"/>
+            <a:lvl8pPr marL="3275929" indent="0">
+              <a:buNone/>
+              <a:defRPr sz="1638" b="1"/>
             </a:lvl8pPr>
-            <a:lvl9pPr marL="2880360" indent="0">
-              <a:buNone/>
-              <a:defRPr sz="1260" b="1"/>
+            <a:lvl9pPr marL="3743919" indent="0">
+              <a:buNone/>
+              <a:defRPr sz="1638" b="1"/>
             </a:lvl9pPr>
           </a:lstStyle>
           <a:p>
@@ -1424,8 +1422,8 @@
         </p:nvSpPr>
         <p:spPr>
           <a:xfrm>
-            <a:off x="991891" y="1972747"/>
-            <a:ext cx="6091965" cy="2901613"/>
+            <a:off x="644713" y="4734128"/>
+            <a:ext cx="3959676" cy="6963189"/>
           </a:xfrm>
         </p:spPr>
         <p:txBody>
@@ -1481,8 +1479,8 @@
         </p:nvSpPr>
         <p:spPr>
           <a:xfrm>
-            <a:off x="7290108" y="1323916"/>
-            <a:ext cx="6121966" cy="648831"/>
+            <a:off x="4738450" y="3177087"/>
+            <a:ext cx="3979177" cy="1557041"/>
           </a:xfrm>
         </p:spPr>
         <p:txBody>
@@ -1490,39 +1488,39 @@
           <a:lstStyle>
             <a:lvl1pPr marL="0" indent="0">
               <a:buNone/>
-              <a:defRPr sz="1890" b="1"/>
+              <a:defRPr sz="2457" b="1"/>
             </a:lvl1pPr>
-            <a:lvl2pPr marL="360045" indent="0">
-              <a:buNone/>
-              <a:defRPr sz="1575" b="1"/>
+            <a:lvl2pPr marL="467990" indent="0">
+              <a:buNone/>
+              <a:defRPr sz="2047" b="1"/>
             </a:lvl2pPr>
-            <a:lvl3pPr marL="720090" indent="0">
-              <a:buNone/>
-              <a:defRPr sz="1418" b="1"/>
+            <a:lvl3pPr marL="935980" indent="0">
+              <a:buNone/>
+              <a:defRPr sz="1842" b="1"/>
             </a:lvl3pPr>
-            <a:lvl4pPr marL="1080135" indent="0">
-              <a:buNone/>
-              <a:defRPr sz="1260" b="1"/>
+            <a:lvl4pPr marL="1403970" indent="0">
+              <a:buNone/>
+              <a:defRPr sz="1638" b="1"/>
             </a:lvl4pPr>
-            <a:lvl5pPr marL="1440180" indent="0">
-              <a:buNone/>
-              <a:defRPr sz="1260" b="1"/>
+            <a:lvl5pPr marL="1871960" indent="0">
+              <a:buNone/>
+              <a:defRPr sz="1638" b="1"/>
             </a:lvl5pPr>
-            <a:lvl6pPr marL="1800225" indent="0">
-              <a:buNone/>
-              <a:defRPr sz="1260" b="1"/>
+            <a:lvl6pPr marL="2339950" indent="0">
+              <a:buNone/>
+              <a:defRPr sz="1638" b="1"/>
             </a:lvl6pPr>
-            <a:lvl7pPr marL="2160270" indent="0">
-              <a:buNone/>
-              <a:defRPr sz="1260" b="1"/>
+            <a:lvl7pPr marL="2807940" indent="0">
+              <a:buNone/>
+              <a:defRPr sz="1638" b="1"/>
             </a:lvl7pPr>
-            <a:lvl8pPr marL="2520315" indent="0">
-              <a:buNone/>
-              <a:defRPr sz="1260" b="1"/>
+            <a:lvl8pPr marL="3275929" indent="0">
+              <a:buNone/>
+              <a:defRPr sz="1638" b="1"/>
             </a:lvl8pPr>
-            <a:lvl9pPr marL="2880360" indent="0">
-              <a:buNone/>
-              <a:defRPr sz="1260" b="1"/>
+            <a:lvl9pPr marL="3743919" indent="0">
+              <a:buNone/>
+              <a:defRPr sz="1638" b="1"/>
             </a:lvl9pPr>
           </a:lstStyle>
           <a:p>
@@ -1546,8 +1544,8 @@
         </p:nvSpPr>
         <p:spPr>
           <a:xfrm>
-            <a:off x="7290108" y="1972747"/>
-            <a:ext cx="6121966" cy="2901613"/>
+            <a:off x="4738450" y="4734128"/>
+            <a:ext cx="3979177" cy="6963189"/>
           </a:xfrm>
         </p:spPr>
         <p:txBody>
@@ -1608,7 +1606,7 @@
           <a:p>
             <a:fld id="{77FD92D2-A554-7447-906B-95AD3CE4CD8B}" type="datetimeFigureOut">
               <a:rPr lang="en-US" smtClean="0"/>
-              <a:t>8/18/20</a:t>
+              <a:t>8/21/20</a:t>
             </a:fld>
             <a:endParaRPr lang="en-US"/>
           </a:p>
@@ -1659,7 +1657,7 @@
     </p:spTree>
     <p:extLst>
       <p:ext uri="{BB962C8B-B14F-4D97-AF65-F5344CB8AC3E}">
-        <p14:creationId xmlns:p14="http://schemas.microsoft.com/office/powerpoint/2010/main" val="2315042700"/>
+        <p14:creationId xmlns:p14="http://schemas.microsoft.com/office/powerpoint/2010/main" val="2647225489"/>
       </p:ext>
     </p:extLst>
   </p:cSld>
@@ -1726,7 +1724,7 @@
           <a:p>
             <a:fld id="{77FD92D2-A554-7447-906B-95AD3CE4CD8B}" type="datetimeFigureOut">
               <a:rPr lang="en-US" smtClean="0"/>
-              <a:t>8/18/20</a:t>
+              <a:t>8/21/20</a:t>
             </a:fld>
             <a:endParaRPr lang="en-US"/>
           </a:p>
@@ -1777,7 +1775,7 @@
     </p:spTree>
     <p:extLst>
       <p:ext uri="{BB962C8B-B14F-4D97-AF65-F5344CB8AC3E}">
-        <p14:creationId xmlns:p14="http://schemas.microsoft.com/office/powerpoint/2010/main" val="1545484937"/>
+        <p14:creationId xmlns:p14="http://schemas.microsoft.com/office/powerpoint/2010/main" val="3374582989"/>
       </p:ext>
     </p:extLst>
   </p:cSld>
@@ -1821,7 +1819,7 @@
           <a:p>
             <a:fld id="{77FD92D2-A554-7447-906B-95AD3CE4CD8B}" type="datetimeFigureOut">
               <a:rPr lang="en-US" smtClean="0"/>
-              <a:t>8/18/20</a:t>
+              <a:t>8/21/20</a:t>
             </a:fld>
             <a:endParaRPr lang="en-US"/>
           </a:p>
@@ -1872,7 +1870,7 @@
     </p:spTree>
     <p:extLst>
       <p:ext uri="{BB962C8B-B14F-4D97-AF65-F5344CB8AC3E}">
-        <p14:creationId xmlns:p14="http://schemas.microsoft.com/office/powerpoint/2010/main" val="3746665714"/>
+        <p14:creationId xmlns:p14="http://schemas.microsoft.com/office/powerpoint/2010/main" val="1960181478"/>
       </p:ext>
     </p:extLst>
   </p:cSld>
@@ -1911,15 +1909,15 @@
         </p:nvSpPr>
         <p:spPr>
           <a:xfrm>
-            <a:off x="991891" y="360045"/>
-            <a:ext cx="4644443" cy="1260158"/>
+            <a:off x="644712" y="864023"/>
+            <a:ext cx="3018811" cy="3024082"/>
           </a:xfrm>
         </p:spPr>
         <p:txBody>
           <a:bodyPr anchor="b"/>
           <a:lstStyle>
             <a:lvl1pPr>
-              <a:defRPr sz="2520"/>
+              <a:defRPr sz="3276"/>
             </a:lvl1pPr>
           </a:lstStyle>
           <a:p>
@@ -1943,39 +1941,39 @@
         </p:nvSpPr>
         <p:spPr>
           <a:xfrm>
-            <a:off x="6121966" y="777597"/>
-            <a:ext cx="7290108" cy="3837980"/>
+            <a:off x="3979177" y="1866053"/>
+            <a:ext cx="4738449" cy="9210249"/>
           </a:xfrm>
         </p:spPr>
         <p:txBody>
           <a:bodyPr/>
           <a:lstStyle>
             <a:lvl1pPr>
-              <a:defRPr sz="2520"/>
+              <a:defRPr sz="3276"/>
             </a:lvl1pPr>
             <a:lvl2pPr>
-              <a:defRPr sz="2205"/>
+              <a:defRPr sz="2866"/>
             </a:lvl2pPr>
             <a:lvl3pPr>
-              <a:defRPr sz="1890"/>
+              <a:defRPr sz="2457"/>
             </a:lvl3pPr>
             <a:lvl4pPr>
-              <a:defRPr sz="1575"/>
+              <a:defRPr sz="2047"/>
             </a:lvl4pPr>
             <a:lvl5pPr>
-              <a:defRPr sz="1575"/>
+              <a:defRPr sz="2047"/>
             </a:lvl5pPr>
             <a:lvl6pPr>
-              <a:defRPr sz="1575"/>
+              <a:defRPr sz="2047"/>
             </a:lvl6pPr>
             <a:lvl7pPr>
-              <a:defRPr sz="1575"/>
+              <a:defRPr sz="2047"/>
             </a:lvl7pPr>
             <a:lvl8pPr>
-              <a:defRPr sz="1575"/>
+              <a:defRPr sz="2047"/>
             </a:lvl8pPr>
             <a:lvl9pPr>
-              <a:defRPr sz="1575"/>
+              <a:defRPr sz="2047"/>
             </a:lvl9pPr>
           </a:lstStyle>
           <a:p>
@@ -2028,8 +2026,8 @@
         </p:nvSpPr>
         <p:spPr>
           <a:xfrm>
-            <a:off x="991891" y="1620202"/>
-            <a:ext cx="4644443" cy="3001626"/>
+            <a:off x="644712" y="3888105"/>
+            <a:ext cx="3018811" cy="7203195"/>
           </a:xfrm>
         </p:spPr>
         <p:txBody>
@@ -2037,39 +2035,39 @@
           <a:lstStyle>
             <a:lvl1pPr marL="0" indent="0">
               <a:buNone/>
-              <a:defRPr sz="1260"/>
+              <a:defRPr sz="1638"/>
             </a:lvl1pPr>
-            <a:lvl2pPr marL="360045" indent="0">
-              <a:buNone/>
-              <a:defRPr sz="1103"/>
+            <a:lvl2pPr marL="467990" indent="0">
+              <a:buNone/>
+              <a:defRPr sz="1433"/>
             </a:lvl2pPr>
-            <a:lvl3pPr marL="720090" indent="0">
-              <a:buNone/>
-              <a:defRPr sz="945"/>
+            <a:lvl3pPr marL="935980" indent="0">
+              <a:buNone/>
+              <a:defRPr sz="1228"/>
             </a:lvl3pPr>
-            <a:lvl4pPr marL="1080135" indent="0">
-              <a:buNone/>
-              <a:defRPr sz="788"/>
+            <a:lvl4pPr marL="1403970" indent="0">
+              <a:buNone/>
+              <a:defRPr sz="1024"/>
             </a:lvl4pPr>
-            <a:lvl5pPr marL="1440180" indent="0">
-              <a:buNone/>
-              <a:defRPr sz="788"/>
+            <a:lvl5pPr marL="1871960" indent="0">
+              <a:buNone/>
+              <a:defRPr sz="1024"/>
             </a:lvl5pPr>
-            <a:lvl6pPr marL="1800225" indent="0">
-              <a:buNone/>
-              <a:defRPr sz="788"/>
+            <a:lvl6pPr marL="2339950" indent="0">
+              <a:buNone/>
+              <a:defRPr sz="1024"/>
             </a:lvl6pPr>
-            <a:lvl7pPr marL="2160270" indent="0">
-              <a:buNone/>
-              <a:defRPr sz="788"/>
+            <a:lvl7pPr marL="2807940" indent="0">
+              <a:buNone/>
+              <a:defRPr sz="1024"/>
             </a:lvl7pPr>
-            <a:lvl8pPr marL="2520315" indent="0">
-              <a:buNone/>
-              <a:defRPr sz="788"/>
+            <a:lvl8pPr marL="3275929" indent="0">
+              <a:buNone/>
+              <a:defRPr sz="1024"/>
             </a:lvl8pPr>
-            <a:lvl9pPr marL="2880360" indent="0">
-              <a:buNone/>
-              <a:defRPr sz="788"/>
+            <a:lvl9pPr marL="3743919" indent="0">
+              <a:buNone/>
+              <a:defRPr sz="1024"/>
             </a:lvl9pPr>
           </a:lstStyle>
           <a:p>
@@ -2098,7 +2096,7 @@
           <a:p>
             <a:fld id="{77FD92D2-A554-7447-906B-95AD3CE4CD8B}" type="datetimeFigureOut">
               <a:rPr lang="en-US" smtClean="0"/>
-              <a:t>8/18/20</a:t>
+              <a:t>8/21/20</a:t>
             </a:fld>
             <a:endParaRPr lang="en-US"/>
           </a:p>
@@ -2149,7 +2147,7 @@
     </p:spTree>
     <p:extLst>
       <p:ext uri="{BB962C8B-B14F-4D97-AF65-F5344CB8AC3E}">
-        <p14:creationId xmlns:p14="http://schemas.microsoft.com/office/powerpoint/2010/main" val="3910833459"/>
+        <p14:creationId xmlns:p14="http://schemas.microsoft.com/office/powerpoint/2010/main" val="2424528187"/>
       </p:ext>
     </p:extLst>
   </p:cSld>
@@ -2188,15 +2186,15 @@
         </p:nvSpPr>
         <p:spPr>
           <a:xfrm>
-            <a:off x="991891" y="360045"/>
-            <a:ext cx="4644443" cy="1260158"/>
+            <a:off x="644712" y="864023"/>
+            <a:ext cx="3018811" cy="3024082"/>
           </a:xfrm>
         </p:spPr>
         <p:txBody>
           <a:bodyPr anchor="b"/>
           <a:lstStyle>
             <a:lvl1pPr>
-              <a:defRPr sz="2520"/>
+              <a:defRPr sz="3276"/>
             </a:lvl1pPr>
           </a:lstStyle>
           <a:p>
@@ -2220,8 +2218,8 @@
         </p:nvSpPr>
         <p:spPr>
           <a:xfrm>
-            <a:off x="6121966" y="777597"/>
-            <a:ext cx="7290108" cy="3837980"/>
+            <a:off x="3979177" y="1866053"/>
+            <a:ext cx="4738449" cy="9210249"/>
           </a:xfrm>
         </p:spPr>
         <p:txBody>
@@ -2229,39 +2227,39 @@
           <a:lstStyle>
             <a:lvl1pPr marL="0" indent="0">
               <a:buNone/>
-              <a:defRPr sz="2520"/>
+              <a:defRPr sz="3276"/>
             </a:lvl1pPr>
-            <a:lvl2pPr marL="360045" indent="0">
-              <a:buNone/>
-              <a:defRPr sz="2205"/>
+            <a:lvl2pPr marL="467990" indent="0">
+              <a:buNone/>
+              <a:defRPr sz="2866"/>
             </a:lvl2pPr>
-            <a:lvl3pPr marL="720090" indent="0">
-              <a:buNone/>
-              <a:defRPr sz="1890"/>
+            <a:lvl3pPr marL="935980" indent="0">
+              <a:buNone/>
+              <a:defRPr sz="2457"/>
             </a:lvl3pPr>
-            <a:lvl4pPr marL="1080135" indent="0">
-              <a:buNone/>
-              <a:defRPr sz="1575"/>
+            <a:lvl4pPr marL="1403970" indent="0">
+              <a:buNone/>
+              <a:defRPr sz="2047"/>
             </a:lvl4pPr>
-            <a:lvl5pPr marL="1440180" indent="0">
-              <a:buNone/>
-              <a:defRPr sz="1575"/>
+            <a:lvl5pPr marL="1871960" indent="0">
+              <a:buNone/>
+              <a:defRPr sz="2047"/>
             </a:lvl5pPr>
-            <a:lvl6pPr marL="1800225" indent="0">
-              <a:buNone/>
-              <a:defRPr sz="1575"/>
+            <a:lvl6pPr marL="2339950" indent="0">
+              <a:buNone/>
+              <a:defRPr sz="2047"/>
             </a:lvl6pPr>
-            <a:lvl7pPr marL="2160270" indent="0">
-              <a:buNone/>
-              <a:defRPr sz="1575"/>
+            <a:lvl7pPr marL="2807940" indent="0">
+              <a:buNone/>
+              <a:defRPr sz="2047"/>
             </a:lvl7pPr>
-            <a:lvl8pPr marL="2520315" indent="0">
-              <a:buNone/>
-              <a:defRPr sz="1575"/>
+            <a:lvl8pPr marL="3275929" indent="0">
+              <a:buNone/>
+              <a:defRPr sz="2047"/>
             </a:lvl8pPr>
-            <a:lvl9pPr marL="2880360" indent="0">
-              <a:buNone/>
-              <a:defRPr sz="1575"/>
+            <a:lvl9pPr marL="3743919" indent="0">
+              <a:buNone/>
+              <a:defRPr sz="2047"/>
             </a:lvl9pPr>
           </a:lstStyle>
           <a:p>
@@ -2285,8 +2283,8 @@
         </p:nvSpPr>
         <p:spPr>
           <a:xfrm>
-            <a:off x="991891" y="1620202"/>
-            <a:ext cx="4644443" cy="3001626"/>
+            <a:off x="644712" y="3888105"/>
+            <a:ext cx="3018811" cy="7203195"/>
           </a:xfrm>
         </p:spPr>
         <p:txBody>
@@ -2294,39 +2292,39 @@
           <a:lstStyle>
             <a:lvl1pPr marL="0" indent="0">
               <a:buNone/>
-              <a:defRPr sz="1260"/>
+              <a:defRPr sz="1638"/>
             </a:lvl1pPr>
-            <a:lvl2pPr marL="360045" indent="0">
-              <a:buNone/>
-              <a:defRPr sz="1103"/>
+            <a:lvl2pPr marL="467990" indent="0">
+              <a:buNone/>
+              <a:defRPr sz="1433"/>
             </a:lvl2pPr>
-            <a:lvl3pPr marL="720090" indent="0">
-              <a:buNone/>
-              <a:defRPr sz="945"/>
+            <a:lvl3pPr marL="935980" indent="0">
+              <a:buNone/>
+              <a:defRPr sz="1228"/>
             </a:lvl3pPr>
-            <a:lvl4pPr marL="1080135" indent="0">
-              <a:buNone/>
-              <a:defRPr sz="788"/>
+            <a:lvl4pPr marL="1403970" indent="0">
+              <a:buNone/>
+              <a:defRPr sz="1024"/>
             </a:lvl4pPr>
-            <a:lvl5pPr marL="1440180" indent="0">
-              <a:buNone/>
-              <a:defRPr sz="788"/>
+            <a:lvl5pPr marL="1871960" indent="0">
+              <a:buNone/>
+              <a:defRPr sz="1024"/>
             </a:lvl5pPr>
-            <a:lvl6pPr marL="1800225" indent="0">
-              <a:buNone/>
-              <a:defRPr sz="788"/>
+            <a:lvl6pPr marL="2339950" indent="0">
+              <a:buNone/>
+              <a:defRPr sz="1024"/>
             </a:lvl6pPr>
-            <a:lvl7pPr marL="2160270" indent="0">
-              <a:buNone/>
-              <a:defRPr sz="788"/>
+            <a:lvl7pPr marL="2807940" indent="0">
+              <a:buNone/>
+              <a:defRPr sz="1024"/>
             </a:lvl7pPr>
-            <a:lvl8pPr marL="2520315" indent="0">
-              <a:buNone/>
-              <a:defRPr sz="788"/>
+            <a:lvl8pPr marL="3275929" indent="0">
+              <a:buNone/>
+              <a:defRPr sz="1024"/>
             </a:lvl8pPr>
-            <a:lvl9pPr marL="2880360" indent="0">
-              <a:buNone/>
-              <a:defRPr sz="788"/>
+            <a:lvl9pPr marL="3743919" indent="0">
+              <a:buNone/>
+              <a:defRPr sz="1024"/>
             </a:lvl9pPr>
           </a:lstStyle>
           <a:p>
@@ -2355,7 +2353,7 @@
           <a:p>
             <a:fld id="{77FD92D2-A554-7447-906B-95AD3CE4CD8B}" type="datetimeFigureOut">
               <a:rPr lang="en-US" smtClean="0"/>
-              <a:t>8/18/20</a:t>
+              <a:t>8/21/20</a:t>
             </a:fld>
             <a:endParaRPr lang="en-US"/>
           </a:p>
@@ -2406,7 +2404,7 @@
     </p:spTree>
     <p:extLst>
       <p:ext uri="{BB962C8B-B14F-4D97-AF65-F5344CB8AC3E}">
-        <p14:creationId xmlns:p14="http://schemas.microsoft.com/office/powerpoint/2010/main" val="1461823716"/>
+        <p14:creationId xmlns:p14="http://schemas.microsoft.com/office/powerpoint/2010/main" val="649429506"/>
       </p:ext>
     </p:extLst>
   </p:cSld>
@@ -2450,8 +2448,8 @@
         </p:nvSpPr>
         <p:spPr>
           <a:xfrm>
-            <a:off x="990015" y="287536"/>
-            <a:ext cx="12420184" cy="1043881"/>
+            <a:off x="643493" y="690021"/>
+            <a:ext cx="8072914" cy="2505069"/>
           </a:xfrm>
           <a:prstGeom prst="rect">
             <a:avLst/>
@@ -2483,8 +2481,8 @@
         </p:nvSpPr>
         <p:spPr>
           <a:xfrm>
-            <a:off x="990015" y="1437680"/>
-            <a:ext cx="12420184" cy="3426679"/>
+            <a:off x="643493" y="3450093"/>
+            <a:ext cx="8072914" cy="8223223"/>
           </a:xfrm>
           <a:prstGeom prst="rect">
             <a:avLst/>
@@ -2545,8 +2543,8 @@
         </p:nvSpPr>
         <p:spPr>
           <a:xfrm>
-            <a:off x="990015" y="5005626"/>
-            <a:ext cx="3240048" cy="287536"/>
+            <a:off x="643493" y="12012327"/>
+            <a:ext cx="2105978" cy="690019"/>
           </a:xfrm>
           <a:prstGeom prst="rect">
             <a:avLst/>
@@ -2556,7 +2554,7 @@
           <a:bodyPr vert="horz" lIns="91440" tIns="45720" rIns="91440" bIns="45720" rtlCol="0" anchor="ctr"/>
           <a:lstStyle>
             <a:lvl1pPr algn="l">
-              <a:defRPr sz="945">
+              <a:defRPr sz="1228">
                 <a:solidFill>
                   <a:schemeClr val="tx1">
                     <a:tint val="75000"/>
@@ -2568,7 +2566,7 @@
           <a:p>
             <a:fld id="{77FD92D2-A554-7447-906B-95AD3CE4CD8B}" type="datetimeFigureOut">
               <a:rPr lang="en-US" smtClean="0"/>
-              <a:t>8/18/20</a:t>
+              <a:t>8/21/20</a:t>
             </a:fld>
             <a:endParaRPr lang="en-US"/>
           </a:p>
@@ -2586,8 +2584,8 @@
         </p:nvSpPr>
         <p:spPr>
           <a:xfrm>
-            <a:off x="4770071" y="5005626"/>
-            <a:ext cx="4860072" cy="287536"/>
+            <a:off x="3100467" y="12012327"/>
+            <a:ext cx="3158966" cy="690019"/>
           </a:xfrm>
           <a:prstGeom prst="rect">
             <a:avLst/>
@@ -2597,7 +2595,7 @@
           <a:bodyPr vert="horz" lIns="91440" tIns="45720" rIns="91440" bIns="45720" rtlCol="0" anchor="ctr"/>
           <a:lstStyle>
             <a:lvl1pPr algn="ctr">
-              <a:defRPr sz="945">
+              <a:defRPr sz="1228">
                 <a:solidFill>
                   <a:schemeClr val="tx1">
                     <a:tint val="75000"/>
@@ -2623,8 +2621,8 @@
         </p:nvSpPr>
         <p:spPr>
           <a:xfrm>
-            <a:off x="10170150" y="5005626"/>
-            <a:ext cx="3240048" cy="287536"/>
+            <a:off x="6610429" y="12012327"/>
+            <a:ext cx="2105978" cy="690019"/>
           </a:xfrm>
           <a:prstGeom prst="rect">
             <a:avLst/>
@@ -2634,7 +2632,7 @@
           <a:bodyPr vert="horz" lIns="91440" tIns="45720" rIns="91440" bIns="45720" rtlCol="0" anchor="ctr"/>
           <a:lstStyle>
             <a:lvl1pPr algn="r">
-              <a:defRPr sz="945">
+              <a:defRPr sz="1228">
                 <a:solidFill>
                   <a:schemeClr val="tx1">
                     <a:tint val="75000"/>
@@ -2655,27 +2653,27 @@
     </p:spTree>
     <p:extLst>
       <p:ext uri="{BB962C8B-B14F-4D97-AF65-F5344CB8AC3E}">
-        <p14:creationId xmlns:p14="http://schemas.microsoft.com/office/powerpoint/2010/main" val="3623078642"/>
+        <p14:creationId xmlns:p14="http://schemas.microsoft.com/office/powerpoint/2010/main" val="1305578336"/>
       </p:ext>
     </p:extLst>
   </p:cSld>
   <p:clrMap bg1="lt1" tx1="dk1" bg2="lt2" tx2="dk2" accent1="accent1" accent2="accent2" accent3="accent3" accent4="accent4" accent5="accent5" accent6="accent6" hlink="hlink" folHlink="folHlink"/>
   <p:sldLayoutIdLst>
-    <p:sldLayoutId id="2147483781" r:id="rId1"/>
-    <p:sldLayoutId id="2147483782" r:id="rId2"/>
-    <p:sldLayoutId id="2147483783" r:id="rId3"/>
-    <p:sldLayoutId id="2147483784" r:id="rId4"/>
-    <p:sldLayoutId id="2147483785" r:id="rId5"/>
-    <p:sldLayoutId id="2147483786" r:id="rId6"/>
-    <p:sldLayoutId id="2147483787" r:id="rId7"/>
-    <p:sldLayoutId id="2147483788" r:id="rId8"/>
-    <p:sldLayoutId id="2147483789" r:id="rId9"/>
-    <p:sldLayoutId id="2147483790" r:id="rId10"/>
-    <p:sldLayoutId id="2147483791" r:id="rId11"/>
+    <p:sldLayoutId id="2147483865" r:id="rId1"/>
+    <p:sldLayoutId id="2147483866" r:id="rId2"/>
+    <p:sldLayoutId id="2147483867" r:id="rId3"/>
+    <p:sldLayoutId id="2147483868" r:id="rId4"/>
+    <p:sldLayoutId id="2147483869" r:id="rId5"/>
+    <p:sldLayoutId id="2147483870" r:id="rId6"/>
+    <p:sldLayoutId id="2147483871" r:id="rId7"/>
+    <p:sldLayoutId id="2147483872" r:id="rId8"/>
+    <p:sldLayoutId id="2147483873" r:id="rId9"/>
+    <p:sldLayoutId id="2147483874" r:id="rId10"/>
+    <p:sldLayoutId id="2147483875" r:id="rId11"/>
   </p:sldLayoutIdLst>
   <p:txStyles>
     <p:titleStyle>
-      <a:lvl1pPr algn="l" defTabSz="720090" rtl="0" eaLnBrk="1" latinLnBrk="0" hangingPunct="1">
+      <a:lvl1pPr algn="l" defTabSz="935980" rtl="0" eaLnBrk="1" latinLnBrk="0" hangingPunct="1">
         <a:lnSpc>
           <a:spcPct val="90000"/>
         </a:lnSpc>
@@ -2683,7 +2681,7 @@
           <a:spcPct val="0"/>
         </a:spcBef>
         <a:buNone/>
-        <a:defRPr sz="3465" kern="1200">
+        <a:defRPr sz="4504" kern="1200">
           <a:solidFill>
             <a:schemeClr val="tx1"/>
           </a:solidFill>
@@ -2694,16 +2692,16 @@
       </a:lvl1pPr>
     </p:titleStyle>
     <p:bodyStyle>
-      <a:lvl1pPr marL="180023" indent="-180023" algn="l" defTabSz="720090" rtl="0" eaLnBrk="1" latinLnBrk="0" hangingPunct="1">
+      <a:lvl1pPr marL="233995" indent="-233995" algn="l" defTabSz="935980" rtl="0" eaLnBrk="1" latinLnBrk="0" hangingPunct="1">
         <a:lnSpc>
           <a:spcPct val="90000"/>
         </a:lnSpc>
         <a:spcBef>
-          <a:spcPts val="788"/>
+          <a:spcPts val="1024"/>
         </a:spcBef>
         <a:buFont typeface="Arial" panose="020B0604020202020204" pitchFamily="34" charset="0"/>
         <a:buChar char="•"/>
-        <a:defRPr sz="2205" kern="1200">
+        <a:defRPr sz="2866" kern="1200">
           <a:solidFill>
             <a:schemeClr val="tx1"/>
           </a:solidFill>
@@ -2712,16 +2710,16 @@
           <a:cs typeface="+mn-cs"/>
         </a:defRPr>
       </a:lvl1pPr>
-      <a:lvl2pPr marL="540068" indent="-180023" algn="l" defTabSz="720090" rtl="0" eaLnBrk="1" latinLnBrk="0" hangingPunct="1">
+      <a:lvl2pPr marL="701985" indent="-233995" algn="l" defTabSz="935980" rtl="0" eaLnBrk="1" latinLnBrk="0" hangingPunct="1">
         <a:lnSpc>
           <a:spcPct val="90000"/>
         </a:lnSpc>
         <a:spcBef>
-          <a:spcPts val="394"/>
+          <a:spcPts val="512"/>
         </a:spcBef>
         <a:buFont typeface="Arial" panose="020B0604020202020204" pitchFamily="34" charset="0"/>
         <a:buChar char="•"/>
-        <a:defRPr sz="1890" kern="1200">
+        <a:defRPr sz="2457" kern="1200">
           <a:solidFill>
             <a:schemeClr val="tx1"/>
           </a:solidFill>
@@ -2730,16 +2728,16 @@
           <a:cs typeface="+mn-cs"/>
         </a:defRPr>
       </a:lvl2pPr>
-      <a:lvl3pPr marL="900113" indent="-180023" algn="l" defTabSz="720090" rtl="0" eaLnBrk="1" latinLnBrk="0" hangingPunct="1">
+      <a:lvl3pPr marL="1169975" indent="-233995" algn="l" defTabSz="935980" rtl="0" eaLnBrk="1" latinLnBrk="0" hangingPunct="1">
         <a:lnSpc>
           <a:spcPct val="90000"/>
         </a:lnSpc>
         <a:spcBef>
-          <a:spcPts val="394"/>
+          <a:spcPts val="512"/>
         </a:spcBef>
         <a:buFont typeface="Arial" panose="020B0604020202020204" pitchFamily="34" charset="0"/>
         <a:buChar char="•"/>
-        <a:defRPr sz="1575" kern="1200">
+        <a:defRPr sz="2047" kern="1200">
           <a:solidFill>
             <a:schemeClr val="tx1"/>
           </a:solidFill>
@@ -2748,16 +2746,16 @@
           <a:cs typeface="+mn-cs"/>
         </a:defRPr>
       </a:lvl3pPr>
-      <a:lvl4pPr marL="1260158" indent="-180023" algn="l" defTabSz="720090" rtl="0" eaLnBrk="1" latinLnBrk="0" hangingPunct="1">
+      <a:lvl4pPr marL="1637965" indent="-233995" algn="l" defTabSz="935980" rtl="0" eaLnBrk="1" latinLnBrk="0" hangingPunct="1">
         <a:lnSpc>
           <a:spcPct val="90000"/>
         </a:lnSpc>
         <a:spcBef>
-          <a:spcPts val="394"/>
+          <a:spcPts val="512"/>
         </a:spcBef>
         <a:buFont typeface="Arial" panose="020B0604020202020204" pitchFamily="34" charset="0"/>
         <a:buChar char="•"/>
-        <a:defRPr sz="1418" kern="1200">
+        <a:defRPr sz="1842" kern="1200">
           <a:solidFill>
             <a:schemeClr val="tx1"/>
           </a:solidFill>
@@ -2766,16 +2764,16 @@
           <a:cs typeface="+mn-cs"/>
         </a:defRPr>
       </a:lvl4pPr>
-      <a:lvl5pPr marL="1620203" indent="-180023" algn="l" defTabSz="720090" rtl="0" eaLnBrk="1" latinLnBrk="0" hangingPunct="1">
+      <a:lvl5pPr marL="2105955" indent="-233995" algn="l" defTabSz="935980" rtl="0" eaLnBrk="1" latinLnBrk="0" hangingPunct="1">
         <a:lnSpc>
           <a:spcPct val="90000"/>
         </a:lnSpc>
         <a:spcBef>
-          <a:spcPts val="394"/>
+          <a:spcPts val="512"/>
         </a:spcBef>
         <a:buFont typeface="Arial" panose="020B0604020202020204" pitchFamily="34" charset="0"/>
         <a:buChar char="•"/>
-        <a:defRPr sz="1418" kern="1200">
+        <a:defRPr sz="1842" kern="1200">
           <a:solidFill>
             <a:schemeClr val="tx1"/>
           </a:solidFill>
@@ -2784,16 +2782,16 @@
           <a:cs typeface="+mn-cs"/>
         </a:defRPr>
       </a:lvl5pPr>
-      <a:lvl6pPr marL="1980248" indent="-180023" algn="l" defTabSz="720090" rtl="0" eaLnBrk="1" latinLnBrk="0" hangingPunct="1">
+      <a:lvl6pPr marL="2573945" indent="-233995" algn="l" defTabSz="935980" rtl="0" eaLnBrk="1" latinLnBrk="0" hangingPunct="1">
         <a:lnSpc>
           <a:spcPct val="90000"/>
         </a:lnSpc>
         <a:spcBef>
-          <a:spcPts val="394"/>
+          <a:spcPts val="512"/>
         </a:spcBef>
         <a:buFont typeface="Arial" panose="020B0604020202020204" pitchFamily="34" charset="0"/>
         <a:buChar char="•"/>
-        <a:defRPr sz="1418" kern="1200">
+        <a:defRPr sz="1842" kern="1200">
           <a:solidFill>
             <a:schemeClr val="tx1"/>
           </a:solidFill>
@@ -2802,16 +2800,16 @@
           <a:cs typeface="+mn-cs"/>
         </a:defRPr>
       </a:lvl6pPr>
-      <a:lvl7pPr marL="2340293" indent="-180023" algn="l" defTabSz="720090" rtl="0" eaLnBrk="1" latinLnBrk="0" hangingPunct="1">
+      <a:lvl7pPr marL="3041934" indent="-233995" algn="l" defTabSz="935980" rtl="0" eaLnBrk="1" latinLnBrk="0" hangingPunct="1">
         <a:lnSpc>
           <a:spcPct val="90000"/>
         </a:lnSpc>
         <a:spcBef>
-          <a:spcPts val="394"/>
+          <a:spcPts val="512"/>
         </a:spcBef>
         <a:buFont typeface="Arial" panose="020B0604020202020204" pitchFamily="34" charset="0"/>
         <a:buChar char="•"/>
-        <a:defRPr sz="1418" kern="1200">
+        <a:defRPr sz="1842" kern="1200">
           <a:solidFill>
             <a:schemeClr val="tx1"/>
           </a:solidFill>
@@ -2820,16 +2818,16 @@
           <a:cs typeface="+mn-cs"/>
         </a:defRPr>
       </a:lvl7pPr>
-      <a:lvl8pPr marL="2700338" indent="-180023" algn="l" defTabSz="720090" rtl="0" eaLnBrk="1" latinLnBrk="0" hangingPunct="1">
+      <a:lvl8pPr marL="3509924" indent="-233995" algn="l" defTabSz="935980" rtl="0" eaLnBrk="1" latinLnBrk="0" hangingPunct="1">
         <a:lnSpc>
           <a:spcPct val="90000"/>
         </a:lnSpc>
         <a:spcBef>
-          <a:spcPts val="394"/>
+          <a:spcPts val="512"/>
         </a:spcBef>
         <a:buFont typeface="Arial" panose="020B0604020202020204" pitchFamily="34" charset="0"/>
         <a:buChar char="•"/>
-        <a:defRPr sz="1418" kern="1200">
+        <a:defRPr sz="1842" kern="1200">
           <a:solidFill>
             <a:schemeClr val="tx1"/>
           </a:solidFill>
@@ -2838,16 +2836,16 @@
           <a:cs typeface="+mn-cs"/>
         </a:defRPr>
       </a:lvl8pPr>
-      <a:lvl9pPr marL="3060383" indent="-180023" algn="l" defTabSz="720090" rtl="0" eaLnBrk="1" latinLnBrk="0" hangingPunct="1">
+      <a:lvl9pPr marL="3977914" indent="-233995" algn="l" defTabSz="935980" rtl="0" eaLnBrk="1" latinLnBrk="0" hangingPunct="1">
         <a:lnSpc>
           <a:spcPct val="90000"/>
         </a:lnSpc>
         <a:spcBef>
-          <a:spcPts val="394"/>
+          <a:spcPts val="512"/>
         </a:spcBef>
         <a:buFont typeface="Arial" panose="020B0604020202020204" pitchFamily="34" charset="0"/>
         <a:buChar char="•"/>
-        <a:defRPr sz="1418" kern="1200">
+        <a:defRPr sz="1842" kern="1200">
           <a:solidFill>
             <a:schemeClr val="tx1"/>
           </a:solidFill>
@@ -2861,8 +2859,8 @@
       <a:defPPr>
         <a:defRPr lang="en-US"/>
       </a:defPPr>
-      <a:lvl1pPr marL="0" algn="l" defTabSz="720090" rtl="0" eaLnBrk="1" latinLnBrk="0" hangingPunct="1">
-        <a:defRPr sz="1418" kern="1200">
+      <a:lvl1pPr marL="0" algn="l" defTabSz="935980" rtl="0" eaLnBrk="1" latinLnBrk="0" hangingPunct="1">
+        <a:defRPr sz="1842" kern="1200">
           <a:solidFill>
             <a:schemeClr val="tx1"/>
           </a:solidFill>
@@ -2871,8 +2869,8 @@
           <a:cs typeface="+mn-cs"/>
         </a:defRPr>
       </a:lvl1pPr>
-      <a:lvl2pPr marL="360045" algn="l" defTabSz="720090" rtl="0" eaLnBrk="1" latinLnBrk="0" hangingPunct="1">
-        <a:defRPr sz="1418" kern="1200">
+      <a:lvl2pPr marL="467990" algn="l" defTabSz="935980" rtl="0" eaLnBrk="1" latinLnBrk="0" hangingPunct="1">
+        <a:defRPr sz="1842" kern="1200">
           <a:solidFill>
             <a:schemeClr val="tx1"/>
           </a:solidFill>
@@ -2881,8 +2879,8 @@
           <a:cs typeface="+mn-cs"/>
         </a:defRPr>
       </a:lvl2pPr>
-      <a:lvl3pPr marL="720090" algn="l" defTabSz="720090" rtl="0" eaLnBrk="1" latinLnBrk="0" hangingPunct="1">
-        <a:defRPr sz="1418" kern="1200">
+      <a:lvl3pPr marL="935980" algn="l" defTabSz="935980" rtl="0" eaLnBrk="1" latinLnBrk="0" hangingPunct="1">
+        <a:defRPr sz="1842" kern="1200">
           <a:solidFill>
             <a:schemeClr val="tx1"/>
           </a:solidFill>
@@ -2891,8 +2889,8 @@
           <a:cs typeface="+mn-cs"/>
         </a:defRPr>
       </a:lvl3pPr>
-      <a:lvl4pPr marL="1080135" algn="l" defTabSz="720090" rtl="0" eaLnBrk="1" latinLnBrk="0" hangingPunct="1">
-        <a:defRPr sz="1418" kern="1200">
+      <a:lvl4pPr marL="1403970" algn="l" defTabSz="935980" rtl="0" eaLnBrk="1" latinLnBrk="0" hangingPunct="1">
+        <a:defRPr sz="1842" kern="1200">
           <a:solidFill>
             <a:schemeClr val="tx1"/>
           </a:solidFill>
@@ -2901,8 +2899,8 @@
           <a:cs typeface="+mn-cs"/>
         </a:defRPr>
       </a:lvl4pPr>
-      <a:lvl5pPr marL="1440180" algn="l" defTabSz="720090" rtl="0" eaLnBrk="1" latinLnBrk="0" hangingPunct="1">
-        <a:defRPr sz="1418" kern="1200">
+      <a:lvl5pPr marL="1871960" algn="l" defTabSz="935980" rtl="0" eaLnBrk="1" latinLnBrk="0" hangingPunct="1">
+        <a:defRPr sz="1842" kern="1200">
           <a:solidFill>
             <a:schemeClr val="tx1"/>
           </a:solidFill>
@@ -2911,8 +2909,8 @@
           <a:cs typeface="+mn-cs"/>
         </a:defRPr>
       </a:lvl5pPr>
-      <a:lvl6pPr marL="1800225" algn="l" defTabSz="720090" rtl="0" eaLnBrk="1" latinLnBrk="0" hangingPunct="1">
-        <a:defRPr sz="1418" kern="1200">
+      <a:lvl6pPr marL="2339950" algn="l" defTabSz="935980" rtl="0" eaLnBrk="1" latinLnBrk="0" hangingPunct="1">
+        <a:defRPr sz="1842" kern="1200">
           <a:solidFill>
             <a:schemeClr val="tx1"/>
           </a:solidFill>
@@ -2921,8 +2919,8 @@
           <a:cs typeface="+mn-cs"/>
         </a:defRPr>
       </a:lvl6pPr>
-      <a:lvl7pPr marL="2160270" algn="l" defTabSz="720090" rtl="0" eaLnBrk="1" latinLnBrk="0" hangingPunct="1">
-        <a:defRPr sz="1418" kern="1200">
+      <a:lvl7pPr marL="2807940" algn="l" defTabSz="935980" rtl="0" eaLnBrk="1" latinLnBrk="0" hangingPunct="1">
+        <a:defRPr sz="1842" kern="1200">
           <a:solidFill>
             <a:schemeClr val="tx1"/>
           </a:solidFill>
@@ -2931,8 +2929,8 @@
           <a:cs typeface="+mn-cs"/>
         </a:defRPr>
       </a:lvl7pPr>
-      <a:lvl8pPr marL="2520315" algn="l" defTabSz="720090" rtl="0" eaLnBrk="1" latinLnBrk="0" hangingPunct="1">
-        <a:defRPr sz="1418" kern="1200">
+      <a:lvl8pPr marL="3275929" algn="l" defTabSz="935980" rtl="0" eaLnBrk="1" latinLnBrk="0" hangingPunct="1">
+        <a:defRPr sz="1842" kern="1200">
           <a:solidFill>
             <a:schemeClr val="tx1"/>
           </a:solidFill>
@@ -2941,8 +2939,8 @@
           <a:cs typeface="+mn-cs"/>
         </a:defRPr>
       </a:lvl8pPr>
-      <a:lvl9pPr marL="2880360" algn="l" defTabSz="720090" rtl="0" eaLnBrk="1" latinLnBrk="0" hangingPunct="1">
-        <a:defRPr sz="1418" kern="1200">
+      <a:lvl9pPr marL="3743919" algn="l" defTabSz="935980" rtl="0" eaLnBrk="1" latinLnBrk="0" hangingPunct="1">
+        <a:defRPr sz="1842" kern="1200">
           <a:solidFill>
             <a:schemeClr val="tx1"/>
           </a:solidFill>
@@ -2975,10 +2973,10 @@
       </p:grpSpPr>
       <p:sp>
         <p:nvSpPr>
-          <p:cNvPr id="10" name="Rectangle 9">
+          <p:cNvPr id="95" name="Rectangle 94">
             <a:extLst>
               <a:ext uri="{FF2B5EF4-FFF2-40B4-BE49-F238E27FC236}">
-                <a16:creationId xmlns:a16="http://schemas.microsoft.com/office/drawing/2014/main" id="{9571A846-6369-5044-ADDB-D8C182548115}"/>
+                <a16:creationId xmlns:a16="http://schemas.microsoft.com/office/drawing/2014/main" id="{04E43C93-5C63-8D44-887C-B0ABD69485FC}"/>
               </a:ext>
             </a:extLst>
           </p:cNvPr>
@@ -2987,8 +2985,8 @@
         </p:nvSpPr>
         <p:spPr>
           <a:xfrm>
-            <a:off x="12706197" y="2444256"/>
-            <a:ext cx="1688115" cy="730276"/>
+            <a:off x="6527521" y="4591001"/>
+            <a:ext cx="2358571" cy="730276"/>
           </a:xfrm>
           <a:prstGeom prst="rect">
             <a:avLst/>
@@ -3021,672 +3019,19 @@
           <a:p>
             <a:pPr algn="ctr"/>
             <a:r>
-              <a:rPr lang="en-US" dirty="0"/>
-              <a:t>Spike analysis</a:t>
-            </a:r>
-          </a:p>
-        </p:txBody>
-      </p:sp>
-      <p:cxnSp>
-        <p:nvCxnSpPr>
-          <p:cNvPr id="41" name="Straight Arrow Connector 40">
+              <a:rPr lang="en-US" sz="2000" dirty="0" err="1"/>
+              <a:t>CalciumGAN</a:t>
+            </a:r>
+            <a:endParaRPr lang="en-US" sz="2000" dirty="0"/>
+          </a:p>
+        </p:txBody>
+      </p:sp>
+      <p:grpSp>
+        <p:nvGrpSpPr>
+          <p:cNvPr id="108" name="Group 107">
             <a:extLst>
               <a:ext uri="{FF2B5EF4-FFF2-40B4-BE49-F238E27FC236}">
-                <a16:creationId xmlns:a16="http://schemas.microsoft.com/office/drawing/2014/main" id="{8E8E599D-9A7C-574A-B2F4-63146A1D93AC}"/>
-              </a:ext>
-            </a:extLst>
-          </p:cNvPr>
-          <p:cNvCxnSpPr>
-            <a:cxnSpLocks/>
-            <a:stCxn id="67" idx="3"/>
-            <a:endCxn id="10" idx="1"/>
-          </p:cNvCxnSpPr>
-          <p:nvPr/>
-        </p:nvCxnSpPr>
-        <p:spPr>
-          <a:xfrm>
-            <a:off x="12340262" y="1726826"/>
-            <a:ext cx="365935" cy="1082568"/>
-          </a:xfrm>
-          <a:prstGeom prst="straightConnector1">
-            <a:avLst/>
-          </a:prstGeom>
-          <a:ln>
-            <a:tailEnd type="triangle"/>
-          </a:ln>
-        </p:spPr>
-        <p:style>
-          <a:lnRef idx="1">
-            <a:schemeClr val="accent1"/>
-          </a:lnRef>
-          <a:fillRef idx="0">
-            <a:schemeClr val="accent1"/>
-          </a:fillRef>
-          <a:effectRef idx="0">
-            <a:schemeClr val="accent1"/>
-          </a:effectRef>
-          <a:fontRef idx="minor">
-            <a:schemeClr val="tx1"/>
-          </a:fontRef>
-        </p:style>
-      </p:cxnSp>
-      <p:cxnSp>
-        <p:nvCxnSpPr>
-          <p:cNvPr id="43" name="Straight Arrow Connector 42">
-            <a:extLst>
-              <a:ext uri="{FF2B5EF4-FFF2-40B4-BE49-F238E27FC236}">
-                <a16:creationId xmlns:a16="http://schemas.microsoft.com/office/drawing/2014/main" id="{3CD87BA8-91C1-8848-998A-7CB46D365A12}"/>
-              </a:ext>
-            </a:extLst>
-          </p:cNvPr>
-          <p:cNvCxnSpPr>
-            <a:cxnSpLocks/>
-            <a:stCxn id="61" idx="3"/>
-            <a:endCxn id="10" idx="1"/>
-          </p:cNvCxnSpPr>
-          <p:nvPr/>
-        </p:nvCxnSpPr>
-        <p:spPr>
-          <a:xfrm flipV="1">
-            <a:off x="12340262" y="2809394"/>
-            <a:ext cx="365935" cy="1047951"/>
-          </a:xfrm>
-          <a:prstGeom prst="straightConnector1">
-            <a:avLst/>
-          </a:prstGeom>
-          <a:ln>
-            <a:tailEnd type="triangle"/>
-          </a:ln>
-        </p:spPr>
-        <p:style>
-          <a:lnRef idx="1">
-            <a:schemeClr val="accent1"/>
-          </a:lnRef>
-          <a:fillRef idx="0">
-            <a:schemeClr val="accent1"/>
-          </a:fillRef>
-          <a:effectRef idx="0">
-            <a:schemeClr val="accent1"/>
-          </a:effectRef>
-          <a:fontRef idx="minor">
-            <a:schemeClr val="tx1"/>
-          </a:fontRef>
-        </p:style>
-      </p:cxnSp>
-      <p:sp>
-        <p:nvSpPr>
-          <p:cNvPr id="5" name="Rectangle 4">
-            <a:extLst>
-              <a:ext uri="{FF2B5EF4-FFF2-40B4-BE49-F238E27FC236}">
-                <a16:creationId xmlns:a16="http://schemas.microsoft.com/office/drawing/2014/main" id="{E862E188-9025-1041-AD5C-4982D42AEC66}"/>
-              </a:ext>
-            </a:extLst>
-          </p:cNvPr>
-          <p:cNvSpPr/>
-          <p:nvPr/>
-        </p:nvSpPr>
-        <p:spPr>
-          <a:xfrm>
-            <a:off x="1909918" y="1358119"/>
-            <a:ext cx="1549915" cy="730276"/>
-          </a:xfrm>
-          <a:prstGeom prst="rect">
-            <a:avLst/>
-          </a:prstGeom>
-        </p:spPr>
-        <p:style>
-          <a:lnRef idx="2">
-            <a:schemeClr val="accent1">
-              <a:shade val="50000"/>
-            </a:schemeClr>
-          </a:lnRef>
-          <a:fillRef idx="1">
-            <a:schemeClr val="accent1"/>
-          </a:fillRef>
-          <a:effectRef idx="0">
-            <a:schemeClr val="accent1"/>
-          </a:effectRef>
-          <a:fontRef idx="minor">
-            <a:schemeClr val="lt1"/>
-          </a:fontRef>
-        </p:style>
-        <p:txBody>
-          <a:bodyPr rot="0" spcFirstLastPara="0" vertOverflow="overflow" horzOverflow="overflow" vert="horz" wrap="square" lIns="95991" tIns="47995" rIns="95991" bIns="47995" numCol="1" spcCol="0" rtlCol="0" fromWordArt="0" anchor="ctr" anchorCtr="0" forceAA="0" compatLnSpc="1">
-            <a:prstTxWarp prst="textNoShape">
-              <a:avLst/>
-            </a:prstTxWarp>
-            <a:noAutofit/>
-          </a:bodyPr>
-          <a:lstStyle/>
-          <a:p>
-            <a:pPr algn="ctr"/>
-            <a:r>
-              <a:rPr lang="en-US" dirty="0"/>
-              <a:t>normalization</a:t>
-            </a:r>
-          </a:p>
-          <a:p>
-            <a:pPr algn="ctr"/>
-            <a:r>
-              <a:rPr lang="en-US" dirty="0"/>
-              <a:t>segmentation</a:t>
-            </a:r>
-          </a:p>
-        </p:txBody>
-      </p:sp>
-      <p:sp>
-        <p:nvSpPr>
-          <p:cNvPr id="15" name="Rectangle 14">
-            <a:extLst>
-              <a:ext uri="{FF2B5EF4-FFF2-40B4-BE49-F238E27FC236}">
-                <a16:creationId xmlns:a16="http://schemas.microsoft.com/office/drawing/2014/main" id="{ACD77658-05A8-6044-B048-3FD6F84ED5E4}"/>
-              </a:ext>
-            </a:extLst>
-          </p:cNvPr>
-          <p:cNvSpPr/>
-          <p:nvPr/>
-        </p:nvSpPr>
-        <p:spPr>
-          <a:xfrm>
-            <a:off x="1909919" y="3554534"/>
-            <a:ext cx="1091139" cy="605622"/>
-          </a:xfrm>
-          <a:prstGeom prst="rect">
-            <a:avLst/>
-          </a:prstGeom>
-        </p:spPr>
-        <p:style>
-          <a:lnRef idx="2">
-            <a:schemeClr val="accent1">
-              <a:shade val="50000"/>
-            </a:schemeClr>
-          </a:lnRef>
-          <a:fillRef idx="1">
-            <a:schemeClr val="accent1"/>
-          </a:fillRef>
-          <a:effectRef idx="0">
-            <a:schemeClr val="accent1"/>
-          </a:effectRef>
-          <a:fontRef idx="minor">
-            <a:schemeClr val="lt1"/>
-          </a:fontRef>
-        </p:style>
-        <p:txBody>
-          <a:bodyPr rot="0" spcFirstLastPara="0" vertOverflow="overflow" horzOverflow="overflow" vert="horz" wrap="square" lIns="95991" tIns="47995" rIns="95991" bIns="47995" numCol="1" spcCol="0" rtlCol="0" fromWordArt="0" anchor="ctr" anchorCtr="0" forceAA="0" compatLnSpc="1">
-            <a:prstTxWarp prst="textNoShape">
-              <a:avLst/>
-            </a:prstTxWarp>
-            <a:noAutofit/>
-          </a:bodyPr>
-          <a:lstStyle/>
-          <a:p>
-            <a:pPr algn="ctr"/>
-            <a:r>
-              <a:rPr lang="en-US" dirty="0"/>
-              <a:t>OASIS</a:t>
-            </a:r>
-          </a:p>
-        </p:txBody>
-      </p:sp>
-      <p:cxnSp>
-        <p:nvCxnSpPr>
-          <p:cNvPr id="20" name="Straight Arrow Connector 19">
-            <a:extLst>
-              <a:ext uri="{FF2B5EF4-FFF2-40B4-BE49-F238E27FC236}">
-                <a16:creationId xmlns:a16="http://schemas.microsoft.com/office/drawing/2014/main" id="{846996C5-2D7D-7149-BA5E-FA0D856E871C}"/>
-              </a:ext>
-            </a:extLst>
-          </p:cNvPr>
-          <p:cNvCxnSpPr>
-            <a:cxnSpLocks/>
-            <a:stCxn id="17" idx="3"/>
-            <a:endCxn id="5" idx="1"/>
-          </p:cNvCxnSpPr>
-          <p:nvPr/>
-        </p:nvCxnSpPr>
-        <p:spPr>
-          <a:xfrm flipV="1">
-            <a:off x="1472962" y="1723257"/>
-            <a:ext cx="436956" cy="1215481"/>
-          </a:xfrm>
-          <a:prstGeom prst="straightConnector1">
-            <a:avLst/>
-          </a:prstGeom>
-          <a:ln>
-            <a:tailEnd type="triangle"/>
-          </a:ln>
-        </p:spPr>
-        <p:style>
-          <a:lnRef idx="1">
-            <a:schemeClr val="accent1"/>
-          </a:lnRef>
-          <a:fillRef idx="0">
-            <a:schemeClr val="accent1"/>
-          </a:fillRef>
-          <a:effectRef idx="0">
-            <a:schemeClr val="accent1"/>
-          </a:effectRef>
-          <a:fontRef idx="minor">
-            <a:schemeClr val="tx1"/>
-          </a:fontRef>
-        </p:style>
-      </p:cxnSp>
-      <p:cxnSp>
-        <p:nvCxnSpPr>
-          <p:cNvPr id="22" name="Straight Arrow Connector 21">
-            <a:extLst>
-              <a:ext uri="{FF2B5EF4-FFF2-40B4-BE49-F238E27FC236}">
-                <a16:creationId xmlns:a16="http://schemas.microsoft.com/office/drawing/2014/main" id="{9560844A-40F8-134B-A72B-F302B388A99B}"/>
-              </a:ext>
-            </a:extLst>
-          </p:cNvPr>
-          <p:cNvCxnSpPr>
-            <a:cxnSpLocks/>
-            <a:stCxn id="17" idx="3"/>
-            <a:endCxn id="15" idx="1"/>
-          </p:cNvCxnSpPr>
-          <p:nvPr/>
-        </p:nvCxnSpPr>
-        <p:spPr>
-          <a:xfrm>
-            <a:off x="1472962" y="2938738"/>
-            <a:ext cx="436957" cy="918607"/>
-          </a:xfrm>
-          <a:prstGeom prst="straightConnector1">
-            <a:avLst/>
-          </a:prstGeom>
-          <a:ln>
-            <a:tailEnd type="triangle"/>
-          </a:ln>
-        </p:spPr>
-        <p:style>
-          <a:lnRef idx="1">
-            <a:schemeClr val="accent1"/>
-          </a:lnRef>
-          <a:fillRef idx="0">
-            <a:schemeClr val="accent1"/>
-          </a:fillRef>
-          <a:effectRef idx="0">
-            <a:schemeClr val="accent1"/>
-          </a:effectRef>
-          <a:fontRef idx="minor">
-            <a:schemeClr val="tx1"/>
-          </a:fontRef>
-        </p:style>
-      </p:cxnSp>
-      <p:cxnSp>
-        <p:nvCxnSpPr>
-          <p:cNvPr id="31" name="Straight Arrow Connector 30">
-            <a:extLst>
-              <a:ext uri="{FF2B5EF4-FFF2-40B4-BE49-F238E27FC236}">
-                <a16:creationId xmlns:a16="http://schemas.microsoft.com/office/drawing/2014/main" id="{8111A0A9-0C7B-A145-872D-8D9D1974E26C}"/>
-              </a:ext>
-            </a:extLst>
-          </p:cNvPr>
-          <p:cNvCxnSpPr>
-            <a:cxnSpLocks/>
-            <a:stCxn id="5" idx="3"/>
-            <a:endCxn id="51" idx="1"/>
-          </p:cNvCxnSpPr>
-          <p:nvPr/>
-        </p:nvCxnSpPr>
-        <p:spPr>
-          <a:xfrm flipV="1">
-            <a:off x="3459833" y="1718034"/>
-            <a:ext cx="338278" cy="5223"/>
-          </a:xfrm>
-          <a:prstGeom prst="straightConnector1">
-            <a:avLst/>
-          </a:prstGeom>
-          <a:ln>
-            <a:tailEnd type="triangle"/>
-          </a:ln>
-        </p:spPr>
-        <p:style>
-          <a:lnRef idx="1">
-            <a:schemeClr val="accent1"/>
-          </a:lnRef>
-          <a:fillRef idx="0">
-            <a:schemeClr val="accent1"/>
-          </a:fillRef>
-          <a:effectRef idx="0">
-            <a:schemeClr val="accent1"/>
-          </a:effectRef>
-          <a:fontRef idx="minor">
-            <a:schemeClr val="tx1"/>
-          </a:fontRef>
-        </p:style>
-      </p:cxnSp>
-      <p:cxnSp>
-        <p:nvCxnSpPr>
-          <p:cNvPr id="39" name="Straight Arrow Connector 38">
-            <a:extLst>
-              <a:ext uri="{FF2B5EF4-FFF2-40B4-BE49-F238E27FC236}">
-                <a16:creationId xmlns:a16="http://schemas.microsoft.com/office/drawing/2014/main" id="{14A03A3C-62D7-2349-8CBC-A79F525A960E}"/>
-              </a:ext>
-            </a:extLst>
-          </p:cNvPr>
-          <p:cNvCxnSpPr>
-            <a:cxnSpLocks/>
-            <a:stCxn id="15" idx="3"/>
-            <a:endCxn id="61" idx="1"/>
-          </p:cNvCxnSpPr>
-          <p:nvPr/>
-        </p:nvCxnSpPr>
-        <p:spPr>
-          <a:xfrm>
-            <a:off x="3001058" y="3857345"/>
-            <a:ext cx="7811108" cy="0"/>
-          </a:xfrm>
-          <a:prstGeom prst="straightConnector1">
-            <a:avLst/>
-          </a:prstGeom>
-          <a:ln>
-            <a:tailEnd type="triangle"/>
-          </a:ln>
-        </p:spPr>
-        <p:style>
-          <a:lnRef idx="1">
-            <a:schemeClr val="accent1"/>
-          </a:lnRef>
-          <a:fillRef idx="0">
-            <a:schemeClr val="accent1"/>
-          </a:fillRef>
-          <a:effectRef idx="0">
-            <a:schemeClr val="accent1"/>
-          </a:effectRef>
-          <a:fontRef idx="minor">
-            <a:schemeClr val="tx1"/>
-          </a:fontRef>
-        </p:style>
-      </p:cxnSp>
-      <p:sp>
-        <p:nvSpPr>
-          <p:cNvPr id="13" name="Rectangle 12">
-            <a:extLst>
-              <a:ext uri="{FF2B5EF4-FFF2-40B4-BE49-F238E27FC236}">
-                <a16:creationId xmlns:a16="http://schemas.microsoft.com/office/drawing/2014/main" id="{069ADA21-72B3-F04D-970F-FFF8E855F168}"/>
-              </a:ext>
-            </a:extLst>
-          </p:cNvPr>
-          <p:cNvSpPr/>
-          <p:nvPr/>
-        </p:nvSpPr>
-        <p:spPr>
-          <a:xfrm>
-            <a:off x="5681641" y="1358093"/>
-            <a:ext cx="1472962" cy="730276"/>
-          </a:xfrm>
-          <a:prstGeom prst="rect">
-            <a:avLst/>
-          </a:prstGeom>
-        </p:spPr>
-        <p:style>
-          <a:lnRef idx="2">
-            <a:schemeClr val="accent1">
-              <a:shade val="50000"/>
-            </a:schemeClr>
-          </a:lnRef>
-          <a:fillRef idx="1">
-            <a:schemeClr val="accent1"/>
-          </a:fillRef>
-          <a:effectRef idx="0">
-            <a:schemeClr val="accent1"/>
-          </a:effectRef>
-          <a:fontRef idx="minor">
-            <a:schemeClr val="lt1"/>
-          </a:fontRef>
-        </p:style>
-        <p:txBody>
-          <a:bodyPr rot="0" spcFirstLastPara="0" vertOverflow="overflow" horzOverflow="overflow" vert="horz" wrap="square" lIns="95991" tIns="47995" rIns="95991" bIns="47995" numCol="1" spcCol="0" rtlCol="0" fromWordArt="0" anchor="ctr" anchorCtr="0" forceAA="0" compatLnSpc="1">
-            <a:prstTxWarp prst="textNoShape">
-              <a:avLst/>
-            </a:prstTxWarp>
-            <a:noAutofit/>
-          </a:bodyPr>
-          <a:lstStyle/>
-          <a:p>
-            <a:pPr algn="ctr"/>
-            <a:r>
-              <a:rPr lang="en-US" dirty="0" err="1"/>
-              <a:t>CalciumGAN</a:t>
-            </a:r>
-            <a:endParaRPr lang="en-US" dirty="0"/>
-          </a:p>
-        </p:txBody>
-      </p:sp>
-      <p:sp>
-        <p:nvSpPr>
-          <p:cNvPr id="14" name="Rectangle 13">
-            <a:extLst>
-              <a:ext uri="{FF2B5EF4-FFF2-40B4-BE49-F238E27FC236}">
-                <a16:creationId xmlns:a16="http://schemas.microsoft.com/office/drawing/2014/main" id="{E91125E9-6846-D34B-8437-81CF995EBC51}"/>
-              </a:ext>
-            </a:extLst>
-          </p:cNvPr>
-          <p:cNvSpPr/>
-          <p:nvPr/>
-        </p:nvSpPr>
-        <p:spPr>
-          <a:xfrm>
-            <a:off x="9402457" y="1447018"/>
-            <a:ext cx="1075450" cy="552424"/>
-          </a:xfrm>
-          <a:prstGeom prst="rect">
-            <a:avLst/>
-          </a:prstGeom>
-        </p:spPr>
-        <p:style>
-          <a:lnRef idx="2">
-            <a:schemeClr val="accent1">
-              <a:shade val="50000"/>
-            </a:schemeClr>
-          </a:lnRef>
-          <a:fillRef idx="1">
-            <a:schemeClr val="accent1"/>
-          </a:fillRef>
-          <a:effectRef idx="0">
-            <a:schemeClr val="accent1"/>
-          </a:effectRef>
-          <a:fontRef idx="minor">
-            <a:schemeClr val="lt1"/>
-          </a:fontRef>
-        </p:style>
-        <p:txBody>
-          <a:bodyPr rot="0" spcFirstLastPara="0" vertOverflow="overflow" horzOverflow="overflow" vert="horz" wrap="square" lIns="95991" tIns="47995" rIns="95991" bIns="47995" numCol="1" spcCol="0" rtlCol="0" fromWordArt="0" anchor="ctr" anchorCtr="0" forceAA="0" compatLnSpc="1">
-            <a:prstTxWarp prst="textNoShape">
-              <a:avLst/>
-            </a:prstTxWarp>
-            <a:noAutofit/>
-          </a:bodyPr>
-          <a:lstStyle/>
-          <a:p>
-            <a:pPr algn="ctr"/>
-            <a:r>
-              <a:rPr lang="en-US" dirty="0"/>
-              <a:t>OASIS</a:t>
-            </a:r>
-          </a:p>
-        </p:txBody>
-      </p:sp>
-      <p:cxnSp>
-        <p:nvCxnSpPr>
-          <p:cNvPr id="33" name="Straight Arrow Connector 32">
-            <a:extLst>
-              <a:ext uri="{FF2B5EF4-FFF2-40B4-BE49-F238E27FC236}">
-                <a16:creationId xmlns:a16="http://schemas.microsoft.com/office/drawing/2014/main" id="{7A657BE2-17C3-0C43-AF6D-7F38E9E820A0}"/>
-              </a:ext>
-            </a:extLst>
-          </p:cNvPr>
-          <p:cNvCxnSpPr>
-            <a:cxnSpLocks/>
-            <a:stCxn id="13" idx="3"/>
-            <a:endCxn id="72" idx="1"/>
-          </p:cNvCxnSpPr>
-          <p:nvPr/>
-        </p:nvCxnSpPr>
-        <p:spPr>
-          <a:xfrm flipV="1">
-            <a:off x="7154603" y="1718033"/>
-            <a:ext cx="328640" cy="5198"/>
-          </a:xfrm>
-          <a:prstGeom prst="straightConnector1">
-            <a:avLst/>
-          </a:prstGeom>
-          <a:ln>
-            <a:tailEnd type="triangle"/>
-          </a:ln>
-        </p:spPr>
-        <p:style>
-          <a:lnRef idx="1">
-            <a:schemeClr val="accent1"/>
-          </a:lnRef>
-          <a:fillRef idx="0">
-            <a:schemeClr val="accent1"/>
-          </a:fillRef>
-          <a:effectRef idx="0">
-            <a:schemeClr val="accent1"/>
-          </a:effectRef>
-          <a:fontRef idx="minor">
-            <a:schemeClr val="tx1"/>
-          </a:fontRef>
-        </p:style>
-      </p:cxnSp>
-      <p:cxnSp>
-        <p:nvCxnSpPr>
-          <p:cNvPr id="35" name="Straight Arrow Connector 34">
-            <a:extLst>
-              <a:ext uri="{FF2B5EF4-FFF2-40B4-BE49-F238E27FC236}">
-                <a16:creationId xmlns:a16="http://schemas.microsoft.com/office/drawing/2014/main" id="{A233741B-8EF6-F846-B3B4-914981208072}"/>
-              </a:ext>
-            </a:extLst>
-          </p:cNvPr>
-          <p:cNvCxnSpPr>
-            <a:cxnSpLocks/>
-            <a:stCxn id="72" idx="3"/>
-            <a:endCxn id="14" idx="1"/>
-          </p:cNvCxnSpPr>
-          <p:nvPr/>
-        </p:nvCxnSpPr>
-        <p:spPr>
-          <a:xfrm>
-            <a:off x="9062032" y="1718033"/>
-            <a:ext cx="340425" cy="5197"/>
-          </a:xfrm>
-          <a:prstGeom prst="straightConnector1">
-            <a:avLst/>
-          </a:prstGeom>
-          <a:ln>
-            <a:tailEnd type="triangle"/>
-          </a:ln>
-        </p:spPr>
-        <p:style>
-          <a:lnRef idx="1">
-            <a:schemeClr val="accent1"/>
-          </a:lnRef>
-          <a:fillRef idx="0">
-            <a:schemeClr val="accent1"/>
-          </a:fillRef>
-          <a:effectRef idx="0">
-            <a:schemeClr val="accent1"/>
-          </a:effectRef>
-          <a:fontRef idx="minor">
-            <a:schemeClr val="tx1"/>
-          </a:fontRef>
-        </p:style>
-      </p:cxnSp>
-      <p:cxnSp>
-        <p:nvCxnSpPr>
-          <p:cNvPr id="37" name="Straight Arrow Connector 36">
-            <a:extLst>
-              <a:ext uri="{FF2B5EF4-FFF2-40B4-BE49-F238E27FC236}">
-                <a16:creationId xmlns:a16="http://schemas.microsoft.com/office/drawing/2014/main" id="{B50BE28C-3C28-D045-9403-432D1664E8D0}"/>
-              </a:ext>
-            </a:extLst>
-          </p:cNvPr>
-          <p:cNvCxnSpPr>
-            <a:cxnSpLocks/>
-            <a:stCxn id="14" idx="3"/>
-            <a:endCxn id="67" idx="1"/>
-          </p:cNvCxnSpPr>
-          <p:nvPr/>
-        </p:nvCxnSpPr>
-        <p:spPr>
-          <a:xfrm>
-            <a:off x="10477907" y="1723230"/>
-            <a:ext cx="323988" cy="3596"/>
-          </a:xfrm>
-          <a:prstGeom prst="straightConnector1">
-            <a:avLst/>
-          </a:prstGeom>
-          <a:ln>
-            <a:tailEnd type="triangle"/>
-          </a:ln>
-        </p:spPr>
-        <p:style>
-          <a:lnRef idx="1">
-            <a:schemeClr val="accent1"/>
-          </a:lnRef>
-          <a:fillRef idx="0">
-            <a:schemeClr val="accent1"/>
-          </a:fillRef>
-          <a:effectRef idx="0">
-            <a:schemeClr val="accent1"/>
-          </a:effectRef>
-          <a:fontRef idx="minor">
-            <a:schemeClr val="tx1"/>
-          </a:fontRef>
-        </p:style>
-      </p:cxnSp>
-      <p:cxnSp>
-        <p:nvCxnSpPr>
-          <p:cNvPr id="54" name="Straight Arrow Connector 53">
-            <a:extLst>
-              <a:ext uri="{FF2B5EF4-FFF2-40B4-BE49-F238E27FC236}">
-                <a16:creationId xmlns:a16="http://schemas.microsoft.com/office/drawing/2014/main" id="{83B2C754-AE9B-A04F-85D6-94132A988206}"/>
-              </a:ext>
-            </a:extLst>
-          </p:cNvPr>
-          <p:cNvCxnSpPr>
-            <a:cxnSpLocks/>
-            <a:stCxn id="51" idx="3"/>
-            <a:endCxn id="13" idx="1"/>
-          </p:cNvCxnSpPr>
-          <p:nvPr/>
-        </p:nvCxnSpPr>
-        <p:spPr>
-          <a:xfrm>
-            <a:off x="5294985" y="1718034"/>
-            <a:ext cx="386656" cy="5197"/>
-          </a:xfrm>
-          <a:prstGeom prst="straightConnector1">
-            <a:avLst/>
-          </a:prstGeom>
-          <a:ln>
-            <a:tailEnd type="triangle"/>
-          </a:ln>
-        </p:spPr>
-        <p:style>
-          <a:lnRef idx="1">
-            <a:schemeClr val="accent1"/>
-          </a:lnRef>
-          <a:fillRef idx="0">
-            <a:schemeClr val="accent1"/>
-          </a:fillRef>
-          <a:effectRef idx="0">
-            <a:schemeClr val="accent1"/>
-          </a:effectRef>
-          <a:fontRef idx="minor">
-            <a:schemeClr val="tx1"/>
-          </a:fontRef>
-        </p:style>
-      </p:cxnSp>
-      <p:grpSp>
-        <p:nvGrpSpPr>
-          <p:cNvPr id="28" name="Group 27">
-            <a:extLst>
-              <a:ext uri="{FF2B5EF4-FFF2-40B4-BE49-F238E27FC236}">
-                <a16:creationId xmlns:a16="http://schemas.microsoft.com/office/drawing/2014/main" id="{92073B21-BE7B-D34F-A449-FEA50DE46770}"/>
+                <a16:creationId xmlns:a16="http://schemas.microsoft.com/office/drawing/2014/main" id="{EC1F1C89-33F6-BA4C-9687-823E74B3E630}"/>
               </a:ext>
             </a:extLst>
           </p:cNvPr>
@@ -3695,21 +3040,18 @@
         </p:nvGrpSpPr>
         <p:grpSpPr>
           <a:xfrm>
-            <a:off x="0" y="2088397"/>
-            <a:ext cx="1472962" cy="1700681"/>
-            <a:chOff x="324547" y="1614038"/>
-            <a:chExt cx="1472962" cy="1171036"/>
+            <a:off x="6527537" y="5614980"/>
+            <a:ext cx="2358570" cy="1589108"/>
+            <a:chOff x="6354187" y="1414885"/>
+            <a:chExt cx="2358570" cy="1589108"/>
           </a:xfrm>
-          <a:solidFill>
-            <a:schemeClr val="bg1"/>
-          </a:solidFill>
         </p:grpSpPr>
         <p:sp>
           <p:nvSpPr>
-            <p:cNvPr id="17" name="Rectangle 16">
+            <p:cNvPr id="109" name="Rectangle 108">
               <a:extLst>
                 <a:ext uri="{FF2B5EF4-FFF2-40B4-BE49-F238E27FC236}">
-                  <a16:creationId xmlns:a16="http://schemas.microsoft.com/office/drawing/2014/main" id="{C5EE6630-DAFF-0246-AC2D-1C83B3B8DEE6}"/>
+                  <a16:creationId xmlns:a16="http://schemas.microsoft.com/office/drawing/2014/main" id="{8C593B95-0692-F146-A821-B331193A8656}"/>
                 </a:ext>
               </a:extLst>
             </p:cNvPr>
@@ -3718,200 +3060,8 @@
           </p:nvSpPr>
           <p:spPr>
             <a:xfrm>
-              <a:off x="324547" y="1614038"/>
-              <a:ext cx="1472962" cy="1171036"/>
-            </a:xfrm>
-            <a:prstGeom prst="rect">
-              <a:avLst/>
-            </a:prstGeom>
-            <a:grpFill/>
-            <a:ln>
-              <a:solidFill>
-                <a:schemeClr val="accent1">
-                  <a:lumMod val="60000"/>
-                  <a:lumOff val="40000"/>
-                </a:schemeClr>
-              </a:solidFill>
-            </a:ln>
-          </p:spPr>
-          <p:style>
-            <a:lnRef idx="2">
-              <a:schemeClr val="accent1">
-                <a:shade val="50000"/>
-              </a:schemeClr>
-            </a:lnRef>
-            <a:fillRef idx="1">
-              <a:schemeClr val="accent1"/>
-            </a:fillRef>
-            <a:effectRef idx="0">
-              <a:schemeClr val="accent1"/>
-            </a:effectRef>
-            <a:fontRef idx="minor">
-              <a:schemeClr val="lt1"/>
-            </a:fontRef>
-          </p:style>
-          <p:txBody>
-            <a:bodyPr rot="0" spcFirstLastPara="0" vertOverflow="overflow" horzOverflow="overflow" vert="horz" wrap="square" lIns="95991" tIns="162000" rIns="95991" bIns="46800" numCol="1" spcCol="0" rtlCol="0" fromWordArt="0" anchor="t" anchorCtr="0" forceAA="0" compatLnSpc="1">
-              <a:prstTxWarp prst="textNoShape">
-                <a:avLst/>
-              </a:prstTxWarp>
-              <a:noAutofit/>
-            </a:bodyPr>
-            <a:lstStyle/>
-            <a:p>
-              <a:pPr algn="ctr"/>
-              <a:r>
-                <a:rPr lang="en-US" dirty="0">
-                  <a:solidFill>
-                    <a:schemeClr val="tx1"/>
-                  </a:solidFill>
-                </a:rPr>
-                <a:t>recorded signal</a:t>
-              </a:r>
-            </a:p>
-          </p:txBody>
-        </p:sp>
-        <p:pic>
-          <p:nvPicPr>
-            <p:cNvPr id="24" name="Picture 23" descr="A picture containing animal&#10;&#10;Description automatically generated">
-              <a:extLst>
-                <a:ext uri="{FF2B5EF4-FFF2-40B4-BE49-F238E27FC236}">
-                  <a16:creationId xmlns:a16="http://schemas.microsoft.com/office/drawing/2014/main" id="{F72B281B-535E-FE40-850C-3C109DD7E840}"/>
-                </a:ext>
-              </a:extLst>
-            </p:cNvPr>
-            <p:cNvPicPr>
-              <a:picLocks noChangeAspect="1"/>
-            </p:cNvPicPr>
-            <p:nvPr/>
-          </p:nvPicPr>
-          <p:blipFill>
-            <a:blip r:embed="rId2"/>
-            <a:stretch>
-              <a:fillRect/>
-            </a:stretch>
-          </p:blipFill>
-          <p:spPr>
-            <a:xfrm>
-              <a:off x="367508" y="2110494"/>
-              <a:ext cx="1387041" cy="670588"/>
-            </a:xfrm>
-            <a:prstGeom prst="rect">
-              <a:avLst/>
-            </a:prstGeom>
-            <a:grpFill/>
-          </p:spPr>
-        </p:pic>
-      </p:grpSp>
-      <p:sp>
-        <p:nvSpPr>
-          <p:cNvPr id="51" name="Rectangle 50">
-            <a:extLst>
-              <a:ext uri="{FF2B5EF4-FFF2-40B4-BE49-F238E27FC236}">
-                <a16:creationId xmlns:a16="http://schemas.microsoft.com/office/drawing/2014/main" id="{72A42833-BE34-8F40-9301-AFCBF5F2BEA0}"/>
-              </a:ext>
-            </a:extLst>
-          </p:cNvPr>
-          <p:cNvSpPr/>
-          <p:nvPr/>
-        </p:nvSpPr>
-        <p:spPr>
-          <a:xfrm>
-            <a:off x="3798111" y="1397935"/>
-            <a:ext cx="1496874" cy="640197"/>
-          </a:xfrm>
-          <a:prstGeom prst="rect">
-            <a:avLst/>
-          </a:prstGeom>
-          <a:solidFill>
-            <a:schemeClr val="bg1"/>
-          </a:solidFill>
-          <a:ln>
-            <a:solidFill>
-              <a:schemeClr val="accent1">
-                <a:lumMod val="40000"/>
-                <a:lumOff val="60000"/>
-              </a:schemeClr>
-            </a:solidFill>
-          </a:ln>
-        </p:spPr>
-        <p:style>
-          <a:lnRef idx="2">
-            <a:schemeClr val="accent1">
-              <a:shade val="50000"/>
-            </a:schemeClr>
-          </a:lnRef>
-          <a:fillRef idx="1">
-            <a:schemeClr val="accent1"/>
-          </a:fillRef>
-          <a:effectRef idx="0">
-            <a:schemeClr val="accent1"/>
-          </a:effectRef>
-          <a:fontRef idx="minor">
-            <a:schemeClr val="lt1"/>
-          </a:fontRef>
-        </p:style>
-        <p:txBody>
-          <a:bodyPr rot="0" spcFirstLastPara="0" vertOverflow="overflow" horzOverflow="overflow" vert="horz" wrap="square" lIns="97200" tIns="46800" rIns="95991" bIns="46800" numCol="1" spcCol="0" rtlCol="0" fromWordArt="0" anchor="ctr" anchorCtr="0" forceAA="0" compatLnSpc="1">
-            <a:prstTxWarp prst="textNoShape">
-              <a:avLst/>
-            </a:prstTxWarp>
-            <a:noAutofit/>
-          </a:bodyPr>
-          <a:lstStyle/>
-          <a:p>
-            <a:pPr algn="ctr">
-              <a:lnSpc>
-                <a:spcPts val="1500"/>
-              </a:lnSpc>
-            </a:pPr>
-            <a:r>
-              <a:rPr lang="en-US" dirty="0">
-                <a:solidFill>
-                  <a:schemeClr val="tx1"/>
-                </a:solidFill>
-              </a:rPr>
-              <a:t>segmented signals</a:t>
-            </a:r>
-          </a:p>
-        </p:txBody>
-      </p:sp>
-      <p:grpSp>
-        <p:nvGrpSpPr>
-          <p:cNvPr id="53" name="Group 52">
-            <a:extLst>
-              <a:ext uri="{FF2B5EF4-FFF2-40B4-BE49-F238E27FC236}">
-                <a16:creationId xmlns:a16="http://schemas.microsoft.com/office/drawing/2014/main" id="{CF6B348F-2474-AA4B-A2FC-D946CDFB3BC5}"/>
-              </a:ext>
-            </a:extLst>
-          </p:cNvPr>
-          <p:cNvGrpSpPr/>
-          <p:nvPr/>
-        </p:nvGrpSpPr>
-        <p:grpSpPr>
-          <a:xfrm>
-            <a:off x="10812166" y="2997014"/>
-            <a:ext cx="1528096" cy="1720661"/>
-            <a:chOff x="10322480" y="2706276"/>
-            <a:chExt cx="1528096" cy="1720661"/>
-          </a:xfrm>
-        </p:grpSpPr>
-        <p:sp>
-          <p:nvSpPr>
-            <p:cNvPr id="61" name="Rectangle 60">
-              <a:extLst>
-                <a:ext uri="{FF2B5EF4-FFF2-40B4-BE49-F238E27FC236}">
-                  <a16:creationId xmlns:a16="http://schemas.microsoft.com/office/drawing/2014/main" id="{E54BE12F-3448-264E-8A59-B87133FE5C73}"/>
-                </a:ext>
-              </a:extLst>
-            </p:cNvPr>
-            <p:cNvSpPr/>
-            <p:nvPr/>
-          </p:nvSpPr>
-          <p:spPr>
-            <a:xfrm>
-              <a:off x="10322480" y="2706276"/>
-              <a:ext cx="1528096" cy="1720661"/>
+              <a:off x="6354187" y="1414885"/>
+              <a:ext cx="2358570" cy="1589108"/>
             </a:xfrm>
             <a:prstGeom prst="rect">
               <a:avLst/>
@@ -3921,248 +3071,8 @@
             </a:solidFill>
             <a:ln>
               <a:solidFill>
-                <a:schemeClr val="accent1">
-                  <a:lumMod val="40000"/>
-                  <a:lumOff val="60000"/>
-                </a:schemeClr>
-              </a:solidFill>
-            </a:ln>
-          </p:spPr>
-          <p:style>
-            <a:lnRef idx="2">
-              <a:schemeClr val="accent1">
-                <a:shade val="50000"/>
-              </a:schemeClr>
-            </a:lnRef>
-            <a:fillRef idx="1">
-              <a:schemeClr val="accent1"/>
-            </a:fillRef>
-            <a:effectRef idx="0">
-              <a:schemeClr val="accent1"/>
-            </a:effectRef>
-            <a:fontRef idx="minor">
-              <a:schemeClr val="lt1"/>
-            </a:fontRef>
-          </p:style>
-          <p:txBody>
-            <a:bodyPr rot="0" spcFirstLastPara="0" vertOverflow="overflow" horzOverflow="overflow" vert="horz" wrap="square" lIns="95991" tIns="82800" rIns="95991" bIns="46800" numCol="1" spcCol="0" rtlCol="0" fromWordArt="0" anchor="t" anchorCtr="0" forceAA="0" compatLnSpc="1">
-              <a:prstTxWarp prst="textNoShape">
-                <a:avLst/>
-              </a:prstTxWarp>
-              <a:noAutofit/>
-            </a:bodyPr>
-            <a:lstStyle/>
-            <a:p>
-              <a:pPr algn="ctr"/>
-              <a:r>
-                <a:rPr lang="en-US" dirty="0">
-                  <a:solidFill>
-                    <a:schemeClr val="tx1"/>
-                  </a:solidFill>
-                </a:rPr>
-                <a:t>inferred spikes</a:t>
-              </a:r>
-            </a:p>
-          </p:txBody>
-        </p:sp>
-        <p:pic>
-          <p:nvPicPr>
-            <p:cNvPr id="62" name="Picture 61" descr="A picture containing sunset, clock, light, dark&#10;&#10;Description automatically generated">
-              <a:extLst>
-                <a:ext uri="{FF2B5EF4-FFF2-40B4-BE49-F238E27FC236}">
-                  <a16:creationId xmlns:a16="http://schemas.microsoft.com/office/drawing/2014/main" id="{66C07241-6A0D-4749-A7B1-27C5A2241678}"/>
-                </a:ext>
-              </a:extLst>
-            </p:cNvPr>
-            <p:cNvPicPr>
-              <a:picLocks noChangeAspect="1"/>
-            </p:cNvPicPr>
-            <p:nvPr/>
-          </p:nvPicPr>
-          <p:blipFill>
-            <a:blip r:embed="rId3"/>
-            <a:stretch>
-              <a:fillRect/>
-            </a:stretch>
-          </p:blipFill>
-          <p:spPr>
-            <a:xfrm>
-              <a:off x="10372680" y="3371603"/>
-              <a:ext cx="1427696" cy="990681"/>
-            </a:xfrm>
-            <a:prstGeom prst="rect">
-              <a:avLst/>
-            </a:prstGeom>
-          </p:spPr>
-        </p:pic>
-      </p:grpSp>
-      <p:grpSp>
-        <p:nvGrpSpPr>
-          <p:cNvPr id="47" name="Group 46">
-            <a:extLst>
-              <a:ext uri="{FF2B5EF4-FFF2-40B4-BE49-F238E27FC236}">
-                <a16:creationId xmlns:a16="http://schemas.microsoft.com/office/drawing/2014/main" id="{487F6D30-9BFF-0C4C-9357-CF9CCF366920}"/>
-              </a:ext>
-            </a:extLst>
-          </p:cNvPr>
-          <p:cNvGrpSpPr/>
-          <p:nvPr/>
-        </p:nvGrpSpPr>
-        <p:grpSpPr>
-          <a:xfrm>
-            <a:off x="10801895" y="935274"/>
-            <a:ext cx="1538367" cy="1583104"/>
-            <a:chOff x="10639719" y="1329306"/>
-            <a:chExt cx="1538367" cy="1583104"/>
-          </a:xfrm>
-        </p:grpSpPr>
-        <p:sp>
-          <p:nvSpPr>
-            <p:cNvPr id="67" name="Rectangle 66">
-              <a:extLst>
-                <a:ext uri="{FF2B5EF4-FFF2-40B4-BE49-F238E27FC236}">
-                  <a16:creationId xmlns:a16="http://schemas.microsoft.com/office/drawing/2014/main" id="{9BDC0196-48D4-F344-A3ED-10A9C3140DC5}"/>
-                </a:ext>
-              </a:extLst>
-            </p:cNvPr>
-            <p:cNvSpPr/>
-            <p:nvPr/>
-          </p:nvSpPr>
-          <p:spPr>
-            <a:xfrm>
-              <a:off x="10639719" y="1329306"/>
-              <a:ext cx="1538367" cy="1583104"/>
-            </a:xfrm>
-            <a:prstGeom prst="rect">
-              <a:avLst/>
-            </a:prstGeom>
-            <a:solidFill>
-              <a:schemeClr val="bg1"/>
-            </a:solidFill>
-            <a:ln>
-              <a:solidFill>
-                <a:schemeClr val="accent1">
-                  <a:lumMod val="40000"/>
-                  <a:lumOff val="60000"/>
-                </a:schemeClr>
-              </a:solidFill>
-            </a:ln>
-          </p:spPr>
-          <p:style>
-            <a:lnRef idx="2">
-              <a:schemeClr val="accent1">
-                <a:shade val="50000"/>
-              </a:schemeClr>
-            </a:lnRef>
-            <a:fillRef idx="1">
-              <a:schemeClr val="accent1"/>
-            </a:fillRef>
-            <a:effectRef idx="0">
-              <a:schemeClr val="accent1"/>
-            </a:effectRef>
-            <a:fontRef idx="minor">
-              <a:schemeClr val="lt1"/>
-            </a:fontRef>
-          </p:style>
-          <p:txBody>
-            <a:bodyPr rot="0" spcFirstLastPara="0" vertOverflow="overflow" horzOverflow="overflow" vert="horz" wrap="square" lIns="95991" tIns="82800" rIns="95991" bIns="46800" numCol="1" spcCol="0" rtlCol="0" fromWordArt="0" anchor="t" anchorCtr="0" forceAA="0" compatLnSpc="1">
-              <a:prstTxWarp prst="textNoShape">
-                <a:avLst/>
-              </a:prstTxWarp>
-              <a:noAutofit/>
-            </a:bodyPr>
-            <a:lstStyle/>
-            <a:p>
-              <a:pPr algn="ctr"/>
-              <a:r>
-                <a:rPr lang="en-US" dirty="0">
-                  <a:solidFill>
-                    <a:schemeClr val="tx1"/>
-                  </a:solidFill>
-                </a:rPr>
-                <a:t>synthetic spikes</a:t>
-              </a:r>
-            </a:p>
-          </p:txBody>
-        </p:sp>
-        <p:pic>
-          <p:nvPicPr>
-            <p:cNvPr id="68" name="Picture 67">
-              <a:extLst>
-                <a:ext uri="{FF2B5EF4-FFF2-40B4-BE49-F238E27FC236}">
-                  <a16:creationId xmlns:a16="http://schemas.microsoft.com/office/drawing/2014/main" id="{B3EA9F3A-2D69-1048-B54B-AA794EFBB261}"/>
-                </a:ext>
-              </a:extLst>
-            </p:cNvPr>
-            <p:cNvPicPr>
-              <a:picLocks noChangeAspect="1"/>
-            </p:cNvPicPr>
-            <p:nvPr/>
-          </p:nvPicPr>
-          <p:blipFill>
-            <a:blip r:embed="rId4"/>
-            <a:srcRect/>
-            <a:stretch/>
-          </p:blipFill>
-          <p:spPr>
-            <a:xfrm>
-              <a:off x="10703444" y="1959094"/>
-              <a:ext cx="1417613" cy="906295"/>
-            </a:xfrm>
-            <a:prstGeom prst="rect">
-              <a:avLst/>
-            </a:prstGeom>
-          </p:spPr>
-        </p:pic>
-      </p:grpSp>
-      <p:grpSp>
-        <p:nvGrpSpPr>
-          <p:cNvPr id="34" name="Group 33">
-            <a:extLst>
-              <a:ext uri="{FF2B5EF4-FFF2-40B4-BE49-F238E27FC236}">
-                <a16:creationId xmlns:a16="http://schemas.microsoft.com/office/drawing/2014/main" id="{D7541CB8-91A9-534D-901E-99B15DF0252F}"/>
-              </a:ext>
-            </a:extLst>
-          </p:cNvPr>
-          <p:cNvGrpSpPr/>
-          <p:nvPr/>
-        </p:nvGrpSpPr>
-        <p:grpSpPr>
-          <a:xfrm>
-            <a:off x="7483243" y="923479"/>
-            <a:ext cx="1578789" cy="1589108"/>
-            <a:chOff x="7051593" y="1414885"/>
-            <a:chExt cx="1578789" cy="1589108"/>
-          </a:xfrm>
-        </p:grpSpPr>
-        <p:sp>
-          <p:nvSpPr>
-            <p:cNvPr id="72" name="Rectangle 71">
-              <a:extLst>
-                <a:ext uri="{FF2B5EF4-FFF2-40B4-BE49-F238E27FC236}">
-                  <a16:creationId xmlns:a16="http://schemas.microsoft.com/office/drawing/2014/main" id="{9F48D6EB-8C9A-D542-83CC-B3002C354E51}"/>
-                </a:ext>
-              </a:extLst>
-            </p:cNvPr>
-            <p:cNvSpPr/>
-            <p:nvPr/>
-          </p:nvSpPr>
-          <p:spPr>
-            <a:xfrm>
-              <a:off x="7051593" y="1414885"/>
-              <a:ext cx="1578789" cy="1589108"/>
-            </a:xfrm>
-            <a:prstGeom prst="rect">
-              <a:avLst/>
-            </a:prstGeom>
-            <a:solidFill>
-              <a:schemeClr val="bg1"/>
-            </a:solidFill>
-            <a:ln>
-              <a:solidFill>
-                <a:schemeClr val="accent1">
-                  <a:lumMod val="60000"/>
-                  <a:lumOff val="40000"/>
+                <a:schemeClr val="bg2">
+                  <a:lumMod val="50000"/>
                 </a:schemeClr>
               </a:solidFill>
             </a:ln>
@@ -4194,7 +3104,7 @@
             <a:p>
               <a:pPr algn="ctr"/>
               <a:r>
-                <a:rPr lang="en-US" dirty="0">
+                <a:rPr lang="en-US" sz="2000" dirty="0">
                   <a:solidFill>
                     <a:schemeClr val="tx1"/>
                   </a:solidFill>
@@ -4206,10 +3116,10 @@
         </p:sp>
         <p:pic>
           <p:nvPicPr>
-            <p:cNvPr id="73" name="Picture 72" descr="A picture containing animal&#10;&#10;Description automatically generated">
+            <p:cNvPr id="110" name="Picture 109">
               <a:extLst>
                 <a:ext uri="{FF2B5EF4-FFF2-40B4-BE49-F238E27FC236}">
-                  <a16:creationId xmlns:a16="http://schemas.microsoft.com/office/drawing/2014/main" id="{12BF341C-1D7B-A842-BEF6-E73B7E37580A}"/>
+                  <a16:creationId xmlns:a16="http://schemas.microsoft.com/office/drawing/2014/main" id="{F41836A5-3C4D-AD4E-8D8E-88E59B0B68B7}"/>
                 </a:ext>
               </a:extLst>
             </p:cNvPr>
@@ -4220,14 +3130,13 @@
           </p:nvPicPr>
           <p:blipFill>
             <a:blip r:embed="rId2"/>
-            <a:stretch>
-              <a:fillRect/>
-            </a:stretch>
+            <a:srcRect/>
+            <a:stretch/>
           </p:blipFill>
           <p:spPr>
             <a:xfrm>
-              <a:off x="7132560" y="2044673"/>
-              <a:ext cx="1442042" cy="888214"/>
+              <a:off x="6455775" y="1778691"/>
+              <a:ext cx="2155395" cy="1142038"/>
             </a:xfrm>
             <a:prstGeom prst="rect">
               <a:avLst/>
@@ -4240,10 +3149,10 @@
       </p:grpSp>
       <p:sp>
         <p:nvSpPr>
-          <p:cNvPr id="86" name="Rectangle 85">
+          <p:cNvPr id="111" name="Rectangle 110">
             <a:extLst>
               <a:ext uri="{FF2B5EF4-FFF2-40B4-BE49-F238E27FC236}">
-                <a16:creationId xmlns:a16="http://schemas.microsoft.com/office/drawing/2014/main" id="{2D9A4528-D527-7940-84BE-D4843B959BD9}"/>
+                <a16:creationId xmlns:a16="http://schemas.microsoft.com/office/drawing/2014/main" id="{F2582177-1F3B-5348-A4F1-1AFACC92E93F}"/>
               </a:ext>
             </a:extLst>
           </p:cNvPr>
@@ -4252,8 +3161,8 @@
         </p:nvSpPr>
         <p:spPr>
           <a:xfrm>
-            <a:off x="3798111" y="822061"/>
-            <a:ext cx="1496874" cy="449222"/>
+            <a:off x="3337802" y="4731528"/>
+            <a:ext cx="2358569" cy="449222"/>
           </a:xfrm>
           <a:prstGeom prst="rect">
             <a:avLst/>
@@ -4263,9 +3172,8 @@
           </a:solidFill>
           <a:ln>
             <a:solidFill>
-              <a:schemeClr val="accent1">
-                <a:lumMod val="40000"/>
-                <a:lumOff val="60000"/>
+              <a:schemeClr val="bg2">
+                <a:lumMod val="50000"/>
               </a:schemeClr>
             </a:solidFill>
           </a:ln>
@@ -4297,36 +3205,1884 @@
           <a:p>
             <a:pPr algn="ctr"/>
             <a:r>
-              <a:rPr lang="en-US" dirty="0">
+              <a:rPr lang="en-US" sz="2000" dirty="0">
                 <a:solidFill>
                   <a:schemeClr val="tx1"/>
                 </a:solidFill>
               </a:rPr>
-              <a:t>input noise z</a:t>
+              <a:t>noise z</a:t>
+            </a:r>
+          </a:p>
+        </p:txBody>
+      </p:sp>
+      <p:grpSp>
+        <p:nvGrpSpPr>
+          <p:cNvPr id="139" name="Group 138">
+            <a:extLst>
+              <a:ext uri="{FF2B5EF4-FFF2-40B4-BE49-F238E27FC236}">
+                <a16:creationId xmlns:a16="http://schemas.microsoft.com/office/drawing/2014/main" id="{39AB80D6-19EB-4448-9A2C-006FD8E6963C}"/>
+              </a:ext>
+            </a:extLst>
+          </p:cNvPr>
+          <p:cNvGrpSpPr/>
+          <p:nvPr/>
+        </p:nvGrpSpPr>
+        <p:grpSpPr>
+          <a:xfrm>
+            <a:off x="6527521" y="1058405"/>
+            <a:ext cx="2358571" cy="2497596"/>
+            <a:chOff x="2289605" y="2713677"/>
+            <a:chExt cx="2358571" cy="2497596"/>
+          </a:xfrm>
+        </p:grpSpPr>
+        <p:sp>
+          <p:nvSpPr>
+            <p:cNvPr id="117" name="Rectangle 116">
+              <a:extLst>
+                <a:ext uri="{FF2B5EF4-FFF2-40B4-BE49-F238E27FC236}">
+                  <a16:creationId xmlns:a16="http://schemas.microsoft.com/office/drawing/2014/main" id="{070EDE61-4F7F-0542-BB8F-F475675FD96C}"/>
+                </a:ext>
+              </a:extLst>
+            </p:cNvPr>
+            <p:cNvSpPr/>
+            <p:nvPr/>
+          </p:nvSpPr>
+          <p:spPr>
+            <a:xfrm>
+              <a:off x="2289605" y="2713677"/>
+              <a:ext cx="2358571" cy="2497596"/>
+            </a:xfrm>
+            <a:prstGeom prst="rect">
+              <a:avLst/>
+            </a:prstGeom>
+            <a:solidFill>
+              <a:schemeClr val="accent1">
+                <a:lumMod val="20000"/>
+                <a:lumOff val="80000"/>
+              </a:schemeClr>
+            </a:solidFill>
+            <a:ln>
+              <a:solidFill>
+                <a:schemeClr val="accent1">
+                  <a:lumMod val="60000"/>
+                  <a:lumOff val="40000"/>
+                </a:schemeClr>
+              </a:solidFill>
+            </a:ln>
+          </p:spPr>
+          <p:style>
+            <a:lnRef idx="2">
+              <a:schemeClr val="accent1">
+                <a:shade val="50000"/>
+              </a:schemeClr>
+            </a:lnRef>
+            <a:fillRef idx="1">
+              <a:schemeClr val="accent1"/>
+            </a:fillRef>
+            <a:effectRef idx="0">
+              <a:schemeClr val="accent1"/>
+            </a:effectRef>
+            <a:fontRef idx="minor">
+              <a:schemeClr val="lt1"/>
+            </a:fontRef>
+          </p:style>
+          <p:txBody>
+            <a:bodyPr rtlCol="0" anchor="t"/>
+            <a:lstStyle/>
+            <a:p>
+              <a:pPr algn="ctr"/>
+              <a:r>
+                <a:rPr lang="en-US" sz="2000" dirty="0">
+                  <a:solidFill>
+                    <a:schemeClr val="tx1"/>
+                  </a:solidFill>
+                </a:rPr>
+                <a:t>pre-processing</a:t>
+              </a:r>
+            </a:p>
+          </p:txBody>
+        </p:sp>
+        <p:sp>
+          <p:nvSpPr>
+            <p:cNvPr id="118" name="Rectangle 117">
+              <a:extLst>
+                <a:ext uri="{FF2B5EF4-FFF2-40B4-BE49-F238E27FC236}">
+                  <a16:creationId xmlns:a16="http://schemas.microsoft.com/office/drawing/2014/main" id="{E334912C-2564-254F-BD5E-5AC3842D9FF2}"/>
+                </a:ext>
+              </a:extLst>
+            </p:cNvPr>
+            <p:cNvSpPr/>
+            <p:nvPr/>
+          </p:nvSpPr>
+          <p:spPr>
+            <a:xfrm>
+              <a:off x="2627085" y="3186987"/>
+              <a:ext cx="1683613" cy="496094"/>
+            </a:xfrm>
+            <a:prstGeom prst="rect">
+              <a:avLst/>
+            </a:prstGeom>
+            <a:solidFill>
+              <a:schemeClr val="accent2"/>
+            </a:solidFill>
+          </p:spPr>
+          <p:style>
+            <a:lnRef idx="2">
+              <a:schemeClr val="accent1">
+                <a:shade val="50000"/>
+              </a:schemeClr>
+            </a:lnRef>
+            <a:fillRef idx="1">
+              <a:schemeClr val="accent1"/>
+            </a:fillRef>
+            <a:effectRef idx="0">
+              <a:schemeClr val="accent1"/>
+            </a:effectRef>
+            <a:fontRef idx="minor">
+              <a:schemeClr val="lt1"/>
+            </a:fontRef>
+          </p:style>
+          <p:txBody>
+            <a:bodyPr rot="0" spcFirstLastPara="0" vertOverflow="overflow" horzOverflow="overflow" vert="horz" wrap="square" lIns="95991" tIns="47995" rIns="95991" bIns="47995" numCol="1" spcCol="0" rtlCol="0" fromWordArt="0" anchor="ctr" anchorCtr="0" forceAA="0" compatLnSpc="1">
+              <a:prstTxWarp prst="textNoShape">
+                <a:avLst/>
+              </a:prstTxWarp>
+              <a:noAutofit/>
+            </a:bodyPr>
+            <a:lstStyle/>
+            <a:p>
+              <a:pPr algn="ctr"/>
+              <a:r>
+                <a:rPr lang="en-US" sz="2000" dirty="0"/>
+                <a:t>FFT</a:t>
+              </a:r>
+            </a:p>
+          </p:txBody>
+        </p:sp>
+        <p:sp>
+          <p:nvSpPr>
+            <p:cNvPr id="119" name="Rectangle 118">
+              <a:extLst>
+                <a:ext uri="{FF2B5EF4-FFF2-40B4-BE49-F238E27FC236}">
+                  <a16:creationId xmlns:a16="http://schemas.microsoft.com/office/drawing/2014/main" id="{165183EE-AA8B-B340-AAF6-B86B842E169E}"/>
+                </a:ext>
+              </a:extLst>
+            </p:cNvPr>
+            <p:cNvSpPr/>
+            <p:nvPr/>
+          </p:nvSpPr>
+          <p:spPr>
+            <a:xfrm>
+              <a:off x="2627085" y="3887981"/>
+              <a:ext cx="1683613" cy="496094"/>
+            </a:xfrm>
+            <a:prstGeom prst="rect">
+              <a:avLst/>
+            </a:prstGeom>
+            <a:solidFill>
+              <a:schemeClr val="accent2"/>
+            </a:solidFill>
+          </p:spPr>
+          <p:style>
+            <a:lnRef idx="2">
+              <a:schemeClr val="accent1">
+                <a:shade val="50000"/>
+              </a:schemeClr>
+            </a:lnRef>
+            <a:fillRef idx="1">
+              <a:schemeClr val="accent1"/>
+            </a:fillRef>
+            <a:effectRef idx="0">
+              <a:schemeClr val="accent1"/>
+            </a:effectRef>
+            <a:fontRef idx="minor">
+              <a:schemeClr val="lt1"/>
+            </a:fontRef>
+          </p:style>
+          <p:txBody>
+            <a:bodyPr rot="0" spcFirstLastPara="0" vertOverflow="overflow" horzOverflow="overflow" vert="horz" wrap="square" lIns="95991" tIns="47995" rIns="95991" bIns="47995" numCol="1" spcCol="0" rtlCol="0" fromWordArt="0" anchor="ctr" anchorCtr="0" forceAA="0" compatLnSpc="1">
+              <a:prstTxWarp prst="textNoShape">
+                <a:avLst/>
+              </a:prstTxWarp>
+              <a:noAutofit/>
+            </a:bodyPr>
+            <a:lstStyle/>
+            <a:p>
+              <a:pPr algn="ctr"/>
+              <a:r>
+                <a:rPr lang="en-US" sz="2000" dirty="0"/>
+                <a:t>reshape</a:t>
+              </a:r>
+            </a:p>
+          </p:txBody>
+        </p:sp>
+        <p:sp>
+          <p:nvSpPr>
+            <p:cNvPr id="120" name="Rectangle 119">
+              <a:extLst>
+                <a:ext uri="{FF2B5EF4-FFF2-40B4-BE49-F238E27FC236}">
+                  <a16:creationId xmlns:a16="http://schemas.microsoft.com/office/drawing/2014/main" id="{A65AA683-1A34-7249-A7B4-2E213BF61686}"/>
+                </a:ext>
+              </a:extLst>
+            </p:cNvPr>
+            <p:cNvSpPr/>
+            <p:nvPr/>
+          </p:nvSpPr>
+          <p:spPr>
+            <a:xfrm>
+              <a:off x="2627086" y="4588975"/>
+              <a:ext cx="1683612" cy="496094"/>
+            </a:xfrm>
+            <a:prstGeom prst="rect">
+              <a:avLst/>
+            </a:prstGeom>
+          </p:spPr>
+          <p:style>
+            <a:lnRef idx="2">
+              <a:schemeClr val="accent1">
+                <a:shade val="50000"/>
+              </a:schemeClr>
+            </a:lnRef>
+            <a:fillRef idx="1">
+              <a:schemeClr val="accent1"/>
+            </a:fillRef>
+            <a:effectRef idx="0">
+              <a:schemeClr val="accent1"/>
+            </a:effectRef>
+            <a:fontRef idx="minor">
+              <a:schemeClr val="lt1"/>
+            </a:fontRef>
+          </p:style>
+          <p:txBody>
+            <a:bodyPr rot="0" spcFirstLastPara="0" vertOverflow="overflow" horzOverflow="overflow" vert="horz" wrap="square" lIns="95991" tIns="47995" rIns="95991" bIns="47995" numCol="1" spcCol="0" rtlCol="0" fromWordArt="0" anchor="ctr" anchorCtr="0" forceAA="0" compatLnSpc="1">
+              <a:prstTxWarp prst="textNoShape">
+                <a:avLst/>
+              </a:prstTxWarp>
+              <a:noAutofit/>
+            </a:bodyPr>
+            <a:lstStyle/>
+            <a:p>
+              <a:pPr algn="ctr"/>
+              <a:r>
+                <a:rPr lang="en-US" sz="2000" dirty="0"/>
+                <a:t>scale</a:t>
+              </a:r>
+            </a:p>
+          </p:txBody>
+        </p:sp>
+        <p:cxnSp>
+          <p:nvCxnSpPr>
+            <p:cNvPr id="124" name="Straight Arrow Connector 123">
+              <a:extLst>
+                <a:ext uri="{FF2B5EF4-FFF2-40B4-BE49-F238E27FC236}">
+                  <a16:creationId xmlns:a16="http://schemas.microsoft.com/office/drawing/2014/main" id="{A48A2C67-7432-734C-B4C3-458C3ABA3627}"/>
+                </a:ext>
+              </a:extLst>
+            </p:cNvPr>
+            <p:cNvCxnSpPr>
+              <a:cxnSpLocks/>
+              <a:stCxn id="118" idx="2"/>
+              <a:endCxn id="119" idx="0"/>
+            </p:cNvCxnSpPr>
+            <p:nvPr/>
+          </p:nvCxnSpPr>
+          <p:spPr>
+            <a:xfrm>
+              <a:off x="3468892" y="3683081"/>
+              <a:ext cx="0" cy="204900"/>
+            </a:xfrm>
+            <a:prstGeom prst="straightConnector1">
+              <a:avLst/>
+            </a:prstGeom>
+            <a:ln>
+              <a:tailEnd type="triangle"/>
+            </a:ln>
+          </p:spPr>
+          <p:style>
+            <a:lnRef idx="1">
+              <a:schemeClr val="accent1"/>
+            </a:lnRef>
+            <a:fillRef idx="0">
+              <a:schemeClr val="accent1"/>
+            </a:fillRef>
+            <a:effectRef idx="0">
+              <a:schemeClr val="accent1"/>
+            </a:effectRef>
+            <a:fontRef idx="minor">
+              <a:schemeClr val="tx1"/>
+            </a:fontRef>
+          </p:style>
+        </p:cxnSp>
+        <p:cxnSp>
+          <p:nvCxnSpPr>
+            <p:cNvPr id="130" name="Straight Arrow Connector 129">
+              <a:extLst>
+                <a:ext uri="{FF2B5EF4-FFF2-40B4-BE49-F238E27FC236}">
+                  <a16:creationId xmlns:a16="http://schemas.microsoft.com/office/drawing/2014/main" id="{539F909E-E3C8-3141-94B0-A7AAE2D120E6}"/>
+                </a:ext>
+              </a:extLst>
+            </p:cNvPr>
+            <p:cNvCxnSpPr>
+              <a:cxnSpLocks/>
+              <a:stCxn id="119" idx="2"/>
+              <a:endCxn id="120" idx="0"/>
+            </p:cNvCxnSpPr>
+            <p:nvPr/>
+          </p:nvCxnSpPr>
+          <p:spPr>
+            <a:xfrm>
+              <a:off x="3468892" y="4384075"/>
+              <a:ext cx="0" cy="204900"/>
+            </a:xfrm>
+            <a:prstGeom prst="straightConnector1">
+              <a:avLst/>
+            </a:prstGeom>
+            <a:ln>
+              <a:tailEnd type="triangle"/>
+            </a:ln>
+          </p:spPr>
+          <p:style>
+            <a:lnRef idx="1">
+              <a:schemeClr val="accent1"/>
+            </a:lnRef>
+            <a:fillRef idx="0">
+              <a:schemeClr val="accent1"/>
+            </a:fillRef>
+            <a:effectRef idx="0">
+              <a:schemeClr val="accent1"/>
+            </a:effectRef>
+            <a:fontRef idx="minor">
+              <a:schemeClr val="tx1"/>
+            </a:fontRef>
+          </p:style>
+        </p:cxnSp>
+      </p:grpSp>
+      <p:sp>
+        <p:nvSpPr>
+          <p:cNvPr id="140" name="Rectangle 139">
+            <a:extLst>
+              <a:ext uri="{FF2B5EF4-FFF2-40B4-BE49-F238E27FC236}">
+                <a16:creationId xmlns:a16="http://schemas.microsoft.com/office/drawing/2014/main" id="{1A9F57F7-19AD-A841-B828-E8D3466FCC13}"/>
+              </a:ext>
+            </a:extLst>
+          </p:cNvPr>
+          <p:cNvSpPr/>
+          <p:nvPr/>
+        </p:nvSpPr>
+        <p:spPr>
+          <a:xfrm>
+            <a:off x="6527520" y="3848076"/>
+            <a:ext cx="2358569" cy="449222"/>
+          </a:xfrm>
+          <a:prstGeom prst="rect">
+            <a:avLst/>
+          </a:prstGeom>
+          <a:solidFill>
+            <a:schemeClr val="bg1"/>
+          </a:solidFill>
+          <a:ln>
+            <a:solidFill>
+              <a:schemeClr val="bg2">
+                <a:lumMod val="50000"/>
+              </a:schemeClr>
+            </a:solidFill>
+          </a:ln>
+        </p:spPr>
+        <p:style>
+          <a:lnRef idx="2">
+            <a:schemeClr val="accent1">
+              <a:shade val="50000"/>
+            </a:schemeClr>
+          </a:lnRef>
+          <a:fillRef idx="1">
+            <a:schemeClr val="accent1"/>
+          </a:fillRef>
+          <a:effectRef idx="0">
+            <a:schemeClr val="accent1"/>
+          </a:effectRef>
+          <a:fontRef idx="minor">
+            <a:schemeClr val="lt1"/>
+          </a:fontRef>
+        </p:style>
+        <p:txBody>
+          <a:bodyPr rot="0" spcFirstLastPara="0" vertOverflow="overflow" horzOverflow="overflow" vert="horz" wrap="square" lIns="95991" tIns="46800" rIns="95991" bIns="46800" numCol="1" spcCol="0" rtlCol="0" fromWordArt="0" anchor="ctr" anchorCtr="0" forceAA="0" compatLnSpc="1">
+            <a:prstTxWarp prst="textNoShape">
+              <a:avLst/>
+            </a:prstTxWarp>
+            <a:noAutofit/>
+          </a:bodyPr>
+          <a:lstStyle/>
+          <a:p>
+            <a:pPr algn="ctr"/>
+            <a:r>
+              <a:rPr lang="en-US" sz="2000" dirty="0">
+                <a:solidFill>
+                  <a:schemeClr val="tx1"/>
+                </a:solidFill>
+              </a:rPr>
+              <a:t>input x</a:t>
+            </a:r>
+          </a:p>
+        </p:txBody>
+      </p:sp>
+      <p:grpSp>
+        <p:nvGrpSpPr>
+          <p:cNvPr id="154" name="Group 153">
+            <a:extLst>
+              <a:ext uri="{FF2B5EF4-FFF2-40B4-BE49-F238E27FC236}">
+                <a16:creationId xmlns:a16="http://schemas.microsoft.com/office/drawing/2014/main" id="{5AB950B2-3A55-9E47-93BE-9805FA86F12E}"/>
+              </a:ext>
+            </a:extLst>
+          </p:cNvPr>
+          <p:cNvGrpSpPr/>
+          <p:nvPr/>
+        </p:nvGrpSpPr>
+        <p:grpSpPr>
+          <a:xfrm>
+            <a:off x="6527521" y="7497791"/>
+            <a:ext cx="2358571" cy="2497596"/>
+            <a:chOff x="2289605" y="2713677"/>
+            <a:chExt cx="2358571" cy="2497596"/>
+          </a:xfrm>
+        </p:grpSpPr>
+        <p:sp>
+          <p:nvSpPr>
+            <p:cNvPr id="155" name="Rectangle 154">
+              <a:extLst>
+                <a:ext uri="{FF2B5EF4-FFF2-40B4-BE49-F238E27FC236}">
+                  <a16:creationId xmlns:a16="http://schemas.microsoft.com/office/drawing/2014/main" id="{5ED57CD2-3390-A240-B048-59A5E613F069}"/>
+                </a:ext>
+              </a:extLst>
+            </p:cNvPr>
+            <p:cNvSpPr/>
+            <p:nvPr/>
+          </p:nvSpPr>
+          <p:spPr>
+            <a:xfrm>
+              <a:off x="2289605" y="2713677"/>
+              <a:ext cx="2358571" cy="2497596"/>
+            </a:xfrm>
+            <a:prstGeom prst="rect">
+              <a:avLst/>
+            </a:prstGeom>
+            <a:solidFill>
+              <a:schemeClr val="accent1">
+                <a:lumMod val="20000"/>
+                <a:lumOff val="80000"/>
+              </a:schemeClr>
+            </a:solidFill>
+            <a:ln>
+              <a:solidFill>
+                <a:schemeClr val="accent1">
+                  <a:lumMod val="60000"/>
+                  <a:lumOff val="40000"/>
+                </a:schemeClr>
+              </a:solidFill>
+            </a:ln>
+          </p:spPr>
+          <p:style>
+            <a:lnRef idx="2">
+              <a:schemeClr val="accent1">
+                <a:shade val="50000"/>
+              </a:schemeClr>
+            </a:lnRef>
+            <a:fillRef idx="1">
+              <a:schemeClr val="accent1"/>
+            </a:fillRef>
+            <a:effectRef idx="0">
+              <a:schemeClr val="accent1"/>
+            </a:effectRef>
+            <a:fontRef idx="minor">
+              <a:schemeClr val="lt1"/>
+            </a:fontRef>
+          </p:style>
+          <p:txBody>
+            <a:bodyPr rtlCol="0" anchor="t"/>
+            <a:lstStyle/>
+            <a:p>
+              <a:pPr algn="ctr"/>
+              <a:r>
+                <a:rPr lang="en-US" sz="2000" dirty="0">
+                  <a:solidFill>
+                    <a:schemeClr val="tx1"/>
+                  </a:solidFill>
+                </a:rPr>
+                <a:t>post-processing</a:t>
+              </a:r>
+            </a:p>
+          </p:txBody>
+        </p:sp>
+        <p:sp>
+          <p:nvSpPr>
+            <p:cNvPr id="156" name="Rectangle 155">
+              <a:extLst>
+                <a:ext uri="{FF2B5EF4-FFF2-40B4-BE49-F238E27FC236}">
+                  <a16:creationId xmlns:a16="http://schemas.microsoft.com/office/drawing/2014/main" id="{CF2D2C1B-FFD6-3940-A8B7-46991CD383C7}"/>
+                </a:ext>
+              </a:extLst>
+            </p:cNvPr>
+            <p:cNvSpPr/>
+            <p:nvPr/>
+          </p:nvSpPr>
+          <p:spPr>
+            <a:xfrm>
+              <a:off x="2627085" y="3186987"/>
+              <a:ext cx="1683613" cy="496094"/>
+            </a:xfrm>
+            <a:prstGeom prst="rect">
+              <a:avLst/>
+            </a:prstGeom>
+            <a:solidFill>
+              <a:schemeClr val="accent1"/>
+            </a:solidFill>
+          </p:spPr>
+          <p:style>
+            <a:lnRef idx="2">
+              <a:schemeClr val="accent1">
+                <a:shade val="50000"/>
+              </a:schemeClr>
+            </a:lnRef>
+            <a:fillRef idx="1">
+              <a:schemeClr val="accent1"/>
+            </a:fillRef>
+            <a:effectRef idx="0">
+              <a:schemeClr val="accent1"/>
+            </a:effectRef>
+            <a:fontRef idx="minor">
+              <a:schemeClr val="lt1"/>
+            </a:fontRef>
+          </p:style>
+          <p:txBody>
+            <a:bodyPr rot="0" spcFirstLastPara="0" vertOverflow="overflow" horzOverflow="overflow" vert="horz" wrap="square" lIns="95991" tIns="47995" rIns="95991" bIns="47995" numCol="1" spcCol="0" rtlCol="0" fromWordArt="0" anchor="ctr" anchorCtr="0" forceAA="0" compatLnSpc="1">
+              <a:prstTxWarp prst="textNoShape">
+                <a:avLst/>
+              </a:prstTxWarp>
+              <a:noAutofit/>
+            </a:bodyPr>
+            <a:lstStyle/>
+            <a:p>
+              <a:pPr algn="ctr"/>
+              <a:r>
+                <a:rPr lang="en-US" sz="2000" dirty="0"/>
+                <a:t>rescale</a:t>
+              </a:r>
+            </a:p>
+          </p:txBody>
+        </p:sp>
+        <p:sp>
+          <p:nvSpPr>
+            <p:cNvPr id="157" name="Rectangle 156">
+              <a:extLst>
+                <a:ext uri="{FF2B5EF4-FFF2-40B4-BE49-F238E27FC236}">
+                  <a16:creationId xmlns:a16="http://schemas.microsoft.com/office/drawing/2014/main" id="{D7987183-D22E-364C-9802-F58B5C96DAC7}"/>
+                </a:ext>
+              </a:extLst>
+            </p:cNvPr>
+            <p:cNvSpPr/>
+            <p:nvPr/>
+          </p:nvSpPr>
+          <p:spPr>
+            <a:xfrm>
+              <a:off x="2627085" y="3887981"/>
+              <a:ext cx="1683613" cy="496094"/>
+            </a:xfrm>
+            <a:prstGeom prst="rect">
+              <a:avLst/>
+            </a:prstGeom>
+            <a:solidFill>
+              <a:schemeClr val="accent2"/>
+            </a:solidFill>
+          </p:spPr>
+          <p:style>
+            <a:lnRef idx="2">
+              <a:schemeClr val="accent1">
+                <a:shade val="50000"/>
+              </a:schemeClr>
+            </a:lnRef>
+            <a:fillRef idx="1">
+              <a:schemeClr val="accent1"/>
+            </a:fillRef>
+            <a:effectRef idx="0">
+              <a:schemeClr val="accent1"/>
+            </a:effectRef>
+            <a:fontRef idx="minor">
+              <a:schemeClr val="lt1"/>
+            </a:fontRef>
+          </p:style>
+          <p:txBody>
+            <a:bodyPr rot="0" spcFirstLastPara="0" vertOverflow="overflow" horzOverflow="overflow" vert="horz" wrap="square" lIns="95991" tIns="47995" rIns="95991" bIns="47995" numCol="1" spcCol="0" rtlCol="0" fromWordArt="0" anchor="ctr" anchorCtr="0" forceAA="0" compatLnSpc="1">
+              <a:prstTxWarp prst="textNoShape">
+                <a:avLst/>
+              </a:prstTxWarp>
+              <a:noAutofit/>
+            </a:bodyPr>
+            <a:lstStyle/>
+            <a:p>
+              <a:pPr algn="ctr"/>
+              <a:r>
+                <a:rPr lang="en-US" sz="2000" dirty="0"/>
+                <a:t>reshape</a:t>
+              </a:r>
+            </a:p>
+          </p:txBody>
+        </p:sp>
+        <p:sp>
+          <p:nvSpPr>
+            <p:cNvPr id="158" name="Rectangle 157">
+              <a:extLst>
+                <a:ext uri="{FF2B5EF4-FFF2-40B4-BE49-F238E27FC236}">
+                  <a16:creationId xmlns:a16="http://schemas.microsoft.com/office/drawing/2014/main" id="{6C4C4B59-7C11-E048-97F6-BFD91CD3EDC5}"/>
+                </a:ext>
+              </a:extLst>
+            </p:cNvPr>
+            <p:cNvSpPr/>
+            <p:nvPr/>
+          </p:nvSpPr>
+          <p:spPr>
+            <a:xfrm>
+              <a:off x="2627086" y="4588975"/>
+              <a:ext cx="1683612" cy="496094"/>
+            </a:xfrm>
+            <a:prstGeom prst="rect">
+              <a:avLst/>
+            </a:prstGeom>
+            <a:solidFill>
+              <a:schemeClr val="accent2"/>
+            </a:solidFill>
+          </p:spPr>
+          <p:style>
+            <a:lnRef idx="2">
+              <a:schemeClr val="accent1">
+                <a:shade val="50000"/>
+              </a:schemeClr>
+            </a:lnRef>
+            <a:fillRef idx="1">
+              <a:schemeClr val="accent1"/>
+            </a:fillRef>
+            <a:effectRef idx="0">
+              <a:schemeClr val="accent1"/>
+            </a:effectRef>
+            <a:fontRef idx="minor">
+              <a:schemeClr val="lt1"/>
+            </a:fontRef>
+          </p:style>
+          <p:txBody>
+            <a:bodyPr rot="0" spcFirstLastPara="0" vertOverflow="overflow" horzOverflow="overflow" vert="horz" wrap="square" lIns="95991" tIns="47995" rIns="95991" bIns="47995" numCol="1" spcCol="0" rtlCol="0" fromWordArt="0" anchor="ctr" anchorCtr="0" forceAA="0" compatLnSpc="1">
+              <a:prstTxWarp prst="textNoShape">
+                <a:avLst/>
+              </a:prstTxWarp>
+              <a:noAutofit/>
+            </a:bodyPr>
+            <a:lstStyle/>
+            <a:p>
+              <a:pPr algn="ctr"/>
+              <a:r>
+                <a:rPr lang="en-US" sz="2000" dirty="0" err="1"/>
+                <a:t>iFFT</a:t>
+              </a:r>
+              <a:endParaRPr lang="en-US" sz="2000" dirty="0"/>
+            </a:p>
+          </p:txBody>
+        </p:sp>
+        <p:cxnSp>
+          <p:nvCxnSpPr>
+            <p:cNvPr id="159" name="Straight Arrow Connector 158">
+              <a:extLst>
+                <a:ext uri="{FF2B5EF4-FFF2-40B4-BE49-F238E27FC236}">
+                  <a16:creationId xmlns:a16="http://schemas.microsoft.com/office/drawing/2014/main" id="{0456C58B-2E89-C944-8749-E11197B565AF}"/>
+                </a:ext>
+              </a:extLst>
+            </p:cNvPr>
+            <p:cNvCxnSpPr>
+              <a:cxnSpLocks/>
+              <a:stCxn id="156" idx="2"/>
+              <a:endCxn id="157" idx="0"/>
+            </p:cNvCxnSpPr>
+            <p:nvPr/>
+          </p:nvCxnSpPr>
+          <p:spPr>
+            <a:xfrm>
+              <a:off x="3468892" y="3683081"/>
+              <a:ext cx="0" cy="204900"/>
+            </a:xfrm>
+            <a:prstGeom prst="straightConnector1">
+              <a:avLst/>
+            </a:prstGeom>
+            <a:ln>
+              <a:tailEnd type="triangle"/>
+            </a:ln>
+          </p:spPr>
+          <p:style>
+            <a:lnRef idx="1">
+              <a:schemeClr val="accent1"/>
+            </a:lnRef>
+            <a:fillRef idx="0">
+              <a:schemeClr val="accent1"/>
+            </a:fillRef>
+            <a:effectRef idx="0">
+              <a:schemeClr val="accent1"/>
+            </a:effectRef>
+            <a:fontRef idx="minor">
+              <a:schemeClr val="tx1"/>
+            </a:fontRef>
+          </p:style>
+        </p:cxnSp>
+        <p:cxnSp>
+          <p:nvCxnSpPr>
+            <p:cNvPr id="160" name="Straight Arrow Connector 159">
+              <a:extLst>
+                <a:ext uri="{FF2B5EF4-FFF2-40B4-BE49-F238E27FC236}">
+                  <a16:creationId xmlns:a16="http://schemas.microsoft.com/office/drawing/2014/main" id="{BF9C7DE9-ADFC-2848-8CA0-3C2E6BA2D43B}"/>
+                </a:ext>
+              </a:extLst>
+            </p:cNvPr>
+            <p:cNvCxnSpPr>
+              <a:cxnSpLocks/>
+              <a:stCxn id="157" idx="2"/>
+              <a:endCxn id="158" idx="0"/>
+            </p:cNvCxnSpPr>
+            <p:nvPr/>
+          </p:nvCxnSpPr>
+          <p:spPr>
+            <a:xfrm>
+              <a:off x="3468892" y="4384075"/>
+              <a:ext cx="0" cy="204900"/>
+            </a:xfrm>
+            <a:prstGeom prst="straightConnector1">
+              <a:avLst/>
+            </a:prstGeom>
+            <a:ln>
+              <a:tailEnd type="triangle"/>
+            </a:ln>
+          </p:spPr>
+          <p:style>
+            <a:lnRef idx="1">
+              <a:schemeClr val="accent1"/>
+            </a:lnRef>
+            <a:fillRef idx="0">
+              <a:schemeClr val="accent1"/>
+            </a:fillRef>
+            <a:effectRef idx="0">
+              <a:schemeClr val="accent1"/>
+            </a:effectRef>
+            <a:fontRef idx="minor">
+              <a:schemeClr val="tx1"/>
+            </a:fontRef>
+          </p:style>
+        </p:cxnSp>
+      </p:grpSp>
+      <p:grpSp>
+        <p:nvGrpSpPr>
+          <p:cNvPr id="161" name="Group 160">
+            <a:extLst>
+              <a:ext uri="{FF2B5EF4-FFF2-40B4-BE49-F238E27FC236}">
+                <a16:creationId xmlns:a16="http://schemas.microsoft.com/office/drawing/2014/main" id="{8FACB73E-1989-8A4B-B971-A71A25932B18}"/>
+              </a:ext>
+            </a:extLst>
+          </p:cNvPr>
+          <p:cNvGrpSpPr/>
+          <p:nvPr/>
+        </p:nvGrpSpPr>
+        <p:grpSpPr>
+          <a:xfrm>
+            <a:off x="3337792" y="171579"/>
+            <a:ext cx="2358570" cy="1589108"/>
+            <a:chOff x="6354187" y="1414885"/>
+            <a:chExt cx="2358570" cy="1589108"/>
+          </a:xfrm>
+        </p:grpSpPr>
+        <p:sp>
+          <p:nvSpPr>
+            <p:cNvPr id="162" name="Rectangle 161">
+              <a:extLst>
+                <a:ext uri="{FF2B5EF4-FFF2-40B4-BE49-F238E27FC236}">
+                  <a16:creationId xmlns:a16="http://schemas.microsoft.com/office/drawing/2014/main" id="{7C8C97C8-61C2-7547-9CDB-D8291B8D8536}"/>
+                </a:ext>
+              </a:extLst>
+            </p:cNvPr>
+            <p:cNvSpPr/>
+            <p:nvPr/>
+          </p:nvSpPr>
+          <p:spPr>
+            <a:xfrm>
+              <a:off x="6354187" y="1414885"/>
+              <a:ext cx="2358570" cy="1589108"/>
+            </a:xfrm>
+            <a:prstGeom prst="rect">
+              <a:avLst/>
+            </a:prstGeom>
+            <a:solidFill>
+              <a:schemeClr val="bg1"/>
+            </a:solidFill>
+            <a:ln>
+              <a:solidFill>
+                <a:schemeClr val="bg2">
+                  <a:lumMod val="50000"/>
+                </a:schemeClr>
+              </a:solidFill>
+            </a:ln>
+          </p:spPr>
+          <p:style>
+            <a:lnRef idx="2">
+              <a:schemeClr val="accent1">
+                <a:shade val="50000"/>
+              </a:schemeClr>
+            </a:lnRef>
+            <a:fillRef idx="1">
+              <a:schemeClr val="accent1"/>
+            </a:fillRef>
+            <a:effectRef idx="0">
+              <a:schemeClr val="accent1"/>
+            </a:effectRef>
+            <a:fontRef idx="minor">
+              <a:schemeClr val="lt1"/>
+            </a:fontRef>
+          </p:style>
+          <p:txBody>
+            <a:bodyPr rot="0" spcFirstLastPara="0" vertOverflow="overflow" horzOverflow="overflow" vert="horz" wrap="square" lIns="95991" tIns="46800" rIns="95991" bIns="46800" numCol="1" spcCol="0" rtlCol="0" fromWordArt="0" anchor="t" anchorCtr="0" forceAA="0" compatLnSpc="1">
+              <a:prstTxWarp prst="textNoShape">
+                <a:avLst/>
+              </a:prstTxWarp>
+              <a:noAutofit/>
+            </a:bodyPr>
+            <a:lstStyle/>
+            <a:p>
+              <a:pPr algn="ctr"/>
+              <a:r>
+                <a:rPr lang="en-US" sz="2000" dirty="0">
+                  <a:solidFill>
+                    <a:schemeClr val="tx1"/>
+                  </a:solidFill>
+                </a:rPr>
+                <a:t>recorded signals</a:t>
+              </a:r>
+            </a:p>
+          </p:txBody>
+        </p:sp>
+        <p:pic>
+          <p:nvPicPr>
+            <p:cNvPr id="163" name="Picture 162">
+              <a:extLst>
+                <a:ext uri="{FF2B5EF4-FFF2-40B4-BE49-F238E27FC236}">
+                  <a16:creationId xmlns:a16="http://schemas.microsoft.com/office/drawing/2014/main" id="{E1269203-AEE8-5E43-A5F9-7A6FE78CAC44}"/>
+                </a:ext>
+              </a:extLst>
+            </p:cNvPr>
+            <p:cNvPicPr>
+              <a:picLocks noChangeAspect="1"/>
+            </p:cNvPicPr>
+            <p:nvPr/>
+          </p:nvPicPr>
+          <p:blipFill>
+            <a:blip r:embed="rId3"/>
+            <a:srcRect/>
+            <a:stretch/>
+          </p:blipFill>
+          <p:spPr>
+            <a:xfrm>
+              <a:off x="6455775" y="1778691"/>
+              <a:ext cx="2155395" cy="1142037"/>
+            </a:xfrm>
+            <a:prstGeom prst="rect">
+              <a:avLst/>
+            </a:prstGeom>
+            <a:solidFill>
+              <a:schemeClr val="bg1"/>
+            </a:solidFill>
+          </p:spPr>
+        </p:pic>
+      </p:grpSp>
+      <p:grpSp>
+        <p:nvGrpSpPr>
+          <p:cNvPr id="164" name="Group 163">
+            <a:extLst>
+              <a:ext uri="{FF2B5EF4-FFF2-40B4-BE49-F238E27FC236}">
+                <a16:creationId xmlns:a16="http://schemas.microsoft.com/office/drawing/2014/main" id="{2C4AD131-F369-AA45-BE38-AD35D0905596}"/>
+              </a:ext>
+            </a:extLst>
+          </p:cNvPr>
+          <p:cNvGrpSpPr/>
+          <p:nvPr/>
+        </p:nvGrpSpPr>
+        <p:grpSpPr>
+          <a:xfrm>
+            <a:off x="6527511" y="11078887"/>
+            <a:ext cx="2358570" cy="1589108"/>
+            <a:chOff x="6354187" y="1414885"/>
+            <a:chExt cx="2358570" cy="1589108"/>
+          </a:xfrm>
+        </p:grpSpPr>
+        <p:sp>
+          <p:nvSpPr>
+            <p:cNvPr id="165" name="Rectangle 164">
+              <a:extLst>
+                <a:ext uri="{FF2B5EF4-FFF2-40B4-BE49-F238E27FC236}">
+                  <a16:creationId xmlns:a16="http://schemas.microsoft.com/office/drawing/2014/main" id="{500E63ED-D981-1944-AEA4-8A5BBA374FDD}"/>
+                </a:ext>
+              </a:extLst>
+            </p:cNvPr>
+            <p:cNvSpPr/>
+            <p:nvPr/>
+          </p:nvSpPr>
+          <p:spPr>
+            <a:xfrm>
+              <a:off x="6354187" y="1414885"/>
+              <a:ext cx="2358570" cy="1589108"/>
+            </a:xfrm>
+            <a:prstGeom prst="rect">
+              <a:avLst/>
+            </a:prstGeom>
+            <a:solidFill>
+              <a:schemeClr val="bg1"/>
+            </a:solidFill>
+            <a:ln>
+              <a:solidFill>
+                <a:schemeClr val="bg2">
+                  <a:lumMod val="50000"/>
+                </a:schemeClr>
+              </a:solidFill>
+            </a:ln>
+          </p:spPr>
+          <p:style>
+            <a:lnRef idx="2">
+              <a:schemeClr val="accent1">
+                <a:shade val="50000"/>
+              </a:schemeClr>
+            </a:lnRef>
+            <a:fillRef idx="1">
+              <a:schemeClr val="accent1"/>
+            </a:fillRef>
+            <a:effectRef idx="0">
+              <a:schemeClr val="accent1"/>
+            </a:effectRef>
+            <a:fontRef idx="minor">
+              <a:schemeClr val="lt1"/>
+            </a:fontRef>
+          </p:style>
+          <p:txBody>
+            <a:bodyPr rot="0" spcFirstLastPara="0" vertOverflow="overflow" horzOverflow="overflow" vert="horz" wrap="square" lIns="95991" tIns="46800" rIns="95991" bIns="46800" numCol="1" spcCol="0" rtlCol="0" fromWordArt="0" anchor="t" anchorCtr="0" forceAA="0" compatLnSpc="1">
+              <a:prstTxWarp prst="textNoShape">
+                <a:avLst/>
+              </a:prstTxWarp>
+              <a:noAutofit/>
+            </a:bodyPr>
+            <a:lstStyle/>
+            <a:p>
+              <a:pPr algn="ctr"/>
+              <a:r>
+                <a:rPr lang="en-US" sz="2000" dirty="0">
+                  <a:solidFill>
+                    <a:schemeClr val="tx1"/>
+                  </a:solidFill>
+                </a:rPr>
+                <a:t>synthetic spikes</a:t>
+              </a:r>
+            </a:p>
+          </p:txBody>
+        </p:sp>
+        <p:pic>
+          <p:nvPicPr>
+            <p:cNvPr id="166" name="Picture 165">
+              <a:extLst>
+                <a:ext uri="{FF2B5EF4-FFF2-40B4-BE49-F238E27FC236}">
+                  <a16:creationId xmlns:a16="http://schemas.microsoft.com/office/drawing/2014/main" id="{193822D0-CDB6-9847-B935-38264A33AAF4}"/>
+                </a:ext>
+              </a:extLst>
+            </p:cNvPr>
+            <p:cNvPicPr>
+              <a:picLocks noChangeAspect="1"/>
+            </p:cNvPicPr>
+            <p:nvPr/>
+          </p:nvPicPr>
+          <p:blipFill>
+            <a:blip r:embed="rId4"/>
+            <a:srcRect/>
+            <a:stretch/>
+          </p:blipFill>
+          <p:spPr>
+            <a:xfrm>
+              <a:off x="6455775" y="1778691"/>
+              <a:ext cx="2155395" cy="1142037"/>
+            </a:xfrm>
+            <a:prstGeom prst="rect">
+              <a:avLst/>
+            </a:prstGeom>
+            <a:solidFill>
+              <a:schemeClr val="bg1"/>
+            </a:solidFill>
+          </p:spPr>
+        </p:pic>
+      </p:grpSp>
+      <p:grpSp>
+        <p:nvGrpSpPr>
+          <p:cNvPr id="167" name="Group 166">
+            <a:extLst>
+              <a:ext uri="{FF2B5EF4-FFF2-40B4-BE49-F238E27FC236}">
+                <a16:creationId xmlns:a16="http://schemas.microsoft.com/office/drawing/2014/main" id="{F5C6DFB2-146D-F945-A340-50B24E5C274F}"/>
+              </a:ext>
+            </a:extLst>
+          </p:cNvPr>
+          <p:cNvGrpSpPr/>
+          <p:nvPr/>
+        </p:nvGrpSpPr>
+        <p:grpSpPr>
+          <a:xfrm>
+            <a:off x="148071" y="11078887"/>
+            <a:ext cx="2358570" cy="1589108"/>
+            <a:chOff x="6354187" y="1414885"/>
+            <a:chExt cx="2358570" cy="1589108"/>
+          </a:xfrm>
+        </p:grpSpPr>
+        <p:sp>
+          <p:nvSpPr>
+            <p:cNvPr id="168" name="Rectangle 167">
+              <a:extLst>
+                <a:ext uri="{FF2B5EF4-FFF2-40B4-BE49-F238E27FC236}">
+                  <a16:creationId xmlns:a16="http://schemas.microsoft.com/office/drawing/2014/main" id="{00C2B615-A92D-E24E-8F09-BA198528AD27}"/>
+                </a:ext>
+              </a:extLst>
+            </p:cNvPr>
+            <p:cNvSpPr/>
+            <p:nvPr/>
+          </p:nvSpPr>
+          <p:spPr>
+            <a:xfrm>
+              <a:off x="6354187" y="1414885"/>
+              <a:ext cx="2358570" cy="1589108"/>
+            </a:xfrm>
+            <a:prstGeom prst="rect">
+              <a:avLst/>
+            </a:prstGeom>
+            <a:solidFill>
+              <a:schemeClr val="bg1"/>
+            </a:solidFill>
+            <a:ln>
+              <a:solidFill>
+                <a:schemeClr val="bg2">
+                  <a:lumMod val="50000"/>
+                </a:schemeClr>
+              </a:solidFill>
+            </a:ln>
+          </p:spPr>
+          <p:style>
+            <a:lnRef idx="2">
+              <a:schemeClr val="accent1">
+                <a:shade val="50000"/>
+              </a:schemeClr>
+            </a:lnRef>
+            <a:fillRef idx="1">
+              <a:schemeClr val="accent1"/>
+            </a:fillRef>
+            <a:effectRef idx="0">
+              <a:schemeClr val="accent1"/>
+            </a:effectRef>
+            <a:fontRef idx="minor">
+              <a:schemeClr val="lt1"/>
+            </a:fontRef>
+          </p:style>
+          <p:txBody>
+            <a:bodyPr rot="0" spcFirstLastPara="0" vertOverflow="overflow" horzOverflow="overflow" vert="horz" wrap="square" lIns="95991" tIns="46800" rIns="95991" bIns="46800" numCol="1" spcCol="0" rtlCol="0" fromWordArt="0" anchor="t" anchorCtr="0" forceAA="0" compatLnSpc="1">
+              <a:prstTxWarp prst="textNoShape">
+                <a:avLst/>
+              </a:prstTxWarp>
+              <a:noAutofit/>
+            </a:bodyPr>
+            <a:lstStyle/>
+            <a:p>
+              <a:pPr algn="ctr"/>
+              <a:r>
+                <a:rPr lang="en-US" sz="2000" dirty="0">
+                  <a:solidFill>
+                    <a:schemeClr val="tx1"/>
+                  </a:solidFill>
+                </a:rPr>
+                <a:t>recorded spikes</a:t>
+              </a:r>
+            </a:p>
+          </p:txBody>
+        </p:sp>
+        <p:pic>
+          <p:nvPicPr>
+            <p:cNvPr id="169" name="Picture 168">
+              <a:extLst>
+                <a:ext uri="{FF2B5EF4-FFF2-40B4-BE49-F238E27FC236}">
+                  <a16:creationId xmlns:a16="http://schemas.microsoft.com/office/drawing/2014/main" id="{7B211D9B-213D-2F47-A298-B5CCC2C9E72D}"/>
+                </a:ext>
+              </a:extLst>
+            </p:cNvPr>
+            <p:cNvPicPr>
+              <a:picLocks noChangeAspect="1"/>
+            </p:cNvPicPr>
+            <p:nvPr/>
+          </p:nvPicPr>
+          <p:blipFill>
+            <a:blip r:embed="rId5"/>
+            <a:srcRect/>
+            <a:stretch/>
+          </p:blipFill>
+          <p:spPr>
+            <a:xfrm>
+              <a:off x="6455776" y="1778691"/>
+              <a:ext cx="2155393" cy="1142037"/>
+            </a:xfrm>
+            <a:prstGeom prst="rect">
+              <a:avLst/>
+            </a:prstGeom>
+            <a:solidFill>
+              <a:schemeClr val="bg1"/>
+            </a:solidFill>
+          </p:spPr>
+        </p:pic>
+      </p:grpSp>
+      <p:sp>
+        <p:nvSpPr>
+          <p:cNvPr id="172" name="Rectangle 171">
+            <a:extLst>
+              <a:ext uri="{FF2B5EF4-FFF2-40B4-BE49-F238E27FC236}">
+                <a16:creationId xmlns:a16="http://schemas.microsoft.com/office/drawing/2014/main" id="{58FF8045-D048-C949-ACD2-845A6F1531FD}"/>
+              </a:ext>
+            </a:extLst>
+          </p:cNvPr>
+          <p:cNvSpPr/>
+          <p:nvPr/>
+        </p:nvSpPr>
+        <p:spPr>
+          <a:xfrm>
+            <a:off x="3337792" y="2059094"/>
+            <a:ext cx="2358570" cy="496094"/>
+          </a:xfrm>
+          <a:prstGeom prst="rect">
+            <a:avLst/>
+          </a:prstGeom>
+        </p:spPr>
+        <p:style>
+          <a:lnRef idx="2">
+            <a:schemeClr val="accent1">
+              <a:shade val="50000"/>
+            </a:schemeClr>
+          </a:lnRef>
+          <a:fillRef idx="1">
+            <a:schemeClr val="accent1"/>
+          </a:fillRef>
+          <a:effectRef idx="0">
+            <a:schemeClr val="accent1"/>
+          </a:effectRef>
+          <a:fontRef idx="minor">
+            <a:schemeClr val="lt1"/>
+          </a:fontRef>
+        </p:style>
+        <p:txBody>
+          <a:bodyPr rot="0" spcFirstLastPara="0" vertOverflow="overflow" horzOverflow="overflow" vert="horz" wrap="square" lIns="95991" tIns="47995" rIns="95991" bIns="47995" numCol="1" spcCol="0" rtlCol="0" fromWordArt="0" anchor="ctr" anchorCtr="0" forceAA="0" compatLnSpc="1">
+            <a:prstTxWarp prst="textNoShape">
+              <a:avLst/>
+            </a:prstTxWarp>
+            <a:noAutofit/>
+          </a:bodyPr>
+          <a:lstStyle/>
+          <a:p>
+            <a:pPr algn="ctr"/>
+            <a:r>
+              <a:rPr lang="en-US" sz="2000" dirty="0"/>
+              <a:t>segmentation</a:t>
+            </a:r>
+          </a:p>
+        </p:txBody>
+      </p:sp>
+      <p:sp>
+        <p:nvSpPr>
+          <p:cNvPr id="173" name="Rectangle 172">
+            <a:extLst>
+              <a:ext uri="{FF2B5EF4-FFF2-40B4-BE49-F238E27FC236}">
+                <a16:creationId xmlns:a16="http://schemas.microsoft.com/office/drawing/2014/main" id="{96335B40-8B7E-9849-8318-5DC47AD432F0}"/>
+              </a:ext>
+            </a:extLst>
+          </p:cNvPr>
+          <p:cNvSpPr/>
+          <p:nvPr/>
+        </p:nvSpPr>
+        <p:spPr>
+          <a:xfrm>
+            <a:off x="6527511" y="10289090"/>
+            <a:ext cx="2358570" cy="496094"/>
+          </a:xfrm>
+          <a:prstGeom prst="rect">
+            <a:avLst/>
+          </a:prstGeom>
+        </p:spPr>
+        <p:style>
+          <a:lnRef idx="2">
+            <a:schemeClr val="accent1">
+              <a:shade val="50000"/>
+            </a:schemeClr>
+          </a:lnRef>
+          <a:fillRef idx="1">
+            <a:schemeClr val="accent1"/>
+          </a:fillRef>
+          <a:effectRef idx="0">
+            <a:schemeClr val="accent1"/>
+          </a:effectRef>
+          <a:fontRef idx="minor">
+            <a:schemeClr val="lt1"/>
+          </a:fontRef>
+        </p:style>
+        <p:txBody>
+          <a:bodyPr rot="0" spcFirstLastPara="0" vertOverflow="overflow" horzOverflow="overflow" vert="horz" wrap="square" lIns="95991" tIns="47995" rIns="95991" bIns="47995" numCol="1" spcCol="0" rtlCol="0" fromWordArt="0" anchor="ctr" anchorCtr="0" forceAA="0" compatLnSpc="1">
+            <a:prstTxWarp prst="textNoShape">
+              <a:avLst/>
+            </a:prstTxWarp>
+            <a:noAutofit/>
+          </a:bodyPr>
+          <a:lstStyle/>
+          <a:p>
+            <a:pPr algn="ctr"/>
+            <a:r>
+              <a:rPr lang="en-US" sz="2000" dirty="0"/>
+              <a:t>OASIS</a:t>
+            </a:r>
+          </a:p>
+        </p:txBody>
+      </p:sp>
+      <p:sp>
+        <p:nvSpPr>
+          <p:cNvPr id="174" name="Rectangle 173">
+            <a:extLst>
+              <a:ext uri="{FF2B5EF4-FFF2-40B4-BE49-F238E27FC236}">
+                <a16:creationId xmlns:a16="http://schemas.microsoft.com/office/drawing/2014/main" id="{2FBB4291-FB84-4E4D-BF8D-8DDF166221D1}"/>
+              </a:ext>
+            </a:extLst>
+          </p:cNvPr>
+          <p:cNvSpPr/>
+          <p:nvPr/>
+        </p:nvSpPr>
+        <p:spPr>
+          <a:xfrm>
+            <a:off x="148071" y="2061765"/>
+            <a:ext cx="2358570" cy="496094"/>
+          </a:xfrm>
+          <a:prstGeom prst="rect">
+            <a:avLst/>
+          </a:prstGeom>
+        </p:spPr>
+        <p:style>
+          <a:lnRef idx="2">
+            <a:schemeClr val="accent1">
+              <a:shade val="50000"/>
+            </a:schemeClr>
+          </a:lnRef>
+          <a:fillRef idx="1">
+            <a:schemeClr val="accent1"/>
+          </a:fillRef>
+          <a:effectRef idx="0">
+            <a:schemeClr val="accent1"/>
+          </a:effectRef>
+          <a:fontRef idx="minor">
+            <a:schemeClr val="lt1"/>
+          </a:fontRef>
+        </p:style>
+        <p:txBody>
+          <a:bodyPr rot="0" spcFirstLastPara="0" vertOverflow="overflow" horzOverflow="overflow" vert="horz" wrap="square" lIns="95991" tIns="47995" rIns="95991" bIns="47995" numCol="1" spcCol="0" rtlCol="0" fromWordArt="0" anchor="ctr" anchorCtr="0" forceAA="0" compatLnSpc="1">
+            <a:prstTxWarp prst="textNoShape">
+              <a:avLst/>
+            </a:prstTxWarp>
+            <a:noAutofit/>
+          </a:bodyPr>
+          <a:lstStyle/>
+          <a:p>
+            <a:pPr algn="ctr"/>
+            <a:r>
+              <a:rPr lang="en-US" sz="2000" dirty="0"/>
+              <a:t>OASIS</a:t>
+            </a:r>
+          </a:p>
+        </p:txBody>
+      </p:sp>
+      <p:sp>
+        <p:nvSpPr>
+          <p:cNvPr id="175" name="Rectangle 174">
+            <a:extLst>
+              <a:ext uri="{FF2B5EF4-FFF2-40B4-BE49-F238E27FC236}">
+                <a16:creationId xmlns:a16="http://schemas.microsoft.com/office/drawing/2014/main" id="{85B7C9F2-EEE7-834C-8876-84754587BEF8}"/>
+              </a:ext>
+            </a:extLst>
+          </p:cNvPr>
+          <p:cNvSpPr/>
+          <p:nvPr/>
+        </p:nvSpPr>
+        <p:spPr>
+          <a:xfrm>
+            <a:off x="3337791" y="11625394"/>
+            <a:ext cx="2358570" cy="496094"/>
+          </a:xfrm>
+          <a:prstGeom prst="rect">
+            <a:avLst/>
+          </a:prstGeom>
+        </p:spPr>
+        <p:style>
+          <a:lnRef idx="2">
+            <a:schemeClr val="accent1">
+              <a:shade val="50000"/>
+            </a:schemeClr>
+          </a:lnRef>
+          <a:fillRef idx="1">
+            <a:schemeClr val="accent1"/>
+          </a:fillRef>
+          <a:effectRef idx="0">
+            <a:schemeClr val="accent1"/>
+          </a:effectRef>
+          <a:fontRef idx="minor">
+            <a:schemeClr val="lt1"/>
+          </a:fontRef>
+        </p:style>
+        <p:txBody>
+          <a:bodyPr rot="0" spcFirstLastPara="0" vertOverflow="overflow" horzOverflow="overflow" vert="horz" wrap="square" lIns="95991" tIns="47995" rIns="95991" bIns="47995" numCol="1" spcCol="0" rtlCol="0" fromWordArt="0" anchor="ctr" anchorCtr="0" forceAA="0" compatLnSpc="1">
+            <a:prstTxWarp prst="textNoShape">
+              <a:avLst/>
+            </a:prstTxWarp>
+            <a:noAutofit/>
+          </a:bodyPr>
+          <a:lstStyle/>
+          <a:p>
+            <a:pPr algn="ctr"/>
+            <a:r>
+              <a:rPr lang="en-US" sz="2000" dirty="0"/>
+              <a:t>spike analysis</a:t>
             </a:r>
           </a:p>
         </p:txBody>
       </p:sp>
       <p:cxnSp>
         <p:nvCxnSpPr>
-          <p:cNvPr id="90" name="Straight Arrow Connector 89">
+          <p:cNvPr id="177" name="Straight Arrow Connector 176">
             <a:extLst>
               <a:ext uri="{FF2B5EF4-FFF2-40B4-BE49-F238E27FC236}">
-                <a16:creationId xmlns:a16="http://schemas.microsoft.com/office/drawing/2014/main" id="{CFC418EC-89C0-AB47-9540-D290AC636650}"/>
+                <a16:creationId xmlns:a16="http://schemas.microsoft.com/office/drawing/2014/main" id="{1D80D19B-BE19-A24C-89A8-AE31AEF3CD61}"/>
+              </a:ext>
+            </a:extLst>
+          </p:cNvPr>
+          <p:cNvCxnSpPr>
+            <a:stCxn id="162" idx="2"/>
+            <a:endCxn id="172" idx="0"/>
+          </p:cNvCxnSpPr>
+          <p:nvPr/>
+        </p:nvCxnSpPr>
+        <p:spPr>
+          <a:xfrm>
+            <a:off x="4517077" y="1760697"/>
+            <a:ext cx="0" cy="298407"/>
+          </a:xfrm>
+          <a:prstGeom prst="straightConnector1">
+            <a:avLst/>
+          </a:prstGeom>
+          <a:ln>
+            <a:tailEnd type="triangle"/>
+          </a:ln>
+        </p:spPr>
+        <p:style>
+          <a:lnRef idx="1">
+            <a:schemeClr val="accent1"/>
+          </a:lnRef>
+          <a:fillRef idx="0">
+            <a:schemeClr val="accent1"/>
+          </a:fillRef>
+          <a:effectRef idx="0">
+            <a:schemeClr val="accent1"/>
+          </a:effectRef>
+          <a:fontRef idx="minor">
+            <a:schemeClr val="tx1"/>
+          </a:fontRef>
+        </p:style>
+      </p:cxnSp>
+      <p:cxnSp>
+        <p:nvCxnSpPr>
+          <p:cNvPr id="179" name="Straight Arrow Connector 178">
+            <a:extLst>
+              <a:ext uri="{FF2B5EF4-FFF2-40B4-BE49-F238E27FC236}">
+                <a16:creationId xmlns:a16="http://schemas.microsoft.com/office/drawing/2014/main" id="{AFAF1639-8DB9-E04B-AA99-1306FDB3B568}"/>
+              </a:ext>
+            </a:extLst>
+          </p:cNvPr>
+          <p:cNvCxnSpPr>
+            <a:stCxn id="172" idx="3"/>
+            <a:endCxn id="117" idx="1"/>
+          </p:cNvCxnSpPr>
+          <p:nvPr/>
+        </p:nvCxnSpPr>
+        <p:spPr>
+          <a:xfrm>
+            <a:off x="5696372" y="2307141"/>
+            <a:ext cx="831149" cy="62"/>
+          </a:xfrm>
+          <a:prstGeom prst="straightConnector1">
+            <a:avLst/>
+          </a:prstGeom>
+          <a:ln>
+            <a:tailEnd type="triangle"/>
+          </a:ln>
+        </p:spPr>
+        <p:style>
+          <a:lnRef idx="1">
+            <a:schemeClr val="accent1"/>
+          </a:lnRef>
+          <a:fillRef idx="0">
+            <a:schemeClr val="accent1"/>
+          </a:fillRef>
+          <a:effectRef idx="0">
+            <a:schemeClr val="accent1"/>
+          </a:effectRef>
+          <a:fontRef idx="minor">
+            <a:schemeClr val="tx1"/>
+          </a:fontRef>
+        </p:style>
+      </p:cxnSp>
+      <p:cxnSp>
+        <p:nvCxnSpPr>
+          <p:cNvPr id="181" name="Straight Arrow Connector 180">
+            <a:extLst>
+              <a:ext uri="{FF2B5EF4-FFF2-40B4-BE49-F238E27FC236}">
+                <a16:creationId xmlns:a16="http://schemas.microsoft.com/office/drawing/2014/main" id="{F082758B-958E-3D4C-8384-6E02C447F6B2}"/>
               </a:ext>
             </a:extLst>
           </p:cNvPr>
           <p:cNvCxnSpPr>
             <a:cxnSpLocks/>
-            <a:stCxn id="86" idx="3"/>
-            <a:endCxn id="13" idx="1"/>
+            <a:stCxn id="117" idx="2"/>
+            <a:endCxn id="140" idx="0"/>
+          </p:cNvCxnSpPr>
+          <p:nvPr/>
+        </p:nvCxnSpPr>
+        <p:spPr>
+          <a:xfrm flipH="1">
+            <a:off x="7706795" y="3556011"/>
+            <a:ext cx="2" cy="292075"/>
+          </a:xfrm>
+          <a:prstGeom prst="straightConnector1">
+            <a:avLst/>
+          </a:prstGeom>
+          <a:ln>
+            <a:tailEnd type="triangle"/>
+          </a:ln>
+        </p:spPr>
+        <p:style>
+          <a:lnRef idx="1">
+            <a:schemeClr val="accent1"/>
+          </a:lnRef>
+          <a:fillRef idx="0">
+            <a:schemeClr val="accent1"/>
+          </a:fillRef>
+          <a:effectRef idx="0">
+            <a:schemeClr val="accent1"/>
+          </a:effectRef>
+          <a:fontRef idx="minor">
+            <a:schemeClr val="tx1"/>
+          </a:fontRef>
+        </p:style>
+      </p:cxnSp>
+      <p:cxnSp>
+        <p:nvCxnSpPr>
+          <p:cNvPr id="187" name="Straight Arrow Connector 186">
+            <a:extLst>
+              <a:ext uri="{FF2B5EF4-FFF2-40B4-BE49-F238E27FC236}">
+                <a16:creationId xmlns:a16="http://schemas.microsoft.com/office/drawing/2014/main" id="{CCA18304-173C-114D-A0F5-358AC40B819B}"/>
+              </a:ext>
+            </a:extLst>
+          </p:cNvPr>
+          <p:cNvCxnSpPr>
+            <a:stCxn id="111" idx="3"/>
+            <a:endCxn id="95" idx="1"/>
           </p:cNvCxnSpPr>
           <p:nvPr/>
         </p:nvCxnSpPr>
         <p:spPr>
           <a:xfrm>
-            <a:off x="5294985" y="1046672"/>
-            <a:ext cx="386656" cy="676559"/>
+            <a:off x="5696361" y="4956139"/>
+            <a:ext cx="831150" cy="0"/>
+          </a:xfrm>
+          <a:prstGeom prst="straightConnector1">
+            <a:avLst/>
+          </a:prstGeom>
+          <a:ln>
+            <a:tailEnd type="triangle"/>
+          </a:ln>
+        </p:spPr>
+        <p:style>
+          <a:lnRef idx="1">
+            <a:schemeClr val="accent1"/>
+          </a:lnRef>
+          <a:fillRef idx="0">
+            <a:schemeClr val="accent1"/>
+          </a:fillRef>
+          <a:effectRef idx="0">
+            <a:schemeClr val="accent1"/>
+          </a:effectRef>
+          <a:fontRef idx="minor">
+            <a:schemeClr val="tx1"/>
+          </a:fontRef>
+        </p:style>
+      </p:cxnSp>
+      <p:cxnSp>
+        <p:nvCxnSpPr>
+          <p:cNvPr id="188" name="Straight Arrow Connector 187">
+            <a:extLst>
+              <a:ext uri="{FF2B5EF4-FFF2-40B4-BE49-F238E27FC236}">
+                <a16:creationId xmlns:a16="http://schemas.microsoft.com/office/drawing/2014/main" id="{4123B0D0-024E-1445-979E-3804E2561DEA}"/>
+              </a:ext>
+            </a:extLst>
+          </p:cNvPr>
+          <p:cNvCxnSpPr>
+            <a:cxnSpLocks/>
+            <a:stCxn id="140" idx="2"/>
+            <a:endCxn id="95" idx="0"/>
+          </p:cNvCxnSpPr>
+          <p:nvPr/>
+        </p:nvCxnSpPr>
+        <p:spPr>
+          <a:xfrm>
+            <a:off x="7706795" y="4297308"/>
+            <a:ext cx="2" cy="293703"/>
+          </a:xfrm>
+          <a:prstGeom prst="straightConnector1">
+            <a:avLst/>
+          </a:prstGeom>
+          <a:ln>
+            <a:tailEnd type="triangle"/>
+          </a:ln>
+        </p:spPr>
+        <p:style>
+          <a:lnRef idx="1">
+            <a:schemeClr val="accent1"/>
+          </a:lnRef>
+          <a:fillRef idx="0">
+            <a:schemeClr val="accent1"/>
+          </a:fillRef>
+          <a:effectRef idx="0">
+            <a:schemeClr val="accent1"/>
+          </a:effectRef>
+          <a:fontRef idx="minor">
+            <a:schemeClr val="tx1"/>
+          </a:fontRef>
+        </p:style>
+      </p:cxnSp>
+      <p:cxnSp>
+        <p:nvCxnSpPr>
+          <p:cNvPr id="191" name="Straight Arrow Connector 190">
+            <a:extLst>
+              <a:ext uri="{FF2B5EF4-FFF2-40B4-BE49-F238E27FC236}">
+                <a16:creationId xmlns:a16="http://schemas.microsoft.com/office/drawing/2014/main" id="{65B10E02-BFFC-7249-B928-79C236C5E236}"/>
+              </a:ext>
+            </a:extLst>
+          </p:cNvPr>
+          <p:cNvCxnSpPr>
+            <a:cxnSpLocks/>
+            <a:stCxn id="95" idx="2"/>
+            <a:endCxn id="109" idx="0"/>
+          </p:cNvCxnSpPr>
+          <p:nvPr/>
+        </p:nvCxnSpPr>
+        <p:spPr>
+          <a:xfrm>
+            <a:off x="7706807" y="5321287"/>
+            <a:ext cx="25" cy="293703"/>
+          </a:xfrm>
+          <a:prstGeom prst="straightConnector1">
+            <a:avLst/>
+          </a:prstGeom>
+          <a:ln>
+            <a:tailEnd type="triangle"/>
+          </a:ln>
+        </p:spPr>
+        <p:style>
+          <a:lnRef idx="1">
+            <a:schemeClr val="accent1"/>
+          </a:lnRef>
+          <a:fillRef idx="0">
+            <a:schemeClr val="accent1"/>
+          </a:fillRef>
+          <a:effectRef idx="0">
+            <a:schemeClr val="accent1"/>
+          </a:effectRef>
+          <a:fontRef idx="minor">
+            <a:schemeClr val="tx1"/>
+          </a:fontRef>
+        </p:style>
+      </p:cxnSp>
+      <p:cxnSp>
+        <p:nvCxnSpPr>
+          <p:cNvPr id="194" name="Straight Arrow Connector 193">
+            <a:extLst>
+              <a:ext uri="{FF2B5EF4-FFF2-40B4-BE49-F238E27FC236}">
+                <a16:creationId xmlns:a16="http://schemas.microsoft.com/office/drawing/2014/main" id="{D9F96EF1-8067-5F4A-A821-2D50F62A15E0}"/>
+              </a:ext>
+            </a:extLst>
+          </p:cNvPr>
+          <p:cNvCxnSpPr>
+            <a:cxnSpLocks/>
+            <a:stCxn id="109" idx="2"/>
+            <a:endCxn id="155" idx="0"/>
+          </p:cNvCxnSpPr>
+          <p:nvPr/>
+        </p:nvCxnSpPr>
+        <p:spPr>
+          <a:xfrm flipH="1">
+            <a:off x="7706807" y="7204098"/>
+            <a:ext cx="25" cy="293703"/>
+          </a:xfrm>
+          <a:prstGeom prst="straightConnector1">
+            <a:avLst/>
+          </a:prstGeom>
+          <a:ln>
+            <a:tailEnd type="triangle"/>
+          </a:ln>
+        </p:spPr>
+        <p:style>
+          <a:lnRef idx="1">
+            <a:schemeClr val="accent1"/>
+          </a:lnRef>
+          <a:fillRef idx="0">
+            <a:schemeClr val="accent1"/>
+          </a:fillRef>
+          <a:effectRef idx="0">
+            <a:schemeClr val="accent1"/>
+          </a:effectRef>
+          <a:fontRef idx="minor">
+            <a:schemeClr val="tx1"/>
+          </a:fontRef>
+        </p:style>
+      </p:cxnSp>
+      <p:cxnSp>
+        <p:nvCxnSpPr>
+          <p:cNvPr id="197" name="Straight Arrow Connector 196">
+            <a:extLst>
+              <a:ext uri="{FF2B5EF4-FFF2-40B4-BE49-F238E27FC236}">
+                <a16:creationId xmlns:a16="http://schemas.microsoft.com/office/drawing/2014/main" id="{6A401320-247D-7D40-AC0E-750F838433E7}"/>
+              </a:ext>
+            </a:extLst>
+          </p:cNvPr>
+          <p:cNvCxnSpPr>
+            <a:cxnSpLocks/>
+            <a:stCxn id="155" idx="2"/>
+            <a:endCxn id="173" idx="0"/>
+          </p:cNvCxnSpPr>
+          <p:nvPr/>
+        </p:nvCxnSpPr>
+        <p:spPr>
+          <a:xfrm flipH="1">
+            <a:off x="7706806" y="9995397"/>
+            <a:ext cx="1" cy="293703"/>
+          </a:xfrm>
+          <a:prstGeom prst="straightConnector1">
+            <a:avLst/>
+          </a:prstGeom>
+          <a:ln>
+            <a:tailEnd type="triangle"/>
+          </a:ln>
+        </p:spPr>
+        <p:style>
+          <a:lnRef idx="1">
+            <a:schemeClr val="accent1"/>
+          </a:lnRef>
+          <a:fillRef idx="0">
+            <a:schemeClr val="accent1"/>
+          </a:fillRef>
+          <a:effectRef idx="0">
+            <a:schemeClr val="accent1"/>
+          </a:effectRef>
+          <a:fontRef idx="minor">
+            <a:schemeClr val="tx1"/>
+          </a:fontRef>
+        </p:style>
+      </p:cxnSp>
+      <p:cxnSp>
+        <p:nvCxnSpPr>
+          <p:cNvPr id="200" name="Straight Arrow Connector 199">
+            <a:extLst>
+              <a:ext uri="{FF2B5EF4-FFF2-40B4-BE49-F238E27FC236}">
+                <a16:creationId xmlns:a16="http://schemas.microsoft.com/office/drawing/2014/main" id="{D1B2994C-9588-8840-9E94-5086601F8DB5}"/>
+              </a:ext>
+            </a:extLst>
+          </p:cNvPr>
+          <p:cNvCxnSpPr>
+            <a:cxnSpLocks/>
+            <a:stCxn id="173" idx="2"/>
+            <a:endCxn id="165" idx="0"/>
+          </p:cNvCxnSpPr>
+          <p:nvPr/>
+        </p:nvCxnSpPr>
+        <p:spPr>
+          <a:xfrm>
+            <a:off x="7706796" y="10785194"/>
+            <a:ext cx="0" cy="293703"/>
+          </a:xfrm>
+          <a:prstGeom prst="straightConnector1">
+            <a:avLst/>
+          </a:prstGeom>
+          <a:ln>
+            <a:tailEnd type="triangle"/>
+          </a:ln>
+        </p:spPr>
+        <p:style>
+          <a:lnRef idx="1">
+            <a:schemeClr val="accent1"/>
+          </a:lnRef>
+          <a:fillRef idx="0">
+            <a:schemeClr val="accent1"/>
+          </a:fillRef>
+          <a:effectRef idx="0">
+            <a:schemeClr val="accent1"/>
+          </a:effectRef>
+          <a:fontRef idx="minor">
+            <a:schemeClr val="tx1"/>
+          </a:fontRef>
+        </p:style>
+      </p:cxnSp>
+      <p:cxnSp>
+        <p:nvCxnSpPr>
+          <p:cNvPr id="203" name="Straight Arrow Connector 202">
+            <a:extLst>
+              <a:ext uri="{FF2B5EF4-FFF2-40B4-BE49-F238E27FC236}">
+                <a16:creationId xmlns:a16="http://schemas.microsoft.com/office/drawing/2014/main" id="{1AC6BF10-1BB3-854D-9CC6-B5139597D270}"/>
+              </a:ext>
+            </a:extLst>
+          </p:cNvPr>
+          <p:cNvCxnSpPr>
+            <a:cxnSpLocks/>
+            <a:stCxn id="165" idx="1"/>
+            <a:endCxn id="175" idx="3"/>
+          </p:cNvCxnSpPr>
+          <p:nvPr/>
+        </p:nvCxnSpPr>
+        <p:spPr>
+          <a:xfrm flipH="1">
+            <a:off x="5696361" y="11873441"/>
+            <a:ext cx="831150" cy="0"/>
+          </a:xfrm>
+          <a:prstGeom prst="straightConnector1">
+            <a:avLst/>
+          </a:prstGeom>
+          <a:ln>
+            <a:tailEnd type="triangle"/>
+          </a:ln>
+        </p:spPr>
+        <p:style>
+          <a:lnRef idx="1">
+            <a:schemeClr val="accent1"/>
+          </a:lnRef>
+          <a:fillRef idx="0">
+            <a:schemeClr val="accent1"/>
+          </a:fillRef>
+          <a:effectRef idx="0">
+            <a:schemeClr val="accent1"/>
+          </a:effectRef>
+          <a:fontRef idx="minor">
+            <a:schemeClr val="tx1"/>
+          </a:fontRef>
+        </p:style>
+      </p:cxnSp>
+      <p:cxnSp>
+        <p:nvCxnSpPr>
+          <p:cNvPr id="207" name="Straight Arrow Connector 206">
+            <a:extLst>
+              <a:ext uri="{FF2B5EF4-FFF2-40B4-BE49-F238E27FC236}">
+                <a16:creationId xmlns:a16="http://schemas.microsoft.com/office/drawing/2014/main" id="{821827D5-158B-8D4F-8AE4-4A40860B9339}"/>
+              </a:ext>
+            </a:extLst>
+          </p:cNvPr>
+          <p:cNvCxnSpPr>
+            <a:cxnSpLocks/>
+            <a:stCxn id="168" idx="3"/>
+            <a:endCxn id="175" idx="1"/>
+          </p:cNvCxnSpPr>
+          <p:nvPr/>
+        </p:nvCxnSpPr>
+        <p:spPr>
+          <a:xfrm>
+            <a:off x="2506641" y="11873441"/>
+            <a:ext cx="831150" cy="0"/>
+          </a:xfrm>
+          <a:prstGeom prst="straightConnector1">
+            <a:avLst/>
+          </a:prstGeom>
+          <a:ln>
+            <a:tailEnd type="triangle"/>
+          </a:ln>
+        </p:spPr>
+        <p:style>
+          <a:lnRef idx="1">
+            <a:schemeClr val="accent1"/>
+          </a:lnRef>
+          <a:fillRef idx="0">
+            <a:schemeClr val="accent1"/>
+          </a:fillRef>
+          <a:effectRef idx="0">
+            <a:schemeClr val="accent1"/>
+          </a:effectRef>
+          <a:fontRef idx="minor">
+            <a:schemeClr val="tx1"/>
+          </a:fontRef>
+        </p:style>
+      </p:cxnSp>
+      <p:cxnSp>
+        <p:nvCxnSpPr>
+          <p:cNvPr id="210" name="Straight Arrow Connector 209">
+            <a:extLst>
+              <a:ext uri="{FF2B5EF4-FFF2-40B4-BE49-F238E27FC236}">
+                <a16:creationId xmlns:a16="http://schemas.microsoft.com/office/drawing/2014/main" id="{65800BA6-6E13-3A46-A0E4-40C579769BDE}"/>
+              </a:ext>
+            </a:extLst>
+          </p:cNvPr>
+          <p:cNvCxnSpPr>
+            <a:cxnSpLocks/>
+            <a:stCxn id="172" idx="1"/>
+            <a:endCxn id="174" idx="3"/>
+          </p:cNvCxnSpPr>
+          <p:nvPr/>
+        </p:nvCxnSpPr>
+        <p:spPr>
+          <a:xfrm flipH="1">
+            <a:off x="2506651" y="2307151"/>
+            <a:ext cx="831151" cy="2671"/>
+          </a:xfrm>
+          <a:prstGeom prst="straightConnector1">
+            <a:avLst/>
+          </a:prstGeom>
+          <a:ln>
+            <a:tailEnd type="triangle"/>
+          </a:ln>
+        </p:spPr>
+        <p:style>
+          <a:lnRef idx="1">
+            <a:schemeClr val="accent1"/>
+          </a:lnRef>
+          <a:fillRef idx="0">
+            <a:schemeClr val="accent1"/>
+          </a:fillRef>
+          <a:effectRef idx="0">
+            <a:schemeClr val="accent1"/>
+          </a:effectRef>
+          <a:fontRef idx="minor">
+            <a:schemeClr val="tx1"/>
+          </a:fontRef>
+        </p:style>
+      </p:cxnSp>
+      <p:cxnSp>
+        <p:nvCxnSpPr>
+          <p:cNvPr id="216" name="Straight Arrow Connector 215">
+            <a:extLst>
+              <a:ext uri="{FF2B5EF4-FFF2-40B4-BE49-F238E27FC236}">
+                <a16:creationId xmlns:a16="http://schemas.microsoft.com/office/drawing/2014/main" id="{9A17688B-570A-FA45-B860-E97B3BE3FD7D}"/>
+              </a:ext>
+            </a:extLst>
+          </p:cNvPr>
+          <p:cNvCxnSpPr>
+            <a:cxnSpLocks/>
+            <a:stCxn id="174" idx="2"/>
+            <a:endCxn id="168" idx="0"/>
+          </p:cNvCxnSpPr>
+          <p:nvPr/>
+        </p:nvCxnSpPr>
+        <p:spPr>
+          <a:xfrm>
+            <a:off x="1327356" y="2557859"/>
+            <a:ext cx="0" cy="8521028"/>
           </a:xfrm>
           <a:prstGeom prst="straightConnector1">
             <a:avLst/>

--- a/diagrams/calciumgan-pipeline.pptx
+++ b/diagrams/calciumgan-pipeline.pptx
@@ -243,7 +243,7 @@
           <a:p>
             <a:fld id="{77FD92D2-A554-7447-906B-95AD3CE4CD8B}" type="datetimeFigureOut">
               <a:rPr lang="en-US" smtClean="0"/>
-              <a:t>8/21/20</a:t>
+              <a:t>8/28/20</a:t>
             </a:fld>
             <a:endParaRPr lang="en-US"/>
           </a:p>
@@ -413,7 +413,7 @@
           <a:p>
             <a:fld id="{77FD92D2-A554-7447-906B-95AD3CE4CD8B}" type="datetimeFigureOut">
               <a:rPr lang="en-US" smtClean="0"/>
-              <a:t>8/21/20</a:t>
+              <a:t>8/28/20</a:t>
             </a:fld>
             <a:endParaRPr lang="en-US"/>
           </a:p>
@@ -593,7 +593,7 @@
           <a:p>
             <a:fld id="{77FD92D2-A554-7447-906B-95AD3CE4CD8B}" type="datetimeFigureOut">
               <a:rPr lang="en-US" smtClean="0"/>
-              <a:t>8/21/20</a:t>
+              <a:t>8/28/20</a:t>
             </a:fld>
             <a:endParaRPr lang="en-US"/>
           </a:p>
@@ -763,7 +763,7 @@
           <a:p>
             <a:fld id="{77FD92D2-A554-7447-906B-95AD3CE4CD8B}" type="datetimeFigureOut">
               <a:rPr lang="en-US" smtClean="0"/>
-              <a:t>8/21/20</a:t>
+              <a:t>8/28/20</a:t>
             </a:fld>
             <a:endParaRPr lang="en-US"/>
           </a:p>
@@ -1007,7 +1007,7 @@
           <a:p>
             <a:fld id="{77FD92D2-A554-7447-906B-95AD3CE4CD8B}" type="datetimeFigureOut">
               <a:rPr lang="en-US" smtClean="0"/>
-              <a:t>8/21/20</a:t>
+              <a:t>8/28/20</a:t>
             </a:fld>
             <a:endParaRPr lang="en-US"/>
           </a:p>
@@ -1239,7 +1239,7 @@
           <a:p>
             <a:fld id="{77FD92D2-A554-7447-906B-95AD3CE4CD8B}" type="datetimeFigureOut">
               <a:rPr lang="en-US" smtClean="0"/>
-              <a:t>8/21/20</a:t>
+              <a:t>8/28/20</a:t>
             </a:fld>
             <a:endParaRPr lang="en-US"/>
           </a:p>
@@ -1606,7 +1606,7 @@
           <a:p>
             <a:fld id="{77FD92D2-A554-7447-906B-95AD3CE4CD8B}" type="datetimeFigureOut">
               <a:rPr lang="en-US" smtClean="0"/>
-              <a:t>8/21/20</a:t>
+              <a:t>8/28/20</a:t>
             </a:fld>
             <a:endParaRPr lang="en-US"/>
           </a:p>
@@ -1724,7 +1724,7 @@
           <a:p>
             <a:fld id="{77FD92D2-A554-7447-906B-95AD3CE4CD8B}" type="datetimeFigureOut">
               <a:rPr lang="en-US" smtClean="0"/>
-              <a:t>8/21/20</a:t>
+              <a:t>8/28/20</a:t>
             </a:fld>
             <a:endParaRPr lang="en-US"/>
           </a:p>
@@ -1819,7 +1819,7 @@
           <a:p>
             <a:fld id="{77FD92D2-A554-7447-906B-95AD3CE4CD8B}" type="datetimeFigureOut">
               <a:rPr lang="en-US" smtClean="0"/>
-              <a:t>8/21/20</a:t>
+              <a:t>8/28/20</a:t>
             </a:fld>
             <a:endParaRPr lang="en-US"/>
           </a:p>
@@ -2096,7 +2096,7 @@
           <a:p>
             <a:fld id="{77FD92D2-A554-7447-906B-95AD3CE4CD8B}" type="datetimeFigureOut">
               <a:rPr lang="en-US" smtClean="0"/>
-              <a:t>8/21/20</a:t>
+              <a:t>8/28/20</a:t>
             </a:fld>
             <a:endParaRPr lang="en-US"/>
           </a:p>
@@ -2353,7 +2353,7 @@
           <a:p>
             <a:fld id="{77FD92D2-A554-7447-906B-95AD3CE4CD8B}" type="datetimeFigureOut">
               <a:rPr lang="en-US" smtClean="0"/>
-              <a:t>8/21/20</a:t>
+              <a:t>8/28/20</a:t>
             </a:fld>
             <a:endParaRPr lang="en-US"/>
           </a:p>
@@ -2566,7 +2566,7 @@
           <a:p>
             <a:fld id="{77FD92D2-A554-7447-906B-95AD3CE4CD8B}" type="datetimeFigureOut">
               <a:rPr lang="en-US" smtClean="0"/>
-              <a:t>8/21/20</a:t>
+              <a:t>8/28/20</a:t>
             </a:fld>
             <a:endParaRPr lang="en-US"/>
           </a:p>
@@ -3557,74 +3557,172 @@
           </p:style>
         </p:cxnSp>
       </p:grpSp>
-      <p:sp>
-        <p:nvSpPr>
-          <p:cNvPr id="140" name="Rectangle 139">
-            <a:extLst>
-              <a:ext uri="{FF2B5EF4-FFF2-40B4-BE49-F238E27FC236}">
-                <a16:creationId xmlns:a16="http://schemas.microsoft.com/office/drawing/2014/main" id="{1A9F57F7-19AD-A841-B828-E8D3466FCC13}"/>
-              </a:ext>
-            </a:extLst>
-          </p:cNvPr>
-          <p:cNvSpPr/>
-          <p:nvPr/>
-        </p:nvSpPr>
-        <p:spPr>
-          <a:xfrm>
-            <a:off x="6527520" y="3848076"/>
-            <a:ext cx="2358569" cy="449222"/>
-          </a:xfrm>
-          <a:prstGeom prst="rect">
-            <a:avLst/>
-          </a:prstGeom>
-          <a:solidFill>
-            <a:schemeClr val="bg1"/>
-          </a:solidFill>
-          <a:ln>
-            <a:solidFill>
-              <a:schemeClr val="bg2">
-                <a:lumMod val="50000"/>
-              </a:schemeClr>
-            </a:solidFill>
-          </a:ln>
-        </p:spPr>
-        <p:style>
-          <a:lnRef idx="2">
-            <a:schemeClr val="accent1">
-              <a:shade val="50000"/>
-            </a:schemeClr>
-          </a:lnRef>
-          <a:fillRef idx="1">
-            <a:schemeClr val="accent1"/>
-          </a:fillRef>
-          <a:effectRef idx="0">
-            <a:schemeClr val="accent1"/>
-          </a:effectRef>
-          <a:fontRef idx="minor">
-            <a:schemeClr val="lt1"/>
-          </a:fontRef>
-        </p:style>
-        <p:txBody>
-          <a:bodyPr rot="0" spcFirstLastPara="0" vertOverflow="overflow" horzOverflow="overflow" vert="horz" wrap="square" lIns="95991" tIns="46800" rIns="95991" bIns="46800" numCol="1" spcCol="0" rtlCol="0" fromWordArt="0" anchor="ctr" anchorCtr="0" forceAA="0" compatLnSpc="1">
-            <a:prstTxWarp prst="textNoShape">
-              <a:avLst/>
-            </a:prstTxWarp>
-            <a:noAutofit/>
-          </a:bodyPr>
-          <a:lstStyle/>
-          <a:p>
-            <a:pPr algn="ctr"/>
-            <a:r>
-              <a:rPr lang="en-US" sz="2000" dirty="0">
+      <mc:AlternateContent xmlns:mc="http://schemas.openxmlformats.org/markup-compatibility/2006">
+        <mc:Choice xmlns:a14="http://schemas.microsoft.com/office/drawing/2010/main" Requires="a14">
+          <p:sp>
+            <p:nvSpPr>
+              <p:cNvPr id="140" name="Rectangle 139">
+                <a:extLst>
+                  <a:ext uri="{FF2B5EF4-FFF2-40B4-BE49-F238E27FC236}">
+                    <a16:creationId xmlns:a16="http://schemas.microsoft.com/office/drawing/2014/main" id="{1A9F57F7-19AD-A841-B828-E8D3466FCC13}"/>
+                  </a:ext>
+                </a:extLst>
+              </p:cNvPr>
+              <p:cNvSpPr/>
+              <p:nvPr/>
+            </p:nvSpPr>
+            <p:spPr>
+              <a:xfrm>
+                <a:off x="6527520" y="3848076"/>
+                <a:ext cx="2358569" cy="449222"/>
+              </a:xfrm>
+              <a:prstGeom prst="rect">
+                <a:avLst/>
+              </a:prstGeom>
+              <a:solidFill>
+                <a:schemeClr val="bg1"/>
+              </a:solidFill>
+              <a:ln>
                 <a:solidFill>
-                  <a:schemeClr val="tx1"/>
+                  <a:schemeClr val="bg2">
+                    <a:lumMod val="50000"/>
+                  </a:schemeClr>
                 </a:solidFill>
-              </a:rPr>
-              <a:t>input x</a:t>
-            </a:r>
-          </a:p>
-        </p:txBody>
-      </p:sp>
+              </a:ln>
+            </p:spPr>
+            <p:style>
+              <a:lnRef idx="2">
+                <a:schemeClr val="accent1">
+                  <a:shade val="50000"/>
+                </a:schemeClr>
+              </a:lnRef>
+              <a:fillRef idx="1">
+                <a:schemeClr val="accent1"/>
+              </a:fillRef>
+              <a:effectRef idx="0">
+                <a:schemeClr val="accent1"/>
+              </a:effectRef>
+              <a:fontRef idx="minor">
+                <a:schemeClr val="lt1"/>
+              </a:fontRef>
+            </p:style>
+            <p:txBody>
+              <a:bodyPr rot="0" spcFirstLastPara="0" vertOverflow="overflow" horzOverflow="overflow" vert="horz" wrap="square" lIns="95991" tIns="46800" rIns="95991" bIns="46800" numCol="1" spcCol="0" rtlCol="0" fromWordArt="0" anchor="ctr" anchorCtr="0" forceAA="0" compatLnSpc="1">
+                <a:prstTxWarp prst="textNoShape">
+                  <a:avLst/>
+                </a:prstTxWarp>
+                <a:noAutofit/>
+              </a:bodyPr>
+              <a:lstStyle/>
+              <a:p>
+                <a:pPr algn="ctr"/>
+                <a:r>
+                  <a:rPr lang="en-US" sz="2000" dirty="0">
+                    <a:solidFill>
+                      <a:schemeClr val="tx1"/>
+                    </a:solidFill>
+                  </a:rPr>
+                  <a:t>input </a:t>
+                </a:r>
+                <a14:m>
+                  <m:oMath xmlns:m="http://schemas.openxmlformats.org/officeDocument/2006/math">
+                    <m:sSub>
+                      <m:sSubPr>
+                        <m:ctrlPr>
+                          <a:rPr lang="en-US" sz="2000" i="1" smtClean="0">
+                            <a:solidFill>
+                              <a:schemeClr val="tx1"/>
+                            </a:solidFill>
+                            <a:latin typeface="Cambria Math" panose="02040503050406030204" pitchFamily="18" charset="0"/>
+                          </a:rPr>
+                        </m:ctrlPr>
+                      </m:sSubPr>
+                      <m:e>
+                        <m:r>
+                          <a:rPr lang="en-CA" sz="2000" b="0" i="1" smtClean="0">
+                            <a:solidFill>
+                              <a:schemeClr val="tx1"/>
+                            </a:solidFill>
+                            <a:latin typeface="Cambria Math" panose="02040503050406030204" pitchFamily="18" charset="0"/>
+                          </a:rPr>
+                          <m:t>𝑥</m:t>
+                        </m:r>
+                      </m:e>
+                      <m:sub>
+                        <m:r>
+                          <a:rPr lang="en-CA" sz="2000" b="0" i="1" smtClean="0">
+                            <a:solidFill>
+                              <a:schemeClr val="tx1"/>
+                            </a:solidFill>
+                            <a:latin typeface="Cambria Math" panose="02040503050406030204" pitchFamily="18" charset="0"/>
+                          </a:rPr>
+                          <m:t>[0, 1]</m:t>
+                        </m:r>
+                      </m:sub>
+                    </m:sSub>
+                  </m:oMath>
+                </a14:m>
+                <a:endParaRPr lang="en-US" sz="2000" dirty="0">
+                  <a:solidFill>
+                    <a:schemeClr val="tx1"/>
+                  </a:solidFill>
+                </a:endParaRPr>
+              </a:p>
+            </p:txBody>
+          </p:sp>
+        </mc:Choice>
+        <mc:Fallback>
+          <p:sp>
+            <p:nvSpPr>
+              <p:cNvPr id="140" name="Rectangle 139">
+                <a:extLst>
+                  <a:ext uri="{FF2B5EF4-FFF2-40B4-BE49-F238E27FC236}">
+                    <a16:creationId xmlns:a16="http://schemas.microsoft.com/office/drawing/2014/main" id="{1A9F57F7-19AD-A841-B828-E8D3466FCC13}"/>
+                  </a:ext>
+                </a:extLst>
+              </p:cNvPr>
+              <p:cNvSpPr>
+                <a:spLocks noRot="1" noChangeAspect="1" noMove="1" noResize="1" noEditPoints="1" noAdjustHandles="1" noChangeArrowheads="1" noChangeShapeType="1" noTextEdit="1"/>
+              </p:cNvSpPr>
+              <p:nvPr/>
+            </p:nvSpPr>
+            <p:spPr>
+              <a:xfrm>
+                <a:off x="6527520" y="3848076"/>
+                <a:ext cx="2358569" cy="449222"/>
+              </a:xfrm>
+              <a:prstGeom prst="rect">
+                <a:avLst/>
+              </a:prstGeom>
+              <a:blipFill>
+                <a:blip r:embed="rId3"/>
+                <a:stretch>
+                  <a:fillRect t="-2778" b="-13889"/>
+                </a:stretch>
+              </a:blipFill>
+              <a:ln>
+                <a:solidFill>
+                  <a:schemeClr val="bg2">
+                    <a:lumMod val="50000"/>
+                  </a:schemeClr>
+                </a:solidFill>
+              </a:ln>
+            </p:spPr>
+            <p:txBody>
+              <a:bodyPr/>
+              <a:lstStyle/>
+              <a:p>
+                <a:r>
+                  <a:rPr lang="en-US">
+                    <a:noFill/>
+                  </a:rPr>
+                  <a:t> </a:t>
+                </a:r>
+              </a:p>
+            </p:txBody>
+          </p:sp>
+        </mc:Fallback>
+      </mc:AlternateContent>
       <p:grpSp>
         <p:nvGrpSpPr>
           <p:cNvPr id="154" name="Group 153">
@@ -4074,7 +4172,7 @@
             <p:nvPr/>
           </p:nvPicPr>
           <p:blipFill>
-            <a:blip r:embed="rId3"/>
+            <a:blip r:embed="rId4"/>
             <a:srcRect/>
             <a:stretch/>
           </p:blipFill>
@@ -4195,7 +4293,7 @@
             <p:nvPr/>
           </p:nvPicPr>
           <p:blipFill>
-            <a:blip r:embed="rId4"/>
+            <a:blip r:embed="rId5"/>
             <a:srcRect/>
             <a:stretch/>
           </p:blipFill>
@@ -4316,7 +4414,7 @@
             <p:nvPr/>
           </p:nvPicPr>
           <p:blipFill>
-            <a:blip r:embed="rId5"/>
+            <a:blip r:embed="rId6"/>
             <a:srcRect/>
             <a:stretch/>
           </p:blipFill>
